--- a/Debug/Debug-SH/session2/Debugging Workshop 2.pptx
+++ b/Debug/Debug-SH/session2/Debugging Workshop 2.pptx
@@ -6,7 +6,7 @@
     <p:sldMasterId id="2147483864" r:id="rId2"/>
   </p:sldMasterIdLst>
   <p:notesMasterIdLst>
-    <p:notesMasterId r:id="rId19"/>
+    <p:notesMasterId r:id="rId25"/>
   </p:notesMasterIdLst>
   <p:sldIdLst>
     <p:sldId id="287" r:id="rId3"/>
@@ -22,9 +22,15 @@
     <p:sldId id="323" r:id="rId13"/>
     <p:sldId id="330" r:id="rId14"/>
     <p:sldId id="328" r:id="rId15"/>
-    <p:sldId id="329" r:id="rId16"/>
-    <p:sldId id="312" r:id="rId17"/>
-    <p:sldId id="294" r:id="rId18"/>
+    <p:sldId id="337" r:id="rId16"/>
+    <p:sldId id="331" r:id="rId17"/>
+    <p:sldId id="332" r:id="rId18"/>
+    <p:sldId id="333" r:id="rId19"/>
+    <p:sldId id="334" r:id="rId20"/>
+    <p:sldId id="335" r:id="rId21"/>
+    <p:sldId id="336" r:id="rId22"/>
+    <p:sldId id="312" r:id="rId23"/>
+    <p:sldId id="294" r:id="rId24"/>
   </p:sldIdLst>
   <p:sldSz cx="13004800" cy="9753600"/>
   <p:notesSz cx="6858000" cy="9144000"/>
@@ -195,7 +201,13 @@
             <p14:sldId id="323"/>
             <p14:sldId id="330"/>
             <p14:sldId id="328"/>
-            <p14:sldId id="329"/>
+            <p14:sldId id="337"/>
+            <p14:sldId id="331"/>
+            <p14:sldId id="332"/>
+            <p14:sldId id="333"/>
+            <p14:sldId id="334"/>
+            <p14:sldId id="335"/>
+            <p14:sldId id="336"/>
             <p14:sldId id="312"/>
             <p14:sldId id="294"/>
           </p14:sldIdLst>
@@ -325,7 +337,7 @@
               <a:pPr>
                 <a:defRPr/>
               </a:pPr>
-              <a:t>9/17/2015</a:t>
+              <a:t>8/11/2016</a:t>
             </a:fld>
             <a:endParaRPr lang="en-US"/>
           </a:p>
@@ -361,7 +373,7 @@
           <a:lstStyle/>
           <a:p>
             <a:pPr lvl="0"/>
-            <a:endParaRPr lang="en-US" noProof="0" smtClean="0"/>
+            <a:endParaRPr lang="en-US" noProof="0"/>
           </a:p>
         </p:txBody>
       </p:sp>
@@ -390,35 +402,35 @@
           <a:p>
             <a:pPr lvl="0"/>
             <a:r>
-              <a:rPr lang="en-US" noProof="0" smtClean="0"/>
+              <a:rPr lang="en-US" noProof="0"/>
               <a:t>Click to edit Master text styles</a:t>
             </a:r>
           </a:p>
           <a:p>
             <a:pPr lvl="1"/>
             <a:r>
-              <a:rPr lang="en-US" noProof="0" smtClean="0"/>
+              <a:rPr lang="en-US" noProof="0"/>
               <a:t>Second level</a:t>
             </a:r>
           </a:p>
           <a:p>
             <a:pPr lvl="2"/>
             <a:r>
-              <a:rPr lang="en-US" noProof="0" smtClean="0"/>
+              <a:rPr lang="en-US" noProof="0"/>
               <a:t>Third level</a:t>
             </a:r>
           </a:p>
           <a:p>
             <a:pPr lvl="3"/>
             <a:r>
-              <a:rPr lang="en-US" noProof="0" smtClean="0"/>
+              <a:rPr lang="en-US" noProof="0"/>
               <a:t>Fourth level</a:t>
             </a:r>
           </a:p>
           <a:p>
             <a:pPr lvl="4"/>
             <a:r>
-              <a:rPr lang="en-US" noProof="0" smtClean="0"/>
+              <a:rPr lang="en-US" noProof="0"/>
               <a:t>Fifth level</a:t>
             </a:r>
           </a:p>
@@ -676,7 +688,7 @@
           </a:ln>
           <a:extLst>
             <a:ext uri="{909E8E84-426E-40dd-AFC4-6F175D3DCCD1}">
-              <a14:hiddenFill xmlns:a14="http://schemas.microsoft.com/office/drawing/2010/main" xmlns="">
+              <a14:hiddenFill xmlns="" xmlns:a14="http://schemas.microsoft.com/office/drawing/2010/main">
                 <a:noFill/>
               </a14:hiddenFill>
             </a:ext>
@@ -720,7 +732,7 @@
           </a:ln>
           <a:extLst>
             <a:ext uri="{909E8E84-426E-40dd-AFC4-6F175D3DCCD1}">
-              <a14:hiddenFill xmlns:a14="http://schemas.microsoft.com/office/drawing/2010/main" xmlns="">
+              <a14:hiddenFill xmlns="" xmlns:a14="http://schemas.microsoft.com/office/drawing/2010/main">
                 <a:noFill/>
               </a14:hiddenFill>
             </a:ext>
@@ -769,14 +781,14 @@
           </a:ln>
           <a:extLst>
             <a:ext uri="{909E8E84-426E-40dd-AFC4-6F175D3DCCD1}">
-              <a14:hiddenFill xmlns:a14="http://schemas.microsoft.com/office/drawing/2010/main" xmlns="">
+              <a14:hiddenFill xmlns="" xmlns:a14="http://schemas.microsoft.com/office/drawing/2010/main">
                 <a:solidFill>
                   <a:srgbClr val="FFFFFF"/>
                 </a:solidFill>
               </a14:hiddenFill>
             </a:ext>
             <a:ext uri="{91240B29-F687-4f45-9708-019B960494DF}">
-              <a14:hiddenLine xmlns:a14="http://schemas.microsoft.com/office/drawing/2010/main" xmlns="" w="9525">
+              <a14:hiddenLine xmlns="" xmlns:a14="http://schemas.microsoft.com/office/drawing/2010/main" w="9525">
                 <a:solidFill>
                   <a:srgbClr val="000000"/>
                 </a:solidFill>
@@ -815,10 +827,9 @@
           </a:lstStyle>
           <a:p>
             <a:r>
-              <a:rPr lang="en-US" dirty="0" smtClean="0"/>
+              <a:rPr lang="en-US" dirty="0"/>
               <a:t>Click to edit Master title style</a:t>
             </a:r>
-            <a:endParaRPr lang="en-US" dirty="0"/>
           </a:p>
         </p:txBody>
       </p:sp>
@@ -875,38 +886,37 @@
           <a:p>
             <a:pPr lvl="0"/>
             <a:r>
-              <a:rPr lang="en-US" dirty="0" smtClean="0"/>
+              <a:rPr lang="en-US" dirty="0"/>
               <a:t>Click to edit Master text styles</a:t>
             </a:r>
           </a:p>
           <a:p>
             <a:pPr lvl="1"/>
             <a:r>
-              <a:rPr lang="en-US" dirty="0" smtClean="0"/>
+              <a:rPr lang="en-US" dirty="0"/>
               <a:t>Second level</a:t>
             </a:r>
           </a:p>
           <a:p>
             <a:pPr lvl="2"/>
             <a:r>
-              <a:rPr lang="en-US" dirty="0" smtClean="0"/>
+              <a:rPr lang="en-US" dirty="0"/>
               <a:t>Third level</a:t>
             </a:r>
           </a:p>
           <a:p>
             <a:pPr lvl="3"/>
             <a:r>
-              <a:rPr lang="en-US" dirty="0" smtClean="0"/>
+              <a:rPr lang="en-US" dirty="0"/>
               <a:t>Fourth level</a:t>
             </a:r>
           </a:p>
           <a:p>
             <a:pPr lvl="4"/>
             <a:r>
-              <a:rPr lang="en-US" dirty="0" smtClean="0"/>
+              <a:rPr lang="en-US" dirty="0"/>
               <a:t>Fifth level</a:t>
             </a:r>
-            <a:endParaRPr lang="en-US" dirty="0"/>
           </a:p>
         </p:txBody>
       </p:sp>
@@ -986,7 +996,7 @@
           <a:p>
             <a:pPr lvl="0"/>
             <a:r>
-              <a:rPr lang="en-US" smtClean="0"/>
+              <a:rPr lang="en-US"/>
               <a:t>Click to edit Master text styles</a:t>
             </a:r>
           </a:p>
@@ -1124,7 +1134,7 @@
           </a:ln>
           <a:extLst>
             <a:ext uri="{909E8E84-426E-40dd-AFC4-6F175D3DCCD1}">
-              <a14:hiddenFill xmlns:a14="http://schemas.microsoft.com/office/drawing/2010/main" xmlns="">
+              <a14:hiddenFill xmlns="" xmlns:a14="http://schemas.microsoft.com/office/drawing/2010/main">
                 <a:noFill/>
               </a14:hiddenFill>
             </a:ext>
@@ -1173,14 +1183,14 @@
           </a:ln>
           <a:extLst>
             <a:ext uri="{909E8E84-426E-40dd-AFC4-6F175D3DCCD1}">
-              <a14:hiddenFill xmlns:a14="http://schemas.microsoft.com/office/drawing/2010/main" xmlns="">
+              <a14:hiddenFill xmlns="" xmlns:a14="http://schemas.microsoft.com/office/drawing/2010/main">
                 <a:solidFill>
                   <a:srgbClr val="FFFFFF"/>
                 </a:solidFill>
               </a14:hiddenFill>
             </a:ext>
             <a:ext uri="{91240B29-F687-4f45-9708-019B960494DF}">
-              <a14:hiddenLine xmlns:a14="http://schemas.microsoft.com/office/drawing/2010/main" xmlns="" w="9525">
+              <a14:hiddenLine xmlns="" xmlns:a14="http://schemas.microsoft.com/office/drawing/2010/main" w="9525">
                 <a:solidFill>
                   <a:srgbClr val="000000"/>
                 </a:solidFill>
@@ -1223,10 +1233,9 @@
           </a:lstStyle>
           <a:p>
             <a:r>
-              <a:rPr lang="en-US" dirty="0" smtClean="0"/>
+              <a:rPr lang="en-US" dirty="0"/>
               <a:t>Click to edit Master title style</a:t>
             </a:r>
-            <a:endParaRPr lang="en-US" dirty="0"/>
           </a:p>
         </p:txBody>
       </p:sp>
@@ -1318,38 +1327,37 @@
           <a:p>
             <a:pPr lvl="0"/>
             <a:r>
-              <a:rPr lang="en-US" dirty="0" smtClean="0"/>
+              <a:rPr lang="en-US" dirty="0"/>
               <a:t>Click to edit Master text styles</a:t>
             </a:r>
           </a:p>
           <a:p>
             <a:pPr lvl="1"/>
             <a:r>
-              <a:rPr lang="en-US" dirty="0" smtClean="0"/>
+              <a:rPr lang="en-US" dirty="0"/>
               <a:t>Second level</a:t>
             </a:r>
           </a:p>
           <a:p>
             <a:pPr lvl="2"/>
             <a:r>
-              <a:rPr lang="en-US" dirty="0" smtClean="0"/>
+              <a:rPr lang="en-US" dirty="0"/>
               <a:t>Third level</a:t>
             </a:r>
           </a:p>
           <a:p>
             <a:pPr lvl="3"/>
             <a:r>
-              <a:rPr lang="en-US" dirty="0" smtClean="0"/>
+              <a:rPr lang="en-US" dirty="0"/>
               <a:t>Fourth level</a:t>
             </a:r>
           </a:p>
           <a:p>
             <a:pPr lvl="4"/>
             <a:r>
-              <a:rPr lang="en-US" dirty="0" smtClean="0"/>
+              <a:rPr lang="en-US" dirty="0"/>
               <a:t>Fifth level</a:t>
             </a:r>
-            <a:endParaRPr lang="en-US" dirty="0"/>
           </a:p>
         </p:txBody>
       </p:sp>
@@ -1411,7 +1419,7 @@
           </a:ln>
           <a:extLst>
             <a:ext uri="{909E8E84-426E-40dd-AFC4-6F175D3DCCD1}">
-              <a14:hiddenFill xmlns:a14="http://schemas.microsoft.com/office/drawing/2010/main" xmlns="">
+              <a14:hiddenFill xmlns="" xmlns:a14="http://schemas.microsoft.com/office/drawing/2010/main">
                 <a:noFill/>
               </a14:hiddenFill>
             </a:ext>
@@ -1455,7 +1463,7 @@
           </a:ln>
           <a:extLst>
             <a:ext uri="{909E8E84-426E-40dd-AFC4-6F175D3DCCD1}">
-              <a14:hiddenFill xmlns:a14="http://schemas.microsoft.com/office/drawing/2010/main" xmlns="">
+              <a14:hiddenFill xmlns="" xmlns:a14="http://schemas.microsoft.com/office/drawing/2010/main">
                 <a:noFill/>
               </a14:hiddenFill>
             </a:ext>
@@ -1504,14 +1512,14 @@
           </a:ln>
           <a:extLst>
             <a:ext uri="{909E8E84-426E-40dd-AFC4-6F175D3DCCD1}">
-              <a14:hiddenFill xmlns:a14="http://schemas.microsoft.com/office/drawing/2010/main" xmlns="">
+              <a14:hiddenFill xmlns="" xmlns:a14="http://schemas.microsoft.com/office/drawing/2010/main">
                 <a:solidFill>
                   <a:srgbClr val="FFFFFF"/>
                 </a:solidFill>
               </a14:hiddenFill>
             </a:ext>
             <a:ext uri="{91240B29-F687-4f45-9708-019B960494DF}">
-              <a14:hiddenLine xmlns:a14="http://schemas.microsoft.com/office/drawing/2010/main" xmlns="" w="9525">
+              <a14:hiddenLine xmlns="" xmlns:a14="http://schemas.microsoft.com/office/drawing/2010/main" w="9525">
                 <a:solidFill>
                   <a:srgbClr val="000000"/>
                 </a:solidFill>
@@ -1550,10 +1558,9 @@
           </a:lstStyle>
           <a:p>
             <a:r>
-              <a:rPr lang="en-US" dirty="0" smtClean="0"/>
+              <a:rPr lang="en-US" dirty="0"/>
               <a:t>Click to edit Master title style</a:t>
             </a:r>
-            <a:endParaRPr lang="en-US" dirty="0"/>
           </a:p>
         </p:txBody>
       </p:sp>
@@ -1610,38 +1617,37 @@
           <a:p>
             <a:pPr lvl="0"/>
             <a:r>
-              <a:rPr lang="en-US" dirty="0" smtClean="0"/>
+              <a:rPr lang="en-US" dirty="0"/>
               <a:t>Click to edit Master text styles</a:t>
             </a:r>
           </a:p>
           <a:p>
             <a:pPr lvl="1"/>
             <a:r>
-              <a:rPr lang="en-US" dirty="0" smtClean="0"/>
+              <a:rPr lang="en-US" dirty="0"/>
               <a:t>Second level</a:t>
             </a:r>
           </a:p>
           <a:p>
             <a:pPr lvl="2"/>
             <a:r>
-              <a:rPr lang="en-US" dirty="0" smtClean="0"/>
+              <a:rPr lang="en-US" dirty="0"/>
               <a:t>Third level</a:t>
             </a:r>
           </a:p>
           <a:p>
             <a:pPr lvl="3"/>
             <a:r>
-              <a:rPr lang="en-US" dirty="0" smtClean="0"/>
+              <a:rPr lang="en-US" dirty="0"/>
               <a:t>Fourth level</a:t>
             </a:r>
           </a:p>
           <a:p>
             <a:pPr lvl="4"/>
             <a:r>
-              <a:rPr lang="en-US" dirty="0" smtClean="0"/>
+              <a:rPr lang="en-US" dirty="0"/>
               <a:t>Fifth level</a:t>
             </a:r>
-            <a:endParaRPr lang="en-US" dirty="0"/>
           </a:p>
         </p:txBody>
       </p:sp>
@@ -1721,7 +1727,7 @@
           <a:p>
             <a:pPr lvl="0"/>
             <a:r>
-              <a:rPr lang="en-US" smtClean="0"/>
+              <a:rPr lang="en-US"/>
               <a:t>Click to edit Master text styles</a:t>
             </a:r>
           </a:p>
@@ -1785,7 +1791,7 @@
           </a:ln>
           <a:extLst>
             <a:ext uri="{909E8E84-426E-40dd-AFC4-6F175D3DCCD1}">
-              <a14:hiddenFill xmlns:a14="http://schemas.microsoft.com/office/drawing/2010/main" xmlns="">
+              <a14:hiddenFill xmlns="" xmlns:a14="http://schemas.microsoft.com/office/drawing/2010/main">
                 <a:noFill/>
               </a14:hiddenFill>
             </a:ext>
@@ -1815,10 +1821,9 @@
           <a:lstStyle/>
           <a:p>
             <a:r>
-              <a:rPr lang="en-US" smtClean="0"/>
+              <a:rPr lang="en-US"/>
               <a:t>Click to edit Master title style</a:t>
             </a:r>
-            <a:endParaRPr lang="en-US"/>
           </a:p>
         </p:txBody>
       </p:sp>
@@ -1873,38 +1878,37 @@
           <a:p>
             <a:pPr lvl="0"/>
             <a:r>
-              <a:rPr lang="en-US" dirty="0" smtClean="0"/>
+              <a:rPr lang="en-US" dirty="0"/>
               <a:t>Click to edit Master text styles</a:t>
             </a:r>
           </a:p>
           <a:p>
             <a:pPr lvl="1"/>
             <a:r>
-              <a:rPr lang="en-US" dirty="0" smtClean="0"/>
+              <a:rPr lang="en-US" dirty="0"/>
               <a:t>Second level</a:t>
             </a:r>
           </a:p>
           <a:p>
             <a:pPr lvl="2"/>
             <a:r>
-              <a:rPr lang="en-US" dirty="0" smtClean="0"/>
+              <a:rPr lang="en-US" dirty="0"/>
               <a:t>Third level</a:t>
             </a:r>
           </a:p>
           <a:p>
             <a:pPr lvl="3"/>
             <a:r>
-              <a:rPr lang="en-US" dirty="0" smtClean="0"/>
+              <a:rPr lang="en-US" dirty="0"/>
               <a:t>Fourth level</a:t>
             </a:r>
           </a:p>
           <a:p>
             <a:pPr lvl="4"/>
             <a:r>
-              <a:rPr lang="en-US" dirty="0" smtClean="0"/>
+              <a:rPr lang="en-US" dirty="0"/>
               <a:t>Fifth level</a:t>
             </a:r>
-            <a:endParaRPr lang="en-US" dirty="0"/>
           </a:p>
         </p:txBody>
       </p:sp>
@@ -1999,7 +2003,7 @@
           </a:ln>
           <a:extLst>
             <a:ext uri="{909E8E84-426E-40dd-AFC4-6F175D3DCCD1}">
-              <a14:hiddenFill xmlns:a14="http://schemas.microsoft.com/office/drawing/2010/main" xmlns="">
+              <a14:hiddenFill xmlns="" xmlns:a14="http://schemas.microsoft.com/office/drawing/2010/main">
                 <a:noFill/>
               </a14:hiddenFill>
             </a:ext>
@@ -2029,10 +2033,9 @@
           <a:lstStyle/>
           <a:p>
             <a:r>
-              <a:rPr lang="en-US" smtClean="0"/>
+              <a:rPr lang="en-US"/>
               <a:t>Click to edit Master title style</a:t>
             </a:r>
-            <a:endParaRPr lang="en-US"/>
           </a:p>
         </p:txBody>
       </p:sp>
@@ -2092,38 +2095,37 @@
           <a:p>
             <a:pPr lvl="0"/>
             <a:r>
-              <a:rPr lang="en-US" dirty="0" smtClean="0"/>
+              <a:rPr lang="en-US" dirty="0"/>
               <a:t>Click to edit Master text styles</a:t>
             </a:r>
           </a:p>
           <a:p>
             <a:pPr lvl="1"/>
             <a:r>
-              <a:rPr lang="en-US" dirty="0" smtClean="0"/>
+              <a:rPr lang="en-US" dirty="0"/>
               <a:t>Second level</a:t>
             </a:r>
           </a:p>
           <a:p>
             <a:pPr lvl="2"/>
             <a:r>
-              <a:rPr lang="en-US" dirty="0" smtClean="0"/>
+              <a:rPr lang="en-US" dirty="0"/>
               <a:t>Third level</a:t>
             </a:r>
           </a:p>
           <a:p>
             <a:pPr lvl="3"/>
             <a:r>
-              <a:rPr lang="en-US" dirty="0" smtClean="0"/>
+              <a:rPr lang="en-US" dirty="0"/>
               <a:t>Fourth level</a:t>
             </a:r>
           </a:p>
           <a:p>
             <a:pPr lvl="4"/>
             <a:r>
-              <a:rPr lang="en-US" dirty="0" smtClean="0"/>
+              <a:rPr lang="en-US" dirty="0"/>
               <a:t>Fifth level</a:t>
             </a:r>
-            <a:endParaRPr lang="en-US" dirty="0"/>
           </a:p>
         </p:txBody>
       </p:sp>
@@ -2218,7 +2220,7 @@
           </a:ln>
           <a:extLst>
             <a:ext uri="{909E8E84-426E-40dd-AFC4-6F175D3DCCD1}">
-              <a14:hiddenFill xmlns:a14="http://schemas.microsoft.com/office/drawing/2010/main" xmlns="">
+              <a14:hiddenFill xmlns="" xmlns:a14="http://schemas.microsoft.com/office/drawing/2010/main">
                 <a:noFill/>
               </a14:hiddenFill>
             </a:ext>
@@ -2248,10 +2250,9 @@
           <a:lstStyle/>
           <a:p>
             <a:r>
-              <a:rPr lang="en-US" smtClean="0"/>
+              <a:rPr lang="en-US"/>
               <a:t>Click to edit Master title style</a:t>
             </a:r>
-            <a:endParaRPr lang="en-US"/>
           </a:p>
         </p:txBody>
       </p:sp>
@@ -2343,38 +2344,37 @@
           <a:p>
             <a:pPr lvl="0"/>
             <a:r>
-              <a:rPr lang="en-US" dirty="0" smtClean="0"/>
+              <a:rPr lang="en-US" dirty="0"/>
               <a:t>Click to edit Master text styles</a:t>
             </a:r>
           </a:p>
           <a:p>
             <a:pPr lvl="1"/>
             <a:r>
-              <a:rPr lang="en-US" dirty="0" smtClean="0"/>
+              <a:rPr lang="en-US" dirty="0"/>
               <a:t>Second level</a:t>
             </a:r>
           </a:p>
           <a:p>
             <a:pPr lvl="2"/>
             <a:r>
-              <a:rPr lang="en-US" dirty="0" smtClean="0"/>
+              <a:rPr lang="en-US" dirty="0"/>
               <a:t>Third level</a:t>
             </a:r>
           </a:p>
           <a:p>
             <a:pPr lvl="3"/>
             <a:r>
-              <a:rPr lang="en-US" dirty="0" smtClean="0"/>
+              <a:rPr lang="en-US" dirty="0"/>
               <a:t>Fourth level</a:t>
             </a:r>
           </a:p>
           <a:p>
             <a:pPr lvl="4"/>
             <a:r>
-              <a:rPr lang="en-US" dirty="0" smtClean="0"/>
+              <a:rPr lang="en-US" dirty="0"/>
               <a:t>Fifth level</a:t>
             </a:r>
-            <a:endParaRPr lang="en-US" dirty="0"/>
           </a:p>
         </p:txBody>
       </p:sp>
@@ -2469,7 +2469,7 @@
           </a:ln>
           <a:extLst>
             <a:ext uri="{909E8E84-426E-40dd-AFC4-6F175D3DCCD1}">
-              <a14:hiddenFill xmlns:a14="http://schemas.microsoft.com/office/drawing/2010/main" xmlns="">
+              <a14:hiddenFill xmlns="" xmlns:a14="http://schemas.microsoft.com/office/drawing/2010/main">
                 <a:noFill/>
               </a14:hiddenFill>
             </a:ext>
@@ -2518,14 +2518,14 @@
           </a:ln>
           <a:extLst>
             <a:ext uri="{909E8E84-426E-40dd-AFC4-6F175D3DCCD1}">
-              <a14:hiddenFill xmlns:a14="http://schemas.microsoft.com/office/drawing/2010/main" xmlns="">
+              <a14:hiddenFill xmlns="" xmlns:a14="http://schemas.microsoft.com/office/drawing/2010/main">
                 <a:solidFill>
                   <a:srgbClr val="FFFFFF"/>
                 </a:solidFill>
               </a14:hiddenFill>
             </a:ext>
             <a:ext uri="{91240B29-F687-4f45-9708-019B960494DF}">
-              <a14:hiddenLine xmlns:a14="http://schemas.microsoft.com/office/drawing/2010/main" xmlns="" w="9525">
+              <a14:hiddenLine xmlns="" xmlns:a14="http://schemas.microsoft.com/office/drawing/2010/main" w="9525">
                 <a:solidFill>
                   <a:srgbClr val="000000"/>
                 </a:solidFill>
@@ -2576,7 +2576,7 @@
           </a:lstStyle>
           <a:p>
             <a:r>
-              <a:rPr lang="en-US" noProof="0" dirty="0" smtClean="0">
+              <a:rPr lang="en-US" noProof="0" dirty="0">
                 <a:sym typeface="Open Sans Extrabold" charset="0"/>
               </a:rPr>
               <a:t>Click to edit Master title style</a:t>
@@ -2653,38 +2653,37 @@
           <a:p>
             <a:pPr lvl="0"/>
             <a:r>
-              <a:rPr lang="en-US" dirty="0" smtClean="0"/>
+              <a:rPr lang="en-US" dirty="0"/>
               <a:t>Click to edit Master text styles</a:t>
             </a:r>
           </a:p>
           <a:p>
             <a:pPr lvl="1"/>
             <a:r>
-              <a:rPr lang="en-US" dirty="0" smtClean="0"/>
+              <a:rPr lang="en-US" dirty="0"/>
               <a:t>Second level</a:t>
             </a:r>
           </a:p>
           <a:p>
             <a:pPr lvl="2"/>
             <a:r>
-              <a:rPr lang="en-US" dirty="0" smtClean="0"/>
+              <a:rPr lang="en-US" dirty="0"/>
               <a:t>Third level</a:t>
             </a:r>
           </a:p>
           <a:p>
             <a:pPr lvl="3"/>
             <a:r>
-              <a:rPr lang="en-US" dirty="0" smtClean="0"/>
+              <a:rPr lang="en-US" dirty="0"/>
               <a:t>Fourth level</a:t>
             </a:r>
           </a:p>
           <a:p>
             <a:pPr lvl="4"/>
             <a:r>
-              <a:rPr lang="en-US" dirty="0" smtClean="0"/>
+              <a:rPr lang="en-US" dirty="0"/>
               <a:t>Fifth level</a:t>
             </a:r>
-            <a:endParaRPr lang="en-US" dirty="0"/>
           </a:p>
         </p:txBody>
       </p:sp>
@@ -2787,7 +2786,7 @@
           </a:ln>
           <a:extLst>
             <a:ext uri="{909E8E84-426E-40dd-AFC4-6F175D3DCCD1}">
-              <a14:hiddenFill xmlns:a14="http://schemas.microsoft.com/office/drawing/2010/main" xmlns="">
+              <a14:hiddenFill xmlns="" xmlns:a14="http://schemas.microsoft.com/office/drawing/2010/main">
                 <a:noFill/>
               </a14:hiddenFill>
             </a:ext>
@@ -2836,14 +2835,14 @@
           </a:ln>
           <a:extLst>
             <a:ext uri="{909E8E84-426E-40dd-AFC4-6F175D3DCCD1}">
-              <a14:hiddenFill xmlns:a14="http://schemas.microsoft.com/office/drawing/2010/main" xmlns="">
+              <a14:hiddenFill xmlns="" xmlns:a14="http://schemas.microsoft.com/office/drawing/2010/main">
                 <a:solidFill>
                   <a:srgbClr val="FFFFFF"/>
                 </a:solidFill>
               </a14:hiddenFill>
             </a:ext>
             <a:ext uri="{91240B29-F687-4f45-9708-019B960494DF}">
-              <a14:hiddenLine xmlns:a14="http://schemas.microsoft.com/office/drawing/2010/main" xmlns="" w="9525">
+              <a14:hiddenLine xmlns="" xmlns:a14="http://schemas.microsoft.com/office/drawing/2010/main" w="9525">
                 <a:solidFill>
                   <a:srgbClr val="000000"/>
                 </a:solidFill>
@@ -2898,7 +2897,7 @@
           </a:lstStyle>
           <a:p>
             <a:r>
-              <a:rPr lang="en-US" noProof="0" dirty="0" smtClean="0">
+              <a:rPr lang="en-US" noProof="0" dirty="0">
                 <a:sym typeface="Open Sans Extrabold" charset="0"/>
               </a:rPr>
               <a:t>Click to edit Master title style</a:t>
@@ -2990,38 +2989,37 @@
           <a:p>
             <a:pPr lvl="0"/>
             <a:r>
-              <a:rPr lang="en-US" dirty="0" smtClean="0"/>
+              <a:rPr lang="en-US" dirty="0"/>
               <a:t>Click to edit Master text styles</a:t>
             </a:r>
           </a:p>
           <a:p>
             <a:pPr lvl="1"/>
             <a:r>
-              <a:rPr lang="en-US" dirty="0" smtClean="0"/>
+              <a:rPr lang="en-US" dirty="0"/>
               <a:t>Second level</a:t>
             </a:r>
           </a:p>
           <a:p>
             <a:pPr lvl="2"/>
             <a:r>
-              <a:rPr lang="en-US" dirty="0" smtClean="0"/>
+              <a:rPr lang="en-US" dirty="0"/>
               <a:t>Third level</a:t>
             </a:r>
           </a:p>
           <a:p>
             <a:pPr lvl="3"/>
             <a:r>
-              <a:rPr lang="en-US" dirty="0" smtClean="0"/>
+              <a:rPr lang="en-US" dirty="0"/>
               <a:t>Fourth level</a:t>
             </a:r>
           </a:p>
           <a:p>
             <a:pPr lvl="4"/>
             <a:r>
-              <a:rPr lang="en-US" dirty="0" smtClean="0"/>
+              <a:rPr lang="en-US" dirty="0"/>
               <a:t>Fifth level</a:t>
             </a:r>
-            <a:endParaRPr lang="en-US" dirty="0"/>
           </a:p>
         </p:txBody>
       </p:sp>
@@ -3110,10 +3108,9 @@
           <a:lstStyle/>
           <a:p>
             <a:r>
-              <a:rPr lang="en-US" dirty="0" smtClean="0"/>
+              <a:rPr lang="en-US" dirty="0"/>
               <a:t>Click to edit Master title style</a:t>
             </a:r>
-            <a:endParaRPr lang="en-US" dirty="0"/>
           </a:p>
         </p:txBody>
       </p:sp>
@@ -3185,38 +3182,37 @@
           <a:p>
             <a:pPr lvl="0"/>
             <a:r>
-              <a:rPr lang="en-US" dirty="0" smtClean="0"/>
+              <a:rPr lang="en-US" dirty="0"/>
               <a:t>Click to edit Master text styles</a:t>
             </a:r>
           </a:p>
           <a:p>
             <a:pPr lvl="1"/>
             <a:r>
-              <a:rPr lang="en-US" dirty="0" smtClean="0"/>
+              <a:rPr lang="en-US" dirty="0"/>
               <a:t>Second level</a:t>
             </a:r>
           </a:p>
           <a:p>
             <a:pPr lvl="2"/>
             <a:r>
-              <a:rPr lang="en-US" dirty="0" smtClean="0"/>
+              <a:rPr lang="en-US" dirty="0"/>
               <a:t>Third level</a:t>
             </a:r>
           </a:p>
           <a:p>
             <a:pPr lvl="3"/>
             <a:r>
-              <a:rPr lang="en-US" dirty="0" smtClean="0"/>
+              <a:rPr lang="en-US" dirty="0"/>
               <a:t>Fourth level</a:t>
             </a:r>
           </a:p>
           <a:p>
             <a:pPr lvl="4"/>
             <a:r>
-              <a:rPr lang="en-US" dirty="0" smtClean="0"/>
+              <a:rPr lang="en-US" dirty="0"/>
               <a:t>Fifth level</a:t>
             </a:r>
-            <a:endParaRPr lang="en-US" dirty="0"/>
           </a:p>
         </p:txBody>
       </p:sp>
@@ -3366,38 +3362,37 @@
           <a:p>
             <a:pPr lvl="0"/>
             <a:r>
-              <a:rPr lang="en-US" dirty="0" smtClean="0"/>
+              <a:rPr lang="en-US" dirty="0"/>
               <a:t>Click to edit Master text styles</a:t>
             </a:r>
           </a:p>
           <a:p>
             <a:pPr lvl="1"/>
             <a:r>
-              <a:rPr lang="en-US" dirty="0" smtClean="0"/>
+              <a:rPr lang="en-US" dirty="0"/>
               <a:t>Second level</a:t>
             </a:r>
           </a:p>
           <a:p>
             <a:pPr lvl="2"/>
             <a:r>
-              <a:rPr lang="en-US" dirty="0" smtClean="0"/>
+              <a:rPr lang="en-US" dirty="0"/>
               <a:t>Third level</a:t>
             </a:r>
           </a:p>
           <a:p>
             <a:pPr lvl="3"/>
             <a:r>
-              <a:rPr lang="en-US" dirty="0" smtClean="0"/>
+              <a:rPr lang="en-US" dirty="0"/>
               <a:t>Fourth level</a:t>
             </a:r>
           </a:p>
           <a:p>
             <a:pPr lvl="4"/>
             <a:r>
-              <a:rPr lang="en-US" dirty="0" smtClean="0"/>
+              <a:rPr lang="en-US" dirty="0"/>
               <a:t>Fifth level</a:t>
             </a:r>
-            <a:endParaRPr lang="en-US" dirty="0"/>
           </a:p>
         </p:txBody>
       </p:sp>
@@ -3494,7 +3489,7 @@
           </a:ln>
           <a:extLst>
             <a:ext uri="{909E8E84-426E-40dd-AFC4-6F175D3DCCD1}">
-              <a14:hiddenFill xmlns:a14="http://schemas.microsoft.com/office/drawing/2010/main" xmlns="">
+              <a14:hiddenFill xmlns="" xmlns:a14="http://schemas.microsoft.com/office/drawing/2010/main">
                 <a:noFill/>
               </a14:hiddenFill>
             </a:ext>
@@ -3524,10 +3519,9 @@
           <a:lstStyle/>
           <a:p>
             <a:r>
-              <a:rPr lang="en-US" smtClean="0"/>
+              <a:rPr lang="en-US"/>
               <a:t>Click to edit Master title style</a:t>
             </a:r>
-            <a:endParaRPr lang="en-US"/>
           </a:p>
         </p:txBody>
       </p:sp>
@@ -3573,38 +3567,37 @@
           <a:p>
             <a:pPr lvl="0"/>
             <a:r>
-              <a:rPr lang="en-US" dirty="0" smtClean="0"/>
+              <a:rPr lang="en-US" dirty="0"/>
               <a:t>Click to edit Master text styles</a:t>
             </a:r>
           </a:p>
           <a:p>
             <a:pPr lvl="1"/>
             <a:r>
-              <a:rPr lang="en-US" dirty="0" smtClean="0"/>
+              <a:rPr lang="en-US" dirty="0"/>
               <a:t>Second level</a:t>
             </a:r>
           </a:p>
           <a:p>
             <a:pPr lvl="2"/>
             <a:r>
-              <a:rPr lang="en-US" dirty="0" smtClean="0"/>
+              <a:rPr lang="en-US" dirty="0"/>
               <a:t>Third level</a:t>
             </a:r>
           </a:p>
           <a:p>
             <a:pPr lvl="3"/>
             <a:r>
-              <a:rPr lang="en-US" dirty="0" smtClean="0"/>
+              <a:rPr lang="en-US" dirty="0"/>
               <a:t>Fourth level</a:t>
             </a:r>
           </a:p>
           <a:p>
             <a:pPr lvl="4"/>
             <a:r>
-              <a:rPr lang="en-US" dirty="0" smtClean="0"/>
+              <a:rPr lang="en-US" dirty="0"/>
               <a:t>Fifth level</a:t>
             </a:r>
-            <a:endParaRPr lang="en-US" dirty="0"/>
           </a:p>
         </p:txBody>
       </p:sp>
@@ -3699,7 +3692,7 @@
           </a:ln>
           <a:extLst>
             <a:ext uri="{909E8E84-426E-40dd-AFC4-6F175D3DCCD1}">
-              <a14:hiddenFill xmlns:a14="http://schemas.microsoft.com/office/drawing/2010/main" xmlns="">
+              <a14:hiddenFill xmlns="" xmlns:a14="http://schemas.microsoft.com/office/drawing/2010/main">
                 <a:noFill/>
               </a14:hiddenFill>
             </a:ext>
@@ -3740,7 +3733,7 @@
           </a:ln>
           <a:extLst>
             <a:ext uri="{909E8E84-426E-40dd-AFC4-6F175D3DCCD1}">
-              <a14:hiddenFill xmlns:a14="http://schemas.microsoft.com/office/drawing/2010/main" xmlns="">
+              <a14:hiddenFill xmlns="" xmlns:a14="http://schemas.microsoft.com/office/drawing/2010/main">
                 <a:noFill/>
               </a14:hiddenFill>
             </a:ext>
@@ -3779,10 +3772,9 @@
           </a:lstStyle>
           <a:p>
             <a:r>
-              <a:rPr lang="en-US" dirty="0" smtClean="0"/>
+              <a:rPr lang="en-US" dirty="0"/>
               <a:t>Click to edit Master title style</a:t>
             </a:r>
-            <a:endParaRPr lang="en-US" dirty="0"/>
           </a:p>
         </p:txBody>
       </p:sp>
@@ -3951,7 +3943,7 @@
           </a:ln>
           <a:extLst>
             <a:ext uri="{909E8E84-426E-40dd-AFC4-6F175D3DCCD1}">
-              <a14:hiddenFill xmlns:a14="http://schemas.microsoft.com/office/drawing/2010/main" xmlns="">
+              <a14:hiddenFill xmlns="" xmlns:a14="http://schemas.microsoft.com/office/drawing/2010/main">
                 <a:noFill/>
               </a14:hiddenFill>
             </a:ext>
@@ -4000,14 +3992,14 @@
           </a:ln>
           <a:extLst>
             <a:ext uri="{909E8E84-426E-40dd-AFC4-6F175D3DCCD1}">
-              <a14:hiddenFill xmlns:a14="http://schemas.microsoft.com/office/drawing/2010/main" xmlns="">
+              <a14:hiddenFill xmlns="" xmlns:a14="http://schemas.microsoft.com/office/drawing/2010/main">
                 <a:solidFill>
                   <a:srgbClr val="FFFFFF"/>
                 </a:solidFill>
               </a14:hiddenFill>
             </a:ext>
             <a:ext uri="{91240B29-F687-4f45-9708-019B960494DF}">
-              <a14:hiddenLine xmlns:a14="http://schemas.microsoft.com/office/drawing/2010/main" xmlns="" w="9525">
+              <a14:hiddenLine xmlns="" xmlns:a14="http://schemas.microsoft.com/office/drawing/2010/main" w="9525">
                 <a:solidFill>
                   <a:srgbClr val="000000"/>
                 </a:solidFill>
@@ -4050,10 +4042,9 @@
           </a:lstStyle>
           <a:p>
             <a:r>
-              <a:rPr lang="en-US" dirty="0" smtClean="0"/>
+              <a:rPr lang="en-US" dirty="0"/>
               <a:t>Click to edit Master title style</a:t>
             </a:r>
-            <a:endParaRPr lang="en-US" dirty="0"/>
           </a:p>
         </p:txBody>
       </p:sp>
@@ -4145,38 +4136,37 @@
           <a:p>
             <a:pPr lvl="0"/>
             <a:r>
-              <a:rPr lang="en-US" dirty="0" smtClean="0"/>
+              <a:rPr lang="en-US" dirty="0"/>
               <a:t>Click to edit Master text styles</a:t>
             </a:r>
           </a:p>
           <a:p>
             <a:pPr lvl="1"/>
             <a:r>
-              <a:rPr lang="en-US" dirty="0" smtClean="0"/>
+              <a:rPr lang="en-US" dirty="0"/>
               <a:t>Second level</a:t>
             </a:r>
           </a:p>
           <a:p>
             <a:pPr lvl="2"/>
             <a:r>
-              <a:rPr lang="en-US" dirty="0" smtClean="0"/>
+              <a:rPr lang="en-US" dirty="0"/>
               <a:t>Third level</a:t>
             </a:r>
           </a:p>
           <a:p>
             <a:pPr lvl="3"/>
             <a:r>
-              <a:rPr lang="en-US" dirty="0" smtClean="0"/>
+              <a:rPr lang="en-US" dirty="0"/>
               <a:t>Fourth level</a:t>
             </a:r>
           </a:p>
           <a:p>
             <a:pPr lvl="4"/>
             <a:r>
-              <a:rPr lang="en-US" dirty="0" smtClean="0"/>
+              <a:rPr lang="en-US" dirty="0"/>
               <a:t>Fifth level</a:t>
             </a:r>
-            <a:endParaRPr lang="en-US" dirty="0"/>
           </a:p>
         </p:txBody>
       </p:sp>
@@ -4238,7 +4228,7 @@
           </a:ln>
           <a:extLst>
             <a:ext uri="{909E8E84-426E-40dd-AFC4-6F175D3DCCD1}">
-              <a14:hiddenFill xmlns:a14="http://schemas.microsoft.com/office/drawing/2010/main" xmlns="">
+              <a14:hiddenFill xmlns="" xmlns:a14="http://schemas.microsoft.com/office/drawing/2010/main">
                 <a:noFill/>
               </a14:hiddenFill>
             </a:ext>
@@ -4268,10 +4258,9 @@
           <a:lstStyle/>
           <a:p>
             <a:r>
-              <a:rPr lang="en-US" smtClean="0"/>
+              <a:rPr lang="en-US"/>
               <a:t>Click to edit Master title style</a:t>
             </a:r>
-            <a:endParaRPr lang="en-US"/>
           </a:p>
         </p:txBody>
       </p:sp>
@@ -4322,38 +4311,37 @@
           <a:p>
             <a:pPr lvl="0"/>
             <a:r>
-              <a:rPr lang="en-US" dirty="0" smtClean="0"/>
+              <a:rPr lang="en-US" dirty="0"/>
               <a:t>Click to edit Master text styles</a:t>
             </a:r>
           </a:p>
           <a:p>
             <a:pPr lvl="1"/>
             <a:r>
-              <a:rPr lang="en-US" dirty="0" smtClean="0"/>
+              <a:rPr lang="en-US" dirty="0"/>
               <a:t>Second level</a:t>
             </a:r>
           </a:p>
           <a:p>
             <a:pPr lvl="2"/>
             <a:r>
-              <a:rPr lang="en-US" dirty="0" smtClean="0"/>
+              <a:rPr lang="en-US" dirty="0"/>
               <a:t>Third level</a:t>
             </a:r>
           </a:p>
           <a:p>
             <a:pPr lvl="3"/>
             <a:r>
-              <a:rPr lang="en-US" dirty="0" smtClean="0"/>
+              <a:rPr lang="en-US" dirty="0"/>
               <a:t>Fourth level</a:t>
             </a:r>
           </a:p>
           <a:p>
             <a:pPr lvl="4"/>
             <a:r>
-              <a:rPr lang="en-US" dirty="0" smtClean="0"/>
+              <a:rPr lang="en-US" dirty="0"/>
               <a:t>Fifth level</a:t>
             </a:r>
-            <a:endParaRPr lang="en-US" dirty="0"/>
           </a:p>
         </p:txBody>
       </p:sp>
@@ -4448,7 +4436,7 @@
           </a:ln>
           <a:extLst>
             <a:ext uri="{909E8E84-426E-40dd-AFC4-6F175D3DCCD1}">
-              <a14:hiddenFill xmlns:a14="http://schemas.microsoft.com/office/drawing/2010/main" xmlns="">
+              <a14:hiddenFill xmlns="" xmlns:a14="http://schemas.microsoft.com/office/drawing/2010/main">
                 <a:noFill/>
               </a14:hiddenFill>
             </a:ext>
@@ -4478,10 +4466,9 @@
           <a:lstStyle/>
           <a:p>
             <a:r>
-              <a:rPr lang="en-US" smtClean="0"/>
+              <a:rPr lang="en-US"/>
               <a:t>Click to edit Master title style</a:t>
             </a:r>
-            <a:endParaRPr lang="en-US"/>
           </a:p>
         </p:txBody>
       </p:sp>
@@ -4573,38 +4560,37 @@
           <a:p>
             <a:pPr lvl="0"/>
             <a:r>
-              <a:rPr lang="en-US" dirty="0" smtClean="0"/>
+              <a:rPr lang="en-US" dirty="0"/>
               <a:t>Click to edit Master text styles</a:t>
             </a:r>
           </a:p>
           <a:p>
             <a:pPr lvl="1"/>
             <a:r>
-              <a:rPr lang="en-US" dirty="0" smtClean="0"/>
+              <a:rPr lang="en-US" dirty="0"/>
               <a:t>Second level</a:t>
             </a:r>
           </a:p>
           <a:p>
             <a:pPr lvl="2"/>
             <a:r>
-              <a:rPr lang="en-US" dirty="0" smtClean="0"/>
+              <a:rPr lang="en-US" dirty="0"/>
               <a:t>Third level</a:t>
             </a:r>
           </a:p>
           <a:p>
             <a:pPr lvl="3"/>
             <a:r>
-              <a:rPr lang="en-US" dirty="0" smtClean="0"/>
+              <a:rPr lang="en-US" dirty="0"/>
               <a:t>Fourth level</a:t>
             </a:r>
           </a:p>
           <a:p>
             <a:pPr lvl="4"/>
             <a:r>
-              <a:rPr lang="en-US" dirty="0" smtClean="0"/>
+              <a:rPr lang="en-US" dirty="0"/>
               <a:t>Fifth level</a:t>
             </a:r>
-            <a:endParaRPr lang="en-US" dirty="0"/>
           </a:p>
         </p:txBody>
       </p:sp>
@@ -4699,7 +4685,7 @@
           </a:ln>
           <a:extLst>
             <a:ext uri="{909E8E84-426E-40dd-AFC4-6F175D3DCCD1}">
-              <a14:hiddenFill xmlns:a14="http://schemas.microsoft.com/office/drawing/2010/main" xmlns="">
+              <a14:hiddenFill xmlns="" xmlns:a14="http://schemas.microsoft.com/office/drawing/2010/main">
                 <a:noFill/>
               </a14:hiddenFill>
             </a:ext>
@@ -4748,14 +4734,14 @@
           </a:ln>
           <a:extLst>
             <a:ext uri="{909E8E84-426E-40dd-AFC4-6F175D3DCCD1}">
-              <a14:hiddenFill xmlns:a14="http://schemas.microsoft.com/office/drawing/2010/main" xmlns="">
+              <a14:hiddenFill xmlns="" xmlns:a14="http://schemas.microsoft.com/office/drawing/2010/main">
                 <a:solidFill>
                   <a:srgbClr val="FFFFFF"/>
                 </a:solidFill>
               </a14:hiddenFill>
             </a:ext>
             <a:ext uri="{91240B29-F687-4f45-9708-019B960494DF}">
-              <a14:hiddenLine xmlns:a14="http://schemas.microsoft.com/office/drawing/2010/main" xmlns="" w="9525">
+              <a14:hiddenLine xmlns="" xmlns:a14="http://schemas.microsoft.com/office/drawing/2010/main" w="9525">
                 <a:solidFill>
                   <a:srgbClr val="000000"/>
                 </a:solidFill>
@@ -4806,7 +4792,7 @@
           </a:lstStyle>
           <a:p>
             <a:r>
-              <a:rPr lang="en-US" noProof="0" dirty="0" smtClean="0">
+              <a:rPr lang="en-US" noProof="0" dirty="0">
                 <a:sym typeface="Open Sans Extrabold" charset="0"/>
               </a:rPr>
               <a:t>Click to edit Master title style</a:t>
@@ -4883,38 +4869,37 @@
           <a:p>
             <a:pPr lvl="0"/>
             <a:r>
-              <a:rPr lang="en-US" dirty="0" smtClean="0"/>
+              <a:rPr lang="en-US" dirty="0"/>
               <a:t>Click to edit Master text styles</a:t>
             </a:r>
           </a:p>
           <a:p>
             <a:pPr lvl="1"/>
             <a:r>
-              <a:rPr lang="en-US" dirty="0" smtClean="0"/>
+              <a:rPr lang="en-US" dirty="0"/>
               <a:t>Second level</a:t>
             </a:r>
           </a:p>
           <a:p>
             <a:pPr lvl="2"/>
             <a:r>
-              <a:rPr lang="en-US" dirty="0" smtClean="0"/>
+              <a:rPr lang="en-US" dirty="0"/>
               <a:t>Third level</a:t>
             </a:r>
           </a:p>
           <a:p>
             <a:pPr lvl="3"/>
             <a:r>
-              <a:rPr lang="en-US" dirty="0" smtClean="0"/>
+              <a:rPr lang="en-US" dirty="0"/>
               <a:t>Fourth level</a:t>
             </a:r>
           </a:p>
           <a:p>
             <a:pPr lvl="4"/>
             <a:r>
-              <a:rPr lang="en-US" dirty="0" smtClean="0"/>
+              <a:rPr lang="en-US" dirty="0"/>
               <a:t>Fifth level</a:t>
             </a:r>
-            <a:endParaRPr lang="en-US" dirty="0"/>
           </a:p>
         </p:txBody>
       </p:sp>
@@ -5017,7 +5002,7 @@
           </a:ln>
           <a:extLst>
             <a:ext uri="{909E8E84-426E-40dd-AFC4-6F175D3DCCD1}">
-              <a14:hiddenFill xmlns:a14="http://schemas.microsoft.com/office/drawing/2010/main" xmlns="">
+              <a14:hiddenFill xmlns="" xmlns:a14="http://schemas.microsoft.com/office/drawing/2010/main">
                 <a:noFill/>
               </a14:hiddenFill>
             </a:ext>
@@ -5066,14 +5051,14 @@
           </a:ln>
           <a:extLst>
             <a:ext uri="{909E8E84-426E-40dd-AFC4-6F175D3DCCD1}">
-              <a14:hiddenFill xmlns:a14="http://schemas.microsoft.com/office/drawing/2010/main" xmlns="">
+              <a14:hiddenFill xmlns="" xmlns:a14="http://schemas.microsoft.com/office/drawing/2010/main">
                 <a:solidFill>
                   <a:srgbClr val="FFFFFF"/>
                 </a:solidFill>
               </a14:hiddenFill>
             </a:ext>
             <a:ext uri="{91240B29-F687-4f45-9708-019B960494DF}">
-              <a14:hiddenLine xmlns:a14="http://schemas.microsoft.com/office/drawing/2010/main" xmlns="" w="9525">
+              <a14:hiddenLine xmlns="" xmlns:a14="http://schemas.microsoft.com/office/drawing/2010/main" w="9525">
                 <a:solidFill>
                   <a:srgbClr val="000000"/>
                 </a:solidFill>
@@ -5128,7 +5113,7 @@
           </a:lstStyle>
           <a:p>
             <a:r>
-              <a:rPr lang="en-US" noProof="0" dirty="0" smtClean="0">
+              <a:rPr lang="en-US" noProof="0" dirty="0">
                 <a:sym typeface="Open Sans Extrabold" charset="0"/>
               </a:rPr>
               <a:t>Click to edit Master title style</a:t>
@@ -5220,38 +5205,37 @@
           <a:p>
             <a:pPr lvl="0"/>
             <a:r>
-              <a:rPr lang="en-US" dirty="0" smtClean="0"/>
+              <a:rPr lang="en-US" dirty="0"/>
               <a:t>Click to edit Master text styles</a:t>
             </a:r>
           </a:p>
           <a:p>
             <a:pPr lvl="1"/>
             <a:r>
-              <a:rPr lang="en-US" dirty="0" smtClean="0"/>
+              <a:rPr lang="en-US" dirty="0"/>
               <a:t>Second level</a:t>
             </a:r>
           </a:p>
           <a:p>
             <a:pPr lvl="2"/>
             <a:r>
-              <a:rPr lang="en-US" dirty="0" smtClean="0"/>
+              <a:rPr lang="en-US" dirty="0"/>
               <a:t>Third level</a:t>
             </a:r>
           </a:p>
           <a:p>
             <a:pPr lvl="3"/>
             <a:r>
-              <a:rPr lang="en-US" dirty="0" smtClean="0"/>
+              <a:rPr lang="en-US" dirty="0"/>
               <a:t>Fourth level</a:t>
             </a:r>
           </a:p>
           <a:p>
             <a:pPr lvl="4"/>
             <a:r>
-              <a:rPr lang="en-US" dirty="0" smtClean="0"/>
+              <a:rPr lang="en-US" dirty="0"/>
               <a:t>Fifth level</a:t>
             </a:r>
-            <a:endParaRPr lang="en-US" dirty="0"/>
           </a:p>
         </p:txBody>
       </p:sp>
@@ -5340,10 +5324,9 @@
           <a:lstStyle/>
           <a:p>
             <a:r>
-              <a:rPr lang="en-US" dirty="0" smtClean="0"/>
+              <a:rPr lang="en-US" dirty="0"/>
               <a:t>Click to edit Master title style</a:t>
             </a:r>
-            <a:endParaRPr lang="en-US" dirty="0"/>
           </a:p>
         </p:txBody>
       </p:sp>
@@ -5409,38 +5392,37 @@
           <a:p>
             <a:pPr lvl="0"/>
             <a:r>
-              <a:rPr lang="en-US" dirty="0" smtClean="0"/>
+              <a:rPr lang="en-US" dirty="0"/>
               <a:t>Click to edit Master text styles</a:t>
             </a:r>
           </a:p>
           <a:p>
             <a:pPr lvl="1"/>
             <a:r>
-              <a:rPr lang="en-US" dirty="0" smtClean="0"/>
+              <a:rPr lang="en-US" dirty="0"/>
               <a:t>Second level</a:t>
             </a:r>
           </a:p>
           <a:p>
             <a:pPr lvl="2"/>
             <a:r>
-              <a:rPr lang="en-US" dirty="0" smtClean="0"/>
+              <a:rPr lang="en-US" dirty="0"/>
               <a:t>Third level</a:t>
             </a:r>
           </a:p>
           <a:p>
             <a:pPr lvl="3"/>
             <a:r>
-              <a:rPr lang="en-US" dirty="0" smtClean="0"/>
+              <a:rPr lang="en-US" dirty="0"/>
               <a:t>Fourth level</a:t>
             </a:r>
           </a:p>
           <a:p>
             <a:pPr lvl="4"/>
             <a:r>
-              <a:rPr lang="en-US" dirty="0" smtClean="0"/>
+              <a:rPr lang="en-US" dirty="0"/>
               <a:t>Fifth level</a:t>
             </a:r>
-            <a:endParaRPr lang="en-US" dirty="0"/>
           </a:p>
         </p:txBody>
       </p:sp>
@@ -5590,38 +5572,37 @@
           <a:p>
             <a:pPr lvl="0"/>
             <a:r>
-              <a:rPr lang="en-US" dirty="0" smtClean="0"/>
+              <a:rPr lang="en-US" dirty="0"/>
               <a:t>Click to edit Master text styles</a:t>
             </a:r>
           </a:p>
           <a:p>
             <a:pPr lvl="1"/>
             <a:r>
-              <a:rPr lang="en-US" dirty="0" smtClean="0"/>
+              <a:rPr lang="en-US" dirty="0"/>
               <a:t>Second level</a:t>
             </a:r>
           </a:p>
           <a:p>
             <a:pPr lvl="2"/>
             <a:r>
-              <a:rPr lang="en-US" dirty="0" smtClean="0"/>
+              <a:rPr lang="en-US" dirty="0"/>
               <a:t>Third level</a:t>
             </a:r>
           </a:p>
           <a:p>
             <a:pPr lvl="3"/>
             <a:r>
-              <a:rPr lang="en-US" dirty="0" smtClean="0"/>
+              <a:rPr lang="en-US" dirty="0"/>
               <a:t>Fourth level</a:t>
             </a:r>
           </a:p>
           <a:p>
             <a:pPr lvl="4"/>
             <a:r>
-              <a:rPr lang="en-US" dirty="0" smtClean="0"/>
+              <a:rPr lang="en-US" dirty="0"/>
               <a:t>Fifth level</a:t>
             </a:r>
-            <a:endParaRPr lang="en-US" dirty="0"/>
           </a:p>
         </p:txBody>
       </p:sp>
@@ -5718,7 +5699,7 @@
           </a:ln>
           <a:extLst>
             <a:ext uri="{909E8E84-426E-40dd-AFC4-6F175D3DCCD1}">
-              <a14:hiddenFill xmlns:a14="http://schemas.microsoft.com/office/drawing/2010/main" xmlns="">
+              <a14:hiddenFill xmlns="" xmlns:a14="http://schemas.microsoft.com/office/drawing/2010/main">
                 <a:noFill/>
               </a14:hiddenFill>
             </a:ext>
@@ -5759,7 +5740,7 @@
           </a:ln>
           <a:extLst>
             <a:ext uri="{909E8E84-426E-40dd-AFC4-6F175D3DCCD1}">
-              <a14:hiddenFill xmlns:a14="http://schemas.microsoft.com/office/drawing/2010/main" xmlns="">
+              <a14:hiddenFill xmlns="" xmlns:a14="http://schemas.microsoft.com/office/drawing/2010/main">
                 <a:noFill/>
               </a14:hiddenFill>
             </a:ext>
@@ -5798,10 +5779,9 @@
           </a:lstStyle>
           <a:p>
             <a:r>
-              <a:rPr lang="en-US" dirty="0" smtClean="0"/>
+              <a:rPr lang="en-US" dirty="0"/>
               <a:t>Click to edit Master title style</a:t>
             </a:r>
-            <a:endParaRPr lang="en-US" dirty="0"/>
           </a:p>
         </p:txBody>
       </p:sp>
@@ -5902,17 +5882,17 @@
           <a:effectLst/>
           <a:extLst>
             <a:ext uri="{FAA26D3D-D897-4be2-8F04-BA451C77F1D7}">
-              <ma14:placeholderFlag xmlns:ma14="http://schemas.microsoft.com/office/mac/drawingml/2011/main" xmlns="" val="1"/>
+              <ma14:placeholderFlag xmlns="" xmlns:ma14="http://schemas.microsoft.com/office/mac/drawingml/2011/main" val="1"/>
             </a:ext>
             <a:ext uri="{909E8E84-426E-40dd-AFC4-6F175D3DCCD1}">
-              <a14:hiddenFill xmlns:a14="http://schemas.microsoft.com/office/drawing/2010/main" xmlns="">
+              <a14:hiddenFill xmlns="" xmlns:a14="http://schemas.microsoft.com/office/drawing/2010/main">
                 <a:solidFill>
                   <a:srgbClr val="FFFFFF"/>
                 </a:solidFill>
               </a14:hiddenFill>
             </a:ext>
             <a:ext uri="{91240B29-F687-4f45-9708-019B960494DF}">
-              <a14:hiddenLine xmlns:a14="http://schemas.microsoft.com/office/drawing/2010/main" xmlns="" w="12700">
+              <a14:hiddenLine xmlns="" xmlns:a14="http://schemas.microsoft.com/office/drawing/2010/main" w="12700">
                 <a:solidFill>
                   <a:schemeClr val="tx1"/>
                 </a:solidFill>
@@ -5922,7 +5902,7 @@
               </a14:hiddenLine>
             </a:ext>
             <a:ext uri="{AF507438-7753-43e0-B8FC-AC1667EBCBE1}">
-              <a14:hiddenEffects xmlns:a14="http://schemas.microsoft.com/office/drawing/2010/main" xmlns="">
+              <a14:hiddenEffects xmlns="" xmlns:a14="http://schemas.microsoft.com/office/drawing/2010/main">
                 <a:effectLst>
                   <a:outerShdw blurRad="63500" dist="38099" dir="2700000" algn="ctr" rotWithShape="0">
                     <a:srgbClr val="000000">
@@ -5977,17 +5957,17 @@
           <a:effectLst/>
           <a:extLst>
             <a:ext uri="{FAA26D3D-D897-4be2-8F04-BA451C77F1D7}">
-              <ma14:placeholderFlag xmlns:ma14="http://schemas.microsoft.com/office/mac/drawingml/2011/main" xmlns="" val="1"/>
+              <ma14:placeholderFlag xmlns="" xmlns:ma14="http://schemas.microsoft.com/office/mac/drawingml/2011/main" val="1"/>
             </a:ext>
             <a:ext uri="{909E8E84-426E-40dd-AFC4-6F175D3DCCD1}">
-              <a14:hiddenFill xmlns:a14="http://schemas.microsoft.com/office/drawing/2010/main" xmlns="">
+              <a14:hiddenFill xmlns="" xmlns:a14="http://schemas.microsoft.com/office/drawing/2010/main">
                 <a:solidFill>
                   <a:srgbClr val="FFFFFF"/>
                 </a:solidFill>
               </a14:hiddenFill>
             </a:ext>
             <a:ext uri="{91240B29-F687-4f45-9708-019B960494DF}">
-              <a14:hiddenLine xmlns:a14="http://schemas.microsoft.com/office/drawing/2010/main" xmlns="" w="12700">
+              <a14:hiddenLine xmlns="" xmlns:a14="http://schemas.microsoft.com/office/drawing/2010/main" w="12700">
                 <a:solidFill>
                   <a:schemeClr val="tx1"/>
                 </a:solidFill>
@@ -5997,7 +5977,7 @@
               </a14:hiddenLine>
             </a:ext>
             <a:ext uri="{AF507438-7753-43e0-B8FC-AC1667EBCBE1}">
-              <a14:hiddenEffects xmlns:a14="http://schemas.microsoft.com/office/drawing/2010/main" xmlns="">
+              <a14:hiddenEffects xmlns="" xmlns:a14="http://schemas.microsoft.com/office/drawing/2010/main">
                 <a:effectLst>
                   <a:outerShdw blurRad="63500" dist="38099" dir="2700000" algn="ctr" rotWithShape="0">
                     <a:srgbClr val="000000">
@@ -6088,14 +6068,14 @@
           <a:effectLst/>
           <a:extLst>
             <a:ext uri="{909E8E84-426E-40dd-AFC4-6F175D3DCCD1}">
-              <a14:hiddenFill xmlns:a14="http://schemas.microsoft.com/office/drawing/2010/main" xmlns="">
+              <a14:hiddenFill xmlns="" xmlns:a14="http://schemas.microsoft.com/office/drawing/2010/main">
                 <a:solidFill>
                   <a:srgbClr val="FFFFFF"/>
                 </a:solidFill>
               </a14:hiddenFill>
             </a:ext>
             <a:ext uri="{91240B29-F687-4f45-9708-019B960494DF}">
-              <a14:hiddenLine xmlns:a14="http://schemas.microsoft.com/office/drawing/2010/main" xmlns="" w="12700">
+              <a14:hiddenLine xmlns="" xmlns:a14="http://schemas.microsoft.com/office/drawing/2010/main" w="12700">
                 <a:solidFill>
                   <a:schemeClr val="tx1"/>
                 </a:solidFill>
@@ -6105,7 +6085,7 @@
               </a14:hiddenLine>
             </a:ext>
             <a:ext uri="{AF507438-7753-43e0-B8FC-AC1667EBCBE1}">
-              <a14:hiddenEffects xmlns:a14="http://schemas.microsoft.com/office/drawing/2010/main" xmlns="">
+              <a14:hiddenEffects xmlns="" xmlns:a14="http://schemas.microsoft.com/office/drawing/2010/main">
                 <a:effectLst>
                   <a:outerShdw blurRad="63500" dist="38099" dir="2700000" algn="ctr" rotWithShape="0">
                     <a:srgbClr val="000000">
@@ -6800,17 +6780,17 @@
           <a:effectLst/>
           <a:extLst>
             <a:ext uri="{FAA26D3D-D897-4be2-8F04-BA451C77F1D7}">
-              <ma14:placeholderFlag xmlns:ma14="http://schemas.microsoft.com/office/mac/drawingml/2011/main" xmlns="" val="1"/>
+              <ma14:placeholderFlag xmlns="" xmlns:ma14="http://schemas.microsoft.com/office/mac/drawingml/2011/main" val="1"/>
             </a:ext>
             <a:ext uri="{909E8E84-426E-40dd-AFC4-6F175D3DCCD1}">
-              <a14:hiddenFill xmlns:a14="http://schemas.microsoft.com/office/drawing/2010/main" xmlns="">
+              <a14:hiddenFill xmlns="" xmlns:a14="http://schemas.microsoft.com/office/drawing/2010/main">
                 <a:solidFill>
                   <a:srgbClr val="FFFFFF"/>
                 </a:solidFill>
               </a14:hiddenFill>
             </a:ext>
             <a:ext uri="{91240B29-F687-4f45-9708-019B960494DF}">
-              <a14:hiddenLine xmlns:a14="http://schemas.microsoft.com/office/drawing/2010/main" xmlns="" w="12700">
+              <a14:hiddenLine xmlns="" xmlns:a14="http://schemas.microsoft.com/office/drawing/2010/main" w="12700">
                 <a:solidFill>
                   <a:schemeClr val="tx1"/>
                 </a:solidFill>
@@ -6820,7 +6800,7 @@
               </a14:hiddenLine>
             </a:ext>
             <a:ext uri="{AF507438-7753-43e0-B8FC-AC1667EBCBE1}">
-              <a14:hiddenEffects xmlns:a14="http://schemas.microsoft.com/office/drawing/2010/main" xmlns="">
+              <a14:hiddenEffects xmlns="" xmlns:a14="http://schemas.microsoft.com/office/drawing/2010/main">
                 <a:effectLst>
                   <a:outerShdw blurRad="63500" dist="38099" dir="2700000" algn="ctr" rotWithShape="0">
                     <a:srgbClr val="000000">
@@ -6875,17 +6855,17 @@
           <a:effectLst/>
           <a:extLst>
             <a:ext uri="{FAA26D3D-D897-4be2-8F04-BA451C77F1D7}">
-              <ma14:placeholderFlag xmlns:ma14="http://schemas.microsoft.com/office/mac/drawingml/2011/main" xmlns="" val="1"/>
+              <ma14:placeholderFlag xmlns="" xmlns:ma14="http://schemas.microsoft.com/office/mac/drawingml/2011/main" val="1"/>
             </a:ext>
             <a:ext uri="{909E8E84-426E-40dd-AFC4-6F175D3DCCD1}">
-              <a14:hiddenFill xmlns:a14="http://schemas.microsoft.com/office/drawing/2010/main" xmlns="">
+              <a14:hiddenFill xmlns="" xmlns:a14="http://schemas.microsoft.com/office/drawing/2010/main">
                 <a:solidFill>
                   <a:srgbClr val="FFFFFF"/>
                 </a:solidFill>
               </a14:hiddenFill>
             </a:ext>
             <a:ext uri="{91240B29-F687-4f45-9708-019B960494DF}">
-              <a14:hiddenLine xmlns:a14="http://schemas.microsoft.com/office/drawing/2010/main" xmlns="" w="12700">
+              <a14:hiddenLine xmlns="" xmlns:a14="http://schemas.microsoft.com/office/drawing/2010/main" w="12700">
                 <a:solidFill>
                   <a:schemeClr val="tx1"/>
                 </a:solidFill>
@@ -6895,7 +6875,7 @@
               </a14:hiddenLine>
             </a:ext>
             <a:ext uri="{AF507438-7753-43e0-B8FC-AC1667EBCBE1}">
-              <a14:hiddenEffects xmlns:a14="http://schemas.microsoft.com/office/drawing/2010/main" xmlns="">
+              <a14:hiddenEffects xmlns="" xmlns:a14="http://schemas.microsoft.com/office/drawing/2010/main">
                 <a:effectLst>
                   <a:outerShdw blurRad="63500" dist="38099" dir="2700000" algn="ctr" rotWithShape="0">
                     <a:srgbClr val="000000">
@@ -6986,14 +6966,14 @@
           <a:effectLst/>
           <a:extLst>
             <a:ext uri="{909E8E84-426E-40dd-AFC4-6F175D3DCCD1}">
-              <a14:hiddenFill xmlns:a14="http://schemas.microsoft.com/office/drawing/2010/main" xmlns="">
+              <a14:hiddenFill xmlns="" xmlns:a14="http://schemas.microsoft.com/office/drawing/2010/main">
                 <a:solidFill>
                   <a:srgbClr val="FFFFFF"/>
                 </a:solidFill>
               </a14:hiddenFill>
             </a:ext>
             <a:ext uri="{91240B29-F687-4f45-9708-019B960494DF}">
-              <a14:hiddenLine xmlns:a14="http://schemas.microsoft.com/office/drawing/2010/main" xmlns="" w="12700">
+              <a14:hiddenLine xmlns="" xmlns:a14="http://schemas.microsoft.com/office/drawing/2010/main" w="12700">
                 <a:solidFill>
                   <a:schemeClr val="tx1"/>
                 </a:solidFill>
@@ -7003,7 +6983,7 @@
               </a14:hiddenLine>
             </a:ext>
             <a:ext uri="{AF507438-7753-43e0-B8FC-AC1667EBCBE1}">
-              <a14:hiddenEffects xmlns:a14="http://schemas.microsoft.com/office/drawing/2010/main" xmlns="">
+              <a14:hiddenEffects xmlns="" xmlns:a14="http://schemas.microsoft.com/office/drawing/2010/main">
                 <a:effectLst>
                   <a:outerShdw blurRad="63500" dist="38099" dir="2700000" algn="ctr" rotWithShape="0">
                     <a:srgbClr val="000000">
@@ -7681,7 +7661,7 @@
           <a:lstStyle/>
           <a:p>
             <a:r>
-              <a:rPr lang="en-US" b="1" cap="none" dirty="0" smtClean="0">
+              <a:rPr lang="en-US" b="1" cap="none" dirty="0">
                 <a:latin typeface="微软雅黑" panose="020B0503020204020204" pitchFamily="34" charset="-122"/>
                 <a:ea typeface="微软雅黑" panose="020B0503020204020204" pitchFamily="34" charset="-122"/>
               </a:rPr>
@@ -7710,30 +7690,12 @@
           <a:lstStyle/>
           <a:p>
             <a:r>
-              <a:rPr lang="en-US" dirty="0" smtClean="0">
+              <a:rPr lang="en-US" dirty="0">
                 <a:latin typeface="微软雅黑" panose="020B0503020204020204" pitchFamily="34" charset="-122"/>
                 <a:ea typeface="微软雅黑" panose="020B0503020204020204" pitchFamily="34" charset="-122"/>
               </a:rPr>
-              <a:t>GCC 4.1.2 </a:t>
-            </a:r>
-            <a:r>
-              <a:rPr lang="en-US" dirty="0">
-                <a:latin typeface="微软雅黑" panose="020B0503020204020204" pitchFamily="34" charset="-122"/>
-                <a:ea typeface="微软雅黑" panose="020B0503020204020204" pitchFamily="34" charset="-122"/>
-              </a:rPr>
-              <a:t>STL I</a:t>
-            </a:r>
-            <a:r>
-              <a:rPr lang="en-US" dirty="0" smtClean="0">
-                <a:latin typeface="微软雅黑" panose="020B0503020204020204" pitchFamily="34" charset="-122"/>
-                <a:ea typeface="微软雅黑" panose="020B0503020204020204" pitchFamily="34" charset="-122"/>
-              </a:rPr>
-              <a:t>mplementation</a:t>
-            </a:r>
-            <a:endParaRPr lang="en-US" dirty="0">
-              <a:latin typeface="微软雅黑" panose="020B0503020204020204" pitchFamily="34" charset="-122"/>
-              <a:ea typeface="微软雅黑" panose="020B0503020204020204" pitchFamily="34" charset="-122"/>
-            </a:endParaRPr>
+              <a:t>GCC 4.1.2 STL Implementation</a:t>
+            </a:r>
           </a:p>
         </p:txBody>
       </p:sp>
@@ -7783,13 +7745,6 @@
     <a:masterClrMapping/>
   </p:clrMapOvr>
   <p:transition/>
-  <p:timing>
-    <p:tnLst>
-      <p:par>
-        <p:cTn id="1" dur="indefinite" restart="never" nodeType="tmRoot"/>
-      </p:par>
-    </p:tnLst>
-  </p:timing>
 </p:sld>
 </file>
 
@@ -7837,14 +7792,7 @@
                 <a:latin typeface="微软雅黑" panose="020B0503020204020204" pitchFamily="34" charset="-122"/>
                 <a:ea typeface="微软雅黑" panose="020B0503020204020204" pitchFamily="34" charset="-122"/>
               </a:rPr>
-              <a:t> 4.1.2 STL </a:t>
-            </a:r>
-            <a:r>
-              <a:rPr lang="en-US" altLang="zh-CN" b="1" dirty="0" smtClean="0">
-                <a:latin typeface="微软雅黑" panose="020B0503020204020204" pitchFamily="34" charset="-122"/>
-                <a:ea typeface="微软雅黑" panose="020B0503020204020204" pitchFamily="34" charset="-122"/>
-              </a:rPr>
-              <a:t>Internals —— MAP</a:t>
+              <a:t> 4.1.2 STL Internals —— MAP</a:t>
             </a:r>
             <a:endParaRPr lang="zh-CN" altLang="en-US" b="1" dirty="0">
               <a:latin typeface="微软雅黑" panose="020B0503020204020204" pitchFamily="34" charset="-122"/>
@@ -7933,7 +7881,7 @@
                 </a:lnSpc>
               </a:pPr>
               <a:r>
-                <a:rPr lang="en-US" altLang="zh-CN" sz="1800" dirty="0" smtClean="0">
+                <a:rPr lang="en-US" altLang="zh-CN" sz="1800" dirty="0">
                   <a:solidFill>
                     <a:schemeClr val="tx1"/>
                   </a:solidFill>
@@ -7943,7 +7891,7 @@
                 <a:t>_</a:t>
               </a:r>
               <a:r>
-                <a:rPr lang="en-US" altLang="zh-CN" sz="1600" dirty="0" err="1" smtClean="0">
+                <a:rPr lang="en-US" altLang="zh-CN" sz="1600" dirty="0" err="1">
                   <a:solidFill>
                     <a:schemeClr val="tx1"/>
                   </a:solidFill>
@@ -7952,7 +7900,7 @@
                 </a:rPr>
                 <a:t>M_key_compare</a:t>
               </a:r>
-              <a:endParaRPr lang="zh-CN" altLang="en-US" sz="1800" dirty="0" smtClean="0">
+              <a:endParaRPr lang="zh-CN" altLang="en-US" sz="1800" dirty="0">
                 <a:solidFill>
                   <a:schemeClr val="tx1"/>
                 </a:solidFill>
@@ -7993,7 +7941,7 @@
                 </a:lnSpc>
               </a:pPr>
               <a:r>
-                <a:rPr lang="en-US" altLang="zh-CN" sz="1800" dirty="0" smtClean="0">
+                <a:rPr lang="en-US" altLang="zh-CN" sz="1800" dirty="0">
                   <a:solidFill>
                     <a:schemeClr val="tx1"/>
                   </a:solidFill>
@@ -8003,7 +7951,7 @@
                 <a:t>_</a:t>
               </a:r>
               <a:r>
-                <a:rPr lang="en-US" altLang="zh-CN" sz="1800" dirty="0" err="1" smtClean="0">
+                <a:rPr lang="en-US" altLang="zh-CN" sz="1800" dirty="0" err="1">
                   <a:solidFill>
                     <a:schemeClr val="tx1"/>
                   </a:solidFill>
@@ -8012,7 +7960,7 @@
                 </a:rPr>
                 <a:t>M_color</a:t>
               </a:r>
-              <a:endParaRPr lang="zh-CN" altLang="en-US" sz="1800" dirty="0" smtClean="0">
+              <a:endParaRPr lang="zh-CN" altLang="en-US" sz="1800" dirty="0">
                 <a:solidFill>
                   <a:schemeClr val="tx1"/>
                 </a:solidFill>
@@ -8053,7 +8001,7 @@
                 </a:lnSpc>
               </a:pPr>
               <a:r>
-                <a:rPr lang="en-US" altLang="zh-CN" sz="1800" dirty="0" smtClean="0">
+                <a:rPr lang="en-US" altLang="zh-CN" sz="1800" dirty="0">
                   <a:solidFill>
                     <a:schemeClr val="tx1"/>
                   </a:solidFill>
@@ -8063,7 +8011,7 @@
                 <a:t>_</a:t>
               </a:r>
               <a:r>
-                <a:rPr lang="en-US" altLang="zh-CN" sz="1800" dirty="0" err="1" smtClean="0">
+                <a:rPr lang="en-US" altLang="zh-CN" sz="1800" dirty="0" err="1">
                   <a:solidFill>
                     <a:schemeClr val="tx1"/>
                   </a:solidFill>
@@ -8072,7 +8020,7 @@
                 </a:rPr>
                 <a:t>M_parent</a:t>
               </a:r>
-              <a:endParaRPr lang="zh-CN" altLang="en-US" sz="1800" dirty="0" smtClean="0">
+              <a:endParaRPr lang="zh-CN" altLang="en-US" sz="1800" dirty="0">
                 <a:solidFill>
                   <a:schemeClr val="tx1"/>
                 </a:solidFill>
@@ -8113,7 +8061,7 @@
                 </a:lnSpc>
               </a:pPr>
               <a:r>
-                <a:rPr lang="en-US" altLang="zh-CN" sz="1800" dirty="0" smtClean="0">
+                <a:rPr lang="en-US" altLang="zh-CN" sz="1800" dirty="0">
                   <a:solidFill>
                     <a:schemeClr val="tx1"/>
                   </a:solidFill>
@@ -8123,7 +8071,7 @@
                 <a:t>_</a:t>
               </a:r>
               <a:r>
-                <a:rPr lang="en-US" altLang="zh-CN" sz="1800" dirty="0" err="1" smtClean="0">
+                <a:rPr lang="en-US" altLang="zh-CN" sz="1800" dirty="0" err="1">
                   <a:solidFill>
                     <a:schemeClr val="tx1"/>
                   </a:solidFill>
@@ -8132,7 +8080,7 @@
                 </a:rPr>
                 <a:t>M_left</a:t>
               </a:r>
-              <a:endParaRPr lang="zh-CN" altLang="en-US" sz="1800" dirty="0" smtClean="0">
+              <a:endParaRPr lang="zh-CN" altLang="en-US" sz="1800" dirty="0">
                 <a:solidFill>
                   <a:schemeClr val="tx1"/>
                 </a:solidFill>
@@ -8173,7 +8121,7 @@
                 </a:lnSpc>
               </a:pPr>
               <a:r>
-                <a:rPr lang="en-US" altLang="zh-CN" sz="1800" dirty="0" smtClean="0">
+                <a:rPr lang="en-US" altLang="zh-CN" sz="1800" dirty="0">
                   <a:solidFill>
                     <a:schemeClr val="tx1"/>
                   </a:solidFill>
@@ -8183,7 +8131,7 @@
                 <a:t>_</a:t>
               </a:r>
               <a:r>
-                <a:rPr lang="en-US" altLang="zh-CN" sz="1800" dirty="0" err="1" smtClean="0">
+                <a:rPr lang="en-US" altLang="zh-CN" sz="1800" dirty="0" err="1">
                   <a:solidFill>
                     <a:schemeClr val="tx1"/>
                   </a:solidFill>
@@ -8192,7 +8140,7 @@
                 </a:rPr>
                 <a:t>M_right</a:t>
               </a:r>
-              <a:endParaRPr lang="zh-CN" altLang="en-US" sz="1800" dirty="0" smtClean="0">
+              <a:endParaRPr lang="zh-CN" altLang="en-US" sz="1800" dirty="0">
                 <a:solidFill>
                   <a:schemeClr val="tx1"/>
                 </a:solidFill>
@@ -8233,7 +8181,7 @@
                 </a:lnSpc>
               </a:pPr>
               <a:r>
-                <a:rPr lang="en-US" altLang="zh-CN" sz="1800" dirty="0" smtClean="0">
+                <a:rPr lang="en-US" altLang="zh-CN" sz="1800" dirty="0">
                   <a:solidFill>
                     <a:schemeClr val="tx1"/>
                   </a:solidFill>
@@ -8243,7 +8191,7 @@
                 <a:t>_</a:t>
               </a:r>
               <a:r>
-                <a:rPr lang="en-US" altLang="zh-CN" sz="1800" dirty="0" err="1" smtClean="0">
+                <a:rPr lang="en-US" altLang="zh-CN" sz="1800" dirty="0" err="1">
                   <a:solidFill>
                     <a:schemeClr val="tx1"/>
                   </a:solidFill>
@@ -8252,7 +8200,7 @@
                 </a:rPr>
                 <a:t>M_node_count</a:t>
               </a:r>
-              <a:endParaRPr lang="zh-CN" altLang="en-US" sz="1800" dirty="0" smtClean="0">
+              <a:endParaRPr lang="zh-CN" altLang="en-US" sz="1800" dirty="0">
                 <a:solidFill>
                   <a:schemeClr val="tx1"/>
                 </a:solidFill>
@@ -8308,7 +8256,7 @@
                 </a:lnSpc>
               </a:pPr>
               <a:r>
-                <a:rPr lang="en-US" altLang="zh-CN" sz="1800" dirty="0" smtClean="0">
+                <a:rPr lang="en-US" altLang="zh-CN" sz="1800" dirty="0">
                   <a:solidFill>
                     <a:schemeClr val="tx1"/>
                   </a:solidFill>
@@ -8318,7 +8266,7 @@
                 <a:t>_</a:t>
               </a:r>
               <a:r>
-                <a:rPr lang="en-US" altLang="zh-CN" sz="1800" dirty="0" err="1" smtClean="0">
+                <a:rPr lang="en-US" altLang="zh-CN" sz="1800" dirty="0" err="1">
                   <a:solidFill>
                     <a:schemeClr val="tx1"/>
                   </a:solidFill>
@@ -8327,7 +8275,7 @@
                 </a:rPr>
                 <a:t>M_color</a:t>
               </a:r>
-              <a:endParaRPr lang="zh-CN" altLang="en-US" sz="1800" dirty="0" smtClean="0">
+              <a:endParaRPr lang="zh-CN" altLang="en-US" sz="1800" dirty="0">
                 <a:solidFill>
                   <a:schemeClr val="tx1"/>
                 </a:solidFill>
@@ -8368,7 +8316,7 @@
                 </a:lnSpc>
               </a:pPr>
               <a:r>
-                <a:rPr lang="en-US" altLang="zh-CN" sz="1800" dirty="0" smtClean="0">
+                <a:rPr lang="en-US" altLang="zh-CN" sz="1800" dirty="0">
                   <a:solidFill>
                     <a:schemeClr val="tx1"/>
                   </a:solidFill>
@@ -8378,7 +8326,7 @@
                 <a:t>_</a:t>
               </a:r>
               <a:r>
-                <a:rPr lang="en-US" altLang="zh-CN" sz="1800" dirty="0" err="1" smtClean="0">
+                <a:rPr lang="en-US" altLang="zh-CN" sz="1800" dirty="0" err="1">
                   <a:solidFill>
                     <a:schemeClr val="tx1"/>
                   </a:solidFill>
@@ -8387,7 +8335,7 @@
                 </a:rPr>
                 <a:t>M_parent</a:t>
               </a:r>
-              <a:endParaRPr lang="zh-CN" altLang="en-US" sz="1800" dirty="0" smtClean="0">
+              <a:endParaRPr lang="zh-CN" altLang="en-US" sz="1800" dirty="0">
                 <a:solidFill>
                   <a:schemeClr val="tx1"/>
                 </a:solidFill>
@@ -8428,7 +8376,7 @@
                 </a:lnSpc>
               </a:pPr>
               <a:r>
-                <a:rPr lang="en-US" altLang="zh-CN" sz="1800" dirty="0" smtClean="0">
+                <a:rPr lang="en-US" altLang="zh-CN" sz="1800" dirty="0">
                   <a:solidFill>
                     <a:schemeClr val="tx1"/>
                   </a:solidFill>
@@ -8438,7 +8386,7 @@
                 <a:t>_</a:t>
               </a:r>
               <a:r>
-                <a:rPr lang="en-US" altLang="zh-CN" sz="1800" dirty="0" err="1" smtClean="0">
+                <a:rPr lang="en-US" altLang="zh-CN" sz="1800" dirty="0" err="1">
                   <a:solidFill>
                     <a:schemeClr val="tx1"/>
                   </a:solidFill>
@@ -8447,7 +8395,7 @@
                 </a:rPr>
                 <a:t>M_left</a:t>
               </a:r>
-              <a:endParaRPr lang="zh-CN" altLang="en-US" sz="1800" dirty="0" smtClean="0">
+              <a:endParaRPr lang="zh-CN" altLang="en-US" sz="1800" dirty="0">
                 <a:solidFill>
                   <a:schemeClr val="tx1"/>
                 </a:solidFill>
@@ -8488,7 +8436,7 @@
                 </a:lnSpc>
               </a:pPr>
               <a:r>
-                <a:rPr lang="en-US" altLang="zh-CN" sz="1800" dirty="0" smtClean="0">
+                <a:rPr lang="en-US" altLang="zh-CN" sz="1800" dirty="0">
                   <a:solidFill>
                     <a:schemeClr val="tx1"/>
                   </a:solidFill>
@@ -8498,7 +8446,7 @@
                 <a:t>_</a:t>
               </a:r>
               <a:r>
-                <a:rPr lang="en-US" altLang="zh-CN" sz="1800" dirty="0" err="1" smtClean="0">
+                <a:rPr lang="en-US" altLang="zh-CN" sz="1800" dirty="0" err="1">
                   <a:solidFill>
                     <a:schemeClr val="tx1"/>
                   </a:solidFill>
@@ -8507,7 +8455,7 @@
                 </a:rPr>
                 <a:t>M_right</a:t>
               </a:r>
-              <a:endParaRPr lang="zh-CN" altLang="en-US" sz="1800" dirty="0" smtClean="0">
+              <a:endParaRPr lang="zh-CN" altLang="en-US" sz="1800" dirty="0">
                 <a:solidFill>
                   <a:schemeClr val="tx1"/>
                 </a:solidFill>
@@ -8548,7 +8496,7 @@
                 </a:lnSpc>
               </a:pPr>
               <a:r>
-                <a:rPr lang="en-US" altLang="zh-CN" sz="1800" dirty="0" smtClean="0">
+                <a:rPr lang="en-US" altLang="zh-CN" sz="1800" dirty="0">
                   <a:solidFill>
                     <a:schemeClr val="tx1"/>
                   </a:solidFill>
@@ -8557,7 +8505,7 @@
                 </a:rPr>
                 <a:t>key(2)</a:t>
               </a:r>
-              <a:endParaRPr lang="zh-CN" altLang="en-US" sz="1800" dirty="0" smtClean="0">
+              <a:endParaRPr lang="zh-CN" altLang="en-US" sz="1800" dirty="0">
                 <a:solidFill>
                   <a:schemeClr val="tx1"/>
                 </a:solidFill>
@@ -8598,7 +8546,7 @@
                 </a:lnSpc>
               </a:pPr>
               <a:r>
-                <a:rPr lang="en-US" altLang="zh-CN" sz="1800" dirty="0" smtClean="0">
+                <a:rPr lang="en-US" altLang="zh-CN" sz="1800" dirty="0">
                   <a:solidFill>
                     <a:schemeClr val="tx1"/>
                   </a:solidFill>
@@ -8607,7 +8555,7 @@
                 </a:rPr>
                 <a:t>value(12)</a:t>
               </a:r>
-              <a:endParaRPr lang="zh-CN" altLang="en-US" sz="1800" dirty="0" smtClean="0">
+              <a:endParaRPr lang="zh-CN" altLang="en-US" sz="1800" dirty="0">
                 <a:solidFill>
                   <a:schemeClr val="tx1"/>
                 </a:solidFill>
@@ -8663,7 +8611,7 @@
                 </a:lnSpc>
               </a:pPr>
               <a:r>
-                <a:rPr lang="en-US" altLang="zh-CN" sz="1800" dirty="0" smtClean="0">
+                <a:rPr lang="en-US" altLang="zh-CN" sz="1800" dirty="0">
                   <a:solidFill>
                     <a:schemeClr val="tx1"/>
                   </a:solidFill>
@@ -8673,7 +8621,7 @@
                 <a:t>_</a:t>
               </a:r>
               <a:r>
-                <a:rPr lang="en-US" altLang="zh-CN" sz="1800" dirty="0" err="1" smtClean="0">
+                <a:rPr lang="en-US" altLang="zh-CN" sz="1800" dirty="0" err="1">
                   <a:solidFill>
                     <a:schemeClr val="tx1"/>
                   </a:solidFill>
@@ -8682,7 +8630,7 @@
                 </a:rPr>
                 <a:t>M_color</a:t>
               </a:r>
-              <a:endParaRPr lang="zh-CN" altLang="en-US" sz="1800" dirty="0" smtClean="0">
+              <a:endParaRPr lang="zh-CN" altLang="en-US" sz="1800" dirty="0">
                 <a:solidFill>
                   <a:schemeClr val="tx1"/>
                 </a:solidFill>
@@ -8723,7 +8671,7 @@
                 </a:lnSpc>
               </a:pPr>
               <a:r>
-                <a:rPr lang="en-US" altLang="zh-CN" sz="1800" dirty="0" smtClean="0">
+                <a:rPr lang="en-US" altLang="zh-CN" sz="1800" dirty="0">
                   <a:solidFill>
                     <a:schemeClr val="tx1"/>
                   </a:solidFill>
@@ -8733,7 +8681,7 @@
                 <a:t>_</a:t>
               </a:r>
               <a:r>
-                <a:rPr lang="en-US" altLang="zh-CN" sz="1800" dirty="0" err="1" smtClean="0">
+                <a:rPr lang="en-US" altLang="zh-CN" sz="1800" dirty="0" err="1">
                   <a:solidFill>
                     <a:schemeClr val="tx1"/>
                   </a:solidFill>
@@ -8742,7 +8690,7 @@
                 </a:rPr>
                 <a:t>M_parent</a:t>
               </a:r>
-              <a:endParaRPr lang="zh-CN" altLang="en-US" sz="1800" dirty="0" smtClean="0">
+              <a:endParaRPr lang="zh-CN" altLang="en-US" sz="1800" dirty="0">
                 <a:solidFill>
                   <a:schemeClr val="tx1"/>
                 </a:solidFill>
@@ -8783,7 +8731,7 @@
                 </a:lnSpc>
               </a:pPr>
               <a:r>
-                <a:rPr lang="en-US" altLang="zh-CN" sz="1800" dirty="0" smtClean="0">
+                <a:rPr lang="en-US" altLang="zh-CN" sz="1800" dirty="0">
                   <a:solidFill>
                     <a:schemeClr val="tx1"/>
                   </a:solidFill>
@@ -8793,7 +8741,7 @@
                 <a:t>_</a:t>
               </a:r>
               <a:r>
-                <a:rPr lang="en-US" altLang="zh-CN" sz="1800" dirty="0" err="1" smtClean="0">
+                <a:rPr lang="en-US" altLang="zh-CN" sz="1800" dirty="0" err="1">
                   <a:solidFill>
                     <a:schemeClr val="tx1"/>
                   </a:solidFill>
@@ -8802,7 +8750,7 @@
                 </a:rPr>
                 <a:t>M_left</a:t>
               </a:r>
-              <a:endParaRPr lang="zh-CN" altLang="en-US" sz="1800" dirty="0" smtClean="0">
+              <a:endParaRPr lang="zh-CN" altLang="en-US" sz="1800" dirty="0">
                 <a:solidFill>
                   <a:schemeClr val="tx1"/>
                 </a:solidFill>
@@ -8843,7 +8791,7 @@
                 </a:lnSpc>
               </a:pPr>
               <a:r>
-                <a:rPr lang="en-US" altLang="zh-CN" sz="1800" dirty="0" smtClean="0">
+                <a:rPr lang="en-US" altLang="zh-CN" sz="1800" dirty="0">
                   <a:solidFill>
                     <a:schemeClr val="tx1"/>
                   </a:solidFill>
@@ -8853,7 +8801,7 @@
                 <a:t>_</a:t>
               </a:r>
               <a:r>
-                <a:rPr lang="en-US" altLang="zh-CN" sz="1800" dirty="0" err="1" smtClean="0">
+                <a:rPr lang="en-US" altLang="zh-CN" sz="1800" dirty="0" err="1">
                   <a:solidFill>
                     <a:schemeClr val="tx1"/>
                   </a:solidFill>
@@ -8862,7 +8810,7 @@
                 </a:rPr>
                 <a:t>M_right</a:t>
               </a:r>
-              <a:endParaRPr lang="zh-CN" altLang="en-US" sz="1800" dirty="0" smtClean="0">
+              <a:endParaRPr lang="zh-CN" altLang="en-US" sz="1800" dirty="0">
                 <a:solidFill>
                   <a:schemeClr val="tx1"/>
                 </a:solidFill>
@@ -8903,7 +8851,7 @@
                 </a:lnSpc>
               </a:pPr>
               <a:r>
-                <a:rPr lang="en-US" altLang="zh-CN" sz="1800" dirty="0" smtClean="0">
+                <a:rPr lang="en-US" altLang="zh-CN" sz="1800" dirty="0">
                   <a:solidFill>
                     <a:schemeClr val="tx1"/>
                   </a:solidFill>
@@ -8912,7 +8860,7 @@
                 </a:rPr>
                 <a:t>key(0)</a:t>
               </a:r>
-              <a:endParaRPr lang="zh-CN" altLang="en-US" sz="1800" dirty="0" smtClean="0">
+              <a:endParaRPr lang="zh-CN" altLang="en-US" sz="1800" dirty="0">
                 <a:solidFill>
                   <a:schemeClr val="tx1"/>
                 </a:solidFill>
@@ -8953,7 +8901,7 @@
                 </a:lnSpc>
               </a:pPr>
               <a:r>
-                <a:rPr lang="en-US" altLang="zh-CN" sz="1800" dirty="0" smtClean="0">
+                <a:rPr lang="en-US" altLang="zh-CN" sz="1800" dirty="0">
                   <a:solidFill>
                     <a:schemeClr val="tx1"/>
                   </a:solidFill>
@@ -8962,7 +8910,7 @@
                 </a:rPr>
                 <a:t>value(10)</a:t>
               </a:r>
-              <a:endParaRPr lang="zh-CN" altLang="en-US" sz="1800" dirty="0" smtClean="0">
+              <a:endParaRPr lang="zh-CN" altLang="en-US" sz="1800" dirty="0">
                 <a:solidFill>
                   <a:schemeClr val="tx1"/>
                 </a:solidFill>
@@ -9018,7 +8966,7 @@
                 </a:lnSpc>
               </a:pPr>
               <a:r>
-                <a:rPr lang="en-US" altLang="zh-CN" sz="1800" dirty="0" smtClean="0">
+                <a:rPr lang="en-US" altLang="zh-CN" sz="1800" dirty="0">
                   <a:solidFill>
                     <a:schemeClr val="tx1"/>
                   </a:solidFill>
@@ -9028,7 +8976,7 @@
                 <a:t>_</a:t>
               </a:r>
               <a:r>
-                <a:rPr lang="en-US" altLang="zh-CN" sz="1800" dirty="0" err="1" smtClean="0">
+                <a:rPr lang="en-US" altLang="zh-CN" sz="1800" dirty="0" err="1">
                   <a:solidFill>
                     <a:schemeClr val="tx1"/>
                   </a:solidFill>
@@ -9037,7 +8985,7 @@
                 </a:rPr>
                 <a:t>M_color</a:t>
               </a:r>
-              <a:endParaRPr lang="zh-CN" altLang="en-US" sz="1800" dirty="0" smtClean="0">
+              <a:endParaRPr lang="zh-CN" altLang="en-US" sz="1800" dirty="0">
                 <a:solidFill>
                   <a:schemeClr val="tx1"/>
                 </a:solidFill>
@@ -9078,7 +9026,7 @@
                 </a:lnSpc>
               </a:pPr>
               <a:r>
-                <a:rPr lang="en-US" altLang="zh-CN" sz="1800" dirty="0" smtClean="0">
+                <a:rPr lang="en-US" altLang="zh-CN" sz="1800" dirty="0">
                   <a:solidFill>
                     <a:schemeClr val="tx1"/>
                   </a:solidFill>
@@ -9088,7 +9036,7 @@
                 <a:t>_</a:t>
               </a:r>
               <a:r>
-                <a:rPr lang="en-US" altLang="zh-CN" sz="1800" dirty="0" err="1" smtClean="0">
+                <a:rPr lang="en-US" altLang="zh-CN" sz="1800" dirty="0" err="1">
                   <a:solidFill>
                     <a:schemeClr val="tx1"/>
                   </a:solidFill>
@@ -9097,7 +9045,7 @@
                 </a:rPr>
                 <a:t>M_parent</a:t>
               </a:r>
-              <a:endParaRPr lang="zh-CN" altLang="en-US" sz="1800" dirty="0" smtClean="0">
+              <a:endParaRPr lang="zh-CN" altLang="en-US" sz="1800" dirty="0">
                 <a:solidFill>
                   <a:schemeClr val="tx1"/>
                 </a:solidFill>
@@ -9138,7 +9086,7 @@
                 </a:lnSpc>
               </a:pPr>
               <a:r>
-                <a:rPr lang="en-US" altLang="zh-CN" sz="1800" dirty="0" smtClean="0">
+                <a:rPr lang="en-US" altLang="zh-CN" sz="1800" dirty="0">
                   <a:solidFill>
                     <a:schemeClr val="tx1"/>
                   </a:solidFill>
@@ -9148,7 +9096,7 @@
                 <a:t>_</a:t>
               </a:r>
               <a:r>
-                <a:rPr lang="en-US" altLang="zh-CN" sz="1800" dirty="0" err="1" smtClean="0">
+                <a:rPr lang="en-US" altLang="zh-CN" sz="1800" dirty="0" err="1">
                   <a:solidFill>
                     <a:schemeClr val="tx1"/>
                   </a:solidFill>
@@ -9157,7 +9105,7 @@
                 </a:rPr>
                 <a:t>M_left</a:t>
               </a:r>
-              <a:endParaRPr lang="zh-CN" altLang="en-US" sz="1800" dirty="0" smtClean="0">
+              <a:endParaRPr lang="zh-CN" altLang="en-US" sz="1800" dirty="0">
                 <a:solidFill>
                   <a:schemeClr val="tx1"/>
                 </a:solidFill>
@@ -9198,7 +9146,7 @@
                 </a:lnSpc>
               </a:pPr>
               <a:r>
-                <a:rPr lang="en-US" altLang="zh-CN" sz="1800" dirty="0" smtClean="0">
+                <a:rPr lang="en-US" altLang="zh-CN" sz="1800" dirty="0">
                   <a:solidFill>
                     <a:schemeClr val="tx1"/>
                   </a:solidFill>
@@ -9208,7 +9156,7 @@
                 <a:t>_</a:t>
               </a:r>
               <a:r>
-                <a:rPr lang="en-US" altLang="zh-CN" sz="1800" dirty="0" err="1" smtClean="0">
+                <a:rPr lang="en-US" altLang="zh-CN" sz="1800" dirty="0" err="1">
                   <a:solidFill>
                     <a:schemeClr val="tx1"/>
                   </a:solidFill>
@@ -9217,7 +9165,7 @@
                 </a:rPr>
                 <a:t>M_right</a:t>
               </a:r>
-              <a:endParaRPr lang="zh-CN" altLang="en-US" sz="1800" dirty="0" smtClean="0">
+              <a:endParaRPr lang="zh-CN" altLang="en-US" sz="1800" dirty="0">
                 <a:solidFill>
                   <a:schemeClr val="tx1"/>
                 </a:solidFill>
@@ -9258,7 +9206,7 @@
                 </a:lnSpc>
               </a:pPr>
               <a:r>
-                <a:rPr lang="en-US" altLang="zh-CN" sz="1800" dirty="0" smtClean="0">
+                <a:rPr lang="en-US" altLang="zh-CN" sz="1800" dirty="0">
                   <a:solidFill>
                     <a:schemeClr val="tx1"/>
                   </a:solidFill>
@@ -9267,7 +9215,7 @@
                 </a:rPr>
                 <a:t>key(3)</a:t>
               </a:r>
-              <a:endParaRPr lang="zh-CN" altLang="en-US" sz="1800" dirty="0" smtClean="0">
+              <a:endParaRPr lang="zh-CN" altLang="en-US" sz="1800" dirty="0">
                 <a:solidFill>
                   <a:schemeClr val="tx1"/>
                 </a:solidFill>
@@ -9308,7 +9256,7 @@
                 </a:lnSpc>
               </a:pPr>
               <a:r>
-                <a:rPr lang="en-US" altLang="zh-CN" sz="1800" dirty="0" smtClean="0">
+                <a:rPr lang="en-US" altLang="zh-CN" sz="1800" dirty="0">
                   <a:solidFill>
                     <a:schemeClr val="tx1"/>
                   </a:solidFill>
@@ -9317,7 +9265,7 @@
                 </a:rPr>
                 <a:t>value(13)</a:t>
               </a:r>
-              <a:endParaRPr lang="zh-CN" altLang="en-US" sz="1800" dirty="0" smtClean="0">
+              <a:endParaRPr lang="zh-CN" altLang="en-US" sz="1800" dirty="0">
                 <a:solidFill>
                   <a:schemeClr val="tx1"/>
                 </a:solidFill>
@@ -9351,7 +9299,7 @@
           </a:ln>
           <a:extLst>
             <a:ext uri="{91240B29-F687-4f45-9708-019B960494DF}">
-              <a14:hiddenLine xmlns:a14="http://schemas.microsoft.com/office/drawing/2010/main" xmlns="" w="25400" cap="flat" cmpd="sng" algn="ctr">
+              <a14:hiddenLine xmlns="" xmlns:a14="http://schemas.microsoft.com/office/drawing/2010/main" w="25400" cap="flat" cmpd="sng" algn="ctr">
                 <a:solidFill>
                   <a:srgbClr val="000000"/>
                 </a:solidFill>
@@ -9362,7 +9310,7 @@
               </a14:hiddenLine>
             </a:ext>
             <a:ext uri="{AF507438-7753-43e0-B8FC-AC1667EBCBE1}">
-              <a14:hiddenEffects xmlns:a14="http://schemas.microsoft.com/office/drawing/2010/main" xmlns="">
+              <a14:hiddenEffects xmlns="" xmlns:a14="http://schemas.microsoft.com/office/drawing/2010/main">
                 <a:effectLst>
                   <a:outerShdw blurRad="63500" dist="38099" dir="2700000" algn="ctr" rotWithShape="0">
                     <a:schemeClr val="bg2">
@@ -9412,7 +9360,7 @@
           </a:ln>
           <a:extLst>
             <a:ext uri="{91240B29-F687-4f45-9708-019B960494DF}">
-              <a14:hiddenLine xmlns:a14="http://schemas.microsoft.com/office/drawing/2010/main" xmlns="" w="25400" cap="flat" cmpd="sng" algn="ctr">
+              <a14:hiddenLine xmlns="" xmlns:a14="http://schemas.microsoft.com/office/drawing/2010/main" w="25400" cap="flat" cmpd="sng" algn="ctr">
                 <a:solidFill>
                   <a:srgbClr val="000000"/>
                 </a:solidFill>
@@ -9423,7 +9371,7 @@
               </a14:hiddenLine>
             </a:ext>
             <a:ext uri="{AF507438-7753-43e0-B8FC-AC1667EBCBE1}">
-              <a14:hiddenEffects xmlns:a14="http://schemas.microsoft.com/office/drawing/2010/main" xmlns="">
+              <a14:hiddenEffects xmlns="" xmlns:a14="http://schemas.microsoft.com/office/drawing/2010/main">
                 <a:effectLst>
                   <a:outerShdw blurRad="63500" dist="38099" dir="2700000" algn="ctr" rotWithShape="0">
                     <a:schemeClr val="bg2">
@@ -9473,7 +9421,7 @@
           </a:ln>
           <a:extLst>
             <a:ext uri="{91240B29-F687-4f45-9708-019B960494DF}">
-              <a14:hiddenLine xmlns:a14="http://schemas.microsoft.com/office/drawing/2010/main" xmlns="" w="25400" cap="flat" cmpd="sng" algn="ctr">
+              <a14:hiddenLine xmlns="" xmlns:a14="http://schemas.microsoft.com/office/drawing/2010/main" w="25400" cap="flat" cmpd="sng" algn="ctr">
                 <a:solidFill>
                   <a:srgbClr val="000000"/>
                 </a:solidFill>
@@ -9484,7 +9432,7 @@
               </a14:hiddenLine>
             </a:ext>
             <a:ext uri="{AF507438-7753-43e0-B8FC-AC1667EBCBE1}">
-              <a14:hiddenEffects xmlns:a14="http://schemas.microsoft.com/office/drawing/2010/main" xmlns="">
+              <a14:hiddenEffects xmlns="" xmlns:a14="http://schemas.microsoft.com/office/drawing/2010/main">
                 <a:effectLst>
                   <a:outerShdw blurRad="63500" dist="38099" dir="2700000" algn="ctr" rotWithShape="0">
                     <a:schemeClr val="bg2">
@@ -9537,7 +9485,7 @@
           </a:ln>
           <a:extLst>
             <a:ext uri="{91240B29-F687-4f45-9708-019B960494DF}">
-              <a14:hiddenLine xmlns:a14="http://schemas.microsoft.com/office/drawing/2010/main" xmlns="" w="25400" cap="flat" cmpd="sng" algn="ctr">
+              <a14:hiddenLine xmlns="" xmlns:a14="http://schemas.microsoft.com/office/drawing/2010/main" w="25400" cap="flat" cmpd="sng" algn="ctr">
                 <a:solidFill>
                   <a:srgbClr val="000000"/>
                 </a:solidFill>
@@ -9548,7 +9496,7 @@
               </a14:hiddenLine>
             </a:ext>
             <a:ext uri="{AF507438-7753-43e0-B8FC-AC1667EBCBE1}">
-              <a14:hiddenEffects xmlns:a14="http://schemas.microsoft.com/office/drawing/2010/main" xmlns="">
+              <a14:hiddenEffects xmlns="" xmlns:a14="http://schemas.microsoft.com/office/drawing/2010/main">
                 <a:effectLst>
                   <a:outerShdw blurRad="63500" dist="38099" dir="2700000" algn="ctr" rotWithShape="0">
                     <a:schemeClr val="bg2">
@@ -9620,7 +9568,7 @@
                 </a:lnSpc>
               </a:pPr>
               <a:r>
-                <a:rPr lang="en-US" altLang="zh-CN" sz="1800" dirty="0" smtClean="0">
+                <a:rPr lang="en-US" altLang="zh-CN" sz="1800" dirty="0">
                   <a:solidFill>
                     <a:schemeClr val="tx1"/>
                   </a:solidFill>
@@ -9630,7 +9578,7 @@
                 <a:t>_</a:t>
               </a:r>
               <a:r>
-                <a:rPr lang="en-US" altLang="zh-CN" sz="1800" dirty="0" err="1" smtClean="0">
+                <a:rPr lang="en-US" altLang="zh-CN" sz="1800" dirty="0" err="1">
                   <a:solidFill>
                     <a:schemeClr val="tx1"/>
                   </a:solidFill>
@@ -9639,7 +9587,7 @@
                 </a:rPr>
                 <a:t>M_color</a:t>
               </a:r>
-              <a:endParaRPr lang="zh-CN" altLang="en-US" sz="1800" dirty="0" smtClean="0">
+              <a:endParaRPr lang="zh-CN" altLang="en-US" sz="1800" dirty="0">
                 <a:solidFill>
                   <a:schemeClr val="tx1"/>
                 </a:solidFill>
@@ -9680,7 +9628,7 @@
                 </a:lnSpc>
               </a:pPr>
               <a:r>
-                <a:rPr lang="en-US" altLang="zh-CN" sz="1800" dirty="0" smtClean="0">
+                <a:rPr lang="en-US" altLang="zh-CN" sz="1800" dirty="0">
                   <a:solidFill>
                     <a:schemeClr val="tx1"/>
                   </a:solidFill>
@@ -9690,7 +9638,7 @@
                 <a:t>_</a:t>
               </a:r>
               <a:r>
-                <a:rPr lang="en-US" altLang="zh-CN" sz="1800" dirty="0" err="1" smtClean="0">
+                <a:rPr lang="en-US" altLang="zh-CN" sz="1800" dirty="0" err="1">
                   <a:solidFill>
                     <a:schemeClr val="tx1"/>
                   </a:solidFill>
@@ -9699,7 +9647,7 @@
                 </a:rPr>
                 <a:t>M_parent</a:t>
               </a:r>
-              <a:endParaRPr lang="zh-CN" altLang="en-US" sz="1800" dirty="0" smtClean="0">
+              <a:endParaRPr lang="zh-CN" altLang="en-US" sz="1800" dirty="0">
                 <a:solidFill>
                   <a:schemeClr val="tx1"/>
                 </a:solidFill>
@@ -9740,7 +9688,7 @@
                 </a:lnSpc>
               </a:pPr>
               <a:r>
-                <a:rPr lang="en-US" altLang="zh-CN" sz="1800" dirty="0" smtClean="0">
+                <a:rPr lang="en-US" altLang="zh-CN" sz="1800" dirty="0">
                   <a:solidFill>
                     <a:schemeClr val="tx1"/>
                   </a:solidFill>
@@ -9750,7 +9698,7 @@
                 <a:t>_</a:t>
               </a:r>
               <a:r>
-                <a:rPr lang="en-US" altLang="zh-CN" sz="1800" dirty="0" err="1" smtClean="0">
+                <a:rPr lang="en-US" altLang="zh-CN" sz="1800" dirty="0" err="1">
                   <a:solidFill>
                     <a:schemeClr val="tx1"/>
                   </a:solidFill>
@@ -9759,7 +9707,7 @@
                 </a:rPr>
                 <a:t>M_left</a:t>
               </a:r>
-              <a:endParaRPr lang="zh-CN" altLang="en-US" sz="1800" dirty="0" smtClean="0">
+              <a:endParaRPr lang="zh-CN" altLang="en-US" sz="1800" dirty="0">
                 <a:solidFill>
                   <a:schemeClr val="tx1"/>
                 </a:solidFill>
@@ -9800,7 +9748,7 @@
                 </a:lnSpc>
               </a:pPr>
               <a:r>
-                <a:rPr lang="en-US" altLang="zh-CN" sz="1800" dirty="0" smtClean="0">
+                <a:rPr lang="en-US" altLang="zh-CN" sz="1800" dirty="0">
                   <a:solidFill>
                     <a:schemeClr val="tx1"/>
                   </a:solidFill>
@@ -9810,7 +9758,7 @@
                 <a:t>_</a:t>
               </a:r>
               <a:r>
-                <a:rPr lang="en-US" altLang="zh-CN" sz="1800" dirty="0" err="1" smtClean="0">
+                <a:rPr lang="en-US" altLang="zh-CN" sz="1800" dirty="0" err="1">
                   <a:solidFill>
                     <a:schemeClr val="tx1"/>
                   </a:solidFill>
@@ -9819,7 +9767,7 @@
                 </a:rPr>
                 <a:t>M_right</a:t>
               </a:r>
-              <a:endParaRPr lang="zh-CN" altLang="en-US" sz="1800" dirty="0" smtClean="0">
+              <a:endParaRPr lang="zh-CN" altLang="en-US" sz="1800" dirty="0">
                 <a:solidFill>
                   <a:schemeClr val="tx1"/>
                 </a:solidFill>
@@ -9860,7 +9808,7 @@
                 </a:lnSpc>
               </a:pPr>
               <a:r>
-                <a:rPr lang="en-US" altLang="zh-CN" sz="1800" dirty="0" smtClean="0">
+                <a:rPr lang="en-US" altLang="zh-CN" sz="1800" dirty="0">
                   <a:solidFill>
                     <a:schemeClr val="tx1"/>
                   </a:solidFill>
@@ -9869,7 +9817,7 @@
                 </a:rPr>
                 <a:t>key(1)</a:t>
               </a:r>
-              <a:endParaRPr lang="zh-CN" altLang="en-US" sz="1800" dirty="0" smtClean="0">
+              <a:endParaRPr lang="zh-CN" altLang="en-US" sz="1800" dirty="0">
                 <a:solidFill>
                   <a:schemeClr val="tx1"/>
                 </a:solidFill>
@@ -9910,7 +9858,7 @@
                 </a:lnSpc>
               </a:pPr>
               <a:r>
-                <a:rPr lang="en-US" altLang="zh-CN" sz="1800" dirty="0" smtClean="0">
+                <a:rPr lang="en-US" altLang="zh-CN" sz="1800" dirty="0">
                   <a:solidFill>
                     <a:schemeClr val="tx1"/>
                   </a:solidFill>
@@ -9919,7 +9867,7 @@
                 </a:rPr>
                 <a:t>value(11)</a:t>
               </a:r>
-              <a:endParaRPr lang="zh-CN" altLang="en-US" sz="1800" dirty="0" smtClean="0">
+              <a:endParaRPr lang="zh-CN" altLang="en-US" sz="1800" dirty="0">
                 <a:solidFill>
                   <a:schemeClr val="tx1"/>
                 </a:solidFill>
@@ -9975,7 +9923,7 @@
                 </a:lnSpc>
               </a:pPr>
               <a:r>
-                <a:rPr lang="en-US" altLang="zh-CN" sz="1800" dirty="0" smtClean="0">
+                <a:rPr lang="en-US" altLang="zh-CN" sz="1800" dirty="0">
                   <a:solidFill>
                     <a:schemeClr val="tx1"/>
                   </a:solidFill>
@@ -9985,7 +9933,7 @@
                 <a:t>_</a:t>
               </a:r>
               <a:r>
-                <a:rPr lang="en-US" altLang="zh-CN" sz="1800" dirty="0" err="1" smtClean="0">
+                <a:rPr lang="en-US" altLang="zh-CN" sz="1800" dirty="0" err="1">
                   <a:solidFill>
                     <a:schemeClr val="tx1"/>
                   </a:solidFill>
@@ -9994,7 +9942,7 @@
                 </a:rPr>
                 <a:t>M_color</a:t>
               </a:r>
-              <a:endParaRPr lang="zh-CN" altLang="en-US" sz="1800" dirty="0" smtClean="0">
+              <a:endParaRPr lang="zh-CN" altLang="en-US" sz="1800" dirty="0">
                 <a:solidFill>
                   <a:schemeClr val="tx1"/>
                 </a:solidFill>
@@ -10035,7 +9983,7 @@
                 </a:lnSpc>
               </a:pPr>
               <a:r>
-                <a:rPr lang="en-US" altLang="zh-CN" sz="1800" dirty="0" smtClean="0">
+                <a:rPr lang="en-US" altLang="zh-CN" sz="1800" dirty="0">
                   <a:solidFill>
                     <a:schemeClr val="tx1"/>
                   </a:solidFill>
@@ -10045,7 +9993,7 @@
                 <a:t>_</a:t>
               </a:r>
               <a:r>
-                <a:rPr lang="en-US" altLang="zh-CN" sz="1800" dirty="0" err="1" smtClean="0">
+                <a:rPr lang="en-US" altLang="zh-CN" sz="1800" dirty="0" err="1">
                   <a:solidFill>
                     <a:schemeClr val="tx1"/>
                   </a:solidFill>
@@ -10054,7 +10002,7 @@
                 </a:rPr>
                 <a:t>M_parent</a:t>
               </a:r>
-              <a:endParaRPr lang="zh-CN" altLang="en-US" sz="1800" dirty="0" smtClean="0">
+              <a:endParaRPr lang="zh-CN" altLang="en-US" sz="1800" dirty="0">
                 <a:solidFill>
                   <a:schemeClr val="tx1"/>
                 </a:solidFill>
@@ -10095,7 +10043,7 @@
                 </a:lnSpc>
               </a:pPr>
               <a:r>
-                <a:rPr lang="en-US" altLang="zh-CN" sz="1800" dirty="0" smtClean="0">
+                <a:rPr lang="en-US" altLang="zh-CN" sz="1800" dirty="0">
                   <a:solidFill>
                     <a:schemeClr val="tx1"/>
                   </a:solidFill>
@@ -10105,7 +10053,7 @@
                 <a:t>_</a:t>
               </a:r>
               <a:r>
-                <a:rPr lang="en-US" altLang="zh-CN" sz="1800" dirty="0" err="1" smtClean="0">
+                <a:rPr lang="en-US" altLang="zh-CN" sz="1800" dirty="0" err="1">
                   <a:solidFill>
                     <a:schemeClr val="tx1"/>
                   </a:solidFill>
@@ -10114,7 +10062,7 @@
                 </a:rPr>
                 <a:t>M_left</a:t>
               </a:r>
-              <a:endParaRPr lang="zh-CN" altLang="en-US" sz="1800" dirty="0" smtClean="0">
+              <a:endParaRPr lang="zh-CN" altLang="en-US" sz="1800" dirty="0">
                 <a:solidFill>
                   <a:schemeClr val="tx1"/>
                 </a:solidFill>
@@ -10155,7 +10103,7 @@
                 </a:lnSpc>
               </a:pPr>
               <a:r>
-                <a:rPr lang="en-US" altLang="zh-CN" sz="1800" dirty="0" smtClean="0">
+                <a:rPr lang="en-US" altLang="zh-CN" sz="1800" dirty="0">
                   <a:solidFill>
                     <a:schemeClr val="tx1"/>
                   </a:solidFill>
@@ -10165,7 +10113,7 @@
                 <a:t>_</a:t>
               </a:r>
               <a:r>
-                <a:rPr lang="en-US" altLang="zh-CN" sz="1800" dirty="0" err="1" smtClean="0">
+                <a:rPr lang="en-US" altLang="zh-CN" sz="1800" dirty="0" err="1">
                   <a:solidFill>
                     <a:schemeClr val="tx1"/>
                   </a:solidFill>
@@ -10174,7 +10122,7 @@
                 </a:rPr>
                 <a:t>M_right</a:t>
               </a:r>
-              <a:endParaRPr lang="zh-CN" altLang="en-US" sz="1800" dirty="0" smtClean="0">
+              <a:endParaRPr lang="zh-CN" altLang="en-US" sz="1800" dirty="0">
                 <a:solidFill>
                   <a:schemeClr val="tx1"/>
                 </a:solidFill>
@@ -10215,7 +10163,7 @@
                 </a:lnSpc>
               </a:pPr>
               <a:r>
-                <a:rPr lang="en-US" altLang="zh-CN" sz="1800" dirty="0" smtClean="0">
+                <a:rPr lang="en-US" altLang="zh-CN" sz="1800" dirty="0">
                   <a:solidFill>
                     <a:schemeClr val="tx1"/>
                   </a:solidFill>
@@ -10224,7 +10172,7 @@
                 </a:rPr>
                 <a:t>key(4)</a:t>
               </a:r>
-              <a:endParaRPr lang="zh-CN" altLang="en-US" sz="1800" dirty="0" smtClean="0">
+              <a:endParaRPr lang="zh-CN" altLang="en-US" sz="1800" dirty="0">
                 <a:solidFill>
                   <a:schemeClr val="tx1"/>
                 </a:solidFill>
@@ -10265,7 +10213,7 @@
                 </a:lnSpc>
               </a:pPr>
               <a:r>
-                <a:rPr lang="en-US" altLang="zh-CN" sz="1800" dirty="0" smtClean="0">
+                <a:rPr lang="en-US" altLang="zh-CN" sz="1800" dirty="0">
                   <a:solidFill>
                     <a:schemeClr val="tx1"/>
                   </a:solidFill>
@@ -10274,7 +10222,7 @@
                 </a:rPr>
                 <a:t>value(14)</a:t>
               </a:r>
-              <a:endParaRPr lang="zh-CN" altLang="en-US" sz="1800" dirty="0" smtClean="0">
+              <a:endParaRPr lang="zh-CN" altLang="en-US" sz="1800" dirty="0">
                 <a:solidFill>
                   <a:schemeClr val="tx1"/>
                 </a:solidFill>
@@ -10308,7 +10256,7 @@
           </a:ln>
           <a:extLst>
             <a:ext uri="{91240B29-F687-4f45-9708-019B960494DF}">
-              <a14:hiddenLine xmlns:a14="http://schemas.microsoft.com/office/drawing/2010/main" xmlns="" w="25400" cap="flat" cmpd="sng" algn="ctr">
+              <a14:hiddenLine xmlns="" xmlns:a14="http://schemas.microsoft.com/office/drawing/2010/main" w="25400" cap="flat" cmpd="sng" algn="ctr">
                 <a:solidFill>
                   <a:srgbClr val="000000"/>
                 </a:solidFill>
@@ -10319,7 +10267,7 @@
               </a14:hiddenLine>
             </a:ext>
             <a:ext uri="{AF507438-7753-43e0-B8FC-AC1667EBCBE1}">
-              <a14:hiddenEffects xmlns:a14="http://schemas.microsoft.com/office/drawing/2010/main" xmlns="">
+              <a14:hiddenEffects xmlns="" xmlns:a14="http://schemas.microsoft.com/office/drawing/2010/main">
                 <a:effectLst>
                   <a:outerShdw blurRad="63500" dist="38099" dir="2700000" algn="ctr" rotWithShape="0">
                     <a:schemeClr val="bg2">
@@ -10368,7 +10316,7 @@
           </a:ln>
           <a:extLst>
             <a:ext uri="{91240B29-F687-4f45-9708-019B960494DF}">
-              <a14:hiddenLine xmlns:a14="http://schemas.microsoft.com/office/drawing/2010/main" xmlns="" w="25400" cap="flat" cmpd="sng" algn="ctr">
+              <a14:hiddenLine xmlns="" xmlns:a14="http://schemas.microsoft.com/office/drawing/2010/main" w="25400" cap="flat" cmpd="sng" algn="ctr">
                 <a:solidFill>
                   <a:srgbClr val="000000"/>
                 </a:solidFill>
@@ -10379,7 +10327,7 @@
               </a14:hiddenLine>
             </a:ext>
             <a:ext uri="{AF507438-7753-43e0-B8FC-AC1667EBCBE1}">
-              <a14:hiddenEffects xmlns:a14="http://schemas.microsoft.com/office/drawing/2010/main" xmlns="">
+              <a14:hiddenEffects xmlns="" xmlns:a14="http://schemas.microsoft.com/office/drawing/2010/main">
                 <a:effectLst>
                   <a:outerShdw blurRad="63500" dist="38099" dir="2700000" algn="ctr" rotWithShape="0">
                     <a:schemeClr val="bg2">
@@ -10429,7 +10377,7 @@
           </a:ln>
           <a:extLst>
             <a:ext uri="{91240B29-F687-4f45-9708-019B960494DF}">
-              <a14:hiddenLine xmlns:a14="http://schemas.microsoft.com/office/drawing/2010/main" xmlns="" w="25400" cap="flat" cmpd="sng" algn="ctr">
+              <a14:hiddenLine xmlns="" xmlns:a14="http://schemas.microsoft.com/office/drawing/2010/main" w="25400" cap="flat" cmpd="sng" algn="ctr">
                 <a:solidFill>
                   <a:srgbClr val="000000"/>
                 </a:solidFill>
@@ -10440,7 +10388,7 @@
               </a14:hiddenLine>
             </a:ext>
             <a:ext uri="{AF507438-7753-43e0-B8FC-AC1667EBCBE1}">
-              <a14:hiddenEffects xmlns:a14="http://schemas.microsoft.com/office/drawing/2010/main" xmlns="">
+              <a14:hiddenEffects xmlns="" xmlns:a14="http://schemas.microsoft.com/office/drawing/2010/main">
                 <a:effectLst>
                   <a:outerShdw blurRad="63500" dist="38099" dir="2700000" algn="ctr" rotWithShape="0">
                     <a:schemeClr val="bg2">
@@ -10490,7 +10438,7 @@
           </a:ln>
           <a:extLst>
             <a:ext uri="{91240B29-F687-4f45-9708-019B960494DF}">
-              <a14:hiddenLine xmlns:a14="http://schemas.microsoft.com/office/drawing/2010/main" xmlns="" w="25400" cap="flat" cmpd="sng" algn="ctr">
+              <a14:hiddenLine xmlns="" xmlns:a14="http://schemas.microsoft.com/office/drawing/2010/main" w="25400" cap="flat" cmpd="sng" algn="ctr">
                 <a:solidFill>
                   <a:srgbClr val="000000"/>
                 </a:solidFill>
@@ -10501,7 +10449,7 @@
               </a14:hiddenLine>
             </a:ext>
             <a:ext uri="{AF507438-7753-43e0-B8FC-AC1667EBCBE1}">
-              <a14:hiddenEffects xmlns:a14="http://schemas.microsoft.com/office/drawing/2010/main" xmlns="">
+              <a14:hiddenEffects xmlns="" xmlns:a14="http://schemas.microsoft.com/office/drawing/2010/main">
                 <a:effectLst>
                   <a:outerShdw blurRad="63500" dist="38099" dir="2700000" algn="ctr" rotWithShape="0">
                     <a:schemeClr val="bg2">
@@ -10551,7 +10499,7 @@
           </a:ln>
           <a:extLst>
             <a:ext uri="{91240B29-F687-4f45-9708-019B960494DF}">
-              <a14:hiddenLine xmlns:a14="http://schemas.microsoft.com/office/drawing/2010/main" xmlns="" w="25400" cap="flat" cmpd="sng" algn="ctr">
+              <a14:hiddenLine xmlns="" xmlns:a14="http://schemas.microsoft.com/office/drawing/2010/main" w="25400" cap="flat" cmpd="sng" algn="ctr">
                 <a:solidFill>
                   <a:srgbClr val="000000"/>
                 </a:solidFill>
@@ -10562,7 +10510,7 @@
               </a14:hiddenLine>
             </a:ext>
             <a:ext uri="{AF507438-7753-43e0-B8FC-AC1667EBCBE1}">
-              <a14:hiddenEffects xmlns:a14="http://schemas.microsoft.com/office/drawing/2010/main" xmlns="">
+              <a14:hiddenEffects xmlns="" xmlns:a14="http://schemas.microsoft.com/office/drawing/2010/main">
                 <a:effectLst>
                   <a:outerShdw blurRad="63500" dist="38099" dir="2700000" algn="ctr" rotWithShape="0">
                     <a:schemeClr val="bg2">
@@ -10617,13 +10565,13 @@
               </a:lnSpc>
             </a:pPr>
             <a:r>
-              <a:rPr lang="en-US" altLang="zh-CN" b="1" dirty="0" smtClean="0">
+              <a:rPr lang="en-US" altLang="zh-CN" b="1" dirty="0">
                 <a:latin typeface="微软雅黑" panose="020B0503020204020204" pitchFamily="34" charset="-122"/>
                 <a:ea typeface="微软雅黑" panose="020B0503020204020204" pitchFamily="34" charset="-122"/>
               </a:rPr>
               <a:t>Root</a:t>
             </a:r>
-            <a:endParaRPr lang="zh-CN" altLang="en-US" b="1" dirty="0" smtClean="0">
+            <a:endParaRPr lang="zh-CN" altLang="en-US" b="1" dirty="0">
               <a:latin typeface="微软雅黑" panose="020B0503020204020204" pitchFamily="34" charset="-122"/>
               <a:ea typeface="微软雅黑" panose="020B0503020204020204" pitchFamily="34" charset="-122"/>
             </a:endParaRPr>
@@ -10658,13 +10606,13 @@
               </a:lnSpc>
             </a:pPr>
             <a:r>
-              <a:rPr lang="en-US" altLang="zh-CN" b="1" dirty="0" smtClean="0">
+              <a:rPr lang="en-US" altLang="zh-CN" b="1" dirty="0">
                 <a:latin typeface="微软雅黑" panose="020B0503020204020204" pitchFamily="34" charset="-122"/>
                 <a:ea typeface="微软雅黑" panose="020B0503020204020204" pitchFamily="34" charset="-122"/>
               </a:rPr>
               <a:t>Min</a:t>
             </a:r>
-            <a:endParaRPr lang="zh-CN" altLang="en-US" b="1" dirty="0" smtClean="0">
+            <a:endParaRPr lang="zh-CN" altLang="en-US" b="1" dirty="0">
               <a:latin typeface="微软雅黑" panose="020B0503020204020204" pitchFamily="34" charset="-122"/>
               <a:ea typeface="微软雅黑" panose="020B0503020204020204" pitchFamily="34" charset="-122"/>
             </a:endParaRPr>
@@ -10699,13 +10647,13 @@
               </a:lnSpc>
             </a:pPr>
             <a:r>
-              <a:rPr lang="en-US" altLang="zh-CN" b="1" dirty="0" smtClean="0">
+              <a:rPr lang="en-US" altLang="zh-CN" b="1" dirty="0">
                 <a:latin typeface="微软雅黑" panose="020B0503020204020204" pitchFamily="34" charset="-122"/>
                 <a:ea typeface="微软雅黑" panose="020B0503020204020204" pitchFamily="34" charset="-122"/>
               </a:rPr>
               <a:t>Max</a:t>
             </a:r>
-            <a:endParaRPr lang="zh-CN" altLang="en-US" b="1" dirty="0" smtClean="0">
+            <a:endParaRPr lang="zh-CN" altLang="en-US" b="1" dirty="0">
               <a:latin typeface="微软雅黑" panose="020B0503020204020204" pitchFamily="34" charset="-122"/>
               <a:ea typeface="微软雅黑" panose="020B0503020204020204" pitchFamily="34" charset="-122"/>
             </a:endParaRPr>
@@ -10723,13 +10671,6 @@
     <a:masterClrMapping/>
   </p:clrMapOvr>
   <p:transition/>
-  <p:timing>
-    <p:tnLst>
-      <p:par>
-        <p:cTn id="1" dur="indefinite" restart="never" nodeType="tmRoot"/>
-      </p:par>
-    </p:tnLst>
-  </p:timing>
 </p:sld>
 </file>
 
@@ -10766,32 +10707,18 @@
           <a:lstStyle/>
           <a:p>
             <a:r>
-              <a:rPr lang="en-US" altLang="zh-CN" b="1" dirty="0" err="1" smtClean="0">
+              <a:rPr lang="en-US" altLang="zh-CN" b="1" dirty="0" err="1">
                 <a:latin typeface="微软雅黑" panose="020B0503020204020204" pitchFamily="34" charset="-122"/>
                 <a:ea typeface="微软雅黑" panose="020B0503020204020204" pitchFamily="34" charset="-122"/>
               </a:rPr>
               <a:t>gcc</a:t>
             </a:r>
             <a:r>
-              <a:rPr lang="en-US" altLang="zh-CN" b="1" dirty="0" smtClean="0">
+              <a:rPr lang="en-US" altLang="zh-CN" b="1" dirty="0">
                 <a:latin typeface="微软雅黑" panose="020B0503020204020204" pitchFamily="34" charset="-122"/>
                 <a:ea typeface="微软雅黑" panose="020B0503020204020204" pitchFamily="34" charset="-122"/>
               </a:rPr>
-              <a:t> 4.1.2 </a:t>
-            </a:r>
-            <a:r>
-              <a:rPr lang="en-US" altLang="zh-CN" b="1" dirty="0">
-                <a:latin typeface="微软雅黑" panose="020B0503020204020204" pitchFamily="34" charset="-122"/>
-                <a:ea typeface="微软雅黑" panose="020B0503020204020204" pitchFamily="34" charset="-122"/>
-              </a:rPr>
-              <a:t>STL </a:t>
-            </a:r>
-            <a:r>
-              <a:rPr lang="en-US" altLang="zh-CN" b="1" dirty="0" smtClean="0">
-                <a:latin typeface="微软雅黑" panose="020B0503020204020204" pitchFamily="34" charset="-122"/>
-                <a:ea typeface="微软雅黑" panose="020B0503020204020204" pitchFamily="34" charset="-122"/>
-              </a:rPr>
-              <a:t>Internals —— SET</a:t>
+              <a:t> 4.1.2 STL Internals —— SET</a:t>
             </a:r>
             <a:endParaRPr lang="zh-CN" altLang="en-US" b="1" dirty="0">
               <a:latin typeface="微软雅黑" panose="020B0503020204020204" pitchFamily="34" charset="-122"/>
@@ -10933,7 +10860,7 @@
                 </a:lnSpc>
               </a:pPr>
               <a:r>
-                <a:rPr lang="en-US" altLang="zh-CN" sz="1800" dirty="0" smtClean="0">
+                <a:rPr lang="en-US" altLang="zh-CN" sz="1800" dirty="0">
                   <a:solidFill>
                     <a:schemeClr val="tx1"/>
                   </a:solidFill>
@@ -10943,7 +10870,7 @@
                 <a:t>_</a:t>
               </a:r>
               <a:r>
-                <a:rPr lang="en-US" altLang="zh-CN" sz="1800" dirty="0" err="1" smtClean="0">
+                <a:rPr lang="en-US" altLang="zh-CN" sz="1800" dirty="0" err="1">
                   <a:solidFill>
                     <a:schemeClr val="tx1"/>
                   </a:solidFill>
@@ -10952,7 +10879,7 @@
                 </a:rPr>
                 <a:t>M_color</a:t>
               </a:r>
-              <a:endParaRPr lang="zh-CN" altLang="en-US" sz="1800" dirty="0" smtClean="0">
+              <a:endParaRPr lang="zh-CN" altLang="en-US" sz="1800" dirty="0">
                 <a:solidFill>
                   <a:schemeClr val="tx1"/>
                 </a:solidFill>
@@ -10993,7 +10920,7 @@
                 </a:lnSpc>
               </a:pPr>
               <a:r>
-                <a:rPr lang="en-US" altLang="zh-CN" sz="1800" dirty="0" smtClean="0">
+                <a:rPr lang="en-US" altLang="zh-CN" sz="1800" dirty="0">
                   <a:solidFill>
                     <a:schemeClr val="tx1"/>
                   </a:solidFill>
@@ -11003,7 +10930,7 @@
                 <a:t>_</a:t>
               </a:r>
               <a:r>
-                <a:rPr lang="en-US" altLang="zh-CN" sz="1800" dirty="0" err="1" smtClean="0">
+                <a:rPr lang="en-US" altLang="zh-CN" sz="1800" dirty="0" err="1">
                   <a:solidFill>
                     <a:schemeClr val="tx1"/>
                   </a:solidFill>
@@ -11012,7 +10939,7 @@
                 </a:rPr>
                 <a:t>M_parent</a:t>
               </a:r>
-              <a:endParaRPr lang="zh-CN" altLang="en-US" sz="1800" dirty="0" smtClean="0">
+              <a:endParaRPr lang="zh-CN" altLang="en-US" sz="1800" dirty="0">
                 <a:solidFill>
                   <a:schemeClr val="tx1"/>
                 </a:solidFill>
@@ -11053,7 +10980,7 @@
                 </a:lnSpc>
               </a:pPr>
               <a:r>
-                <a:rPr lang="en-US" altLang="zh-CN" sz="1800" dirty="0" smtClean="0">
+                <a:rPr lang="en-US" altLang="zh-CN" sz="1800" dirty="0">
                   <a:solidFill>
                     <a:schemeClr val="tx1"/>
                   </a:solidFill>
@@ -11063,7 +10990,7 @@
                 <a:t>_</a:t>
               </a:r>
               <a:r>
-                <a:rPr lang="en-US" altLang="zh-CN" sz="1800" dirty="0" err="1" smtClean="0">
+                <a:rPr lang="en-US" altLang="zh-CN" sz="1800" dirty="0" err="1">
                   <a:solidFill>
                     <a:schemeClr val="tx1"/>
                   </a:solidFill>
@@ -11072,7 +10999,7 @@
                 </a:rPr>
                 <a:t>M_left</a:t>
               </a:r>
-              <a:endParaRPr lang="zh-CN" altLang="en-US" sz="1800" dirty="0" smtClean="0">
+              <a:endParaRPr lang="zh-CN" altLang="en-US" sz="1800" dirty="0">
                 <a:solidFill>
                   <a:schemeClr val="tx1"/>
                 </a:solidFill>
@@ -11113,7 +11040,7 @@
                 </a:lnSpc>
               </a:pPr>
               <a:r>
-                <a:rPr lang="en-US" altLang="zh-CN" sz="1800" dirty="0" smtClean="0">
+                <a:rPr lang="en-US" altLang="zh-CN" sz="1800" dirty="0">
                   <a:solidFill>
                     <a:schemeClr val="tx1"/>
                   </a:solidFill>
@@ -11123,7 +11050,7 @@
                 <a:t>_</a:t>
               </a:r>
               <a:r>
-                <a:rPr lang="en-US" altLang="zh-CN" sz="1800" dirty="0" err="1" smtClean="0">
+                <a:rPr lang="en-US" altLang="zh-CN" sz="1800" dirty="0" err="1">
                   <a:solidFill>
                     <a:schemeClr val="tx1"/>
                   </a:solidFill>
@@ -11132,7 +11059,7 @@
                 </a:rPr>
                 <a:t>M_right</a:t>
               </a:r>
-              <a:endParaRPr lang="zh-CN" altLang="en-US" sz="1800" dirty="0" smtClean="0">
+              <a:endParaRPr lang="zh-CN" altLang="en-US" sz="1800" dirty="0">
                 <a:solidFill>
                   <a:schemeClr val="tx1"/>
                 </a:solidFill>
@@ -11173,7 +11100,7 @@
                 </a:lnSpc>
               </a:pPr>
               <a:r>
-                <a:rPr lang="en-US" altLang="zh-CN" sz="1800" dirty="0" smtClean="0">
+                <a:rPr lang="en-US" altLang="zh-CN" sz="1800" dirty="0">
                   <a:solidFill>
                     <a:schemeClr val="tx1"/>
                   </a:solidFill>
@@ -11182,7 +11109,7 @@
                 </a:rPr>
                 <a:t>key</a:t>
               </a:r>
-              <a:endParaRPr lang="zh-CN" altLang="en-US" sz="1800" dirty="0" smtClean="0">
+              <a:endParaRPr lang="zh-CN" altLang="en-US" sz="1800" dirty="0">
                 <a:solidFill>
                   <a:schemeClr val="tx1"/>
                 </a:solidFill>
@@ -11225,7 +11152,7 @@
               </a:lnSpc>
             </a:pPr>
             <a:r>
-              <a:rPr lang="en-US" altLang="zh-CN" sz="1800" dirty="0" smtClean="0">
+              <a:rPr lang="en-US" altLang="zh-CN" sz="1800" dirty="0">
                 <a:solidFill>
                   <a:schemeClr val="tx1"/>
                 </a:solidFill>
@@ -11234,7 +11161,7 @@
               </a:rPr>
               <a:t>value</a:t>
             </a:r>
-            <a:endParaRPr lang="zh-CN" altLang="en-US" sz="1800" dirty="0" smtClean="0">
+            <a:endParaRPr lang="zh-CN" altLang="en-US" sz="1800" dirty="0">
               <a:solidFill>
                 <a:schemeClr val="tx1"/>
               </a:solidFill>
@@ -11288,7 +11215,7 @@
                 <a:spcPct val="100000"/>
               </a:lnSpc>
             </a:pPr>
-            <a:endParaRPr lang="zh-CN" altLang="en-US" dirty="0" smtClean="0">
+            <a:endParaRPr lang="zh-CN" altLang="en-US" dirty="0">
               <a:solidFill>
                 <a:schemeClr val="tx1"/>
               </a:solidFill>
@@ -11308,13 +11235,6 @@
     <a:masterClrMapping/>
   </p:clrMapOvr>
   <p:transition/>
-  <p:timing>
-    <p:tnLst>
-      <p:par>
-        <p:cTn id="1" dur="indefinite" restart="never" nodeType="tmRoot"/>
-      </p:par>
-    </p:tnLst>
-  </p:timing>
 </p:sld>
 </file>
 
@@ -11362,21 +11282,7 @@
                 <a:latin typeface="微软雅黑" panose="020B0503020204020204" pitchFamily="34" charset="-122"/>
                 <a:ea typeface="微软雅黑" panose="020B0503020204020204" pitchFamily="34" charset="-122"/>
               </a:rPr>
-              <a:t> 4.1.2 STL </a:t>
-            </a:r>
-            <a:r>
-              <a:rPr lang="en-US" altLang="zh-CN" b="1" dirty="0" smtClean="0">
-                <a:latin typeface="微软雅黑" panose="020B0503020204020204" pitchFamily="34" charset="-122"/>
-                <a:ea typeface="微软雅黑" panose="020B0503020204020204" pitchFamily="34" charset="-122"/>
-              </a:rPr>
-              <a:t>Internals </a:t>
-            </a:r>
-            <a:r>
-              <a:rPr lang="en-US" altLang="zh-CN" b="1" dirty="0">
-                <a:latin typeface="微软雅黑" panose="020B0503020204020204" pitchFamily="34" charset="-122"/>
-                <a:ea typeface="微软雅黑" panose="020B0503020204020204" pitchFamily="34" charset="-122"/>
-              </a:rPr>
-              <a:t>—— Set</a:t>
+              <a:t> 4.1.2 STL Internals —— Set</a:t>
             </a:r>
             <a:endParaRPr lang="zh-CN" altLang="en-US" b="1" dirty="0">
               <a:latin typeface="微软雅黑" panose="020B0503020204020204" pitchFamily="34" charset="-122"/>
@@ -11465,7 +11371,7 @@
                 </a:lnSpc>
               </a:pPr>
               <a:r>
-                <a:rPr lang="en-US" altLang="zh-CN" sz="1800" dirty="0" smtClean="0">
+                <a:rPr lang="en-US" altLang="zh-CN" sz="1800" dirty="0">
                   <a:solidFill>
                     <a:schemeClr val="tx1"/>
                   </a:solidFill>
@@ -11475,7 +11381,7 @@
                 <a:t>_</a:t>
               </a:r>
               <a:r>
-                <a:rPr lang="en-US" altLang="zh-CN" sz="1600" dirty="0" err="1" smtClean="0">
+                <a:rPr lang="en-US" altLang="zh-CN" sz="1600" dirty="0" err="1">
                   <a:solidFill>
                     <a:schemeClr val="tx1"/>
                   </a:solidFill>
@@ -11484,7 +11390,7 @@
                 </a:rPr>
                 <a:t>M_key_compare</a:t>
               </a:r>
-              <a:endParaRPr lang="zh-CN" altLang="en-US" sz="1800" dirty="0" smtClean="0">
+              <a:endParaRPr lang="zh-CN" altLang="en-US" sz="1800" dirty="0">
                 <a:solidFill>
                   <a:schemeClr val="tx1"/>
                 </a:solidFill>
@@ -11525,7 +11431,7 @@
                 </a:lnSpc>
               </a:pPr>
               <a:r>
-                <a:rPr lang="en-US" altLang="zh-CN" sz="1800" dirty="0" smtClean="0">
+                <a:rPr lang="en-US" altLang="zh-CN" sz="1800" dirty="0">
                   <a:solidFill>
                     <a:schemeClr val="tx1"/>
                   </a:solidFill>
@@ -11535,7 +11441,7 @@
                 <a:t>_</a:t>
               </a:r>
               <a:r>
-                <a:rPr lang="en-US" altLang="zh-CN" sz="1800" dirty="0" err="1" smtClean="0">
+                <a:rPr lang="en-US" altLang="zh-CN" sz="1800" dirty="0" err="1">
                   <a:solidFill>
                     <a:schemeClr val="tx1"/>
                   </a:solidFill>
@@ -11544,7 +11450,7 @@
                 </a:rPr>
                 <a:t>M_color</a:t>
               </a:r>
-              <a:endParaRPr lang="zh-CN" altLang="en-US" sz="1800" dirty="0" smtClean="0">
+              <a:endParaRPr lang="zh-CN" altLang="en-US" sz="1800" dirty="0">
                 <a:solidFill>
                   <a:schemeClr val="tx1"/>
                 </a:solidFill>
@@ -11585,7 +11491,7 @@
                 </a:lnSpc>
               </a:pPr>
               <a:r>
-                <a:rPr lang="en-US" altLang="zh-CN" sz="1800" dirty="0" smtClean="0">
+                <a:rPr lang="en-US" altLang="zh-CN" sz="1800" dirty="0">
                   <a:solidFill>
                     <a:schemeClr val="tx1"/>
                   </a:solidFill>
@@ -11595,7 +11501,7 @@
                 <a:t>_</a:t>
               </a:r>
               <a:r>
-                <a:rPr lang="en-US" altLang="zh-CN" sz="1800" dirty="0" err="1" smtClean="0">
+                <a:rPr lang="en-US" altLang="zh-CN" sz="1800" dirty="0" err="1">
                   <a:solidFill>
                     <a:schemeClr val="tx1"/>
                   </a:solidFill>
@@ -11604,7 +11510,7 @@
                 </a:rPr>
                 <a:t>M_parent</a:t>
               </a:r>
-              <a:endParaRPr lang="zh-CN" altLang="en-US" sz="1800" dirty="0" smtClean="0">
+              <a:endParaRPr lang="zh-CN" altLang="en-US" sz="1800" dirty="0">
                 <a:solidFill>
                   <a:schemeClr val="tx1"/>
                 </a:solidFill>
@@ -11645,7 +11551,7 @@
                 </a:lnSpc>
               </a:pPr>
               <a:r>
-                <a:rPr lang="en-US" altLang="zh-CN" sz="1800" dirty="0" smtClean="0">
+                <a:rPr lang="en-US" altLang="zh-CN" sz="1800" dirty="0">
                   <a:solidFill>
                     <a:schemeClr val="tx1"/>
                   </a:solidFill>
@@ -11655,7 +11561,7 @@
                 <a:t>_</a:t>
               </a:r>
               <a:r>
-                <a:rPr lang="en-US" altLang="zh-CN" sz="1800" dirty="0" err="1" smtClean="0">
+                <a:rPr lang="en-US" altLang="zh-CN" sz="1800" dirty="0" err="1">
                   <a:solidFill>
                     <a:schemeClr val="tx1"/>
                   </a:solidFill>
@@ -11664,7 +11570,7 @@
                 </a:rPr>
                 <a:t>M_left</a:t>
               </a:r>
-              <a:endParaRPr lang="zh-CN" altLang="en-US" sz="1800" dirty="0" smtClean="0">
+              <a:endParaRPr lang="zh-CN" altLang="en-US" sz="1800" dirty="0">
                 <a:solidFill>
                   <a:schemeClr val="tx1"/>
                 </a:solidFill>
@@ -11705,7 +11611,7 @@
                 </a:lnSpc>
               </a:pPr>
               <a:r>
-                <a:rPr lang="en-US" altLang="zh-CN" sz="1800" dirty="0" smtClean="0">
+                <a:rPr lang="en-US" altLang="zh-CN" sz="1800" dirty="0">
                   <a:solidFill>
                     <a:schemeClr val="tx1"/>
                   </a:solidFill>
@@ -11715,7 +11621,7 @@
                 <a:t>_</a:t>
               </a:r>
               <a:r>
-                <a:rPr lang="en-US" altLang="zh-CN" sz="1800" dirty="0" err="1" smtClean="0">
+                <a:rPr lang="en-US" altLang="zh-CN" sz="1800" dirty="0" err="1">
                   <a:solidFill>
                     <a:schemeClr val="tx1"/>
                   </a:solidFill>
@@ -11724,7 +11630,7 @@
                 </a:rPr>
                 <a:t>M_right</a:t>
               </a:r>
-              <a:endParaRPr lang="zh-CN" altLang="en-US" sz="1800" dirty="0" smtClean="0">
+              <a:endParaRPr lang="zh-CN" altLang="en-US" sz="1800" dirty="0">
                 <a:solidFill>
                   <a:schemeClr val="tx1"/>
                 </a:solidFill>
@@ -11765,7 +11671,7 @@
                 </a:lnSpc>
               </a:pPr>
               <a:r>
-                <a:rPr lang="en-US" altLang="zh-CN" sz="1800" dirty="0" smtClean="0">
+                <a:rPr lang="en-US" altLang="zh-CN" sz="1800" dirty="0">
                   <a:solidFill>
                     <a:schemeClr val="tx1"/>
                   </a:solidFill>
@@ -11775,7 +11681,7 @@
                 <a:t>_</a:t>
               </a:r>
               <a:r>
-                <a:rPr lang="en-US" altLang="zh-CN" sz="1800" dirty="0" err="1" smtClean="0">
+                <a:rPr lang="en-US" altLang="zh-CN" sz="1800" dirty="0" err="1">
                   <a:solidFill>
                     <a:schemeClr val="tx1"/>
                   </a:solidFill>
@@ -11784,7 +11690,7 @@
                 </a:rPr>
                 <a:t>M_node_count</a:t>
               </a:r>
-              <a:endParaRPr lang="zh-CN" altLang="en-US" sz="1800" dirty="0" smtClean="0">
+              <a:endParaRPr lang="zh-CN" altLang="en-US" sz="1800" dirty="0">
                 <a:solidFill>
                   <a:schemeClr val="tx1"/>
                 </a:solidFill>
@@ -11840,7 +11746,7 @@
                 </a:lnSpc>
               </a:pPr>
               <a:r>
-                <a:rPr lang="en-US" altLang="zh-CN" sz="1800" dirty="0" smtClean="0">
+                <a:rPr lang="en-US" altLang="zh-CN" sz="1800" dirty="0">
                   <a:solidFill>
                     <a:schemeClr val="tx1"/>
                   </a:solidFill>
@@ -11850,7 +11756,7 @@
                 <a:t>_</a:t>
               </a:r>
               <a:r>
-                <a:rPr lang="en-US" altLang="zh-CN" sz="1800" dirty="0" err="1" smtClean="0">
+                <a:rPr lang="en-US" altLang="zh-CN" sz="1800" dirty="0" err="1">
                   <a:solidFill>
                     <a:schemeClr val="tx1"/>
                   </a:solidFill>
@@ -11859,7 +11765,7 @@
                 </a:rPr>
                 <a:t>M_color</a:t>
               </a:r>
-              <a:endParaRPr lang="zh-CN" altLang="en-US" sz="1800" dirty="0" smtClean="0">
+              <a:endParaRPr lang="zh-CN" altLang="en-US" sz="1800" dirty="0">
                 <a:solidFill>
                   <a:schemeClr val="tx1"/>
                 </a:solidFill>
@@ -11900,7 +11806,7 @@
                 </a:lnSpc>
               </a:pPr>
               <a:r>
-                <a:rPr lang="en-US" altLang="zh-CN" sz="1800" dirty="0" smtClean="0">
+                <a:rPr lang="en-US" altLang="zh-CN" sz="1800" dirty="0">
                   <a:solidFill>
                     <a:schemeClr val="tx1"/>
                   </a:solidFill>
@@ -11910,7 +11816,7 @@
                 <a:t>_</a:t>
               </a:r>
               <a:r>
-                <a:rPr lang="en-US" altLang="zh-CN" sz="1800" dirty="0" err="1" smtClean="0">
+                <a:rPr lang="en-US" altLang="zh-CN" sz="1800" dirty="0" err="1">
                   <a:solidFill>
                     <a:schemeClr val="tx1"/>
                   </a:solidFill>
@@ -11919,7 +11825,7 @@
                 </a:rPr>
                 <a:t>M_parent</a:t>
               </a:r>
-              <a:endParaRPr lang="zh-CN" altLang="en-US" sz="1800" dirty="0" smtClean="0">
+              <a:endParaRPr lang="zh-CN" altLang="en-US" sz="1800" dirty="0">
                 <a:solidFill>
                   <a:schemeClr val="tx1"/>
                 </a:solidFill>
@@ -11960,7 +11866,7 @@
                 </a:lnSpc>
               </a:pPr>
               <a:r>
-                <a:rPr lang="en-US" altLang="zh-CN" sz="1800" dirty="0" smtClean="0">
+                <a:rPr lang="en-US" altLang="zh-CN" sz="1800" dirty="0">
                   <a:solidFill>
                     <a:schemeClr val="tx1"/>
                   </a:solidFill>
@@ -11970,7 +11876,7 @@
                 <a:t>_</a:t>
               </a:r>
               <a:r>
-                <a:rPr lang="en-US" altLang="zh-CN" sz="1800" dirty="0" err="1" smtClean="0">
+                <a:rPr lang="en-US" altLang="zh-CN" sz="1800" dirty="0" err="1">
                   <a:solidFill>
                     <a:schemeClr val="tx1"/>
                   </a:solidFill>
@@ -11979,7 +11885,7 @@
                 </a:rPr>
                 <a:t>M_left</a:t>
               </a:r>
-              <a:endParaRPr lang="zh-CN" altLang="en-US" sz="1800" dirty="0" smtClean="0">
+              <a:endParaRPr lang="zh-CN" altLang="en-US" sz="1800" dirty="0">
                 <a:solidFill>
                   <a:schemeClr val="tx1"/>
                 </a:solidFill>
@@ -12020,7 +11926,7 @@
                 </a:lnSpc>
               </a:pPr>
               <a:r>
-                <a:rPr lang="en-US" altLang="zh-CN" sz="1800" dirty="0" smtClean="0">
+                <a:rPr lang="en-US" altLang="zh-CN" sz="1800" dirty="0">
                   <a:solidFill>
                     <a:schemeClr val="tx1"/>
                   </a:solidFill>
@@ -12030,7 +11936,7 @@
                 <a:t>_</a:t>
               </a:r>
               <a:r>
-                <a:rPr lang="en-US" altLang="zh-CN" sz="1800" dirty="0" err="1" smtClean="0">
+                <a:rPr lang="en-US" altLang="zh-CN" sz="1800" dirty="0" err="1">
                   <a:solidFill>
                     <a:schemeClr val="tx1"/>
                   </a:solidFill>
@@ -12039,7 +11945,7 @@
                 </a:rPr>
                 <a:t>M_right</a:t>
               </a:r>
-              <a:endParaRPr lang="zh-CN" altLang="en-US" sz="1800" dirty="0" smtClean="0">
+              <a:endParaRPr lang="zh-CN" altLang="en-US" sz="1800" dirty="0">
                 <a:solidFill>
                   <a:schemeClr val="tx1"/>
                 </a:solidFill>
@@ -12080,7 +11986,7 @@
                 </a:lnSpc>
               </a:pPr>
               <a:r>
-                <a:rPr lang="en-US" altLang="zh-CN" sz="1800" dirty="0" smtClean="0">
+                <a:rPr lang="en-US" altLang="zh-CN" sz="1800" dirty="0">
                   <a:solidFill>
                     <a:schemeClr val="tx1"/>
                   </a:solidFill>
@@ -12089,7 +11995,7 @@
                 </a:rPr>
                 <a:t>key(2)</a:t>
               </a:r>
-              <a:endParaRPr lang="zh-CN" altLang="en-US" sz="1800" dirty="0" smtClean="0">
+              <a:endParaRPr lang="zh-CN" altLang="en-US" sz="1800" dirty="0">
                 <a:solidFill>
                   <a:schemeClr val="tx1"/>
                 </a:solidFill>
@@ -12145,7 +12051,7 @@
                 </a:lnSpc>
               </a:pPr>
               <a:r>
-                <a:rPr lang="en-US" altLang="zh-CN" sz="1800" dirty="0" smtClean="0">
+                <a:rPr lang="en-US" altLang="zh-CN" sz="1800" dirty="0">
                   <a:solidFill>
                     <a:schemeClr val="tx1"/>
                   </a:solidFill>
@@ -12155,7 +12061,7 @@
                 <a:t>_</a:t>
               </a:r>
               <a:r>
-                <a:rPr lang="en-US" altLang="zh-CN" sz="1800" dirty="0" err="1" smtClean="0">
+                <a:rPr lang="en-US" altLang="zh-CN" sz="1800" dirty="0" err="1">
                   <a:solidFill>
                     <a:schemeClr val="tx1"/>
                   </a:solidFill>
@@ -12164,7 +12070,7 @@
                 </a:rPr>
                 <a:t>M_color</a:t>
               </a:r>
-              <a:endParaRPr lang="zh-CN" altLang="en-US" sz="1800" dirty="0" smtClean="0">
+              <a:endParaRPr lang="zh-CN" altLang="en-US" sz="1800" dirty="0">
                 <a:solidFill>
                   <a:schemeClr val="tx1"/>
                 </a:solidFill>
@@ -12205,7 +12111,7 @@
                 </a:lnSpc>
               </a:pPr>
               <a:r>
-                <a:rPr lang="en-US" altLang="zh-CN" sz="1800" dirty="0" smtClean="0">
+                <a:rPr lang="en-US" altLang="zh-CN" sz="1800" dirty="0">
                   <a:solidFill>
                     <a:schemeClr val="tx1"/>
                   </a:solidFill>
@@ -12215,7 +12121,7 @@
                 <a:t>_</a:t>
               </a:r>
               <a:r>
-                <a:rPr lang="en-US" altLang="zh-CN" sz="1800" dirty="0" err="1" smtClean="0">
+                <a:rPr lang="en-US" altLang="zh-CN" sz="1800" dirty="0" err="1">
                   <a:solidFill>
                     <a:schemeClr val="tx1"/>
                   </a:solidFill>
@@ -12224,7 +12130,7 @@
                 </a:rPr>
                 <a:t>M_parent</a:t>
               </a:r>
-              <a:endParaRPr lang="zh-CN" altLang="en-US" sz="1800" dirty="0" smtClean="0">
+              <a:endParaRPr lang="zh-CN" altLang="en-US" sz="1800" dirty="0">
                 <a:solidFill>
                   <a:schemeClr val="tx1"/>
                 </a:solidFill>
@@ -12265,7 +12171,7 @@
                 </a:lnSpc>
               </a:pPr>
               <a:r>
-                <a:rPr lang="en-US" altLang="zh-CN" sz="1800" dirty="0" smtClean="0">
+                <a:rPr lang="en-US" altLang="zh-CN" sz="1800" dirty="0">
                   <a:solidFill>
                     <a:schemeClr val="tx1"/>
                   </a:solidFill>
@@ -12275,7 +12181,7 @@
                 <a:t>_</a:t>
               </a:r>
               <a:r>
-                <a:rPr lang="en-US" altLang="zh-CN" sz="1800" dirty="0" err="1" smtClean="0">
+                <a:rPr lang="en-US" altLang="zh-CN" sz="1800" dirty="0" err="1">
                   <a:solidFill>
                     <a:schemeClr val="tx1"/>
                   </a:solidFill>
@@ -12284,7 +12190,7 @@
                 </a:rPr>
                 <a:t>M_left</a:t>
               </a:r>
-              <a:endParaRPr lang="zh-CN" altLang="en-US" sz="1800" dirty="0" smtClean="0">
+              <a:endParaRPr lang="zh-CN" altLang="en-US" sz="1800" dirty="0">
                 <a:solidFill>
                   <a:schemeClr val="tx1"/>
                 </a:solidFill>
@@ -12325,7 +12231,7 @@
                 </a:lnSpc>
               </a:pPr>
               <a:r>
-                <a:rPr lang="en-US" altLang="zh-CN" sz="1800" dirty="0" smtClean="0">
+                <a:rPr lang="en-US" altLang="zh-CN" sz="1800" dirty="0">
                   <a:solidFill>
                     <a:schemeClr val="tx1"/>
                   </a:solidFill>
@@ -12335,7 +12241,7 @@
                 <a:t>_</a:t>
               </a:r>
               <a:r>
-                <a:rPr lang="en-US" altLang="zh-CN" sz="1800" dirty="0" err="1" smtClean="0">
+                <a:rPr lang="en-US" altLang="zh-CN" sz="1800" dirty="0" err="1">
                   <a:solidFill>
                     <a:schemeClr val="tx1"/>
                   </a:solidFill>
@@ -12344,7 +12250,7 @@
                 </a:rPr>
                 <a:t>M_right</a:t>
               </a:r>
-              <a:endParaRPr lang="zh-CN" altLang="en-US" sz="1800" dirty="0" smtClean="0">
+              <a:endParaRPr lang="zh-CN" altLang="en-US" sz="1800" dirty="0">
                 <a:solidFill>
                   <a:schemeClr val="tx1"/>
                 </a:solidFill>
@@ -12385,7 +12291,7 @@
                 </a:lnSpc>
               </a:pPr>
               <a:r>
-                <a:rPr lang="en-US" altLang="zh-CN" sz="1800" dirty="0" smtClean="0">
+                <a:rPr lang="en-US" altLang="zh-CN" sz="1800" dirty="0">
                   <a:solidFill>
                     <a:schemeClr val="tx1"/>
                   </a:solidFill>
@@ -12394,7 +12300,7 @@
                 </a:rPr>
                 <a:t>key(0)</a:t>
               </a:r>
-              <a:endParaRPr lang="zh-CN" altLang="en-US" sz="1800" dirty="0" smtClean="0">
+              <a:endParaRPr lang="zh-CN" altLang="en-US" sz="1800" dirty="0">
                 <a:solidFill>
                   <a:schemeClr val="tx1"/>
                 </a:solidFill>
@@ -12450,7 +12356,7 @@
                 </a:lnSpc>
               </a:pPr>
               <a:r>
-                <a:rPr lang="en-US" altLang="zh-CN" sz="1800" dirty="0" smtClean="0">
+                <a:rPr lang="en-US" altLang="zh-CN" sz="1800" dirty="0">
                   <a:solidFill>
                     <a:schemeClr val="tx1"/>
                   </a:solidFill>
@@ -12460,7 +12366,7 @@
                 <a:t>_</a:t>
               </a:r>
               <a:r>
-                <a:rPr lang="en-US" altLang="zh-CN" sz="1800" dirty="0" err="1" smtClean="0">
+                <a:rPr lang="en-US" altLang="zh-CN" sz="1800" dirty="0" err="1">
                   <a:solidFill>
                     <a:schemeClr val="tx1"/>
                   </a:solidFill>
@@ -12469,7 +12375,7 @@
                 </a:rPr>
                 <a:t>M_color</a:t>
               </a:r>
-              <a:endParaRPr lang="zh-CN" altLang="en-US" sz="1800" dirty="0" smtClean="0">
+              <a:endParaRPr lang="zh-CN" altLang="en-US" sz="1800" dirty="0">
                 <a:solidFill>
                   <a:schemeClr val="tx1"/>
                 </a:solidFill>
@@ -12510,7 +12416,7 @@
                 </a:lnSpc>
               </a:pPr>
               <a:r>
-                <a:rPr lang="en-US" altLang="zh-CN" sz="1800" dirty="0" smtClean="0">
+                <a:rPr lang="en-US" altLang="zh-CN" sz="1800" dirty="0">
                   <a:solidFill>
                     <a:schemeClr val="tx1"/>
                   </a:solidFill>
@@ -12520,7 +12426,7 @@
                 <a:t>_</a:t>
               </a:r>
               <a:r>
-                <a:rPr lang="en-US" altLang="zh-CN" sz="1800" dirty="0" err="1" smtClean="0">
+                <a:rPr lang="en-US" altLang="zh-CN" sz="1800" dirty="0" err="1">
                   <a:solidFill>
                     <a:schemeClr val="tx1"/>
                   </a:solidFill>
@@ -12529,7 +12435,7 @@
                 </a:rPr>
                 <a:t>M_parent</a:t>
               </a:r>
-              <a:endParaRPr lang="zh-CN" altLang="en-US" sz="1800" dirty="0" smtClean="0">
+              <a:endParaRPr lang="zh-CN" altLang="en-US" sz="1800" dirty="0">
                 <a:solidFill>
                   <a:schemeClr val="tx1"/>
                 </a:solidFill>
@@ -12570,7 +12476,7 @@
                 </a:lnSpc>
               </a:pPr>
               <a:r>
-                <a:rPr lang="en-US" altLang="zh-CN" sz="1800" dirty="0" smtClean="0">
+                <a:rPr lang="en-US" altLang="zh-CN" sz="1800" dirty="0">
                   <a:solidFill>
                     <a:schemeClr val="tx1"/>
                   </a:solidFill>
@@ -12580,7 +12486,7 @@
                 <a:t>_</a:t>
               </a:r>
               <a:r>
-                <a:rPr lang="en-US" altLang="zh-CN" sz="1800" dirty="0" err="1" smtClean="0">
+                <a:rPr lang="en-US" altLang="zh-CN" sz="1800" dirty="0" err="1">
                   <a:solidFill>
                     <a:schemeClr val="tx1"/>
                   </a:solidFill>
@@ -12589,7 +12495,7 @@
                 </a:rPr>
                 <a:t>M_left</a:t>
               </a:r>
-              <a:endParaRPr lang="zh-CN" altLang="en-US" sz="1800" dirty="0" smtClean="0">
+              <a:endParaRPr lang="zh-CN" altLang="en-US" sz="1800" dirty="0">
                 <a:solidFill>
                   <a:schemeClr val="tx1"/>
                 </a:solidFill>
@@ -12630,7 +12536,7 @@
                 </a:lnSpc>
               </a:pPr>
               <a:r>
-                <a:rPr lang="en-US" altLang="zh-CN" sz="1800" dirty="0" smtClean="0">
+                <a:rPr lang="en-US" altLang="zh-CN" sz="1800" dirty="0">
                   <a:solidFill>
                     <a:schemeClr val="tx1"/>
                   </a:solidFill>
@@ -12640,7 +12546,7 @@
                 <a:t>_</a:t>
               </a:r>
               <a:r>
-                <a:rPr lang="en-US" altLang="zh-CN" sz="1800" dirty="0" err="1" smtClean="0">
+                <a:rPr lang="en-US" altLang="zh-CN" sz="1800" dirty="0" err="1">
                   <a:solidFill>
                     <a:schemeClr val="tx1"/>
                   </a:solidFill>
@@ -12649,7 +12555,7 @@
                 </a:rPr>
                 <a:t>M_right</a:t>
               </a:r>
-              <a:endParaRPr lang="zh-CN" altLang="en-US" sz="1800" dirty="0" smtClean="0">
+              <a:endParaRPr lang="zh-CN" altLang="en-US" sz="1800" dirty="0">
                 <a:solidFill>
                   <a:schemeClr val="tx1"/>
                 </a:solidFill>
@@ -12690,7 +12596,7 @@
                 </a:lnSpc>
               </a:pPr>
               <a:r>
-                <a:rPr lang="en-US" altLang="zh-CN" sz="1800" dirty="0" smtClean="0">
+                <a:rPr lang="en-US" altLang="zh-CN" sz="1800" dirty="0">
                   <a:solidFill>
                     <a:schemeClr val="tx1"/>
                   </a:solidFill>
@@ -12699,7 +12605,7 @@
                 </a:rPr>
                 <a:t>key(3)</a:t>
               </a:r>
-              <a:endParaRPr lang="zh-CN" altLang="en-US" sz="1800" dirty="0" smtClean="0">
+              <a:endParaRPr lang="zh-CN" altLang="en-US" sz="1800" dirty="0">
                 <a:solidFill>
                   <a:schemeClr val="tx1"/>
                 </a:solidFill>
@@ -12733,7 +12639,7 @@
           </a:ln>
           <a:extLst>
             <a:ext uri="{91240B29-F687-4f45-9708-019B960494DF}">
-              <a14:hiddenLine xmlns:a14="http://schemas.microsoft.com/office/drawing/2010/main" xmlns="" w="25400" cap="flat" cmpd="sng" algn="ctr">
+              <a14:hiddenLine xmlns="" xmlns:a14="http://schemas.microsoft.com/office/drawing/2010/main" w="25400" cap="flat" cmpd="sng" algn="ctr">
                 <a:solidFill>
                   <a:srgbClr val="000000"/>
                 </a:solidFill>
@@ -12744,7 +12650,7 @@
               </a14:hiddenLine>
             </a:ext>
             <a:ext uri="{AF507438-7753-43e0-B8FC-AC1667EBCBE1}">
-              <a14:hiddenEffects xmlns:a14="http://schemas.microsoft.com/office/drawing/2010/main" xmlns="">
+              <a14:hiddenEffects xmlns="" xmlns:a14="http://schemas.microsoft.com/office/drawing/2010/main">
                 <a:effectLst>
                   <a:outerShdw blurRad="63500" dist="38099" dir="2700000" algn="ctr" rotWithShape="0">
                     <a:schemeClr val="bg2">
@@ -12794,7 +12700,7 @@
           </a:ln>
           <a:extLst>
             <a:ext uri="{91240B29-F687-4f45-9708-019B960494DF}">
-              <a14:hiddenLine xmlns:a14="http://schemas.microsoft.com/office/drawing/2010/main" xmlns="" w="25400" cap="flat" cmpd="sng" algn="ctr">
+              <a14:hiddenLine xmlns="" xmlns:a14="http://schemas.microsoft.com/office/drawing/2010/main" w="25400" cap="flat" cmpd="sng" algn="ctr">
                 <a:solidFill>
                   <a:srgbClr val="000000"/>
                 </a:solidFill>
@@ -12805,7 +12711,7 @@
               </a14:hiddenLine>
             </a:ext>
             <a:ext uri="{AF507438-7753-43e0-B8FC-AC1667EBCBE1}">
-              <a14:hiddenEffects xmlns:a14="http://schemas.microsoft.com/office/drawing/2010/main" xmlns="">
+              <a14:hiddenEffects xmlns="" xmlns:a14="http://schemas.microsoft.com/office/drawing/2010/main">
                 <a:effectLst>
                   <a:outerShdw blurRad="63500" dist="38099" dir="2700000" algn="ctr" rotWithShape="0">
                     <a:schemeClr val="bg2">
@@ -12855,7 +12761,7 @@
           </a:ln>
           <a:extLst>
             <a:ext uri="{91240B29-F687-4f45-9708-019B960494DF}">
-              <a14:hiddenLine xmlns:a14="http://schemas.microsoft.com/office/drawing/2010/main" xmlns="" w="25400" cap="flat" cmpd="sng" algn="ctr">
+              <a14:hiddenLine xmlns="" xmlns:a14="http://schemas.microsoft.com/office/drawing/2010/main" w="25400" cap="flat" cmpd="sng" algn="ctr">
                 <a:solidFill>
                   <a:srgbClr val="000000"/>
                 </a:solidFill>
@@ -12866,7 +12772,7 @@
               </a14:hiddenLine>
             </a:ext>
             <a:ext uri="{AF507438-7753-43e0-B8FC-AC1667EBCBE1}">
-              <a14:hiddenEffects xmlns:a14="http://schemas.microsoft.com/office/drawing/2010/main" xmlns="">
+              <a14:hiddenEffects xmlns="" xmlns:a14="http://schemas.microsoft.com/office/drawing/2010/main">
                 <a:effectLst>
                   <a:outerShdw blurRad="63500" dist="38099" dir="2700000" algn="ctr" rotWithShape="0">
                     <a:schemeClr val="bg2">
@@ -12919,7 +12825,7 @@
           </a:ln>
           <a:extLst>
             <a:ext uri="{91240B29-F687-4f45-9708-019B960494DF}">
-              <a14:hiddenLine xmlns:a14="http://schemas.microsoft.com/office/drawing/2010/main" xmlns="" w="25400" cap="flat" cmpd="sng" algn="ctr">
+              <a14:hiddenLine xmlns="" xmlns:a14="http://schemas.microsoft.com/office/drawing/2010/main" w="25400" cap="flat" cmpd="sng" algn="ctr">
                 <a:solidFill>
                   <a:srgbClr val="000000"/>
                 </a:solidFill>
@@ -12930,7 +12836,7 @@
               </a14:hiddenLine>
             </a:ext>
             <a:ext uri="{AF507438-7753-43e0-B8FC-AC1667EBCBE1}">
-              <a14:hiddenEffects xmlns:a14="http://schemas.microsoft.com/office/drawing/2010/main" xmlns="">
+              <a14:hiddenEffects xmlns="" xmlns:a14="http://schemas.microsoft.com/office/drawing/2010/main">
                 <a:effectLst>
                   <a:outerShdw blurRad="63500" dist="38099" dir="2700000" algn="ctr" rotWithShape="0">
                     <a:schemeClr val="bg2">
@@ -13002,7 +12908,7 @@
                 </a:lnSpc>
               </a:pPr>
               <a:r>
-                <a:rPr lang="en-US" altLang="zh-CN" sz="1800" dirty="0" smtClean="0">
+                <a:rPr lang="en-US" altLang="zh-CN" sz="1800" dirty="0">
                   <a:solidFill>
                     <a:schemeClr val="tx1"/>
                   </a:solidFill>
@@ -13012,7 +12918,7 @@
                 <a:t>_</a:t>
               </a:r>
               <a:r>
-                <a:rPr lang="en-US" altLang="zh-CN" sz="1800" dirty="0" err="1" smtClean="0">
+                <a:rPr lang="en-US" altLang="zh-CN" sz="1800" dirty="0" err="1">
                   <a:solidFill>
                     <a:schemeClr val="tx1"/>
                   </a:solidFill>
@@ -13021,7 +12927,7 @@
                 </a:rPr>
                 <a:t>M_color</a:t>
               </a:r>
-              <a:endParaRPr lang="zh-CN" altLang="en-US" sz="1800" dirty="0" smtClean="0">
+              <a:endParaRPr lang="zh-CN" altLang="en-US" sz="1800" dirty="0">
                 <a:solidFill>
                   <a:schemeClr val="tx1"/>
                 </a:solidFill>
@@ -13062,7 +12968,7 @@
                 </a:lnSpc>
               </a:pPr>
               <a:r>
-                <a:rPr lang="en-US" altLang="zh-CN" sz="1800" dirty="0" smtClean="0">
+                <a:rPr lang="en-US" altLang="zh-CN" sz="1800" dirty="0">
                   <a:solidFill>
                     <a:schemeClr val="tx1"/>
                   </a:solidFill>
@@ -13072,7 +12978,7 @@
                 <a:t>_</a:t>
               </a:r>
               <a:r>
-                <a:rPr lang="en-US" altLang="zh-CN" sz="1800" dirty="0" err="1" smtClean="0">
+                <a:rPr lang="en-US" altLang="zh-CN" sz="1800" dirty="0" err="1">
                   <a:solidFill>
                     <a:schemeClr val="tx1"/>
                   </a:solidFill>
@@ -13081,7 +12987,7 @@
                 </a:rPr>
                 <a:t>M_parent</a:t>
               </a:r>
-              <a:endParaRPr lang="zh-CN" altLang="en-US" sz="1800" dirty="0" smtClean="0">
+              <a:endParaRPr lang="zh-CN" altLang="en-US" sz="1800" dirty="0">
                 <a:solidFill>
                   <a:schemeClr val="tx1"/>
                 </a:solidFill>
@@ -13122,7 +13028,7 @@
                 </a:lnSpc>
               </a:pPr>
               <a:r>
-                <a:rPr lang="en-US" altLang="zh-CN" sz="1800" dirty="0" smtClean="0">
+                <a:rPr lang="en-US" altLang="zh-CN" sz="1800" dirty="0">
                   <a:solidFill>
                     <a:schemeClr val="tx1"/>
                   </a:solidFill>
@@ -13132,7 +13038,7 @@
                 <a:t>_</a:t>
               </a:r>
               <a:r>
-                <a:rPr lang="en-US" altLang="zh-CN" sz="1800" dirty="0" err="1" smtClean="0">
+                <a:rPr lang="en-US" altLang="zh-CN" sz="1800" dirty="0" err="1">
                   <a:solidFill>
                     <a:schemeClr val="tx1"/>
                   </a:solidFill>
@@ -13141,7 +13047,7 @@
                 </a:rPr>
                 <a:t>M_left</a:t>
               </a:r>
-              <a:endParaRPr lang="zh-CN" altLang="en-US" sz="1800" dirty="0" smtClean="0">
+              <a:endParaRPr lang="zh-CN" altLang="en-US" sz="1800" dirty="0">
                 <a:solidFill>
                   <a:schemeClr val="tx1"/>
                 </a:solidFill>
@@ -13182,7 +13088,7 @@
                 </a:lnSpc>
               </a:pPr>
               <a:r>
-                <a:rPr lang="en-US" altLang="zh-CN" sz="1800" dirty="0" smtClean="0">
+                <a:rPr lang="en-US" altLang="zh-CN" sz="1800" dirty="0">
                   <a:solidFill>
                     <a:schemeClr val="tx1"/>
                   </a:solidFill>
@@ -13192,7 +13098,7 @@
                 <a:t>_</a:t>
               </a:r>
               <a:r>
-                <a:rPr lang="en-US" altLang="zh-CN" sz="1800" dirty="0" err="1" smtClean="0">
+                <a:rPr lang="en-US" altLang="zh-CN" sz="1800" dirty="0" err="1">
                   <a:solidFill>
                     <a:schemeClr val="tx1"/>
                   </a:solidFill>
@@ -13201,7 +13107,7 @@
                 </a:rPr>
                 <a:t>M_right</a:t>
               </a:r>
-              <a:endParaRPr lang="zh-CN" altLang="en-US" sz="1800" dirty="0" smtClean="0">
+              <a:endParaRPr lang="zh-CN" altLang="en-US" sz="1800" dirty="0">
                 <a:solidFill>
                   <a:schemeClr val="tx1"/>
                 </a:solidFill>
@@ -13242,7 +13148,7 @@
                 </a:lnSpc>
               </a:pPr>
               <a:r>
-                <a:rPr lang="en-US" altLang="zh-CN" sz="1800" dirty="0" smtClean="0">
+                <a:rPr lang="en-US" altLang="zh-CN" sz="1800" dirty="0">
                   <a:solidFill>
                     <a:schemeClr val="tx1"/>
                   </a:solidFill>
@@ -13251,7 +13157,7 @@
                 </a:rPr>
                 <a:t>key(1)</a:t>
               </a:r>
-              <a:endParaRPr lang="zh-CN" altLang="en-US" sz="1800" dirty="0" smtClean="0">
+              <a:endParaRPr lang="zh-CN" altLang="en-US" sz="1800" dirty="0">
                 <a:solidFill>
                   <a:schemeClr val="tx1"/>
                 </a:solidFill>
@@ -13307,7 +13213,7 @@
                 </a:lnSpc>
               </a:pPr>
               <a:r>
-                <a:rPr lang="en-US" altLang="zh-CN" sz="1800" dirty="0" smtClean="0">
+                <a:rPr lang="en-US" altLang="zh-CN" sz="1800" dirty="0">
                   <a:solidFill>
                     <a:schemeClr val="tx1"/>
                   </a:solidFill>
@@ -13317,7 +13223,7 @@
                 <a:t>_</a:t>
               </a:r>
               <a:r>
-                <a:rPr lang="en-US" altLang="zh-CN" sz="1800" dirty="0" err="1" smtClean="0">
+                <a:rPr lang="en-US" altLang="zh-CN" sz="1800" dirty="0" err="1">
                   <a:solidFill>
                     <a:schemeClr val="tx1"/>
                   </a:solidFill>
@@ -13326,7 +13232,7 @@
                 </a:rPr>
                 <a:t>M_color</a:t>
               </a:r>
-              <a:endParaRPr lang="zh-CN" altLang="en-US" sz="1800" dirty="0" smtClean="0">
+              <a:endParaRPr lang="zh-CN" altLang="en-US" sz="1800" dirty="0">
                 <a:solidFill>
                   <a:schemeClr val="tx1"/>
                 </a:solidFill>
@@ -13367,7 +13273,7 @@
                 </a:lnSpc>
               </a:pPr>
               <a:r>
-                <a:rPr lang="en-US" altLang="zh-CN" sz="1800" dirty="0" smtClean="0">
+                <a:rPr lang="en-US" altLang="zh-CN" sz="1800" dirty="0">
                   <a:solidFill>
                     <a:schemeClr val="tx1"/>
                   </a:solidFill>
@@ -13377,7 +13283,7 @@
                 <a:t>_</a:t>
               </a:r>
               <a:r>
-                <a:rPr lang="en-US" altLang="zh-CN" sz="1800" dirty="0" err="1" smtClean="0">
+                <a:rPr lang="en-US" altLang="zh-CN" sz="1800" dirty="0" err="1">
                   <a:solidFill>
                     <a:schemeClr val="tx1"/>
                   </a:solidFill>
@@ -13386,7 +13292,7 @@
                 </a:rPr>
                 <a:t>M_parent</a:t>
               </a:r>
-              <a:endParaRPr lang="zh-CN" altLang="en-US" sz="1800" dirty="0" smtClean="0">
+              <a:endParaRPr lang="zh-CN" altLang="en-US" sz="1800" dirty="0">
                 <a:solidFill>
                   <a:schemeClr val="tx1"/>
                 </a:solidFill>
@@ -13427,7 +13333,7 @@
                 </a:lnSpc>
               </a:pPr>
               <a:r>
-                <a:rPr lang="en-US" altLang="zh-CN" sz="1800" dirty="0" smtClean="0">
+                <a:rPr lang="en-US" altLang="zh-CN" sz="1800" dirty="0">
                   <a:solidFill>
                     <a:schemeClr val="tx1"/>
                   </a:solidFill>
@@ -13437,7 +13343,7 @@
                 <a:t>_</a:t>
               </a:r>
               <a:r>
-                <a:rPr lang="en-US" altLang="zh-CN" sz="1800" dirty="0" err="1" smtClean="0">
+                <a:rPr lang="en-US" altLang="zh-CN" sz="1800" dirty="0" err="1">
                   <a:solidFill>
                     <a:schemeClr val="tx1"/>
                   </a:solidFill>
@@ -13446,7 +13352,7 @@
                 </a:rPr>
                 <a:t>M_left</a:t>
               </a:r>
-              <a:endParaRPr lang="zh-CN" altLang="en-US" sz="1800" dirty="0" smtClean="0">
+              <a:endParaRPr lang="zh-CN" altLang="en-US" sz="1800" dirty="0">
                 <a:solidFill>
                   <a:schemeClr val="tx1"/>
                 </a:solidFill>
@@ -13487,7 +13393,7 @@
                 </a:lnSpc>
               </a:pPr>
               <a:r>
-                <a:rPr lang="en-US" altLang="zh-CN" sz="1800" dirty="0" smtClean="0">
+                <a:rPr lang="en-US" altLang="zh-CN" sz="1800" dirty="0">
                   <a:solidFill>
                     <a:schemeClr val="tx1"/>
                   </a:solidFill>
@@ -13497,7 +13403,7 @@
                 <a:t>_</a:t>
               </a:r>
               <a:r>
-                <a:rPr lang="en-US" altLang="zh-CN" sz="1800" dirty="0" err="1" smtClean="0">
+                <a:rPr lang="en-US" altLang="zh-CN" sz="1800" dirty="0" err="1">
                   <a:solidFill>
                     <a:schemeClr val="tx1"/>
                   </a:solidFill>
@@ -13506,7 +13412,7 @@
                 </a:rPr>
                 <a:t>M_right</a:t>
               </a:r>
-              <a:endParaRPr lang="zh-CN" altLang="en-US" sz="1800" dirty="0" smtClean="0">
+              <a:endParaRPr lang="zh-CN" altLang="en-US" sz="1800" dirty="0">
                 <a:solidFill>
                   <a:schemeClr val="tx1"/>
                 </a:solidFill>
@@ -13547,7 +13453,7 @@
                 </a:lnSpc>
               </a:pPr>
               <a:r>
-                <a:rPr lang="en-US" altLang="zh-CN" sz="1800" dirty="0" smtClean="0">
+                <a:rPr lang="en-US" altLang="zh-CN" sz="1800" dirty="0">
                   <a:solidFill>
                     <a:schemeClr val="tx1"/>
                   </a:solidFill>
@@ -13556,7 +13462,7 @@
                 </a:rPr>
                 <a:t>key(4)</a:t>
               </a:r>
-              <a:endParaRPr lang="zh-CN" altLang="en-US" sz="1800" dirty="0" smtClean="0">
+              <a:endParaRPr lang="zh-CN" altLang="en-US" sz="1800" dirty="0">
                 <a:solidFill>
                   <a:schemeClr val="tx1"/>
                 </a:solidFill>
@@ -13590,7 +13496,7 @@
           </a:ln>
           <a:extLst>
             <a:ext uri="{91240B29-F687-4f45-9708-019B960494DF}">
-              <a14:hiddenLine xmlns:a14="http://schemas.microsoft.com/office/drawing/2010/main" xmlns="" w="25400" cap="flat" cmpd="sng" algn="ctr">
+              <a14:hiddenLine xmlns="" xmlns:a14="http://schemas.microsoft.com/office/drawing/2010/main" w="25400" cap="flat" cmpd="sng" algn="ctr">
                 <a:solidFill>
                   <a:srgbClr val="000000"/>
                 </a:solidFill>
@@ -13601,7 +13507,7 @@
               </a14:hiddenLine>
             </a:ext>
             <a:ext uri="{AF507438-7753-43e0-B8FC-AC1667EBCBE1}">
-              <a14:hiddenEffects xmlns:a14="http://schemas.microsoft.com/office/drawing/2010/main" xmlns="">
+              <a14:hiddenEffects xmlns="" xmlns:a14="http://schemas.microsoft.com/office/drawing/2010/main">
                 <a:effectLst>
                   <a:outerShdw blurRad="63500" dist="38099" dir="2700000" algn="ctr" rotWithShape="0">
                     <a:schemeClr val="bg2">
@@ -13651,7 +13557,7 @@
           </a:ln>
           <a:extLst>
             <a:ext uri="{91240B29-F687-4f45-9708-019B960494DF}">
-              <a14:hiddenLine xmlns:a14="http://schemas.microsoft.com/office/drawing/2010/main" xmlns="" w="25400" cap="flat" cmpd="sng" algn="ctr">
+              <a14:hiddenLine xmlns="" xmlns:a14="http://schemas.microsoft.com/office/drawing/2010/main" w="25400" cap="flat" cmpd="sng" algn="ctr">
                 <a:solidFill>
                   <a:srgbClr val="000000"/>
                 </a:solidFill>
@@ -13662,7 +13568,7 @@
               </a14:hiddenLine>
             </a:ext>
             <a:ext uri="{AF507438-7753-43e0-B8FC-AC1667EBCBE1}">
-              <a14:hiddenEffects xmlns:a14="http://schemas.microsoft.com/office/drawing/2010/main" xmlns="">
+              <a14:hiddenEffects xmlns="" xmlns:a14="http://schemas.microsoft.com/office/drawing/2010/main">
                 <a:effectLst>
                   <a:outerShdw blurRad="63500" dist="38099" dir="2700000" algn="ctr" rotWithShape="0">
                     <a:schemeClr val="bg2">
@@ -13712,7 +13618,7 @@
           </a:ln>
           <a:extLst>
             <a:ext uri="{91240B29-F687-4f45-9708-019B960494DF}">
-              <a14:hiddenLine xmlns:a14="http://schemas.microsoft.com/office/drawing/2010/main" xmlns="" w="25400" cap="flat" cmpd="sng" algn="ctr">
+              <a14:hiddenLine xmlns="" xmlns:a14="http://schemas.microsoft.com/office/drawing/2010/main" w="25400" cap="flat" cmpd="sng" algn="ctr">
                 <a:solidFill>
                   <a:srgbClr val="000000"/>
                 </a:solidFill>
@@ -13723,7 +13629,7 @@
               </a14:hiddenLine>
             </a:ext>
             <a:ext uri="{AF507438-7753-43e0-B8FC-AC1667EBCBE1}">
-              <a14:hiddenEffects xmlns:a14="http://schemas.microsoft.com/office/drawing/2010/main" xmlns="">
+              <a14:hiddenEffects xmlns="" xmlns:a14="http://schemas.microsoft.com/office/drawing/2010/main">
                 <a:effectLst>
                   <a:outerShdw blurRad="63500" dist="38099" dir="2700000" algn="ctr" rotWithShape="0">
                     <a:schemeClr val="bg2">
@@ -13773,7 +13679,7 @@
           </a:ln>
           <a:extLst>
             <a:ext uri="{91240B29-F687-4f45-9708-019B960494DF}">
-              <a14:hiddenLine xmlns:a14="http://schemas.microsoft.com/office/drawing/2010/main" xmlns="" w="25400" cap="flat" cmpd="sng" algn="ctr">
+              <a14:hiddenLine xmlns="" xmlns:a14="http://schemas.microsoft.com/office/drawing/2010/main" w="25400" cap="flat" cmpd="sng" algn="ctr">
                 <a:solidFill>
                   <a:srgbClr val="000000"/>
                 </a:solidFill>
@@ -13784,7 +13690,7 @@
               </a14:hiddenLine>
             </a:ext>
             <a:ext uri="{AF507438-7753-43e0-B8FC-AC1667EBCBE1}">
-              <a14:hiddenEffects xmlns:a14="http://schemas.microsoft.com/office/drawing/2010/main" xmlns="">
+              <a14:hiddenEffects xmlns="" xmlns:a14="http://schemas.microsoft.com/office/drawing/2010/main">
                 <a:effectLst>
                   <a:outerShdw blurRad="63500" dist="38099" dir="2700000" algn="ctr" rotWithShape="0">
                     <a:schemeClr val="bg2">
@@ -13834,7 +13740,7 @@
           </a:ln>
           <a:extLst>
             <a:ext uri="{91240B29-F687-4f45-9708-019B960494DF}">
-              <a14:hiddenLine xmlns:a14="http://schemas.microsoft.com/office/drawing/2010/main" xmlns="" w="25400" cap="flat" cmpd="sng" algn="ctr">
+              <a14:hiddenLine xmlns="" xmlns:a14="http://schemas.microsoft.com/office/drawing/2010/main" w="25400" cap="flat" cmpd="sng" algn="ctr">
                 <a:solidFill>
                   <a:srgbClr val="000000"/>
                 </a:solidFill>
@@ -13845,7 +13751,7 @@
               </a14:hiddenLine>
             </a:ext>
             <a:ext uri="{AF507438-7753-43e0-B8FC-AC1667EBCBE1}">
-              <a14:hiddenEffects xmlns:a14="http://schemas.microsoft.com/office/drawing/2010/main" xmlns="">
+              <a14:hiddenEffects xmlns="" xmlns:a14="http://schemas.microsoft.com/office/drawing/2010/main">
                 <a:effectLst>
                   <a:outerShdw blurRad="63500" dist="38099" dir="2700000" algn="ctr" rotWithShape="0">
                     <a:schemeClr val="bg2">
@@ -13900,13 +13806,13 @@
               </a:lnSpc>
             </a:pPr>
             <a:r>
-              <a:rPr lang="en-US" altLang="zh-CN" b="1" dirty="0" smtClean="0">
+              <a:rPr lang="en-US" altLang="zh-CN" b="1" dirty="0">
                 <a:latin typeface="微软雅黑" panose="020B0503020204020204" pitchFamily="34" charset="-122"/>
                 <a:ea typeface="微软雅黑" panose="020B0503020204020204" pitchFamily="34" charset="-122"/>
               </a:rPr>
               <a:t>Root</a:t>
             </a:r>
-            <a:endParaRPr lang="zh-CN" altLang="en-US" b="1" dirty="0" smtClean="0">
+            <a:endParaRPr lang="zh-CN" altLang="en-US" b="1" dirty="0">
               <a:latin typeface="微软雅黑" panose="020B0503020204020204" pitchFamily="34" charset="-122"/>
               <a:ea typeface="微软雅黑" panose="020B0503020204020204" pitchFamily="34" charset="-122"/>
             </a:endParaRPr>
@@ -13941,13 +13847,13 @@
               </a:lnSpc>
             </a:pPr>
             <a:r>
-              <a:rPr lang="en-US" altLang="zh-CN" b="1" dirty="0" smtClean="0">
+              <a:rPr lang="en-US" altLang="zh-CN" b="1" dirty="0">
                 <a:latin typeface="微软雅黑" panose="020B0503020204020204" pitchFamily="34" charset="-122"/>
                 <a:ea typeface="微软雅黑" panose="020B0503020204020204" pitchFamily="34" charset="-122"/>
               </a:rPr>
               <a:t>Min</a:t>
             </a:r>
-            <a:endParaRPr lang="zh-CN" altLang="en-US" b="1" dirty="0" smtClean="0">
+            <a:endParaRPr lang="zh-CN" altLang="en-US" b="1" dirty="0">
               <a:latin typeface="微软雅黑" panose="020B0503020204020204" pitchFamily="34" charset="-122"/>
               <a:ea typeface="微软雅黑" panose="020B0503020204020204" pitchFamily="34" charset="-122"/>
             </a:endParaRPr>
@@ -13982,13 +13888,13 @@
               </a:lnSpc>
             </a:pPr>
             <a:r>
-              <a:rPr lang="en-US" altLang="zh-CN" b="1" dirty="0" smtClean="0">
+              <a:rPr lang="en-US" altLang="zh-CN" b="1" dirty="0">
                 <a:latin typeface="微软雅黑" panose="020B0503020204020204" pitchFamily="34" charset="-122"/>
                 <a:ea typeface="微软雅黑" panose="020B0503020204020204" pitchFamily="34" charset="-122"/>
               </a:rPr>
               <a:t>Max</a:t>
             </a:r>
-            <a:endParaRPr lang="zh-CN" altLang="en-US" b="1" dirty="0" smtClean="0">
+            <a:endParaRPr lang="zh-CN" altLang="en-US" b="1" dirty="0">
               <a:latin typeface="微软雅黑" panose="020B0503020204020204" pitchFamily="34" charset="-122"/>
               <a:ea typeface="微软雅黑" panose="020B0503020204020204" pitchFamily="34" charset="-122"/>
             </a:endParaRPr>
@@ -14006,13 +13912,6 @@
     <a:masterClrMapping/>
   </p:clrMapOvr>
   <p:transition/>
-  <p:timing>
-    <p:tnLst>
-      <p:par>
-        <p:cTn id="1" dur="indefinite" restart="never" nodeType="tmRoot"/>
-      </p:par>
-    </p:tnLst>
-  </p:timing>
 </p:sld>
 </file>
 
@@ -14049,16 +13948,12 @@
           <a:lstStyle/>
           <a:p>
             <a:r>
-              <a:rPr lang="zh-CN" altLang="en-US" b="1" dirty="0" smtClean="0">
+              <a:rPr lang="zh-CN" altLang="en-US" b="1" dirty="0">
                 <a:latin typeface="微软雅黑" panose="020B0503020204020204" pitchFamily="34" charset="-122"/>
                 <a:ea typeface="微软雅黑" panose="020B0503020204020204" pitchFamily="34" charset="-122"/>
               </a:rPr>
               <a:t>练习</a:t>
             </a:r>
-            <a:endParaRPr lang="zh-CN" altLang="en-US" b="1" dirty="0">
-              <a:latin typeface="微软雅黑" panose="020B0503020204020204" pitchFamily="34" charset="-122"/>
-              <a:ea typeface="微软雅黑" panose="020B0503020204020204" pitchFamily="34" charset="-122"/>
-            </a:endParaRPr>
           </a:p>
         </p:txBody>
       </p:sp>
@@ -14113,30 +14008,26 @@
           <a:lstStyle/>
           <a:p>
             <a:r>
-              <a:rPr lang="zh-CN" altLang="en-US" dirty="0" smtClean="0">
+              <a:rPr lang="zh-CN" altLang="en-US" dirty="0">
                 <a:latin typeface="微软雅黑" panose="020B0503020204020204" pitchFamily="34" charset="-122"/>
                 <a:ea typeface="微软雅黑" panose="020B0503020204020204" pitchFamily="34" charset="-122"/>
               </a:rPr>
               <a:t>调试</a:t>
             </a:r>
             <a:r>
-              <a:rPr lang="en-US" altLang="zh-CN" dirty="0" smtClean="0">
+              <a:rPr lang="en-US" altLang="zh-CN" dirty="0">
                 <a:latin typeface="微软雅黑" panose="020B0503020204020204" pitchFamily="34" charset="-122"/>
                 <a:ea typeface="微软雅黑" panose="020B0503020204020204" pitchFamily="34" charset="-122"/>
               </a:rPr>
               <a:t>map</a:t>
             </a:r>
             <a:r>
-              <a:rPr lang="zh-CN" altLang="en-US" dirty="0" smtClean="0">
+              <a:rPr lang="zh-CN" altLang="en-US" dirty="0">
                 <a:latin typeface="微软雅黑" panose="020B0503020204020204" pitchFamily="34" charset="-122"/>
                 <a:ea typeface="微软雅黑" panose="020B0503020204020204" pitchFamily="34" charset="-122"/>
               </a:rPr>
               <a:t>中的内容</a:t>
             </a:r>
-            <a:endParaRPr lang="zh-CN" altLang="en-US" dirty="0">
-              <a:latin typeface="微软雅黑" panose="020B0503020204020204" pitchFamily="34" charset="-122"/>
-              <a:ea typeface="微软雅黑" panose="020B0503020204020204" pitchFamily="34" charset="-122"/>
-            </a:endParaRPr>
           </a:p>
         </p:txBody>
       </p:sp>
@@ -14190,13 +14081,6 @@
     <a:masterClrMapping/>
   </p:clrMapOvr>
   <p:transition/>
-  <p:timing>
-    <p:tnLst>
-      <p:par>
-        <p:cTn id="1" dur="indefinite" restart="never" nodeType="tmRoot"/>
-      </p:par>
-    </p:tnLst>
-  </p:timing>
 </p:sld>
 </file>
 
@@ -14233,16 +14117,10 @@
           <a:lstStyle/>
           <a:p>
             <a:r>
-              <a:rPr lang="zh-CN" altLang="en-US" b="1" dirty="0" smtClean="0">
-                <a:latin typeface="微软雅黑" panose="020B0503020204020204" pitchFamily="34" charset="-122"/>
-                <a:ea typeface="微软雅黑" panose="020B0503020204020204" pitchFamily="34" charset="-122"/>
-              </a:rPr>
-              <a:t>练习</a:t>
-            </a:r>
-            <a:endParaRPr lang="zh-CN" altLang="en-US" b="1" dirty="0">
-              <a:latin typeface="微软雅黑" panose="020B0503020204020204" pitchFamily="34" charset="-122"/>
-              <a:ea typeface="微软雅黑" panose="020B0503020204020204" pitchFamily="34" charset="-122"/>
-            </a:endParaRPr>
+              <a:rPr lang="en-US" altLang="zh-CN" cap="none" dirty="0"/>
+              <a:t>Multithread</a:t>
+            </a:r>
+            <a:endParaRPr lang="zh-CN" altLang="en-US" cap="none" dirty="0"/>
           </a:p>
         </p:txBody>
       </p:sp>
@@ -14262,16 +14140,10 @@
           <a:lstStyle/>
           <a:p>
             <a:r>
-              <a:rPr lang="zh-CN" altLang="en-US" dirty="0" smtClean="0">
-                <a:latin typeface="微软雅黑" panose="020B0503020204020204" pitchFamily="34" charset="-122"/>
-                <a:ea typeface="微软雅黑" panose="020B0503020204020204" pitchFamily="34" charset="-122"/>
-              </a:rPr>
-              <a:t>找一个产品代码中的类进行调试</a:t>
-            </a:r>
-            <a:endParaRPr lang="zh-CN" altLang="en-US" dirty="0">
-              <a:latin typeface="微软雅黑" panose="020B0503020204020204" pitchFamily="34" charset="-122"/>
-              <a:ea typeface="微软雅黑" panose="020B0503020204020204" pitchFamily="34" charset="-122"/>
-            </a:endParaRPr>
+              <a:rPr lang="en-US" altLang="zh-CN"/>
+              <a:t>Debugging</a:t>
+            </a:r>
+            <a:endParaRPr lang="zh-CN" altLang="en-US" dirty="0"/>
           </a:p>
         </p:txBody>
       </p:sp>
@@ -14293,27 +14165,21 @@
             <a:pPr>
               <a:defRPr/>
             </a:pPr>
-            <a:fld id="{CEF9D3E2-3262-F641-AB24-FF4A39ED94B6}" type="slidenum">
-              <a:rPr lang="en-US" smtClean="0">
-                <a:latin typeface="微软雅黑" panose="020B0503020204020204" pitchFamily="34" charset="-122"/>
-                <a:ea typeface="微软雅黑" panose="020B0503020204020204" pitchFamily="34" charset="-122"/>
-              </a:rPr>
+            <a:fld id="{AEF5B2CA-BCA1-9745-82ED-D3862910942D}" type="slidenum">
+              <a:rPr lang="en-US" smtClean="0"/>
               <a:pPr>
                 <a:defRPr/>
               </a:pPr>
               <a:t>14</a:t>
             </a:fld>
-            <a:endParaRPr lang="en-US">
-              <a:latin typeface="微软雅黑" panose="020B0503020204020204" pitchFamily="34" charset="-122"/>
-              <a:ea typeface="微软雅黑" panose="020B0503020204020204" pitchFamily="34" charset="-122"/>
-            </a:endParaRPr>
+            <a:endParaRPr lang="en-US"/>
           </a:p>
         </p:txBody>
       </p:sp>
     </p:spTree>
     <p:extLst>
       <p:ext uri="{BB962C8B-B14F-4D97-AF65-F5344CB8AC3E}">
-        <p14:creationId xmlns:p14="http://schemas.microsoft.com/office/powerpoint/2010/main" val="2047637593"/>
+        <p14:creationId xmlns:p14="http://schemas.microsoft.com/office/powerpoint/2010/main" val="2620397566"/>
       </p:ext>
     </p:extLst>
   </p:cSld>
@@ -14321,13 +14187,6 @@
     <a:masterClrMapping/>
   </p:clrMapOvr>
   <p:transition/>
-  <p:timing>
-    <p:tnLst>
-      <p:par>
-        <p:cTn id="1" dur="indefinite" restart="never" nodeType="tmRoot"/>
-      </p:par>
-    </p:tnLst>
-  </p:timing>
 </p:sld>
 </file>
 
@@ -14363,7 +14222,13 @@
           <a:bodyPr/>
           <a:lstStyle/>
           <a:p>
-            <a:endParaRPr lang="zh-CN" altLang="en-US" dirty="0"/>
+            <a:r>
+              <a:rPr lang="zh-CN" altLang="en-US" dirty="0">
+                <a:latin typeface="微软雅黑" panose="020B0503020204020204" pitchFamily="34" charset="-122"/>
+                <a:ea typeface="微软雅黑" panose="020B0503020204020204" pitchFamily="34" charset="-122"/>
+              </a:rPr>
+              <a:t>线程调试指令</a:t>
+            </a:r>
           </a:p>
         </p:txBody>
       </p:sp>
@@ -14377,34 +14242,333 @@
             <p:ph idx="1"/>
           </p:nvPr>
         </p:nvSpPr>
-        <p:spPr>
-          <a:xfrm>
-            <a:off x="2616200" y="3284533"/>
-            <a:ext cx="7772400" cy="1858779"/>
-          </a:xfrm>
-        </p:spPr>
+        <p:spPr/>
         <p:txBody>
           <a:bodyPr/>
           <a:lstStyle/>
           <a:p>
             <a:r>
-              <a:rPr lang="en-US" altLang="zh-CN" sz="8400" i="0" cap="all" spc="-400" dirty="0">
-                <a:solidFill>
-                  <a:srgbClr val="FFFFFF"/>
-                </a:solidFill>
-                <a:latin typeface="Open Sans Extrabold"/>
-                <a:sym typeface="Open Sans Extrabold" charset="0"/>
+              <a:rPr lang="en-US" altLang="zh-CN" dirty="0">
+                <a:latin typeface="微软雅黑" panose="020B0503020204020204" pitchFamily="34" charset="-122"/>
+                <a:ea typeface="微软雅黑" panose="020B0503020204020204" pitchFamily="34" charset="-122"/>
               </a:rPr>
-              <a:t>Q &amp; A</a:t>
-            </a:r>
-            <a:endParaRPr lang="zh-CN" altLang="en-US" dirty="0"/>
+              <a:t>(</a:t>
+            </a:r>
+            <a:r>
+              <a:rPr lang="en-US" altLang="zh-CN" dirty="0" err="1">
+                <a:latin typeface="微软雅黑" panose="020B0503020204020204" pitchFamily="34" charset="-122"/>
+                <a:ea typeface="微软雅黑" panose="020B0503020204020204" pitchFamily="34" charset="-122"/>
+              </a:rPr>
+              <a:t>gdb</a:t>
+            </a:r>
+            <a:r>
+              <a:rPr lang="en-US" altLang="zh-CN" dirty="0">
+                <a:latin typeface="微软雅黑" panose="020B0503020204020204" pitchFamily="34" charset="-122"/>
+                <a:ea typeface="微软雅黑" panose="020B0503020204020204" pitchFamily="34" charset="-122"/>
+              </a:rPr>
+              <a:t>) </a:t>
+            </a:r>
+            <a:r>
+              <a:rPr lang="en-US" altLang="zh-CN" b="1" dirty="0">
+                <a:latin typeface="微软雅黑" panose="020B0503020204020204" pitchFamily="34" charset="-122"/>
+                <a:ea typeface="微软雅黑" panose="020B0503020204020204" pitchFamily="34" charset="-122"/>
+              </a:rPr>
+              <a:t>info threads</a:t>
+            </a:r>
+            <a:r>
+              <a:rPr lang="en-US" altLang="zh-CN" dirty="0">
+                <a:latin typeface="微软雅黑" panose="020B0503020204020204" pitchFamily="34" charset="-122"/>
+                <a:ea typeface="微软雅黑" panose="020B0503020204020204" pitchFamily="34" charset="-122"/>
+              </a:rPr>
+              <a:t>/</a:t>
+            </a:r>
+            <a:r>
+              <a:rPr lang="en-US" altLang="zh-CN" b="1" dirty="0" err="1">
+                <a:latin typeface="微软雅黑" panose="020B0503020204020204" pitchFamily="34" charset="-122"/>
+                <a:ea typeface="微软雅黑" panose="020B0503020204020204" pitchFamily="34" charset="-122"/>
+              </a:rPr>
+              <a:t>i</a:t>
+            </a:r>
+            <a:r>
+              <a:rPr lang="en-US" altLang="zh-CN" b="1" dirty="0">
+                <a:latin typeface="微软雅黑" panose="020B0503020204020204" pitchFamily="34" charset="-122"/>
+                <a:ea typeface="微软雅黑" panose="020B0503020204020204" pitchFamily="34" charset="-122"/>
+              </a:rPr>
+              <a:t> </a:t>
+            </a:r>
+            <a:r>
+              <a:rPr lang="en-US" altLang="zh-CN" b="1" dirty="0" err="1">
+                <a:latin typeface="微软雅黑" panose="020B0503020204020204" pitchFamily="34" charset="-122"/>
+                <a:ea typeface="微软雅黑" panose="020B0503020204020204" pitchFamily="34" charset="-122"/>
+              </a:rPr>
+              <a:t>th</a:t>
+            </a:r>
+            <a:r>
+              <a:rPr lang="en-US" altLang="zh-CN" dirty="0">
+                <a:latin typeface="微软雅黑" panose="020B0503020204020204" pitchFamily="34" charset="-122"/>
+                <a:ea typeface="微软雅黑" panose="020B0503020204020204" pitchFamily="34" charset="-122"/>
+              </a:rPr>
+              <a:t> </a:t>
+            </a:r>
+          </a:p>
+          <a:p>
+            <a:endParaRPr lang="en-US" altLang="zh-CN" dirty="0">
+              <a:latin typeface="微软雅黑" panose="020B0503020204020204" pitchFamily="34" charset="-122"/>
+              <a:ea typeface="微软雅黑" panose="020B0503020204020204" pitchFamily="34" charset="-122"/>
+            </a:endParaRPr>
+          </a:p>
+          <a:p>
+            <a:endParaRPr lang="en-US" altLang="zh-CN" dirty="0">
+              <a:latin typeface="微软雅黑" panose="020B0503020204020204" pitchFamily="34" charset="-122"/>
+              <a:ea typeface="微软雅黑" panose="020B0503020204020204" pitchFamily="34" charset="-122"/>
+            </a:endParaRPr>
+          </a:p>
+          <a:p>
+            <a:endParaRPr lang="en-US" altLang="zh-CN" dirty="0">
+              <a:latin typeface="微软雅黑" panose="020B0503020204020204" pitchFamily="34" charset="-122"/>
+              <a:ea typeface="微软雅黑" panose="020B0503020204020204" pitchFamily="34" charset="-122"/>
+            </a:endParaRPr>
+          </a:p>
+          <a:p>
+            <a:endParaRPr lang="en-US" altLang="zh-CN" dirty="0">
+              <a:latin typeface="微软雅黑" panose="020B0503020204020204" pitchFamily="34" charset="-122"/>
+              <a:ea typeface="微软雅黑" panose="020B0503020204020204" pitchFamily="34" charset="-122"/>
+            </a:endParaRPr>
+          </a:p>
+          <a:p>
+            <a:r>
+              <a:rPr lang="en-US" altLang="zh-CN" dirty="0">
+                <a:latin typeface="微软雅黑" panose="020B0503020204020204" pitchFamily="34" charset="-122"/>
+                <a:ea typeface="微软雅黑" panose="020B0503020204020204" pitchFamily="34" charset="-122"/>
+              </a:rPr>
+              <a:t>(</a:t>
+            </a:r>
+            <a:r>
+              <a:rPr lang="en-US" altLang="zh-CN" dirty="0" err="1">
+                <a:latin typeface="微软雅黑" panose="020B0503020204020204" pitchFamily="34" charset="-122"/>
+                <a:ea typeface="微软雅黑" panose="020B0503020204020204" pitchFamily="34" charset="-122"/>
+              </a:rPr>
+              <a:t>gdb</a:t>
+            </a:r>
+            <a:r>
+              <a:rPr lang="en-US" altLang="zh-CN" dirty="0">
+                <a:latin typeface="微软雅黑" panose="020B0503020204020204" pitchFamily="34" charset="-122"/>
+                <a:ea typeface="微软雅黑" panose="020B0503020204020204" pitchFamily="34" charset="-122"/>
+              </a:rPr>
+              <a:t>) </a:t>
+            </a:r>
+            <a:r>
+              <a:rPr lang="en-US" altLang="zh-CN" b="1" dirty="0">
+                <a:latin typeface="微软雅黑" panose="020B0503020204020204" pitchFamily="34" charset="-122"/>
+                <a:ea typeface="微软雅黑" panose="020B0503020204020204" pitchFamily="34" charset="-122"/>
+              </a:rPr>
+              <a:t>thread </a:t>
+            </a:r>
+            <a:r>
+              <a:rPr lang="en-US" altLang="zh-CN" dirty="0" err="1">
+                <a:latin typeface="微软雅黑" panose="020B0503020204020204" pitchFamily="34" charset="-122"/>
+                <a:ea typeface="微软雅黑" panose="020B0503020204020204" pitchFamily="34" charset="-122"/>
+              </a:rPr>
+              <a:t>threadno</a:t>
+            </a:r>
+            <a:endParaRPr lang="en-US" altLang="zh-CN" dirty="0">
+              <a:latin typeface="微软雅黑" panose="020B0503020204020204" pitchFamily="34" charset="-122"/>
+              <a:ea typeface="微软雅黑" panose="020B0503020204020204" pitchFamily="34" charset="-122"/>
+            </a:endParaRPr>
+          </a:p>
+          <a:p>
+            <a:pPr lvl="1"/>
+            <a:r>
+              <a:rPr lang="zh-CN" altLang="en-US" dirty="0">
+                <a:latin typeface="微软雅黑" panose="020B0503020204020204" pitchFamily="34" charset="-122"/>
+                <a:ea typeface="微软雅黑" panose="020B0503020204020204" pitchFamily="34" charset="-122"/>
+              </a:rPr>
+              <a:t>切换到线程</a:t>
+            </a:r>
+            <a:r>
+              <a:rPr lang="en-US" altLang="zh-CN" dirty="0" err="1">
+                <a:latin typeface="微软雅黑" panose="020B0503020204020204" pitchFamily="34" charset="-122"/>
+                <a:ea typeface="微软雅黑" panose="020B0503020204020204" pitchFamily="34" charset="-122"/>
+              </a:rPr>
+              <a:t>threadno</a:t>
+            </a:r>
+            <a:r>
+              <a:rPr lang="zh-CN" altLang="en-US" dirty="0">
+                <a:latin typeface="微软雅黑" panose="020B0503020204020204" pitchFamily="34" charset="-122"/>
+                <a:ea typeface="微软雅黑" panose="020B0503020204020204" pitchFamily="34" charset="-122"/>
+              </a:rPr>
+              <a:t>上</a:t>
+            </a:r>
+            <a:endParaRPr lang="en-US" altLang="zh-CN" dirty="0">
+              <a:latin typeface="微软雅黑" panose="020B0503020204020204" pitchFamily="34" charset="-122"/>
+              <a:ea typeface="微软雅黑" panose="020B0503020204020204" pitchFamily="34" charset="-122"/>
+            </a:endParaRPr>
+          </a:p>
+          <a:p>
+            <a:r>
+              <a:rPr lang="en-US" altLang="zh-CN" dirty="0">
+                <a:latin typeface="微软雅黑" panose="020B0503020204020204" pitchFamily="34" charset="-122"/>
+                <a:ea typeface="微软雅黑" panose="020B0503020204020204" pitchFamily="34" charset="-122"/>
+              </a:rPr>
+              <a:t>(</a:t>
+            </a:r>
+            <a:r>
+              <a:rPr lang="en-US" altLang="zh-CN" dirty="0" err="1">
+                <a:latin typeface="微软雅黑" panose="020B0503020204020204" pitchFamily="34" charset="-122"/>
+                <a:ea typeface="微软雅黑" panose="020B0503020204020204" pitchFamily="34" charset="-122"/>
+              </a:rPr>
+              <a:t>gdb</a:t>
+            </a:r>
+            <a:r>
+              <a:rPr lang="en-US" altLang="zh-CN" dirty="0">
+                <a:latin typeface="微软雅黑" panose="020B0503020204020204" pitchFamily="34" charset="-122"/>
+                <a:ea typeface="微软雅黑" panose="020B0503020204020204" pitchFamily="34" charset="-122"/>
+              </a:rPr>
+              <a:t>) </a:t>
+            </a:r>
+            <a:r>
+              <a:rPr lang="en-US" altLang="zh-CN" b="1" dirty="0">
+                <a:latin typeface="微软雅黑" panose="020B0503020204020204" pitchFamily="34" charset="-122"/>
+                <a:ea typeface="微软雅黑" panose="020B0503020204020204" pitchFamily="34" charset="-122"/>
+              </a:rPr>
+              <a:t>thread apply</a:t>
+            </a:r>
+            <a:r>
+              <a:rPr lang="en-US" altLang="zh-CN" dirty="0">
+                <a:latin typeface="微软雅黑" panose="020B0503020204020204" pitchFamily="34" charset="-122"/>
+                <a:ea typeface="微软雅黑" panose="020B0503020204020204" pitchFamily="34" charset="-122"/>
+              </a:rPr>
+              <a:t> [</a:t>
+            </a:r>
+            <a:r>
+              <a:rPr lang="en-US" altLang="zh-CN" dirty="0" err="1">
+                <a:latin typeface="微软雅黑" panose="020B0503020204020204" pitchFamily="34" charset="-122"/>
+                <a:ea typeface="微软雅黑" panose="020B0503020204020204" pitchFamily="34" charset="-122"/>
+              </a:rPr>
+              <a:t>threadno|all</a:t>
+            </a:r>
+            <a:r>
+              <a:rPr lang="en-US" altLang="zh-CN" dirty="0">
+                <a:latin typeface="微软雅黑" panose="020B0503020204020204" pitchFamily="34" charset="-122"/>
+                <a:ea typeface="微软雅黑" panose="020B0503020204020204" pitchFamily="34" charset="-122"/>
+              </a:rPr>
+              <a:t>] command</a:t>
+            </a:r>
+          </a:p>
+          <a:p>
+            <a:pPr lvl="1"/>
+            <a:r>
+              <a:rPr lang="zh-CN" altLang="en-US" dirty="0">
+                <a:latin typeface="微软雅黑" panose="020B0503020204020204" pitchFamily="34" charset="-122"/>
+                <a:ea typeface="微软雅黑" panose="020B0503020204020204" pitchFamily="34" charset="-122"/>
+              </a:rPr>
+              <a:t>在线程</a:t>
+            </a:r>
+            <a:r>
+              <a:rPr lang="en-US" altLang="zh-CN" dirty="0" err="1">
+                <a:latin typeface="微软雅黑" panose="020B0503020204020204" pitchFamily="34" charset="-122"/>
+                <a:ea typeface="微软雅黑" panose="020B0503020204020204" pitchFamily="34" charset="-122"/>
+              </a:rPr>
+              <a:t>threadno</a:t>
+            </a:r>
+            <a:r>
+              <a:rPr lang="en-US" altLang="zh-CN" dirty="0">
+                <a:latin typeface="微软雅黑" panose="020B0503020204020204" pitchFamily="34" charset="-122"/>
+                <a:ea typeface="微软雅黑" panose="020B0503020204020204" pitchFamily="34" charset="-122"/>
+              </a:rPr>
+              <a:t>(</a:t>
+            </a:r>
+            <a:r>
+              <a:rPr lang="zh-CN" altLang="en-US" dirty="0">
+                <a:latin typeface="微软雅黑" panose="020B0503020204020204" pitchFamily="34" charset="-122"/>
+                <a:ea typeface="微软雅黑" panose="020B0503020204020204" pitchFamily="34" charset="-122"/>
+              </a:rPr>
+              <a:t>或所有线程</a:t>
+            </a:r>
+            <a:r>
+              <a:rPr lang="en-US" altLang="zh-CN" dirty="0">
+                <a:latin typeface="微软雅黑" panose="020B0503020204020204" pitchFamily="34" charset="-122"/>
+                <a:ea typeface="微软雅黑" panose="020B0503020204020204" pitchFamily="34" charset="-122"/>
+              </a:rPr>
+              <a:t>all)</a:t>
+            </a:r>
+            <a:r>
+              <a:rPr lang="zh-CN" altLang="en-US" dirty="0">
+                <a:latin typeface="微软雅黑" panose="020B0503020204020204" pitchFamily="34" charset="-122"/>
+                <a:ea typeface="微软雅黑" panose="020B0503020204020204" pitchFamily="34" charset="-122"/>
+              </a:rPr>
+              <a:t>上执行指令</a:t>
+            </a:r>
+            <a:endParaRPr lang="en-US" altLang="zh-CN" dirty="0">
+              <a:latin typeface="微软雅黑" panose="020B0503020204020204" pitchFamily="34" charset="-122"/>
+              <a:ea typeface="微软雅黑" panose="020B0503020204020204" pitchFamily="34" charset="-122"/>
+            </a:endParaRPr>
           </a:p>
         </p:txBody>
       </p:sp>
+      <p:sp>
+        <p:nvSpPr>
+          <p:cNvPr id="4" name="灯片编号占位符 3"/>
+          <p:cNvSpPr>
+            <a:spLocks noGrp="1"/>
+          </p:cNvSpPr>
+          <p:nvPr>
+            <p:ph type="sldNum" sz="quarter" idx="10"/>
+          </p:nvPr>
+        </p:nvSpPr>
+        <p:spPr/>
+        <p:txBody>
+          <a:bodyPr/>
+          <a:lstStyle/>
+          <a:p>
+            <a:pPr>
+              <a:defRPr/>
+            </a:pPr>
+            <a:fld id="{CEF9D3E2-3262-F641-AB24-FF4A39ED94B6}" type="slidenum">
+              <a:rPr lang="en-US" smtClean="0">
+                <a:latin typeface="微软雅黑" panose="020B0503020204020204" pitchFamily="34" charset="-122"/>
+                <a:ea typeface="微软雅黑" panose="020B0503020204020204" pitchFamily="34" charset="-122"/>
+              </a:rPr>
+              <a:pPr>
+                <a:defRPr/>
+              </a:pPr>
+              <a:t>15</a:t>
+            </a:fld>
+            <a:endParaRPr lang="en-US">
+              <a:latin typeface="微软雅黑" panose="020B0503020204020204" pitchFamily="34" charset="-122"/>
+              <a:ea typeface="微软雅黑" panose="020B0503020204020204" pitchFamily="34" charset="-122"/>
+            </a:endParaRPr>
+          </a:p>
+        </p:txBody>
+      </p:sp>
+      <p:pic>
+        <p:nvPicPr>
+          <p:cNvPr id="6" name="图片 5"/>
+          <p:cNvPicPr>
+            <a:picLocks noChangeAspect="1"/>
+          </p:cNvPicPr>
+          <p:nvPr/>
+        </p:nvPicPr>
+        <p:blipFill>
+          <a:blip r:embed="rId2"/>
+          <a:stretch>
+            <a:fillRect/>
+          </a:stretch>
+        </p:blipFill>
+        <p:spPr>
+          <a:xfrm>
+            <a:off x="813768" y="2196849"/>
+            <a:ext cx="10210800" cy="3057525"/>
+          </a:xfrm>
+          <a:prstGeom prst="rect">
+            <a:avLst/>
+          </a:prstGeom>
+        </p:spPr>
+      </p:pic>
     </p:spTree>
     <p:extLst>
       <p:ext uri="{BB962C8B-B14F-4D97-AF65-F5344CB8AC3E}">
-        <p14:creationId xmlns:p14="http://schemas.microsoft.com/office/powerpoint/2010/main" val="3783938154"/>
+        <p14:creationId xmlns:p14="http://schemas.microsoft.com/office/powerpoint/2010/main" val="3442045079"/>
       </p:ext>
     </p:extLst>
   </p:cSld>
@@ -14412,13 +14576,6 @@
     <a:masterClrMapping/>
   </p:clrMapOvr>
   <p:transition/>
-  <p:timing>
-    <p:tnLst>
-      <p:par>
-        <p:cTn id="1" dur="indefinite" restart="never" nodeType="tmRoot"/>
-      </p:par>
-    </p:tnLst>
-  </p:timing>
 </p:sld>
 </file>
 
@@ -14441,7 +14598,7 @@
       </p:grpSpPr>
       <p:sp>
         <p:nvSpPr>
-          <p:cNvPr id="2" name="Title 1"/>
+          <p:cNvPr id="2" name="标题 1"/>
           <p:cNvSpPr>
             <a:spLocks noGrp="1"/>
           </p:cNvSpPr>
@@ -14455,16 +14612,18 @@
           <a:lstStyle/>
           <a:p>
             <a:r>
-              <a:rPr lang="en-US" dirty="0" smtClean="0"/>
-              <a:t>Thank You</a:t>
-            </a:r>
-            <a:endParaRPr lang="en-US" dirty="0"/>
+              <a:rPr lang="zh-CN" altLang="en-US" dirty="0">
+                <a:latin typeface="微软雅黑" panose="020B0503020204020204" pitchFamily="34" charset="-122"/>
+                <a:ea typeface="微软雅黑" panose="020B0503020204020204" pitchFamily="34" charset="-122"/>
+              </a:rPr>
+              <a:t>多线程调试面临的问题</a:t>
+            </a:r>
           </a:p>
         </p:txBody>
       </p:sp>
       <p:sp>
         <p:nvSpPr>
-          <p:cNvPr id="3" name="Content Placeholder 2"/>
+          <p:cNvPr id="3" name="内容占位符 2"/>
           <p:cNvSpPr>
             <a:spLocks noGrp="1"/>
           </p:cNvSpPr>
@@ -14472,60 +14631,105 @@
             <p:ph idx="1"/>
           </p:nvPr>
         </p:nvSpPr>
-        <p:spPr>
-          <a:xfrm>
-            <a:off x="2616200" y="3284533"/>
-            <a:ext cx="7772400" cy="2012859"/>
-          </a:xfrm>
-        </p:spPr>
+        <p:spPr/>
         <p:txBody>
           <a:bodyPr/>
           <a:lstStyle/>
           <a:p>
+            <a:r>
+              <a:rPr lang="zh-CN" altLang="en-US" dirty="0">
+                <a:latin typeface="微软雅黑" panose="020B0503020204020204" pitchFamily="34" charset="-122"/>
+                <a:ea typeface="微软雅黑" panose="020B0503020204020204" pitchFamily="34" charset="-122"/>
+              </a:rPr>
+              <a:t>变量被其他线程修改</a:t>
+            </a:r>
+            <a:endParaRPr lang="en-US" altLang="zh-CN" dirty="0">
+              <a:latin typeface="微软雅黑" panose="020B0503020204020204" pitchFamily="34" charset="-122"/>
+              <a:ea typeface="微软雅黑" panose="020B0503020204020204" pitchFamily="34" charset="-122"/>
+            </a:endParaRPr>
+          </a:p>
+          <a:p>
+            <a:r>
+              <a:rPr lang="zh-CN" altLang="en-US" dirty="0">
+                <a:latin typeface="微软雅黑" panose="020B0503020204020204" pitchFamily="34" charset="-122"/>
+                <a:ea typeface="微软雅黑" panose="020B0503020204020204" pitchFamily="34" charset="-122"/>
+              </a:rPr>
+              <a:t>线程因为停顿太久，被监控程序终止</a:t>
+            </a:r>
+            <a:endParaRPr lang="en-US" altLang="zh-CN" dirty="0">
+              <a:latin typeface="微软雅黑" panose="020B0503020204020204" pitchFamily="34" charset="-122"/>
+              <a:ea typeface="微软雅黑" panose="020B0503020204020204" pitchFamily="34" charset="-122"/>
+            </a:endParaRPr>
+          </a:p>
+          <a:p>
+            <a:r>
+              <a:rPr lang="zh-CN" altLang="en-US" dirty="0">
+                <a:latin typeface="微软雅黑" panose="020B0503020204020204" pitchFamily="34" charset="-122"/>
+                <a:ea typeface="微软雅黑" panose="020B0503020204020204" pitchFamily="34" charset="-122"/>
+              </a:rPr>
+              <a:t>单步执行时，其他线程断点触发</a:t>
+            </a:r>
+            <a:endParaRPr lang="en-US" altLang="zh-CN" dirty="0">
+              <a:latin typeface="微软雅黑" panose="020B0503020204020204" pitchFamily="34" charset="-122"/>
+              <a:ea typeface="微软雅黑" panose="020B0503020204020204" pitchFamily="34" charset="-122"/>
+            </a:endParaRPr>
+          </a:p>
+          <a:p>
+            <a:pPr marL="0" indent="0">
+              <a:buNone/>
+            </a:pPr>
+            <a:endParaRPr lang="en-US" altLang="zh-CN" dirty="0">
+              <a:latin typeface="微软雅黑" panose="020B0503020204020204" pitchFamily="34" charset="-122"/>
+              <a:ea typeface="微软雅黑" panose="020B0503020204020204" pitchFamily="34" charset="-122"/>
+            </a:endParaRPr>
+          </a:p>
+          <a:p>
+            <a:endParaRPr lang="zh-CN" altLang="en-US" dirty="0">
+              <a:latin typeface="微软雅黑" panose="020B0503020204020204" pitchFamily="34" charset="-122"/>
+              <a:ea typeface="微软雅黑" panose="020B0503020204020204" pitchFamily="34" charset="-122"/>
+            </a:endParaRPr>
+          </a:p>
+        </p:txBody>
+      </p:sp>
+      <p:sp>
+        <p:nvSpPr>
+          <p:cNvPr id="4" name="灯片编号占位符 3"/>
+          <p:cNvSpPr>
+            <a:spLocks noGrp="1"/>
+          </p:cNvSpPr>
+          <p:nvPr>
+            <p:ph type="sldNum" sz="quarter" idx="10"/>
+          </p:nvPr>
+        </p:nvSpPr>
+        <p:spPr/>
+        <p:txBody>
+          <a:bodyPr/>
+          <a:lstStyle/>
+          <a:p>
             <a:pPr>
-              <a:spcBef>
-                <a:spcPct val="0"/>
-              </a:spcBef>
+              <a:defRPr/>
             </a:pPr>
-            <a:r>
-              <a:rPr lang="en-US" altLang="en-US" dirty="0"/>
-              <a:t>For questions or suggestions:</a:t>
-            </a:r>
-          </a:p>
-          <a:p>
-            <a:pPr>
-              <a:spcBef>
-                <a:spcPct val="0"/>
-              </a:spcBef>
-            </a:pPr>
-            <a:r>
-              <a:rPr lang="en-US" altLang="en-US" dirty="0" smtClean="0"/>
-              <a:t>Liu </a:t>
-            </a:r>
-            <a:r>
-              <a:rPr lang="en-US" altLang="en-US" dirty="0" err="1" smtClean="0"/>
-              <a:t>Jie</a:t>
-            </a:r>
-            <a:endParaRPr lang="en-US" altLang="en-US" dirty="0"/>
-          </a:p>
-          <a:p>
-            <a:pPr>
-              <a:spcBef>
-                <a:spcPct val="0"/>
-              </a:spcBef>
-            </a:pPr>
-            <a:r>
-              <a:rPr lang="en-US" altLang="en-US" dirty="0" smtClean="0"/>
-              <a:t>jieliu@thoughtworks.com</a:t>
-            </a:r>
-            <a:endParaRPr lang="en-US" altLang="en-US" dirty="0"/>
+            <a:fld id="{CEF9D3E2-3262-F641-AB24-FF4A39ED94B6}" type="slidenum">
+              <a:rPr lang="en-US" smtClean="0">
+                <a:latin typeface="微软雅黑" panose="020B0503020204020204" pitchFamily="34" charset="-122"/>
+                <a:ea typeface="微软雅黑" panose="020B0503020204020204" pitchFamily="34" charset="-122"/>
+              </a:rPr>
+              <a:pPr>
+                <a:defRPr/>
+              </a:pPr>
+              <a:t>16</a:t>
+            </a:fld>
+            <a:endParaRPr lang="en-US">
+              <a:latin typeface="微软雅黑" panose="020B0503020204020204" pitchFamily="34" charset="-122"/>
+              <a:ea typeface="微软雅黑" panose="020B0503020204020204" pitchFamily="34" charset="-122"/>
+            </a:endParaRPr>
           </a:p>
         </p:txBody>
       </p:sp>
     </p:spTree>
     <p:extLst>
       <p:ext uri="{BB962C8B-B14F-4D97-AF65-F5344CB8AC3E}">
-        <p14:creationId xmlns:p14="http://schemas.microsoft.com/office/powerpoint/2010/main" val="1527050707"/>
+        <p14:creationId xmlns:p14="http://schemas.microsoft.com/office/powerpoint/2010/main" val="993109274"/>
       </p:ext>
     </p:extLst>
   </p:cSld>
@@ -14533,13 +14737,795 @@
     <a:masterClrMapping/>
   </p:clrMapOvr>
   <p:transition/>
-  <p:timing>
-    <p:tnLst>
-      <p:par>
-        <p:cTn id="1" dur="indefinite" restart="never" nodeType="tmRoot"/>
-      </p:par>
-    </p:tnLst>
-  </p:timing>
+</p:sld>
+</file>
+
+<file path=ppt/slides/slide17.xml><?xml version="1.0" encoding="utf-8"?>
+<p:sld xmlns:a="http://schemas.openxmlformats.org/drawingml/2006/main" xmlns:r="http://schemas.openxmlformats.org/officeDocument/2006/relationships" xmlns:p="http://schemas.openxmlformats.org/presentationml/2006/main">
+  <p:cSld>
+    <p:spTree>
+      <p:nvGrpSpPr>
+        <p:cNvPr id="1" name=""/>
+        <p:cNvGrpSpPr/>
+        <p:nvPr/>
+      </p:nvGrpSpPr>
+      <p:grpSpPr>
+        <a:xfrm>
+          <a:off x="0" y="0"/>
+          <a:ext cx="0" cy="0"/>
+          <a:chOff x="0" y="0"/>
+          <a:chExt cx="0" cy="0"/>
+        </a:xfrm>
+      </p:grpSpPr>
+      <p:sp>
+        <p:nvSpPr>
+          <p:cNvPr id="2" name="标题 1"/>
+          <p:cNvSpPr>
+            <a:spLocks noGrp="1"/>
+          </p:cNvSpPr>
+          <p:nvPr>
+            <p:ph type="title"/>
+          </p:nvPr>
+        </p:nvSpPr>
+        <p:spPr/>
+        <p:txBody>
+          <a:bodyPr/>
+          <a:lstStyle/>
+          <a:p>
+            <a:r>
+              <a:rPr lang="en-US" altLang="zh-CN" dirty="0">
+                <a:latin typeface="微软雅黑" panose="020B0503020204020204" pitchFamily="34" charset="-122"/>
+                <a:ea typeface="微软雅黑" panose="020B0503020204020204" pitchFamily="34" charset="-122"/>
+              </a:rPr>
+              <a:t>GDB</a:t>
+            </a:r>
+            <a:r>
+              <a:rPr lang="zh-CN" altLang="en-US" dirty="0">
+                <a:latin typeface="微软雅黑" panose="020B0503020204020204" pitchFamily="34" charset="-122"/>
+                <a:ea typeface="微软雅黑" panose="020B0503020204020204" pitchFamily="34" charset="-122"/>
+              </a:rPr>
+              <a:t>线程运行的两种模式</a:t>
+            </a:r>
+          </a:p>
+        </p:txBody>
+      </p:sp>
+      <p:sp>
+        <p:nvSpPr>
+          <p:cNvPr id="3" name="内容占位符 2"/>
+          <p:cNvSpPr>
+            <a:spLocks noGrp="1"/>
+          </p:cNvSpPr>
+          <p:nvPr>
+            <p:ph idx="1"/>
+          </p:nvPr>
+        </p:nvSpPr>
+        <p:spPr/>
+        <p:txBody>
+          <a:bodyPr/>
+          <a:lstStyle/>
+          <a:p>
+            <a:r>
+              <a:rPr lang="en-US" altLang="zh-CN" dirty="0">
+                <a:latin typeface="微软雅黑" panose="020B0503020204020204" pitchFamily="34" charset="-122"/>
+                <a:ea typeface="微软雅黑" panose="020B0503020204020204" pitchFamily="34" charset="-122"/>
+              </a:rPr>
+              <a:t>All-stop</a:t>
+            </a:r>
+          </a:p>
+          <a:p>
+            <a:r>
+              <a:rPr lang="en-US" altLang="zh-CN" dirty="0">
+                <a:latin typeface="微软雅黑" panose="020B0503020204020204" pitchFamily="34" charset="-122"/>
+                <a:ea typeface="微软雅黑" panose="020B0503020204020204" pitchFamily="34" charset="-122"/>
+              </a:rPr>
+              <a:t>Non-stop</a:t>
+            </a:r>
+            <a:endParaRPr lang="zh-CN" altLang="en-US" dirty="0">
+              <a:latin typeface="微软雅黑" panose="020B0503020204020204" pitchFamily="34" charset="-122"/>
+              <a:ea typeface="微软雅黑" panose="020B0503020204020204" pitchFamily="34" charset="-122"/>
+            </a:endParaRPr>
+          </a:p>
+        </p:txBody>
+      </p:sp>
+      <p:sp>
+        <p:nvSpPr>
+          <p:cNvPr id="4" name="灯片编号占位符 3"/>
+          <p:cNvSpPr>
+            <a:spLocks noGrp="1"/>
+          </p:cNvSpPr>
+          <p:nvPr>
+            <p:ph type="sldNum" sz="quarter" idx="10"/>
+          </p:nvPr>
+        </p:nvSpPr>
+        <p:spPr/>
+        <p:txBody>
+          <a:bodyPr/>
+          <a:lstStyle/>
+          <a:p>
+            <a:pPr>
+              <a:defRPr/>
+            </a:pPr>
+            <a:fld id="{CEF9D3E2-3262-F641-AB24-FF4A39ED94B6}" type="slidenum">
+              <a:rPr lang="en-US" smtClean="0">
+                <a:latin typeface="微软雅黑" panose="020B0503020204020204" pitchFamily="34" charset="-122"/>
+                <a:ea typeface="微软雅黑" panose="020B0503020204020204" pitchFamily="34" charset="-122"/>
+              </a:rPr>
+              <a:pPr>
+                <a:defRPr/>
+              </a:pPr>
+              <a:t>17</a:t>
+            </a:fld>
+            <a:endParaRPr lang="en-US">
+              <a:latin typeface="微软雅黑" panose="020B0503020204020204" pitchFamily="34" charset="-122"/>
+              <a:ea typeface="微软雅黑" panose="020B0503020204020204" pitchFamily="34" charset="-122"/>
+            </a:endParaRPr>
+          </a:p>
+        </p:txBody>
+      </p:sp>
+    </p:spTree>
+    <p:extLst>
+      <p:ext uri="{BB962C8B-B14F-4D97-AF65-F5344CB8AC3E}">
+        <p14:creationId xmlns:p14="http://schemas.microsoft.com/office/powerpoint/2010/main" val="595317827"/>
+      </p:ext>
+    </p:extLst>
+  </p:cSld>
+  <p:clrMapOvr>
+    <a:masterClrMapping/>
+  </p:clrMapOvr>
+  <p:transition/>
+</p:sld>
+</file>
+
+<file path=ppt/slides/slide18.xml><?xml version="1.0" encoding="utf-8"?>
+<p:sld xmlns:a="http://schemas.openxmlformats.org/drawingml/2006/main" xmlns:r="http://schemas.openxmlformats.org/officeDocument/2006/relationships" xmlns:p="http://schemas.openxmlformats.org/presentationml/2006/main">
+  <p:cSld>
+    <p:spTree>
+      <p:nvGrpSpPr>
+        <p:cNvPr id="1" name=""/>
+        <p:cNvGrpSpPr/>
+        <p:nvPr/>
+      </p:nvGrpSpPr>
+      <p:grpSpPr>
+        <a:xfrm>
+          <a:off x="0" y="0"/>
+          <a:ext cx="0" cy="0"/>
+          <a:chOff x="0" y="0"/>
+          <a:chExt cx="0" cy="0"/>
+        </a:xfrm>
+      </p:grpSpPr>
+      <p:sp>
+        <p:nvSpPr>
+          <p:cNvPr id="2" name="标题 1"/>
+          <p:cNvSpPr>
+            <a:spLocks noGrp="1"/>
+          </p:cNvSpPr>
+          <p:nvPr>
+            <p:ph type="title"/>
+          </p:nvPr>
+        </p:nvSpPr>
+        <p:spPr/>
+        <p:txBody>
+          <a:bodyPr/>
+          <a:lstStyle/>
+          <a:p>
+            <a:r>
+              <a:rPr lang="en-US" altLang="zh-CN" dirty="0">
+                <a:latin typeface="微软雅黑" panose="020B0503020204020204" pitchFamily="34" charset="-122"/>
+                <a:ea typeface="微软雅黑" panose="020B0503020204020204" pitchFamily="34" charset="-122"/>
+              </a:rPr>
+              <a:t>All-stop mode</a:t>
+            </a:r>
+            <a:endParaRPr lang="zh-CN" altLang="en-US" dirty="0">
+              <a:latin typeface="微软雅黑" panose="020B0503020204020204" pitchFamily="34" charset="-122"/>
+              <a:ea typeface="微软雅黑" panose="020B0503020204020204" pitchFamily="34" charset="-122"/>
+            </a:endParaRPr>
+          </a:p>
+        </p:txBody>
+      </p:sp>
+      <p:sp>
+        <p:nvSpPr>
+          <p:cNvPr id="3" name="内容占位符 2"/>
+          <p:cNvSpPr>
+            <a:spLocks noGrp="1"/>
+          </p:cNvSpPr>
+          <p:nvPr>
+            <p:ph idx="1"/>
+          </p:nvPr>
+        </p:nvSpPr>
+        <p:spPr/>
+        <p:txBody>
+          <a:bodyPr/>
+          <a:lstStyle/>
+          <a:p>
+            <a:r>
+              <a:rPr lang="en-US" altLang="zh-CN" dirty="0">
+                <a:latin typeface="微软雅黑" panose="020B0503020204020204" pitchFamily="34" charset="-122"/>
+                <a:ea typeface="微软雅黑" panose="020B0503020204020204" pitchFamily="34" charset="-122"/>
+              </a:rPr>
+              <a:t>All-Stop Mode</a:t>
+            </a:r>
+            <a:r>
+              <a:rPr lang="zh-CN" altLang="en-US" dirty="0">
+                <a:latin typeface="微软雅黑" panose="020B0503020204020204" pitchFamily="34" charset="-122"/>
+                <a:ea typeface="微软雅黑" panose="020B0503020204020204" pitchFamily="34" charset="-122"/>
+              </a:rPr>
+              <a:t>：被调试的线程断住时，其他的线程也会断住，当执行</a:t>
+            </a:r>
+            <a:r>
+              <a:rPr lang="en-US" altLang="zh-CN" dirty="0">
+                <a:latin typeface="微软雅黑" panose="020B0503020204020204" pitchFamily="34" charset="-122"/>
+                <a:ea typeface="微软雅黑" panose="020B0503020204020204" pitchFamily="34" charset="-122"/>
+              </a:rPr>
+              <a:t>step, next, continue</a:t>
+            </a:r>
+            <a:r>
+              <a:rPr lang="zh-CN" altLang="en-US" dirty="0">
+                <a:latin typeface="微软雅黑" panose="020B0503020204020204" pitchFamily="34" charset="-122"/>
+                <a:ea typeface="微软雅黑" panose="020B0503020204020204" pitchFamily="34" charset="-122"/>
+              </a:rPr>
+              <a:t>时候，根据不同的设置会有不同的表现。</a:t>
+            </a:r>
+            <a:endParaRPr lang="en-US" altLang="zh-CN" dirty="0">
+              <a:latin typeface="微软雅黑" panose="020B0503020204020204" pitchFamily="34" charset="-122"/>
+              <a:ea typeface="微软雅黑" panose="020B0503020204020204" pitchFamily="34" charset="-122"/>
+            </a:endParaRPr>
+          </a:p>
+          <a:p>
+            <a:pPr marL="0" indent="0">
+              <a:buNone/>
+            </a:pPr>
+            <a:r>
+              <a:rPr lang="en-US" altLang="zh-CN" dirty="0">
+                <a:latin typeface="微软雅黑" panose="020B0503020204020204" pitchFamily="34" charset="-122"/>
+                <a:ea typeface="微软雅黑" panose="020B0503020204020204" pitchFamily="34" charset="-122"/>
+              </a:rPr>
+              <a:t>			</a:t>
+            </a:r>
+            <a:r>
+              <a:rPr lang="en-US" altLang="zh-CN" dirty="0">
+                <a:solidFill>
+                  <a:srgbClr val="FF0000"/>
+                </a:solidFill>
+                <a:latin typeface="微软雅黑" panose="020B0503020204020204" pitchFamily="34" charset="-122"/>
+                <a:ea typeface="微软雅黑" panose="020B0503020204020204" pitchFamily="34" charset="-122"/>
+              </a:rPr>
+              <a:t>set </a:t>
+            </a:r>
+            <a:r>
+              <a:rPr lang="en-US" altLang="zh-CN" b="1" dirty="0">
+                <a:solidFill>
+                  <a:srgbClr val="FF0000"/>
+                </a:solidFill>
+                <a:latin typeface="微软雅黑" panose="020B0503020204020204" pitchFamily="34" charset="-122"/>
+                <a:ea typeface="微软雅黑" panose="020B0503020204020204" pitchFamily="34" charset="-122"/>
+              </a:rPr>
+              <a:t>scheduler-locking</a:t>
+            </a:r>
+            <a:r>
+              <a:rPr lang="en-US" altLang="zh-CN" dirty="0">
+                <a:solidFill>
+                  <a:srgbClr val="FF0000"/>
+                </a:solidFill>
+                <a:latin typeface="微软雅黑" panose="020B0503020204020204" pitchFamily="34" charset="-122"/>
+                <a:ea typeface="微软雅黑" panose="020B0503020204020204" pitchFamily="34" charset="-122"/>
+              </a:rPr>
+              <a:t> [</a:t>
+            </a:r>
+            <a:r>
+              <a:rPr lang="en-US" altLang="zh-CN" dirty="0" err="1">
+                <a:solidFill>
+                  <a:srgbClr val="FF0000"/>
+                </a:solidFill>
+                <a:latin typeface="微软雅黑" panose="020B0503020204020204" pitchFamily="34" charset="-122"/>
+                <a:ea typeface="微软雅黑" panose="020B0503020204020204" pitchFamily="34" charset="-122"/>
+              </a:rPr>
+              <a:t>on|off|step</a:t>
+            </a:r>
+            <a:r>
+              <a:rPr lang="en-US" altLang="zh-CN" dirty="0">
+                <a:solidFill>
+                  <a:srgbClr val="FF0000"/>
+                </a:solidFill>
+                <a:latin typeface="微软雅黑" panose="020B0503020204020204" pitchFamily="34" charset="-122"/>
+                <a:ea typeface="微软雅黑" panose="020B0503020204020204" pitchFamily="34" charset="-122"/>
+              </a:rPr>
+              <a:t>]</a:t>
+            </a:r>
+          </a:p>
+          <a:p>
+            <a:pPr marL="0" indent="0">
+              <a:buNone/>
+            </a:pPr>
+            <a:endParaRPr lang="en-US" altLang="zh-CN" dirty="0">
+              <a:latin typeface="微软雅黑" panose="020B0503020204020204" pitchFamily="34" charset="-122"/>
+              <a:ea typeface="微软雅黑" panose="020B0503020204020204" pitchFamily="34" charset="-122"/>
+            </a:endParaRPr>
+          </a:p>
+          <a:p>
+            <a:r>
+              <a:rPr lang="en-US" altLang="zh-CN" dirty="0">
+                <a:latin typeface="微软雅黑" panose="020B0503020204020204" pitchFamily="34" charset="-122"/>
+                <a:ea typeface="微软雅黑" panose="020B0503020204020204" pitchFamily="34" charset="-122"/>
+              </a:rPr>
+              <a:t>off </a:t>
+            </a:r>
+            <a:r>
+              <a:rPr lang="zh-CN" altLang="en-US" dirty="0">
+                <a:latin typeface="微软雅黑" panose="020B0503020204020204" pitchFamily="34" charset="-122"/>
+                <a:ea typeface="微软雅黑" panose="020B0503020204020204" pitchFamily="34" charset="-122"/>
+              </a:rPr>
+              <a:t>不锁定，当</a:t>
+            </a:r>
+            <a:r>
+              <a:rPr lang="en-US" altLang="zh-CN" dirty="0">
+                <a:latin typeface="微软雅黑" panose="020B0503020204020204" pitchFamily="34" charset="-122"/>
+                <a:ea typeface="微软雅黑" panose="020B0503020204020204" pitchFamily="34" charset="-122"/>
+              </a:rPr>
+              <a:t>step, next</a:t>
+            </a:r>
+            <a:r>
+              <a:rPr lang="zh-CN" altLang="en-US" dirty="0">
+                <a:latin typeface="微软雅黑" panose="020B0503020204020204" pitchFamily="34" charset="-122"/>
+                <a:ea typeface="微软雅黑" panose="020B0503020204020204" pitchFamily="34" charset="-122"/>
+              </a:rPr>
+              <a:t>时候其他线程会被调度</a:t>
+            </a:r>
+            <a:endParaRPr lang="en-US" altLang="zh-CN" dirty="0">
+              <a:latin typeface="微软雅黑" panose="020B0503020204020204" pitchFamily="34" charset="-122"/>
+              <a:ea typeface="微软雅黑" panose="020B0503020204020204" pitchFamily="34" charset="-122"/>
+            </a:endParaRPr>
+          </a:p>
+          <a:p>
+            <a:r>
+              <a:rPr lang="en-US" altLang="zh-CN" dirty="0">
+                <a:latin typeface="微软雅黑" panose="020B0503020204020204" pitchFamily="34" charset="-122"/>
+                <a:ea typeface="微软雅黑" panose="020B0503020204020204" pitchFamily="34" charset="-122"/>
+              </a:rPr>
+              <a:t>on </a:t>
+            </a:r>
+            <a:r>
+              <a:rPr lang="zh-CN" altLang="en-US" dirty="0">
+                <a:latin typeface="微软雅黑" panose="020B0503020204020204" pitchFamily="34" charset="-122"/>
+                <a:ea typeface="微软雅黑" panose="020B0503020204020204" pitchFamily="34" charset="-122"/>
+              </a:rPr>
+              <a:t>锁定，只有当前线程可以被调度</a:t>
+            </a:r>
+            <a:endParaRPr lang="en-US" altLang="zh-CN" dirty="0">
+              <a:latin typeface="微软雅黑" panose="020B0503020204020204" pitchFamily="34" charset="-122"/>
+              <a:ea typeface="微软雅黑" panose="020B0503020204020204" pitchFamily="34" charset="-122"/>
+            </a:endParaRPr>
+          </a:p>
+          <a:p>
+            <a:r>
+              <a:rPr lang="en-US" altLang="zh-CN" dirty="0">
+                <a:latin typeface="微软雅黑" panose="020B0503020204020204" pitchFamily="34" charset="-122"/>
+                <a:ea typeface="微软雅黑" panose="020B0503020204020204" pitchFamily="34" charset="-122"/>
+              </a:rPr>
+              <a:t>step </a:t>
+            </a:r>
+            <a:r>
+              <a:rPr lang="zh-CN" altLang="en-US" dirty="0">
+                <a:latin typeface="微软雅黑" panose="020B0503020204020204" pitchFamily="34" charset="-122"/>
+                <a:ea typeface="微软雅黑" panose="020B0503020204020204" pitchFamily="34" charset="-122"/>
+              </a:rPr>
+              <a:t>单步的时候锁定，执行函数的时候其他线程可以得到执行，</a:t>
+            </a:r>
+            <a:r>
+              <a:rPr lang="en-US" altLang="zh-CN" dirty="0">
+                <a:latin typeface="微软雅黑" panose="020B0503020204020204" pitchFamily="34" charset="-122"/>
+                <a:ea typeface="微软雅黑" panose="020B0503020204020204" pitchFamily="34" charset="-122"/>
+              </a:rPr>
+              <a:t>continue</a:t>
+            </a:r>
+            <a:r>
+              <a:rPr lang="zh-CN" altLang="en-US" dirty="0">
+                <a:latin typeface="微软雅黑" panose="020B0503020204020204" pitchFamily="34" charset="-122"/>
+                <a:ea typeface="微软雅黑" panose="020B0503020204020204" pitchFamily="34" charset="-122"/>
+              </a:rPr>
+              <a:t>的时候其他线程可以完全执行。</a:t>
+            </a:r>
+            <a:endParaRPr lang="en-US" altLang="zh-CN" dirty="0">
+              <a:latin typeface="微软雅黑" panose="020B0503020204020204" pitchFamily="34" charset="-122"/>
+              <a:ea typeface="微软雅黑" panose="020B0503020204020204" pitchFamily="34" charset="-122"/>
+            </a:endParaRPr>
+          </a:p>
+        </p:txBody>
+      </p:sp>
+      <p:sp>
+        <p:nvSpPr>
+          <p:cNvPr id="4" name="灯片编号占位符 3"/>
+          <p:cNvSpPr>
+            <a:spLocks noGrp="1"/>
+          </p:cNvSpPr>
+          <p:nvPr>
+            <p:ph type="sldNum" sz="quarter" idx="10"/>
+          </p:nvPr>
+        </p:nvSpPr>
+        <p:spPr/>
+        <p:txBody>
+          <a:bodyPr/>
+          <a:lstStyle/>
+          <a:p>
+            <a:pPr>
+              <a:defRPr/>
+            </a:pPr>
+            <a:fld id="{CEF9D3E2-3262-F641-AB24-FF4A39ED94B6}" type="slidenum">
+              <a:rPr lang="en-US" smtClean="0">
+                <a:latin typeface="微软雅黑" panose="020B0503020204020204" pitchFamily="34" charset="-122"/>
+                <a:ea typeface="微软雅黑" panose="020B0503020204020204" pitchFamily="34" charset="-122"/>
+              </a:rPr>
+              <a:pPr>
+                <a:defRPr/>
+              </a:pPr>
+              <a:t>18</a:t>
+            </a:fld>
+            <a:endParaRPr lang="en-US">
+              <a:latin typeface="微软雅黑" panose="020B0503020204020204" pitchFamily="34" charset="-122"/>
+              <a:ea typeface="微软雅黑" panose="020B0503020204020204" pitchFamily="34" charset="-122"/>
+            </a:endParaRPr>
+          </a:p>
+        </p:txBody>
+      </p:sp>
+    </p:spTree>
+    <p:extLst>
+      <p:ext uri="{BB962C8B-B14F-4D97-AF65-F5344CB8AC3E}">
+        <p14:creationId xmlns:p14="http://schemas.microsoft.com/office/powerpoint/2010/main" val="1098989213"/>
+      </p:ext>
+    </p:extLst>
+  </p:cSld>
+  <p:clrMapOvr>
+    <a:masterClrMapping/>
+  </p:clrMapOvr>
+  <p:transition/>
+</p:sld>
+</file>
+
+<file path=ppt/slides/slide19.xml><?xml version="1.0" encoding="utf-8"?>
+<p:sld xmlns:a="http://schemas.openxmlformats.org/drawingml/2006/main" xmlns:r="http://schemas.openxmlformats.org/officeDocument/2006/relationships" xmlns:p="http://schemas.openxmlformats.org/presentationml/2006/main">
+  <p:cSld>
+    <p:spTree>
+      <p:nvGrpSpPr>
+        <p:cNvPr id="1" name=""/>
+        <p:cNvGrpSpPr/>
+        <p:nvPr/>
+      </p:nvGrpSpPr>
+      <p:grpSpPr>
+        <a:xfrm>
+          <a:off x="0" y="0"/>
+          <a:ext cx="0" cy="0"/>
+          <a:chOff x="0" y="0"/>
+          <a:chExt cx="0" cy="0"/>
+        </a:xfrm>
+      </p:grpSpPr>
+      <p:sp>
+        <p:nvSpPr>
+          <p:cNvPr id="2" name="标题 1"/>
+          <p:cNvSpPr>
+            <a:spLocks noGrp="1"/>
+          </p:cNvSpPr>
+          <p:nvPr>
+            <p:ph type="title"/>
+          </p:nvPr>
+        </p:nvSpPr>
+        <p:spPr/>
+        <p:txBody>
+          <a:bodyPr/>
+          <a:lstStyle/>
+          <a:p>
+            <a:r>
+              <a:rPr lang="en-US" altLang="zh-CN" dirty="0">
+                <a:latin typeface="微软雅黑" panose="020B0503020204020204" pitchFamily="34" charset="-122"/>
+                <a:ea typeface="微软雅黑" panose="020B0503020204020204" pitchFamily="34" charset="-122"/>
+              </a:rPr>
+              <a:t>Non-stop</a:t>
+            </a:r>
+            <a:r>
+              <a:rPr lang="zh-CN" altLang="en-US" dirty="0">
+                <a:latin typeface="微软雅黑" panose="020B0503020204020204" pitchFamily="34" charset="-122"/>
+                <a:ea typeface="微软雅黑" panose="020B0503020204020204" pitchFamily="34" charset="-122"/>
+              </a:rPr>
+              <a:t>模式</a:t>
+            </a:r>
+          </a:p>
+        </p:txBody>
+      </p:sp>
+      <p:sp>
+        <p:nvSpPr>
+          <p:cNvPr id="3" name="内容占位符 2"/>
+          <p:cNvSpPr>
+            <a:spLocks noGrp="1"/>
+          </p:cNvSpPr>
+          <p:nvPr>
+            <p:ph idx="1"/>
+          </p:nvPr>
+        </p:nvSpPr>
+        <p:spPr/>
+        <p:txBody>
+          <a:bodyPr/>
+          <a:lstStyle/>
+          <a:p>
+            <a:r>
+              <a:rPr lang="en-US" altLang="zh-CN" dirty="0">
+                <a:latin typeface="微软雅黑" panose="020B0503020204020204" pitchFamily="34" charset="-122"/>
+                <a:ea typeface="微软雅黑" panose="020B0503020204020204" pitchFamily="34" charset="-122"/>
+              </a:rPr>
+              <a:t>Non-Stop Mode: </a:t>
+            </a:r>
+            <a:r>
+              <a:rPr lang="zh-CN" altLang="en-US" dirty="0">
+                <a:latin typeface="微软雅黑" panose="020B0503020204020204" pitchFamily="34" charset="-122"/>
+                <a:ea typeface="微软雅黑" panose="020B0503020204020204" pitchFamily="34" charset="-122"/>
+              </a:rPr>
+              <a:t>只有被调试的线程会受到影响，其他线程会继续执行。</a:t>
+            </a:r>
+            <a:endParaRPr lang="en-US" altLang="zh-CN" dirty="0">
+              <a:latin typeface="微软雅黑" panose="020B0503020204020204" pitchFamily="34" charset="-122"/>
+              <a:ea typeface="微软雅黑" panose="020B0503020204020204" pitchFamily="34" charset="-122"/>
+            </a:endParaRPr>
+          </a:p>
+          <a:p>
+            <a:pPr marL="0" indent="0" algn="ctr">
+              <a:buNone/>
+            </a:pPr>
+            <a:r>
+              <a:rPr lang="en-US" altLang="zh-CN" dirty="0">
+                <a:solidFill>
+                  <a:srgbClr val="FF0000"/>
+                </a:solidFill>
+                <a:latin typeface="微软雅黑" panose="020B0503020204020204" pitchFamily="34" charset="-122"/>
+                <a:ea typeface="微软雅黑" panose="020B0503020204020204" pitchFamily="34" charset="-122"/>
+              </a:rPr>
+              <a:t>set </a:t>
+            </a:r>
+            <a:r>
+              <a:rPr lang="en-US" altLang="zh-CN" b="1" dirty="0">
+                <a:solidFill>
+                  <a:srgbClr val="FF0000"/>
+                </a:solidFill>
+                <a:latin typeface="微软雅黑" panose="020B0503020204020204" pitchFamily="34" charset="-122"/>
+                <a:ea typeface="微软雅黑" panose="020B0503020204020204" pitchFamily="34" charset="-122"/>
+              </a:rPr>
+              <a:t>non-stop</a:t>
+            </a:r>
+            <a:r>
+              <a:rPr lang="en-US" altLang="zh-CN" dirty="0">
+                <a:solidFill>
+                  <a:srgbClr val="FF0000"/>
+                </a:solidFill>
+                <a:latin typeface="微软雅黑" panose="020B0503020204020204" pitchFamily="34" charset="-122"/>
+                <a:ea typeface="微软雅黑" panose="020B0503020204020204" pitchFamily="34" charset="-122"/>
+              </a:rPr>
+              <a:t> [</a:t>
+            </a:r>
+            <a:r>
+              <a:rPr lang="en-US" altLang="zh-CN" dirty="0" err="1">
+                <a:solidFill>
+                  <a:srgbClr val="FF0000"/>
+                </a:solidFill>
+                <a:latin typeface="微软雅黑" panose="020B0503020204020204" pitchFamily="34" charset="-122"/>
+                <a:ea typeface="微软雅黑" panose="020B0503020204020204" pitchFamily="34" charset="-122"/>
+              </a:rPr>
+              <a:t>on|off</a:t>
+            </a:r>
+            <a:r>
+              <a:rPr lang="en-US" altLang="zh-CN" dirty="0">
+                <a:solidFill>
+                  <a:srgbClr val="FF0000"/>
+                </a:solidFill>
+                <a:latin typeface="微软雅黑" panose="020B0503020204020204" pitchFamily="34" charset="-122"/>
+                <a:ea typeface="微软雅黑" panose="020B0503020204020204" pitchFamily="34" charset="-122"/>
+              </a:rPr>
+              <a:t>]</a:t>
+            </a:r>
+          </a:p>
+          <a:p>
+            <a:endParaRPr lang="en-US" altLang="zh-CN" dirty="0">
+              <a:latin typeface="微软雅黑" panose="020B0503020204020204" pitchFamily="34" charset="-122"/>
+              <a:ea typeface="微软雅黑" panose="020B0503020204020204" pitchFamily="34" charset="-122"/>
+            </a:endParaRPr>
+          </a:p>
+          <a:p>
+            <a:r>
+              <a:rPr lang="en-US" altLang="zh-CN" dirty="0">
+                <a:latin typeface="微软雅黑" panose="020B0503020204020204" pitchFamily="34" charset="-122"/>
+                <a:ea typeface="微软雅黑" panose="020B0503020204020204" pitchFamily="34" charset="-122"/>
+              </a:rPr>
+              <a:t>Non-stop</a:t>
+            </a:r>
+            <a:r>
+              <a:rPr lang="zh-CN" altLang="en-US" dirty="0">
+                <a:latin typeface="微软雅黑" panose="020B0503020204020204" pitchFamily="34" charset="-122"/>
+                <a:ea typeface="微软雅黑" panose="020B0503020204020204" pitchFamily="34" charset="-122"/>
+              </a:rPr>
+              <a:t>模式必须在启动调试，或者</a:t>
+            </a:r>
+            <a:r>
+              <a:rPr lang="en-US" altLang="zh-CN" dirty="0">
+                <a:latin typeface="微软雅黑" panose="020B0503020204020204" pitchFamily="34" charset="-122"/>
+                <a:ea typeface="微软雅黑" panose="020B0503020204020204" pitchFamily="34" charset="-122"/>
+              </a:rPr>
+              <a:t>attach</a:t>
+            </a:r>
+            <a:r>
+              <a:rPr lang="zh-CN" altLang="en-US" dirty="0">
+                <a:latin typeface="微软雅黑" panose="020B0503020204020204" pitchFamily="34" charset="-122"/>
+                <a:ea typeface="微软雅黑" panose="020B0503020204020204" pitchFamily="34" charset="-122"/>
+              </a:rPr>
+              <a:t>之前进行设置</a:t>
+            </a:r>
+            <a:endParaRPr lang="en-US" altLang="zh-CN" dirty="0">
+              <a:latin typeface="微软雅黑" panose="020B0503020204020204" pitchFamily="34" charset="-122"/>
+              <a:ea typeface="微软雅黑" panose="020B0503020204020204" pitchFamily="34" charset="-122"/>
+            </a:endParaRPr>
+          </a:p>
+          <a:p>
+            <a:r>
+              <a:rPr lang="en-US" altLang="zh-CN" dirty="0">
+                <a:latin typeface="微软雅黑" panose="020B0503020204020204" pitchFamily="34" charset="-122"/>
+                <a:ea typeface="微软雅黑" panose="020B0503020204020204" pitchFamily="34" charset="-122"/>
+              </a:rPr>
+              <a:t>Non-stop</a:t>
+            </a:r>
+            <a:r>
+              <a:rPr lang="zh-CN" altLang="en-US" dirty="0">
+                <a:latin typeface="微软雅黑" panose="020B0503020204020204" pitchFamily="34" charset="-122"/>
+                <a:ea typeface="微软雅黑" panose="020B0503020204020204" pitchFamily="34" charset="-122"/>
+              </a:rPr>
+              <a:t>几个命令只是建议</a:t>
+            </a:r>
+            <a:r>
+              <a:rPr lang="en-US" altLang="zh-CN" dirty="0" err="1">
+                <a:latin typeface="微软雅黑" panose="020B0503020204020204" pitchFamily="34" charset="-122"/>
+                <a:ea typeface="微软雅黑" panose="020B0503020204020204" pitchFamily="34" charset="-122"/>
+              </a:rPr>
+              <a:t>gdb</a:t>
+            </a:r>
+            <a:r>
+              <a:rPr lang="zh-CN" altLang="en-US" dirty="0">
+                <a:latin typeface="微软雅黑" panose="020B0503020204020204" pitchFamily="34" charset="-122"/>
+                <a:ea typeface="微软雅黑" panose="020B0503020204020204" pitchFamily="34" charset="-122"/>
+              </a:rPr>
+              <a:t>启用</a:t>
+            </a:r>
+            <a:r>
+              <a:rPr lang="en-US" altLang="zh-CN" dirty="0">
+                <a:latin typeface="微软雅黑" panose="020B0503020204020204" pitchFamily="34" charset="-122"/>
+                <a:ea typeface="微软雅黑" panose="020B0503020204020204" pitchFamily="34" charset="-122"/>
+              </a:rPr>
+              <a:t>non-stop</a:t>
+            </a:r>
+            <a:r>
+              <a:rPr lang="zh-CN" altLang="en-US" dirty="0">
+                <a:latin typeface="微软雅黑" panose="020B0503020204020204" pitchFamily="34" charset="-122"/>
+                <a:ea typeface="微软雅黑" panose="020B0503020204020204" pitchFamily="34" charset="-122"/>
+              </a:rPr>
+              <a:t>模式，在</a:t>
+            </a:r>
+            <a:r>
+              <a:rPr lang="en-US" altLang="zh-CN" dirty="0" err="1">
+                <a:latin typeface="微软雅黑" panose="020B0503020204020204" pitchFamily="34" charset="-122"/>
+                <a:ea typeface="微软雅黑" panose="020B0503020204020204" pitchFamily="34" charset="-122"/>
+              </a:rPr>
+              <a:t>gdb</a:t>
+            </a:r>
+            <a:r>
+              <a:rPr lang="zh-CN" altLang="en-US" dirty="0">
+                <a:latin typeface="微软雅黑" panose="020B0503020204020204" pitchFamily="34" charset="-122"/>
+                <a:ea typeface="微软雅黑" panose="020B0503020204020204" pitchFamily="34" charset="-122"/>
+              </a:rPr>
+              <a:t>实际工作的时候可能会发现目标根本不支持这种模式，在这种情况下会退回到</a:t>
+            </a:r>
+            <a:r>
+              <a:rPr lang="en-US" altLang="zh-CN" dirty="0">
+                <a:latin typeface="微软雅黑" panose="020B0503020204020204" pitchFamily="34" charset="-122"/>
+                <a:ea typeface="微软雅黑" panose="020B0503020204020204" pitchFamily="34" charset="-122"/>
+              </a:rPr>
+              <a:t>all-stop</a:t>
+            </a:r>
+            <a:r>
+              <a:rPr lang="zh-CN" altLang="en-US" dirty="0">
+                <a:latin typeface="微软雅黑" panose="020B0503020204020204" pitchFamily="34" charset="-122"/>
+                <a:ea typeface="微软雅黑" panose="020B0503020204020204" pitchFamily="34" charset="-122"/>
+              </a:rPr>
+              <a:t>模式 </a:t>
+            </a:r>
+            <a:endParaRPr lang="en-US" altLang="zh-CN" dirty="0">
+              <a:latin typeface="微软雅黑" panose="020B0503020204020204" pitchFamily="34" charset="-122"/>
+              <a:ea typeface="微软雅黑" panose="020B0503020204020204" pitchFamily="34" charset="-122"/>
+            </a:endParaRPr>
+          </a:p>
+          <a:p>
+            <a:r>
+              <a:rPr lang="zh-CN" altLang="en-US" dirty="0">
+                <a:latin typeface="微软雅黑" panose="020B0503020204020204" pitchFamily="34" charset="-122"/>
+                <a:ea typeface="微软雅黑" panose="020B0503020204020204" pitchFamily="34" charset="-122"/>
+              </a:rPr>
+              <a:t>在</a:t>
+            </a:r>
+            <a:r>
+              <a:rPr lang="en-US" altLang="zh-CN" dirty="0">
+                <a:latin typeface="微软雅黑" panose="020B0503020204020204" pitchFamily="34" charset="-122"/>
+                <a:ea typeface="微软雅黑" panose="020B0503020204020204" pitchFamily="34" charset="-122"/>
+              </a:rPr>
+              <a:t>non-stop</a:t>
+            </a:r>
+            <a:r>
+              <a:rPr lang="zh-CN" altLang="en-US" dirty="0">
+                <a:latin typeface="微软雅黑" panose="020B0503020204020204" pitchFamily="34" charset="-122"/>
+                <a:ea typeface="微软雅黑" panose="020B0503020204020204" pitchFamily="34" charset="-122"/>
+              </a:rPr>
+              <a:t>模式下，所有</a:t>
+            </a:r>
+            <a:r>
+              <a:rPr lang="en-US" altLang="zh-CN" dirty="0" err="1">
+                <a:latin typeface="微软雅黑" panose="020B0503020204020204" pitchFamily="34" charset="-122"/>
+                <a:ea typeface="微软雅黑" panose="020B0503020204020204" pitchFamily="34" charset="-122"/>
+              </a:rPr>
+              <a:t>gdb</a:t>
+            </a:r>
+            <a:r>
+              <a:rPr lang="zh-CN" altLang="en-US" dirty="0">
+                <a:latin typeface="微软雅黑" panose="020B0503020204020204" pitchFamily="34" charset="-122"/>
+                <a:ea typeface="微软雅黑" panose="020B0503020204020204" pitchFamily="34" charset="-122"/>
+              </a:rPr>
+              <a:t>命令只影响当前的线程。如果想让所有线程都执行，可以用</a:t>
+            </a:r>
+            <a:r>
+              <a:rPr lang="en-US" altLang="zh-CN" dirty="0">
+                <a:latin typeface="微软雅黑" panose="020B0503020204020204" pitchFamily="34" charset="-122"/>
+                <a:ea typeface="微软雅黑" panose="020B0503020204020204" pitchFamily="34" charset="-122"/>
+              </a:rPr>
+              <a:t>continue -a</a:t>
+            </a:r>
+          </a:p>
+        </p:txBody>
+      </p:sp>
+      <p:sp>
+        <p:nvSpPr>
+          <p:cNvPr id="4" name="灯片编号占位符 3"/>
+          <p:cNvSpPr>
+            <a:spLocks noGrp="1"/>
+          </p:cNvSpPr>
+          <p:nvPr>
+            <p:ph type="sldNum" sz="quarter" idx="10"/>
+          </p:nvPr>
+        </p:nvSpPr>
+        <p:spPr/>
+        <p:txBody>
+          <a:bodyPr/>
+          <a:lstStyle/>
+          <a:p>
+            <a:pPr>
+              <a:defRPr/>
+            </a:pPr>
+            <a:fld id="{CEF9D3E2-3262-F641-AB24-FF4A39ED94B6}" type="slidenum">
+              <a:rPr lang="en-US" smtClean="0">
+                <a:latin typeface="微软雅黑" panose="020B0503020204020204" pitchFamily="34" charset="-122"/>
+                <a:ea typeface="微软雅黑" panose="020B0503020204020204" pitchFamily="34" charset="-122"/>
+              </a:rPr>
+              <a:pPr>
+                <a:defRPr/>
+              </a:pPr>
+              <a:t>19</a:t>
+            </a:fld>
+            <a:endParaRPr lang="en-US">
+              <a:latin typeface="微软雅黑" panose="020B0503020204020204" pitchFamily="34" charset="-122"/>
+              <a:ea typeface="微软雅黑" panose="020B0503020204020204" pitchFamily="34" charset="-122"/>
+            </a:endParaRPr>
+          </a:p>
+        </p:txBody>
+      </p:sp>
+    </p:spTree>
+    <p:extLst>
+      <p:ext uri="{BB962C8B-B14F-4D97-AF65-F5344CB8AC3E}">
+        <p14:creationId xmlns:p14="http://schemas.microsoft.com/office/powerpoint/2010/main" val="2298736671"/>
+      </p:ext>
+    </p:extLst>
+  </p:cSld>
+  <p:clrMapOvr>
+    <a:masterClrMapping/>
+  </p:clrMapOvr>
+  <p:transition/>
 </p:sld>
 </file>
 
@@ -14576,14 +15562,14 @@
           <a:lstStyle/>
           <a:p>
             <a:r>
-              <a:rPr lang="en-US" altLang="zh-CN" b="1" dirty="0" err="1" smtClean="0">
+              <a:rPr lang="en-US" altLang="zh-CN" b="1" dirty="0" err="1">
                 <a:latin typeface="微软雅黑" panose="020B0503020204020204" pitchFamily="34" charset="-122"/>
                 <a:ea typeface="微软雅黑" panose="020B0503020204020204" pitchFamily="34" charset="-122"/>
               </a:rPr>
               <a:t>gcc</a:t>
             </a:r>
             <a:r>
-              <a:rPr lang="en-US" altLang="zh-CN" b="1" dirty="0" smtClean="0">
+              <a:rPr lang="en-US" altLang="zh-CN" b="1" dirty="0">
                 <a:latin typeface="微软雅黑" panose="020B0503020204020204" pitchFamily="34" charset="-122"/>
                 <a:ea typeface="微软雅黑" panose="020B0503020204020204" pitchFamily="34" charset="-122"/>
               </a:rPr>
@@ -14716,30 +15702,26 @@
               <a:buNone/>
             </a:pPr>
             <a:r>
-              <a:rPr lang="en-US" altLang="zh-CN" sz="3200" dirty="0" smtClean="0">
+              <a:rPr lang="en-US" altLang="zh-CN" sz="3200" dirty="0">
                 <a:latin typeface="微软雅黑" panose="020B0503020204020204" pitchFamily="34" charset="-122"/>
                 <a:ea typeface="微软雅黑" panose="020B0503020204020204" pitchFamily="34" charset="-122"/>
               </a:rPr>
               <a:t>(</a:t>
             </a:r>
             <a:r>
-              <a:rPr lang="en-US" altLang="zh-CN" sz="3200" dirty="0" err="1" smtClean="0">
+              <a:rPr lang="en-US" altLang="zh-CN" sz="3200" dirty="0" err="1">
                 <a:latin typeface="微软雅黑" panose="020B0503020204020204" pitchFamily="34" charset="-122"/>
                 <a:ea typeface="微软雅黑" panose="020B0503020204020204" pitchFamily="34" charset="-122"/>
               </a:rPr>
               <a:t>gdb</a:t>
             </a:r>
             <a:r>
-              <a:rPr lang="en-US" altLang="zh-CN" sz="3200" dirty="0" smtClean="0">
+              <a:rPr lang="en-US" altLang="zh-CN" sz="3200" dirty="0">
                 <a:latin typeface="微软雅黑" panose="020B0503020204020204" pitchFamily="34" charset="-122"/>
                 <a:ea typeface="微软雅黑" panose="020B0503020204020204" pitchFamily="34" charset="-122"/>
               </a:rPr>
               <a:t>) set print pretty on</a:t>
             </a:r>
-            <a:endParaRPr lang="en-US" altLang="zh-CN" sz="3200" dirty="0" smtClean="0">
-              <a:latin typeface="微软雅黑" panose="020B0503020204020204" pitchFamily="34" charset="-122"/>
-              <a:ea typeface="微软雅黑" panose="020B0503020204020204" pitchFamily="34" charset="-122"/>
-            </a:endParaRPr>
           </a:p>
           <a:p>
             <a:pPr marL="0" indent="0">
@@ -14763,13 +15745,601 @@
     <a:masterClrMapping/>
   </p:clrMapOvr>
   <p:transition/>
-  <p:timing>
-    <p:tnLst>
-      <p:par>
-        <p:cTn id="1" dur="indefinite" restart="never" nodeType="tmRoot"/>
-      </p:par>
-    </p:tnLst>
-  </p:timing>
+</p:sld>
+</file>
+
+<file path=ppt/slides/slide20.xml><?xml version="1.0" encoding="utf-8"?>
+<p:sld xmlns:a="http://schemas.openxmlformats.org/drawingml/2006/main" xmlns:r="http://schemas.openxmlformats.org/officeDocument/2006/relationships" xmlns:p="http://schemas.openxmlformats.org/presentationml/2006/main">
+  <p:cSld>
+    <p:spTree>
+      <p:nvGrpSpPr>
+        <p:cNvPr id="1" name=""/>
+        <p:cNvGrpSpPr/>
+        <p:nvPr/>
+      </p:nvGrpSpPr>
+      <p:grpSpPr>
+        <a:xfrm>
+          <a:off x="0" y="0"/>
+          <a:ext cx="0" cy="0"/>
+          <a:chOff x="0" y="0"/>
+          <a:chExt cx="0" cy="0"/>
+        </a:xfrm>
+      </p:grpSpPr>
+      <p:sp>
+        <p:nvSpPr>
+          <p:cNvPr id="2" name="标题 1"/>
+          <p:cNvSpPr>
+            <a:spLocks noGrp="1"/>
+          </p:cNvSpPr>
+          <p:nvPr>
+            <p:ph type="title"/>
+          </p:nvPr>
+        </p:nvSpPr>
+        <p:spPr/>
+        <p:txBody>
+          <a:bodyPr/>
+          <a:lstStyle/>
+          <a:p>
+            <a:r>
+              <a:rPr lang="zh-CN" altLang="en-US" dirty="0">
+                <a:latin typeface="微软雅黑" panose="020B0503020204020204" pitchFamily="34" charset="-122"/>
+                <a:ea typeface="微软雅黑" panose="020B0503020204020204" pitchFamily="34" charset="-122"/>
+              </a:rPr>
+              <a:t>练习</a:t>
+            </a:r>
+          </a:p>
+        </p:txBody>
+      </p:sp>
+      <p:sp>
+        <p:nvSpPr>
+          <p:cNvPr id="3" name="内容占位符 2"/>
+          <p:cNvSpPr>
+            <a:spLocks noGrp="1"/>
+          </p:cNvSpPr>
+          <p:nvPr>
+            <p:ph idx="1"/>
+          </p:nvPr>
+        </p:nvSpPr>
+        <p:spPr>
+          <a:xfrm>
+            <a:off x="6718424" y="1422400"/>
+            <a:ext cx="5905376" cy="7632700"/>
+          </a:xfrm>
+        </p:spPr>
+        <p:txBody>
+          <a:bodyPr/>
+          <a:lstStyle/>
+          <a:p>
+            <a:r>
+              <a:rPr lang="zh-CN" altLang="en-US" dirty="0">
+                <a:latin typeface="微软雅黑" panose="020B0503020204020204" pitchFamily="34" charset="-122"/>
+                <a:ea typeface="微软雅黑" panose="020B0503020204020204" pitchFamily="34" charset="-122"/>
+              </a:rPr>
+              <a:t>在主线程</a:t>
+            </a:r>
+            <a:r>
+              <a:rPr lang="en-US" altLang="zh-CN" dirty="0" err="1">
+                <a:latin typeface="微软雅黑" panose="020B0503020204020204" pitchFamily="34" charset="-122"/>
+                <a:ea typeface="微软雅黑" panose="020B0503020204020204" pitchFamily="34" charset="-122"/>
+              </a:rPr>
+              <a:t>dump_array</a:t>
+            </a:r>
+            <a:r>
+              <a:rPr lang="en-US" altLang="zh-CN" dirty="0">
+                <a:latin typeface="微软雅黑" panose="020B0503020204020204" pitchFamily="34" charset="-122"/>
+                <a:ea typeface="微软雅黑" panose="020B0503020204020204" pitchFamily="34" charset="-122"/>
+              </a:rPr>
+              <a:t>()</a:t>
+            </a:r>
+            <a:r>
+              <a:rPr lang="zh-CN" altLang="en-US" dirty="0">
+                <a:latin typeface="微软雅黑" panose="020B0503020204020204" pitchFamily="34" charset="-122"/>
+                <a:ea typeface="微软雅黑" panose="020B0503020204020204" pitchFamily="34" charset="-122"/>
+              </a:rPr>
+              <a:t>处下断点</a:t>
+            </a:r>
+            <a:r>
+              <a:rPr lang="en-US" altLang="zh-CN" dirty="0">
+                <a:latin typeface="微软雅黑" panose="020B0503020204020204" pitchFamily="34" charset="-122"/>
+                <a:ea typeface="微软雅黑" panose="020B0503020204020204" pitchFamily="34" charset="-122"/>
+              </a:rPr>
+              <a:t>, </a:t>
+            </a:r>
+            <a:r>
+              <a:rPr lang="zh-CN" altLang="en-US" dirty="0">
+                <a:latin typeface="微软雅黑" panose="020B0503020204020204" pitchFamily="34" charset="-122"/>
+                <a:ea typeface="微软雅黑" panose="020B0503020204020204" pitchFamily="34" charset="-122"/>
+              </a:rPr>
+              <a:t>单步执行观察数组变化</a:t>
+            </a:r>
+            <a:endParaRPr lang="en-US" altLang="zh-CN" dirty="0">
+              <a:latin typeface="微软雅黑" panose="020B0503020204020204" pitchFamily="34" charset="-122"/>
+              <a:ea typeface="微软雅黑" panose="020B0503020204020204" pitchFamily="34" charset="-122"/>
+            </a:endParaRPr>
+          </a:p>
+          <a:p>
+            <a:r>
+              <a:rPr lang="zh-CN" altLang="en-US" dirty="0">
+                <a:latin typeface="微软雅黑" panose="020B0503020204020204" pitchFamily="34" charset="-122"/>
+                <a:ea typeface="微软雅黑" panose="020B0503020204020204" pitchFamily="34" charset="-122"/>
+              </a:rPr>
+              <a:t>锁定其他线程</a:t>
+            </a:r>
+            <a:r>
+              <a:rPr lang="en-US" altLang="zh-CN" dirty="0">
+                <a:latin typeface="微软雅黑" panose="020B0503020204020204" pitchFamily="34" charset="-122"/>
+                <a:ea typeface="微软雅黑" panose="020B0503020204020204" pitchFamily="34" charset="-122"/>
+              </a:rPr>
+              <a:t>, </a:t>
+            </a:r>
+            <a:r>
+              <a:rPr lang="zh-CN" altLang="en-US" dirty="0">
+                <a:latin typeface="微软雅黑" panose="020B0503020204020204" pitchFamily="34" charset="-122"/>
+                <a:ea typeface="微软雅黑" panose="020B0503020204020204" pitchFamily="34" charset="-122"/>
+              </a:rPr>
+              <a:t>仅使主线程运行</a:t>
+            </a:r>
+            <a:r>
+              <a:rPr lang="en-US" altLang="zh-CN" dirty="0">
+                <a:latin typeface="微软雅黑" panose="020B0503020204020204" pitchFamily="34" charset="-122"/>
+                <a:ea typeface="微软雅黑" panose="020B0503020204020204" pitchFamily="34" charset="-122"/>
+              </a:rPr>
+              <a:t>, </a:t>
+            </a:r>
+            <a:r>
+              <a:rPr lang="zh-CN" altLang="en-US" dirty="0">
+                <a:latin typeface="微软雅黑" panose="020B0503020204020204" pitchFamily="34" charset="-122"/>
+                <a:ea typeface="微软雅黑" panose="020B0503020204020204" pitchFamily="34" charset="-122"/>
+              </a:rPr>
+              <a:t>输出</a:t>
+            </a:r>
+            <a:r>
+              <a:rPr lang="en-US" altLang="zh-CN" dirty="0" err="1">
+                <a:latin typeface="微软雅黑" panose="020B0503020204020204" pitchFamily="34" charset="-122"/>
+                <a:ea typeface="微软雅黑" panose="020B0503020204020204" pitchFamily="34" charset="-122"/>
+              </a:rPr>
+              <a:t>arr</a:t>
+            </a:r>
+            <a:r>
+              <a:rPr lang="zh-CN" altLang="en-US" dirty="0">
+                <a:latin typeface="微软雅黑" panose="020B0503020204020204" pitchFamily="34" charset="-122"/>
+                <a:ea typeface="微软雅黑" panose="020B0503020204020204" pitchFamily="34" charset="-122"/>
+              </a:rPr>
+              <a:t>内容</a:t>
+            </a:r>
+            <a:endParaRPr lang="en-US" altLang="zh-CN" dirty="0">
+              <a:latin typeface="微软雅黑" panose="020B0503020204020204" pitchFamily="34" charset="-122"/>
+              <a:ea typeface="微软雅黑" panose="020B0503020204020204" pitchFamily="34" charset="-122"/>
+            </a:endParaRPr>
+          </a:p>
+          <a:p>
+            <a:r>
+              <a:rPr lang="zh-CN" altLang="en-US" dirty="0">
+                <a:latin typeface="微软雅黑" panose="020B0503020204020204" pitchFamily="34" charset="-122"/>
+                <a:ea typeface="微软雅黑" panose="020B0503020204020204" pitchFamily="34" charset="-122"/>
+              </a:rPr>
+              <a:t>锁定修改</a:t>
+            </a:r>
+            <a:r>
+              <a:rPr lang="en-US" altLang="zh-CN" dirty="0" err="1">
+                <a:latin typeface="微软雅黑" panose="020B0503020204020204" pitchFamily="34" charset="-122"/>
+                <a:ea typeface="微软雅黑" panose="020B0503020204020204" pitchFamily="34" charset="-122"/>
+              </a:rPr>
+              <a:t>arr</a:t>
+            </a:r>
+            <a:r>
+              <a:rPr lang="en-US" altLang="zh-CN" dirty="0">
+                <a:latin typeface="微软雅黑" panose="020B0503020204020204" pitchFamily="34" charset="-122"/>
+                <a:ea typeface="微软雅黑" panose="020B0503020204020204" pitchFamily="34" charset="-122"/>
+              </a:rPr>
+              <a:t>[1]</a:t>
+            </a:r>
+            <a:r>
+              <a:rPr lang="zh-CN" altLang="en-US" dirty="0">
+                <a:latin typeface="微软雅黑" panose="020B0503020204020204" pitchFamily="34" charset="-122"/>
+                <a:ea typeface="微软雅黑" panose="020B0503020204020204" pitchFamily="34" charset="-122"/>
+              </a:rPr>
+              <a:t>的线程</a:t>
+            </a:r>
+            <a:r>
+              <a:rPr lang="en-US" altLang="zh-CN" dirty="0">
+                <a:latin typeface="微软雅黑" panose="020B0503020204020204" pitchFamily="34" charset="-122"/>
+                <a:ea typeface="微软雅黑" panose="020B0503020204020204" pitchFamily="34" charset="-122"/>
+              </a:rPr>
+              <a:t>, </a:t>
+            </a:r>
+            <a:r>
+              <a:rPr lang="zh-CN" altLang="en-US" dirty="0">
+                <a:latin typeface="微软雅黑" panose="020B0503020204020204" pitchFamily="34" charset="-122"/>
+                <a:ea typeface="微软雅黑" panose="020B0503020204020204" pitchFamily="34" charset="-122"/>
+              </a:rPr>
+              <a:t>保持主线程和其他线程运行</a:t>
+            </a:r>
+            <a:r>
+              <a:rPr lang="en-US" altLang="zh-CN" dirty="0">
+                <a:latin typeface="微软雅黑" panose="020B0503020204020204" pitchFamily="34" charset="-122"/>
+                <a:ea typeface="微软雅黑" panose="020B0503020204020204" pitchFamily="34" charset="-122"/>
+              </a:rPr>
+              <a:t>, </a:t>
+            </a:r>
+            <a:r>
+              <a:rPr lang="zh-CN" altLang="en-US" dirty="0">
+                <a:latin typeface="微软雅黑" panose="020B0503020204020204" pitchFamily="34" charset="-122"/>
+                <a:ea typeface="微软雅黑" panose="020B0503020204020204" pitchFamily="34" charset="-122"/>
+              </a:rPr>
+              <a:t>观察</a:t>
+            </a:r>
+            <a:r>
+              <a:rPr lang="en-US" altLang="zh-CN" dirty="0" err="1">
+                <a:latin typeface="微软雅黑" panose="020B0503020204020204" pitchFamily="34" charset="-122"/>
+                <a:ea typeface="微软雅黑" panose="020B0503020204020204" pitchFamily="34" charset="-122"/>
+              </a:rPr>
+              <a:t>arr</a:t>
+            </a:r>
+            <a:r>
+              <a:rPr lang="zh-CN" altLang="en-US" dirty="0">
+                <a:latin typeface="微软雅黑" panose="020B0503020204020204" pitchFamily="34" charset="-122"/>
+                <a:ea typeface="微软雅黑" panose="020B0503020204020204" pitchFamily="34" charset="-122"/>
+              </a:rPr>
+              <a:t>内容</a:t>
+            </a:r>
+            <a:endParaRPr lang="en-US" altLang="zh-CN" dirty="0">
+              <a:latin typeface="微软雅黑" panose="020B0503020204020204" pitchFamily="34" charset="-122"/>
+              <a:ea typeface="微软雅黑" panose="020B0503020204020204" pitchFamily="34" charset="-122"/>
+            </a:endParaRPr>
+          </a:p>
+          <a:p>
+            <a:r>
+              <a:rPr lang="zh-CN" altLang="en-US" dirty="0">
+                <a:latin typeface="微软雅黑" panose="020B0503020204020204" pitchFamily="34" charset="-122"/>
+                <a:ea typeface="微软雅黑" panose="020B0503020204020204" pitchFamily="34" charset="-122"/>
+              </a:rPr>
+              <a:t>保持</a:t>
+            </a:r>
+            <a:r>
+              <a:rPr lang="en-US" altLang="zh-CN" dirty="0" err="1">
+                <a:latin typeface="微软雅黑" panose="020B0503020204020204" pitchFamily="34" charset="-122"/>
+                <a:ea typeface="微软雅黑" panose="020B0503020204020204" pitchFamily="34" charset="-122"/>
+              </a:rPr>
+              <a:t>arr</a:t>
+            </a:r>
+            <a:r>
+              <a:rPr lang="en-US" altLang="zh-CN" dirty="0">
+                <a:latin typeface="微软雅黑" panose="020B0503020204020204" pitchFamily="34" charset="-122"/>
+                <a:ea typeface="微软雅黑" panose="020B0503020204020204" pitchFamily="34" charset="-122"/>
+              </a:rPr>
+              <a:t>[1]</a:t>
+            </a:r>
+            <a:r>
+              <a:rPr lang="zh-CN" altLang="en-US" dirty="0">
+                <a:latin typeface="微软雅黑" panose="020B0503020204020204" pitchFamily="34" charset="-122"/>
+                <a:ea typeface="微软雅黑" panose="020B0503020204020204" pitchFamily="34" charset="-122"/>
+              </a:rPr>
+              <a:t>线程中断</a:t>
+            </a:r>
+            <a:r>
+              <a:rPr lang="en-US" altLang="zh-CN" dirty="0">
+                <a:latin typeface="微软雅黑" panose="020B0503020204020204" pitchFamily="34" charset="-122"/>
+                <a:ea typeface="微软雅黑" panose="020B0503020204020204" pitchFamily="34" charset="-122"/>
+              </a:rPr>
+              <a:t>, </a:t>
+            </a:r>
+            <a:r>
+              <a:rPr lang="zh-CN" altLang="en-US" dirty="0">
+                <a:latin typeface="微软雅黑" panose="020B0503020204020204" pitchFamily="34" charset="-122"/>
+                <a:ea typeface="微软雅黑" panose="020B0503020204020204" pitchFamily="34" charset="-122"/>
+              </a:rPr>
+              <a:t>并修改</a:t>
+            </a:r>
+            <a:r>
+              <a:rPr lang="en-US" altLang="zh-CN" dirty="0" err="1">
+                <a:latin typeface="微软雅黑" panose="020B0503020204020204" pitchFamily="34" charset="-122"/>
+                <a:ea typeface="微软雅黑" panose="020B0503020204020204" pitchFamily="34" charset="-122"/>
+              </a:rPr>
+              <a:t>arr</a:t>
+            </a:r>
+            <a:r>
+              <a:rPr lang="en-US" altLang="zh-CN" dirty="0">
+                <a:latin typeface="微软雅黑" panose="020B0503020204020204" pitchFamily="34" charset="-122"/>
+                <a:ea typeface="微软雅黑" panose="020B0503020204020204" pitchFamily="34" charset="-122"/>
+              </a:rPr>
+              <a:t>[1]</a:t>
+            </a:r>
+            <a:r>
+              <a:rPr lang="zh-CN" altLang="en-US" dirty="0">
+                <a:latin typeface="微软雅黑" panose="020B0503020204020204" pitchFamily="34" charset="-122"/>
+                <a:ea typeface="微软雅黑" panose="020B0503020204020204" pitchFamily="34" charset="-122"/>
+              </a:rPr>
+              <a:t>的内容</a:t>
+            </a:r>
+            <a:r>
+              <a:rPr lang="en-US" altLang="zh-CN" dirty="0">
+                <a:latin typeface="微软雅黑" panose="020B0503020204020204" pitchFamily="34" charset="-122"/>
+                <a:ea typeface="微软雅黑" panose="020B0503020204020204" pitchFamily="34" charset="-122"/>
+              </a:rPr>
+              <a:t>, </a:t>
+            </a:r>
+            <a:r>
+              <a:rPr lang="zh-CN" altLang="en-US" dirty="0">
+                <a:latin typeface="微软雅黑" panose="020B0503020204020204" pitchFamily="34" charset="-122"/>
+                <a:ea typeface="微软雅黑" panose="020B0503020204020204" pitchFamily="34" charset="-122"/>
+              </a:rPr>
+              <a:t>通过主线的输出观察</a:t>
+            </a:r>
+          </a:p>
+        </p:txBody>
+      </p:sp>
+      <p:sp>
+        <p:nvSpPr>
+          <p:cNvPr id="4" name="灯片编号占位符 3"/>
+          <p:cNvSpPr>
+            <a:spLocks noGrp="1"/>
+          </p:cNvSpPr>
+          <p:nvPr>
+            <p:ph type="sldNum" sz="quarter" idx="10"/>
+          </p:nvPr>
+        </p:nvSpPr>
+        <p:spPr/>
+        <p:txBody>
+          <a:bodyPr/>
+          <a:lstStyle/>
+          <a:p>
+            <a:pPr>
+              <a:defRPr/>
+            </a:pPr>
+            <a:fld id="{CEF9D3E2-3262-F641-AB24-FF4A39ED94B6}" type="slidenum">
+              <a:rPr lang="en-US" smtClean="0">
+                <a:latin typeface="微软雅黑" panose="020B0503020204020204" pitchFamily="34" charset="-122"/>
+                <a:ea typeface="微软雅黑" panose="020B0503020204020204" pitchFamily="34" charset="-122"/>
+              </a:rPr>
+              <a:pPr>
+                <a:defRPr/>
+              </a:pPr>
+              <a:t>20</a:t>
+            </a:fld>
+            <a:endParaRPr lang="en-US">
+              <a:latin typeface="微软雅黑" panose="020B0503020204020204" pitchFamily="34" charset="-122"/>
+              <a:ea typeface="微软雅黑" panose="020B0503020204020204" pitchFamily="34" charset="-122"/>
+            </a:endParaRPr>
+          </a:p>
+        </p:txBody>
+      </p:sp>
+      <p:pic>
+        <p:nvPicPr>
+          <p:cNvPr id="5" name="图片 4"/>
+          <p:cNvPicPr>
+            <a:picLocks noChangeAspect="1"/>
+          </p:cNvPicPr>
+          <p:nvPr/>
+        </p:nvPicPr>
+        <p:blipFill>
+          <a:blip r:embed="rId2"/>
+          <a:stretch>
+            <a:fillRect/>
+          </a:stretch>
+        </p:blipFill>
+        <p:spPr>
+          <a:xfrm>
+            <a:off x="381000" y="1422400"/>
+            <a:ext cx="5936128" cy="7210616"/>
+          </a:xfrm>
+          <a:prstGeom prst="rect">
+            <a:avLst/>
+          </a:prstGeom>
+          <a:ln>
+            <a:solidFill>
+              <a:schemeClr val="tx1"/>
+            </a:solidFill>
+          </a:ln>
+        </p:spPr>
+      </p:pic>
+    </p:spTree>
+    <p:extLst>
+      <p:ext uri="{BB962C8B-B14F-4D97-AF65-F5344CB8AC3E}">
+        <p14:creationId xmlns:p14="http://schemas.microsoft.com/office/powerpoint/2010/main" val="3117457511"/>
+      </p:ext>
+    </p:extLst>
+  </p:cSld>
+  <p:clrMapOvr>
+    <a:masterClrMapping/>
+  </p:clrMapOvr>
+  <p:transition/>
+</p:sld>
+</file>
+
+<file path=ppt/slides/slide21.xml><?xml version="1.0" encoding="utf-8"?>
+<p:sld xmlns:a="http://schemas.openxmlformats.org/drawingml/2006/main" xmlns:r="http://schemas.openxmlformats.org/officeDocument/2006/relationships" xmlns:p="http://schemas.openxmlformats.org/presentationml/2006/main">
+  <p:cSld>
+    <p:spTree>
+      <p:nvGrpSpPr>
+        <p:cNvPr id="1" name=""/>
+        <p:cNvGrpSpPr/>
+        <p:nvPr/>
+      </p:nvGrpSpPr>
+      <p:grpSpPr>
+        <a:xfrm>
+          <a:off x="0" y="0"/>
+          <a:ext cx="0" cy="0"/>
+          <a:chOff x="0" y="0"/>
+          <a:chExt cx="0" cy="0"/>
+        </a:xfrm>
+      </p:grpSpPr>
+      <p:sp>
+        <p:nvSpPr>
+          <p:cNvPr id="2" name="标题 1"/>
+          <p:cNvSpPr>
+            <a:spLocks noGrp="1"/>
+          </p:cNvSpPr>
+          <p:nvPr>
+            <p:ph type="title"/>
+          </p:nvPr>
+        </p:nvSpPr>
+        <p:spPr/>
+        <p:txBody>
+          <a:bodyPr/>
+          <a:lstStyle/>
+          <a:p>
+            <a:endParaRPr lang="zh-CN" altLang="en-US" dirty="0"/>
+          </a:p>
+        </p:txBody>
+      </p:sp>
+      <p:sp>
+        <p:nvSpPr>
+          <p:cNvPr id="3" name="内容占位符 2"/>
+          <p:cNvSpPr>
+            <a:spLocks noGrp="1"/>
+          </p:cNvSpPr>
+          <p:nvPr>
+            <p:ph idx="1"/>
+          </p:nvPr>
+        </p:nvSpPr>
+        <p:spPr>
+          <a:xfrm>
+            <a:off x="2616200" y="3284533"/>
+            <a:ext cx="7772400" cy="1858779"/>
+          </a:xfrm>
+        </p:spPr>
+        <p:txBody>
+          <a:bodyPr/>
+          <a:lstStyle/>
+          <a:p>
+            <a:r>
+              <a:rPr lang="en-US" altLang="zh-CN" sz="8400" i="0" cap="all" spc="-400" dirty="0">
+                <a:solidFill>
+                  <a:srgbClr val="FFFFFF"/>
+                </a:solidFill>
+                <a:latin typeface="Open Sans Extrabold"/>
+                <a:sym typeface="Open Sans Extrabold" charset="0"/>
+              </a:rPr>
+              <a:t>Q &amp; A</a:t>
+            </a:r>
+            <a:endParaRPr lang="zh-CN" altLang="en-US" dirty="0"/>
+          </a:p>
+        </p:txBody>
+      </p:sp>
+    </p:spTree>
+    <p:extLst>
+      <p:ext uri="{BB962C8B-B14F-4D97-AF65-F5344CB8AC3E}">
+        <p14:creationId xmlns:p14="http://schemas.microsoft.com/office/powerpoint/2010/main" val="3783938154"/>
+      </p:ext>
+    </p:extLst>
+  </p:cSld>
+  <p:clrMapOvr>
+    <a:masterClrMapping/>
+  </p:clrMapOvr>
+  <p:transition/>
+</p:sld>
+</file>
+
+<file path=ppt/slides/slide22.xml><?xml version="1.0" encoding="utf-8"?>
+<p:sld xmlns:a="http://schemas.openxmlformats.org/drawingml/2006/main" xmlns:r="http://schemas.openxmlformats.org/officeDocument/2006/relationships" xmlns:p="http://schemas.openxmlformats.org/presentationml/2006/main">
+  <p:cSld>
+    <p:spTree>
+      <p:nvGrpSpPr>
+        <p:cNvPr id="1" name=""/>
+        <p:cNvGrpSpPr/>
+        <p:nvPr/>
+      </p:nvGrpSpPr>
+      <p:grpSpPr>
+        <a:xfrm>
+          <a:off x="0" y="0"/>
+          <a:ext cx="0" cy="0"/>
+          <a:chOff x="0" y="0"/>
+          <a:chExt cx="0" cy="0"/>
+        </a:xfrm>
+      </p:grpSpPr>
+      <p:sp>
+        <p:nvSpPr>
+          <p:cNvPr id="2" name="Title 1"/>
+          <p:cNvSpPr>
+            <a:spLocks noGrp="1"/>
+          </p:cNvSpPr>
+          <p:nvPr>
+            <p:ph type="title"/>
+          </p:nvPr>
+        </p:nvSpPr>
+        <p:spPr/>
+        <p:txBody>
+          <a:bodyPr/>
+          <a:lstStyle/>
+          <a:p>
+            <a:r>
+              <a:rPr lang="en-US" dirty="0"/>
+              <a:t>Thank You</a:t>
+            </a:r>
+          </a:p>
+        </p:txBody>
+      </p:sp>
+      <p:sp>
+        <p:nvSpPr>
+          <p:cNvPr id="3" name="Content Placeholder 2"/>
+          <p:cNvSpPr>
+            <a:spLocks noGrp="1"/>
+          </p:cNvSpPr>
+          <p:nvPr>
+            <p:ph idx="1"/>
+          </p:nvPr>
+        </p:nvSpPr>
+        <p:spPr>
+          <a:xfrm>
+            <a:off x="2616200" y="3284533"/>
+            <a:ext cx="7772400" cy="2012859"/>
+          </a:xfrm>
+        </p:spPr>
+        <p:txBody>
+          <a:bodyPr/>
+          <a:lstStyle/>
+          <a:p>
+            <a:pPr>
+              <a:spcBef>
+                <a:spcPct val="0"/>
+              </a:spcBef>
+            </a:pPr>
+            <a:r>
+              <a:rPr lang="en-US" altLang="en-US" dirty="0"/>
+              <a:t>For questions or suggestions:</a:t>
+            </a:r>
+          </a:p>
+          <a:p>
+            <a:pPr>
+              <a:spcBef>
+                <a:spcPct val="0"/>
+              </a:spcBef>
+            </a:pPr>
+            <a:r>
+              <a:rPr lang="en-US" altLang="en-US" dirty="0"/>
+              <a:t>Liu </a:t>
+            </a:r>
+            <a:r>
+              <a:rPr lang="en-US" altLang="en-US" dirty="0" err="1"/>
+              <a:t>Jie</a:t>
+            </a:r>
+            <a:endParaRPr lang="en-US" altLang="en-US" dirty="0"/>
+          </a:p>
+          <a:p>
+            <a:pPr>
+              <a:spcBef>
+                <a:spcPct val="0"/>
+              </a:spcBef>
+            </a:pPr>
+            <a:r>
+              <a:rPr lang="en-US" altLang="en-US" dirty="0"/>
+              <a:t>jieliu@thoughtworks.com</a:t>
+            </a:r>
+          </a:p>
+        </p:txBody>
+      </p:sp>
+    </p:spTree>
+    <p:extLst>
+      <p:ext uri="{BB962C8B-B14F-4D97-AF65-F5344CB8AC3E}">
+        <p14:creationId xmlns:p14="http://schemas.microsoft.com/office/powerpoint/2010/main" val="1527050707"/>
+      </p:ext>
+    </p:extLst>
+  </p:cSld>
+  <p:clrMapOvr>
+    <a:masterClrMapping/>
+  </p:clrMapOvr>
+  <p:transition/>
 </p:sld>
 </file>
 
@@ -14806,14 +16376,14 @@
           <a:lstStyle/>
           <a:p>
             <a:r>
-              <a:rPr lang="en-US" altLang="zh-CN" b="1" dirty="0" err="1" smtClean="0">
+              <a:rPr lang="en-US" altLang="zh-CN" b="1" dirty="0" err="1">
                 <a:latin typeface="微软雅黑" panose="020B0503020204020204" pitchFamily="34" charset="-122"/>
                 <a:ea typeface="微软雅黑" panose="020B0503020204020204" pitchFamily="34" charset="-122"/>
               </a:rPr>
               <a:t>gcc</a:t>
             </a:r>
             <a:r>
-              <a:rPr lang="en-US" altLang="zh-CN" b="1" dirty="0" smtClean="0">
+              <a:rPr lang="en-US" altLang="zh-CN" b="1" dirty="0">
                 <a:latin typeface="微软雅黑" panose="020B0503020204020204" pitchFamily="34" charset="-122"/>
                 <a:ea typeface="微软雅黑" panose="020B0503020204020204" pitchFamily="34" charset="-122"/>
               </a:rPr>
@@ -14906,7 +16476,7 @@
                 </a:lnSpc>
               </a:pPr>
               <a:r>
-                <a:rPr lang="en-US" altLang="zh-CN" dirty="0" smtClean="0">
+                <a:rPr lang="en-US" altLang="zh-CN" dirty="0">
                   <a:solidFill>
                     <a:schemeClr val="tx1"/>
                   </a:solidFill>
@@ -14915,7 +16485,7 @@
                 </a:rPr>
                 <a:t>1</a:t>
               </a:r>
-              <a:endParaRPr lang="zh-CN" altLang="en-US" dirty="0" smtClean="0">
+              <a:endParaRPr lang="zh-CN" altLang="en-US" dirty="0">
                 <a:solidFill>
                   <a:schemeClr val="tx1"/>
                 </a:solidFill>
@@ -14956,7 +16526,7 @@
                 </a:lnSpc>
               </a:pPr>
               <a:r>
-                <a:rPr lang="en-US" altLang="zh-CN" dirty="0" smtClean="0">
+                <a:rPr lang="en-US" altLang="zh-CN" dirty="0">
                   <a:solidFill>
                     <a:schemeClr val="tx1"/>
                   </a:solidFill>
@@ -14965,7 +16535,7 @@
                 </a:rPr>
                 <a:t>0</a:t>
               </a:r>
-              <a:endParaRPr lang="zh-CN" altLang="en-US" dirty="0" smtClean="0">
+              <a:endParaRPr lang="zh-CN" altLang="en-US" dirty="0">
                 <a:solidFill>
                   <a:schemeClr val="tx1"/>
                 </a:solidFill>
@@ -15005,7 +16575,7 @@
                   <a:spcPct val="100000"/>
                 </a:lnSpc>
               </a:pPr>
-              <a:endParaRPr lang="zh-CN" altLang="en-US" dirty="0" smtClean="0">
+              <a:endParaRPr lang="zh-CN" altLang="en-US" dirty="0">
                 <a:solidFill>
                   <a:schemeClr val="tx1"/>
                 </a:solidFill>
@@ -15055,7 +16625,7 @@
                 </a:rPr>
                 <a:t>2</a:t>
               </a:r>
-              <a:endParaRPr lang="zh-CN" altLang="en-US" dirty="0" smtClean="0">
+              <a:endParaRPr lang="zh-CN" altLang="en-US" dirty="0">
                 <a:solidFill>
                   <a:schemeClr val="tx1"/>
                 </a:solidFill>
@@ -15089,7 +16659,7 @@
             <a:effectLst/>
             <a:extLst>
               <a:ext uri="{91240B29-F687-4f45-9708-019B960494DF}">
-                <a14:hiddenLine xmlns:a14="http://schemas.microsoft.com/office/drawing/2010/main" xmlns="" w="25400" cap="flat" cmpd="sng" algn="ctr">
+                <a14:hiddenLine xmlns="" xmlns:a14="http://schemas.microsoft.com/office/drawing/2010/main" w="25400" cap="flat" cmpd="sng" algn="ctr">
                   <a:solidFill>
                     <a:srgbClr val="000000"/>
                   </a:solidFill>
@@ -15100,7 +16670,7 @@
                 </a14:hiddenLine>
               </a:ext>
               <a:ext uri="{AF507438-7753-43e0-B8FC-AC1667EBCBE1}">
-                <a14:hiddenEffects xmlns:a14="http://schemas.microsoft.com/office/drawing/2010/main" xmlns="">
+                <a14:hiddenEffects xmlns="" xmlns:a14="http://schemas.microsoft.com/office/drawing/2010/main">
                   <a:effectLst>
                     <a:outerShdw blurRad="63500" dist="38099" dir="2700000" algn="ctr" rotWithShape="0">
                       <a:schemeClr val="bg2">
@@ -15141,7 +16711,7 @@
             <a:effectLst/>
             <a:extLst>
               <a:ext uri="{91240B29-F687-4f45-9708-019B960494DF}">
-                <a14:hiddenLine xmlns:a14="http://schemas.microsoft.com/office/drawing/2010/main" xmlns="" w="25400" cap="flat" cmpd="sng" algn="ctr">
+                <a14:hiddenLine xmlns="" xmlns:a14="http://schemas.microsoft.com/office/drawing/2010/main" w="25400" cap="flat" cmpd="sng" algn="ctr">
                   <a:solidFill>
                     <a:srgbClr val="000000"/>
                   </a:solidFill>
@@ -15152,7 +16722,7 @@
                 </a14:hiddenLine>
               </a:ext>
               <a:ext uri="{AF507438-7753-43e0-B8FC-AC1667EBCBE1}">
-                <a14:hiddenEffects xmlns:a14="http://schemas.microsoft.com/office/drawing/2010/main" xmlns="">
+                <a14:hiddenEffects xmlns="" xmlns:a14="http://schemas.microsoft.com/office/drawing/2010/main">
                   <a:effectLst>
                     <a:outerShdw blurRad="63500" dist="38099" dir="2700000" algn="ctr" rotWithShape="0">
                       <a:schemeClr val="bg2">
@@ -15193,20 +16763,20 @@
                 </a:lnSpc>
               </a:pPr>
               <a:r>
-                <a:rPr lang="en-US" altLang="zh-CN" dirty="0" smtClean="0">
+                <a:rPr lang="en-US" altLang="zh-CN" dirty="0">
                   <a:latin typeface="微软雅黑" panose="020B0503020204020204" pitchFamily="34" charset="-122"/>
                   <a:ea typeface="微软雅黑" panose="020B0503020204020204" pitchFamily="34" charset="-122"/>
                 </a:rPr>
                 <a:t>_</a:t>
               </a:r>
               <a:r>
-                <a:rPr lang="en-US" altLang="zh-CN" dirty="0" err="1" smtClean="0">
+                <a:rPr lang="en-US" altLang="zh-CN" dirty="0" err="1">
                   <a:latin typeface="微软雅黑" panose="020B0503020204020204" pitchFamily="34" charset="-122"/>
                   <a:ea typeface="微软雅黑" panose="020B0503020204020204" pitchFamily="34" charset="-122"/>
                 </a:rPr>
                 <a:t>M_start</a:t>
               </a:r>
-              <a:endParaRPr lang="zh-CN" altLang="en-US" dirty="0" smtClean="0">
+              <a:endParaRPr lang="zh-CN" altLang="en-US" dirty="0">
                 <a:latin typeface="微软雅黑" panose="020B0503020204020204" pitchFamily="34" charset="-122"/>
                 <a:ea typeface="微软雅黑" panose="020B0503020204020204" pitchFamily="34" charset="-122"/>
               </a:endParaRPr>
@@ -15241,7 +16811,7 @@
             <a:effectLst/>
             <a:extLst>
               <a:ext uri="{91240B29-F687-4f45-9708-019B960494DF}">
-                <a14:hiddenLine xmlns:a14="http://schemas.microsoft.com/office/drawing/2010/main" xmlns="" w="25400" cap="flat" cmpd="sng" algn="ctr">
+                <a14:hiddenLine xmlns="" xmlns:a14="http://schemas.microsoft.com/office/drawing/2010/main" w="25400" cap="flat" cmpd="sng" algn="ctr">
                   <a:solidFill>
                     <a:srgbClr val="000000"/>
                   </a:solidFill>
@@ -15252,7 +16822,7 @@
                 </a14:hiddenLine>
               </a:ext>
               <a:ext uri="{AF507438-7753-43e0-B8FC-AC1667EBCBE1}">
-                <a14:hiddenEffects xmlns:a14="http://schemas.microsoft.com/office/drawing/2010/main" xmlns="">
+                <a14:hiddenEffects xmlns="" xmlns:a14="http://schemas.microsoft.com/office/drawing/2010/main">
                   <a:effectLst>
                     <a:outerShdw blurRad="63500" dist="38099" dir="2700000" algn="ctr" rotWithShape="0">
                       <a:schemeClr val="bg2">
@@ -15293,20 +16863,20 @@
                 </a:lnSpc>
               </a:pPr>
               <a:r>
-                <a:rPr lang="en-US" altLang="zh-CN" dirty="0" smtClean="0">
+                <a:rPr lang="en-US" altLang="zh-CN" dirty="0">
                   <a:latin typeface="微软雅黑" panose="020B0503020204020204" pitchFamily="34" charset="-122"/>
                   <a:ea typeface="微软雅黑" panose="020B0503020204020204" pitchFamily="34" charset="-122"/>
                 </a:rPr>
                 <a:t>_</a:t>
               </a:r>
               <a:r>
-                <a:rPr lang="en-US" altLang="zh-CN" dirty="0" err="1" smtClean="0">
+                <a:rPr lang="en-US" altLang="zh-CN" dirty="0" err="1">
                   <a:latin typeface="微软雅黑" panose="020B0503020204020204" pitchFamily="34" charset="-122"/>
                   <a:ea typeface="微软雅黑" panose="020B0503020204020204" pitchFamily="34" charset="-122"/>
                 </a:rPr>
                 <a:t>M_finish</a:t>
               </a:r>
-              <a:endParaRPr lang="en-US" altLang="zh-CN" dirty="0" smtClean="0">
+              <a:endParaRPr lang="en-US" altLang="zh-CN" dirty="0">
                 <a:latin typeface="微软雅黑" panose="020B0503020204020204" pitchFamily="34" charset="-122"/>
                 <a:ea typeface="微软雅黑" panose="020B0503020204020204" pitchFamily="34" charset="-122"/>
               </a:endParaRPr>
@@ -15341,7 +16911,7 @@
                 </a:lnSpc>
               </a:pPr>
               <a:r>
-                <a:rPr lang="en-US" altLang="zh-CN" dirty="0" smtClean="0">
+                <a:rPr lang="en-US" altLang="zh-CN" dirty="0">
                   <a:latin typeface="微软雅黑" panose="020B0503020204020204" pitchFamily="34" charset="-122"/>
                   <a:ea typeface="微软雅黑" panose="020B0503020204020204" pitchFamily="34" charset="-122"/>
                 </a:rPr>
@@ -15376,7 +16946,7 @@
             <a:effectLst/>
             <a:extLst>
               <a:ext uri="{91240B29-F687-4f45-9708-019B960494DF}">
-                <a14:hiddenLine xmlns:a14="http://schemas.microsoft.com/office/drawing/2010/main" xmlns="" w="25400" cap="flat" cmpd="sng" algn="ctr">
+                <a14:hiddenLine xmlns="" xmlns:a14="http://schemas.microsoft.com/office/drawing/2010/main" w="25400" cap="flat" cmpd="sng" algn="ctr">
                   <a:solidFill>
                     <a:srgbClr val="000000"/>
                   </a:solidFill>
@@ -15387,7 +16957,7 @@
                 </a14:hiddenLine>
               </a:ext>
               <a:ext uri="{AF507438-7753-43e0-B8FC-AC1667EBCBE1}">
-                <a14:hiddenEffects xmlns:a14="http://schemas.microsoft.com/office/drawing/2010/main" xmlns="">
+                <a14:hiddenEffects xmlns="" xmlns:a14="http://schemas.microsoft.com/office/drawing/2010/main">
                   <a:effectLst>
                     <a:outerShdw blurRad="63500" dist="38099" dir="2700000" algn="ctr" rotWithShape="0">
                       <a:schemeClr val="bg2">
@@ -15440,7 +17010,7 @@
                 </a:rPr>
                 <a:t>^</a:t>
               </a:r>
-              <a:endParaRPr lang="zh-CN" altLang="en-US" dirty="0" smtClean="0">
+              <a:endParaRPr lang="zh-CN" altLang="en-US" dirty="0">
                 <a:solidFill>
                   <a:schemeClr val="tx1"/>
                 </a:solidFill>
@@ -15547,62 +17117,62 @@
               <a:buNone/>
             </a:pPr>
             <a:r>
-              <a:rPr lang="en-US" altLang="zh-CN" sz="3200" dirty="0" smtClean="0">
+              <a:rPr lang="en-US" altLang="zh-CN" sz="3200" dirty="0">
                 <a:latin typeface="微软雅黑" panose="020B0503020204020204" pitchFamily="34" charset="-122"/>
                 <a:ea typeface="微软雅黑" panose="020B0503020204020204" pitchFamily="34" charset="-122"/>
               </a:rPr>
               <a:t>p (</a:t>
             </a:r>
             <a:r>
-              <a:rPr lang="en-US" altLang="zh-CN" sz="3200" dirty="0" err="1" smtClean="0">
+              <a:rPr lang="en-US" altLang="zh-CN" sz="3200" dirty="0" err="1">
                 <a:latin typeface="微软雅黑" panose="020B0503020204020204" pitchFamily="34" charset="-122"/>
                 <a:ea typeface="微软雅黑" panose="020B0503020204020204" pitchFamily="34" charset="-122"/>
               </a:rPr>
               <a:t>int</a:t>
             </a:r>
             <a:r>
-              <a:rPr lang="en-US" altLang="zh-CN" sz="3200" dirty="0" smtClean="0">
+              <a:rPr lang="en-US" altLang="zh-CN" sz="3200" dirty="0">
                 <a:latin typeface="微软雅黑" panose="020B0503020204020204" pitchFamily="34" charset="-122"/>
                 <a:ea typeface="微软雅黑" panose="020B0503020204020204" pitchFamily="34" charset="-122"/>
               </a:rPr>
               <a:t> [10])*</a:t>
             </a:r>
             <a:r>
-              <a:rPr lang="en-US" altLang="zh-CN" sz="3200" dirty="0" err="1" smtClean="0">
+              <a:rPr lang="en-US" altLang="zh-CN" sz="3200" dirty="0" err="1">
                 <a:latin typeface="微软雅黑" panose="020B0503020204020204" pitchFamily="34" charset="-122"/>
                 <a:ea typeface="微软雅黑" panose="020B0503020204020204" pitchFamily="34" charset="-122"/>
               </a:rPr>
               <a:t>vec</a:t>
             </a:r>
             <a:r>
-              <a:rPr lang="en-US" altLang="zh-CN" sz="3200" dirty="0" smtClean="0">
+              <a:rPr lang="en-US" altLang="zh-CN" sz="3200" dirty="0">
                 <a:latin typeface="微软雅黑" panose="020B0503020204020204" pitchFamily="34" charset="-122"/>
                 <a:ea typeface="微软雅黑" panose="020B0503020204020204" pitchFamily="34" charset="-122"/>
               </a:rPr>
               <a:t>._M_</a:t>
             </a:r>
             <a:r>
-              <a:rPr lang="en-US" altLang="zh-CN" sz="3200" dirty="0" err="1" smtClean="0">
+              <a:rPr lang="en-US" altLang="zh-CN" sz="3200" dirty="0" err="1">
                 <a:latin typeface="微软雅黑" panose="020B0503020204020204" pitchFamily="34" charset="-122"/>
                 <a:ea typeface="微软雅黑" panose="020B0503020204020204" pitchFamily="34" charset="-122"/>
               </a:rPr>
               <a:t>impl</a:t>
             </a:r>
             <a:r>
-              <a:rPr lang="en-US" altLang="zh-CN" sz="3200" dirty="0" smtClean="0">
+              <a:rPr lang="en-US" altLang="zh-CN" sz="3200" dirty="0">
                 <a:latin typeface="微软雅黑" panose="020B0503020204020204" pitchFamily="34" charset="-122"/>
                 <a:ea typeface="微软雅黑" panose="020B0503020204020204" pitchFamily="34" charset="-122"/>
               </a:rPr>
               <a:t>._</a:t>
             </a:r>
             <a:r>
-              <a:rPr lang="en-US" altLang="zh-CN" sz="3200" dirty="0" err="1" smtClean="0">
+              <a:rPr lang="en-US" altLang="zh-CN" sz="3200" dirty="0" err="1">
                 <a:latin typeface="微软雅黑" panose="020B0503020204020204" pitchFamily="34" charset="-122"/>
                 <a:ea typeface="微软雅黑" panose="020B0503020204020204" pitchFamily="34" charset="-122"/>
               </a:rPr>
               <a:t>M_start</a:t>
             </a:r>
-            <a:endParaRPr lang="en-US" altLang="zh-CN" sz="3200" dirty="0" smtClean="0">
+            <a:endParaRPr lang="en-US" altLang="zh-CN" sz="3200" dirty="0">
               <a:latin typeface="微软雅黑" panose="020B0503020204020204" pitchFamily="34" charset="-122"/>
               <a:ea typeface="微软雅黑" panose="020B0503020204020204" pitchFamily="34" charset="-122"/>
             </a:endParaRPr>
@@ -15616,28 +17186,7 @@
                 <a:latin typeface="微软雅黑" panose="020B0503020204020204" pitchFamily="34" charset="-122"/>
                 <a:ea typeface="微软雅黑" panose="020B0503020204020204" pitchFamily="34" charset="-122"/>
               </a:rPr>
-              <a:t>p </a:t>
-            </a:r>
-            <a:r>
-              <a:rPr lang="en-US" altLang="zh-CN" sz="3200" dirty="0" smtClean="0">
-                <a:latin typeface="微软雅黑" panose="020B0503020204020204" pitchFamily="34" charset="-122"/>
-                <a:ea typeface="微软雅黑" panose="020B0503020204020204" pitchFamily="34" charset="-122"/>
-              </a:rPr>
-              <a:t>*</a:t>
-            </a:r>
-            <a:r>
-              <a:rPr lang="en-US" altLang="zh-CN" sz="3200" dirty="0">
-                <a:latin typeface="微软雅黑" panose="020B0503020204020204" pitchFamily="34" charset="-122"/>
-                <a:ea typeface="微软雅黑" panose="020B0503020204020204" pitchFamily="34" charset="-122"/>
-              </a:rPr>
-              <a:t>vec._M_impl._</a:t>
-            </a:r>
-            <a:r>
-              <a:rPr lang="en-US" altLang="zh-CN" sz="3200" dirty="0" smtClean="0">
-                <a:latin typeface="微软雅黑" panose="020B0503020204020204" pitchFamily="34" charset="-122"/>
-                <a:ea typeface="微软雅黑" panose="020B0503020204020204" pitchFamily="34" charset="-122"/>
-              </a:rPr>
-              <a:t>M_start@10</a:t>
+              <a:t>p *vec._M_impl._M_start@10</a:t>
             </a:r>
             <a:endParaRPr lang="zh-CN" altLang="en-US" sz="3200" dirty="0">
               <a:latin typeface="微软雅黑" panose="020B0503020204020204" pitchFamily="34" charset="-122"/>
@@ -15666,13 +17215,6 @@
     <a:masterClrMapping/>
   </p:clrMapOvr>
   <p:transition/>
-  <p:timing>
-    <p:tnLst>
-      <p:par>
-        <p:cTn id="1" dur="indefinite" restart="never" nodeType="tmRoot"/>
-      </p:par>
-    </p:tnLst>
-  </p:timing>
 </p:sld>
 </file>
 
@@ -15709,16 +17251,12 @@
           <a:lstStyle/>
           <a:p>
             <a:r>
-              <a:rPr lang="zh-CN" altLang="en-US" b="1" dirty="0" smtClean="0">
+              <a:rPr lang="zh-CN" altLang="en-US" b="1" dirty="0">
                 <a:latin typeface="微软雅黑" panose="020B0503020204020204" pitchFamily="34" charset="-122"/>
                 <a:ea typeface="微软雅黑" panose="020B0503020204020204" pitchFamily="34" charset="-122"/>
               </a:rPr>
               <a:t>练习</a:t>
             </a:r>
-            <a:endParaRPr lang="zh-CN" altLang="en-US" b="1" dirty="0">
-              <a:latin typeface="微软雅黑" panose="020B0503020204020204" pitchFamily="34" charset="-122"/>
-              <a:ea typeface="微软雅黑" panose="020B0503020204020204" pitchFamily="34" charset="-122"/>
-            </a:endParaRPr>
           </a:p>
         </p:txBody>
       </p:sp>
@@ -15738,30 +17276,26 @@
           <a:lstStyle/>
           <a:p>
             <a:r>
-              <a:rPr lang="zh-CN" altLang="en-US" dirty="0" smtClean="0">
+              <a:rPr lang="zh-CN" altLang="en-US" dirty="0">
                 <a:latin typeface="微软雅黑" panose="020B0503020204020204" pitchFamily="34" charset="-122"/>
                 <a:ea typeface="微软雅黑" panose="020B0503020204020204" pitchFamily="34" charset="-122"/>
               </a:rPr>
               <a:t>用</a:t>
             </a:r>
             <a:r>
-              <a:rPr lang="en-US" altLang="zh-CN" dirty="0" smtClean="0">
+              <a:rPr lang="en-US" altLang="zh-CN" dirty="0">
                 <a:latin typeface="微软雅黑" panose="020B0503020204020204" pitchFamily="34" charset="-122"/>
                 <a:ea typeface="微软雅黑" panose="020B0503020204020204" pitchFamily="34" charset="-122"/>
               </a:rPr>
               <a:t>x</a:t>
             </a:r>
             <a:r>
-              <a:rPr lang="zh-CN" altLang="en-US" dirty="0" smtClean="0">
+              <a:rPr lang="zh-CN" altLang="en-US" dirty="0">
                 <a:latin typeface="微软雅黑" panose="020B0503020204020204" pitchFamily="34" charset="-122"/>
                 <a:ea typeface="微软雅黑" panose="020B0503020204020204" pitchFamily="34" charset="-122"/>
               </a:rPr>
               <a:t>命令观察随机生成的字符串</a:t>
             </a:r>
-            <a:endParaRPr lang="zh-CN" altLang="en-US" dirty="0">
-              <a:latin typeface="微软雅黑" panose="020B0503020204020204" pitchFamily="34" charset="-122"/>
-              <a:ea typeface="微软雅黑" panose="020B0503020204020204" pitchFamily="34" charset="-122"/>
-            </a:endParaRPr>
           </a:p>
         </p:txBody>
       </p:sp>
@@ -15835,13 +17369,6 @@
     <a:masterClrMapping/>
   </p:clrMapOvr>
   <p:transition/>
-  <p:timing>
-    <p:tnLst>
-      <p:par>
-        <p:cTn id="1" dur="indefinite" restart="never" nodeType="tmRoot"/>
-      </p:par>
-    </p:tnLst>
-  </p:timing>
 </p:sld>
 </file>
 
@@ -15878,16 +17405,12 @@
           <a:lstStyle/>
           <a:p>
             <a:r>
-              <a:rPr lang="zh-CN" altLang="en-US" b="1" dirty="0" smtClean="0">
+              <a:rPr lang="zh-CN" altLang="en-US" b="1" dirty="0">
                 <a:latin typeface="微软雅黑" panose="020B0503020204020204" pitchFamily="34" charset="-122"/>
                 <a:ea typeface="微软雅黑" panose="020B0503020204020204" pitchFamily="34" charset="-122"/>
               </a:rPr>
               <a:t>练习</a:t>
             </a:r>
-            <a:endParaRPr lang="zh-CN" altLang="en-US" b="1" dirty="0">
-              <a:latin typeface="微软雅黑" panose="020B0503020204020204" pitchFamily="34" charset="-122"/>
-              <a:ea typeface="微软雅黑" panose="020B0503020204020204" pitchFamily="34" charset="-122"/>
-            </a:endParaRPr>
           </a:p>
         </p:txBody>
       </p:sp>
@@ -15911,47 +17434,29 @@
                 <a:latin typeface="微软雅黑" panose="020B0503020204020204" pitchFamily="34" charset="-122"/>
                 <a:ea typeface="微软雅黑" panose="020B0503020204020204" pitchFamily="34" charset="-122"/>
               </a:rPr>
-              <a:t>找</a:t>
-            </a:r>
-            <a:r>
-              <a:rPr lang="zh-CN" altLang="en-US" dirty="0" smtClean="0">
-                <a:latin typeface="微软雅黑" panose="020B0503020204020204" pitchFamily="34" charset="-122"/>
-                <a:ea typeface="微软雅黑" panose="020B0503020204020204" pitchFamily="34" charset="-122"/>
-              </a:rPr>
-              <a:t>出</a:t>
-            </a:r>
-            <a:r>
-              <a:rPr lang="zh-CN" altLang="en-US" dirty="0" smtClean="0">
-                <a:latin typeface="微软雅黑" panose="020B0503020204020204" pitchFamily="34" charset="-122"/>
-                <a:ea typeface="微软雅黑" panose="020B0503020204020204" pitchFamily="34" charset="-122"/>
-              </a:rPr>
-              <a:t>第</a:t>
-            </a:r>
-            <a:r>
-              <a:rPr lang="en-US" altLang="zh-CN" smtClean="0">
+              <a:t>找出第</a:t>
+            </a:r>
+            <a:r>
+              <a:rPr lang="en-US" altLang="zh-CN">
                 <a:latin typeface="微软雅黑" panose="020B0503020204020204" pitchFamily="34" charset="-122"/>
                 <a:ea typeface="微软雅黑" panose="020B0503020204020204" pitchFamily="34" charset="-122"/>
               </a:rPr>
               <a:t>33</a:t>
             </a:r>
             <a:r>
-              <a:rPr lang="zh-CN" altLang="en-US" smtClean="0">
+              <a:rPr lang="zh-CN" altLang="en-US">
                 <a:latin typeface="微软雅黑" panose="020B0503020204020204" pitchFamily="34" charset="-122"/>
                 <a:ea typeface="微软雅黑" panose="020B0503020204020204" pitchFamily="34" charset="-122"/>
               </a:rPr>
               <a:t>个</a:t>
             </a:r>
             <a:r>
-              <a:rPr lang="zh-CN" altLang="en-US" dirty="0" smtClean="0">
+              <a:rPr lang="zh-CN" altLang="en-US" dirty="0">
                 <a:latin typeface="微软雅黑" panose="020B0503020204020204" pitchFamily="34" charset="-122"/>
                 <a:ea typeface="微软雅黑" panose="020B0503020204020204" pitchFamily="34" charset="-122"/>
               </a:rPr>
               <a:t>学生的信息</a:t>
             </a:r>
-            <a:endParaRPr lang="zh-CN" altLang="en-US" dirty="0">
-              <a:latin typeface="微软雅黑" panose="020B0503020204020204" pitchFamily="34" charset="-122"/>
-              <a:ea typeface="微软雅黑" panose="020B0503020204020204" pitchFamily="34" charset="-122"/>
-            </a:endParaRPr>
           </a:p>
         </p:txBody>
       </p:sp>
@@ -16025,13 +17530,6 @@
     <a:masterClrMapping/>
   </p:clrMapOvr>
   <p:transition/>
-  <p:timing>
-    <p:tnLst>
-      <p:par>
-        <p:cTn id="1" dur="indefinite" restart="never" nodeType="tmRoot"/>
-      </p:par>
-    </p:tnLst>
-  </p:timing>
 </p:sld>
 </file>
 
@@ -16068,32 +17566,18 @@
           <a:lstStyle/>
           <a:p>
             <a:r>
-              <a:rPr lang="en-US" altLang="zh-CN" b="1" dirty="0" err="1" smtClean="0">
+              <a:rPr lang="en-US" altLang="zh-CN" b="1" dirty="0" err="1">
                 <a:latin typeface="微软雅黑" panose="020B0503020204020204" pitchFamily="34" charset="-122"/>
                 <a:ea typeface="微软雅黑" panose="020B0503020204020204" pitchFamily="34" charset="-122"/>
               </a:rPr>
               <a:t>gcc</a:t>
             </a:r>
             <a:r>
-              <a:rPr lang="en-US" altLang="zh-CN" b="1" dirty="0" smtClean="0">
+              <a:rPr lang="en-US" altLang="zh-CN" b="1" dirty="0">
                 <a:latin typeface="微软雅黑" panose="020B0503020204020204" pitchFamily="34" charset="-122"/>
                 <a:ea typeface="微软雅黑" panose="020B0503020204020204" pitchFamily="34" charset="-122"/>
               </a:rPr>
-              <a:t> 4.1.2 </a:t>
-            </a:r>
-            <a:r>
-              <a:rPr lang="en-US" altLang="zh-CN" b="1" dirty="0">
-                <a:latin typeface="微软雅黑" panose="020B0503020204020204" pitchFamily="34" charset="-122"/>
-                <a:ea typeface="微软雅黑" panose="020B0503020204020204" pitchFamily="34" charset="-122"/>
-              </a:rPr>
-              <a:t>STL </a:t>
-            </a:r>
-            <a:r>
-              <a:rPr lang="en-US" altLang="zh-CN" b="1" dirty="0" smtClean="0">
-                <a:latin typeface="微软雅黑" panose="020B0503020204020204" pitchFamily="34" charset="-122"/>
-                <a:ea typeface="微软雅黑" panose="020B0503020204020204" pitchFamily="34" charset="-122"/>
-              </a:rPr>
-              <a:t>Internals —— LIST</a:t>
+              <a:t> 4.1.2 STL Internals —— LIST</a:t>
             </a:r>
             <a:endParaRPr lang="zh-CN" altLang="en-US" b="1" dirty="0">
               <a:latin typeface="微软雅黑" panose="020B0503020204020204" pitchFamily="34" charset="-122"/>
@@ -16195,7 +17679,7 @@
                 </a:lnSpc>
               </a:pPr>
               <a:r>
-                <a:rPr lang="en-US" altLang="zh-CN" sz="2000" dirty="0" smtClean="0">
+                <a:rPr lang="en-US" altLang="zh-CN" sz="2000" dirty="0">
                   <a:solidFill>
                     <a:schemeClr val="tx1"/>
                   </a:solidFill>
@@ -16205,7 +17689,7 @@
                 <a:t>_</a:t>
               </a:r>
               <a:r>
-                <a:rPr lang="en-US" altLang="zh-CN" sz="2000" dirty="0" err="1" smtClean="0">
+                <a:rPr lang="en-US" altLang="zh-CN" sz="2000" dirty="0" err="1">
                   <a:solidFill>
                     <a:schemeClr val="tx1"/>
                   </a:solidFill>
@@ -16214,7 +17698,7 @@
                 </a:rPr>
                 <a:t>M_next</a:t>
               </a:r>
-              <a:endParaRPr lang="zh-CN" altLang="en-US" sz="2000" dirty="0" smtClean="0">
+              <a:endParaRPr lang="zh-CN" altLang="en-US" sz="2000" dirty="0">
                 <a:solidFill>
                   <a:schemeClr val="tx1"/>
                 </a:solidFill>
@@ -16255,7 +17739,7 @@
                 </a:lnSpc>
               </a:pPr>
               <a:r>
-                <a:rPr lang="en-US" altLang="zh-CN" sz="2000" dirty="0" smtClean="0">
+                <a:rPr lang="en-US" altLang="zh-CN" sz="2000" dirty="0">
                   <a:solidFill>
                     <a:schemeClr val="tx1"/>
                   </a:solidFill>
@@ -16265,7 +17749,7 @@
                 <a:t>_</a:t>
               </a:r>
               <a:r>
-                <a:rPr lang="en-US" altLang="zh-CN" sz="2000" dirty="0" err="1" smtClean="0">
+                <a:rPr lang="en-US" altLang="zh-CN" sz="2000" dirty="0" err="1">
                   <a:solidFill>
                     <a:schemeClr val="tx1"/>
                   </a:solidFill>
@@ -16274,7 +17758,7 @@
                 </a:rPr>
                 <a:t>M_prev</a:t>
               </a:r>
-              <a:endParaRPr lang="zh-CN" altLang="en-US" sz="2000" dirty="0" smtClean="0">
+              <a:endParaRPr lang="zh-CN" altLang="en-US" sz="2000" dirty="0">
                 <a:solidFill>
                   <a:schemeClr val="tx1"/>
                 </a:solidFill>
@@ -16315,7 +17799,7 @@
                 </a:lnSpc>
               </a:pPr>
               <a:r>
-                <a:rPr lang="en-US" altLang="zh-CN" sz="2000" dirty="0" smtClean="0">
+                <a:rPr lang="en-US" altLang="zh-CN" sz="2000" dirty="0">
                   <a:solidFill>
                     <a:schemeClr val="tx1"/>
                   </a:solidFill>
@@ -16325,7 +17809,7 @@
                 <a:t>_</a:t>
               </a:r>
               <a:r>
-                <a:rPr lang="en-US" altLang="zh-CN" sz="2000" dirty="0" err="1" smtClean="0">
+                <a:rPr lang="en-US" altLang="zh-CN" sz="2000" dirty="0" err="1">
                   <a:solidFill>
                     <a:schemeClr val="tx1"/>
                   </a:solidFill>
@@ -16334,7 +17818,7 @@
                 </a:rPr>
                 <a:t>M_data</a:t>
               </a:r>
-              <a:endParaRPr lang="zh-CN" altLang="en-US" sz="2000" dirty="0" smtClean="0">
+              <a:endParaRPr lang="zh-CN" altLang="en-US" sz="2000" dirty="0">
                 <a:solidFill>
                   <a:schemeClr val="tx1"/>
                 </a:solidFill>
@@ -16375,7 +17859,7 @@
                 </a:lnSpc>
               </a:pPr>
               <a:r>
-                <a:rPr lang="en-US" altLang="zh-CN" sz="2000" dirty="0" smtClean="0">
+                <a:rPr lang="en-US" altLang="zh-CN" sz="2000" dirty="0">
                   <a:solidFill>
                     <a:schemeClr val="tx1"/>
                   </a:solidFill>
@@ -16385,7 +17869,7 @@
                 <a:t>_</a:t>
               </a:r>
               <a:r>
-                <a:rPr lang="en-US" altLang="zh-CN" sz="2000" dirty="0" err="1" smtClean="0">
+                <a:rPr lang="en-US" altLang="zh-CN" sz="2000" dirty="0" err="1">
                   <a:solidFill>
                     <a:schemeClr val="tx1"/>
                   </a:solidFill>
@@ -16394,7 +17878,7 @@
                 </a:rPr>
                 <a:t>M_next</a:t>
               </a:r>
-              <a:endParaRPr lang="zh-CN" altLang="en-US" sz="2000" dirty="0" smtClean="0">
+              <a:endParaRPr lang="zh-CN" altLang="en-US" sz="2000" dirty="0">
                 <a:solidFill>
                   <a:schemeClr val="tx1"/>
                 </a:solidFill>
@@ -16435,7 +17919,7 @@
                 </a:lnSpc>
               </a:pPr>
               <a:r>
-                <a:rPr lang="en-US" altLang="zh-CN" sz="2000" dirty="0" smtClean="0">
+                <a:rPr lang="en-US" altLang="zh-CN" sz="2000" dirty="0">
                   <a:solidFill>
                     <a:schemeClr val="tx1"/>
                   </a:solidFill>
@@ -16445,7 +17929,7 @@
                 <a:t>_</a:t>
               </a:r>
               <a:r>
-                <a:rPr lang="en-US" altLang="zh-CN" sz="2000" dirty="0" err="1" smtClean="0">
+                <a:rPr lang="en-US" altLang="zh-CN" sz="2000" dirty="0" err="1">
                   <a:solidFill>
                     <a:schemeClr val="tx1"/>
                   </a:solidFill>
@@ -16454,7 +17938,7 @@
                 </a:rPr>
                 <a:t>M_prev</a:t>
               </a:r>
-              <a:endParaRPr lang="zh-CN" altLang="en-US" sz="2000" dirty="0" smtClean="0">
+              <a:endParaRPr lang="zh-CN" altLang="en-US" sz="2000" dirty="0">
                 <a:solidFill>
                   <a:schemeClr val="tx1"/>
                 </a:solidFill>
@@ -16495,7 +17979,7 @@
                 </a:lnSpc>
               </a:pPr>
               <a:r>
-                <a:rPr lang="en-US" altLang="zh-CN" sz="2000" dirty="0" smtClean="0">
+                <a:rPr lang="en-US" altLang="zh-CN" sz="2000" dirty="0">
                   <a:solidFill>
                     <a:schemeClr val="tx1"/>
                   </a:solidFill>
@@ -16505,7 +17989,7 @@
                 <a:t>_</a:t>
               </a:r>
               <a:r>
-                <a:rPr lang="en-US" altLang="zh-CN" sz="2000" dirty="0" err="1" smtClean="0">
+                <a:rPr lang="en-US" altLang="zh-CN" sz="2000" dirty="0" err="1">
                   <a:solidFill>
                     <a:schemeClr val="tx1"/>
                   </a:solidFill>
@@ -16514,7 +17998,7 @@
                 </a:rPr>
                 <a:t>M_data</a:t>
               </a:r>
-              <a:endParaRPr lang="zh-CN" altLang="en-US" sz="2000" dirty="0" smtClean="0">
+              <a:endParaRPr lang="zh-CN" altLang="en-US" sz="2000" dirty="0">
                 <a:solidFill>
                   <a:schemeClr val="tx1"/>
                 </a:solidFill>
@@ -16555,7 +18039,7 @@
                 </a:lnSpc>
               </a:pPr>
               <a:r>
-                <a:rPr lang="en-US" altLang="zh-CN" sz="2000" dirty="0" smtClean="0">
+                <a:rPr lang="en-US" altLang="zh-CN" sz="2000" dirty="0">
                   <a:solidFill>
                     <a:schemeClr val="tx1"/>
                   </a:solidFill>
@@ -16565,7 +18049,7 @@
                 <a:t>_</a:t>
               </a:r>
               <a:r>
-                <a:rPr lang="en-US" altLang="zh-CN" sz="2000" dirty="0" err="1" smtClean="0">
+                <a:rPr lang="en-US" altLang="zh-CN" sz="2000" dirty="0" err="1">
                   <a:solidFill>
                     <a:schemeClr val="tx1"/>
                   </a:solidFill>
@@ -16574,7 +18058,7 @@
                 </a:rPr>
                 <a:t>M_next</a:t>
               </a:r>
-              <a:endParaRPr lang="zh-CN" altLang="en-US" sz="2000" dirty="0" smtClean="0">
+              <a:endParaRPr lang="zh-CN" altLang="en-US" sz="2000" dirty="0">
                 <a:solidFill>
                   <a:schemeClr val="tx1"/>
                 </a:solidFill>
@@ -16615,7 +18099,7 @@
                 </a:lnSpc>
               </a:pPr>
               <a:r>
-                <a:rPr lang="en-US" altLang="zh-CN" sz="2000" dirty="0" smtClean="0">
+                <a:rPr lang="en-US" altLang="zh-CN" sz="2000" dirty="0">
                   <a:solidFill>
                     <a:schemeClr val="tx1"/>
                   </a:solidFill>
@@ -16625,7 +18109,7 @@
                 <a:t>_</a:t>
               </a:r>
               <a:r>
-                <a:rPr lang="en-US" altLang="zh-CN" sz="2000" dirty="0" err="1" smtClean="0">
+                <a:rPr lang="en-US" altLang="zh-CN" sz="2000" dirty="0" err="1">
                   <a:solidFill>
                     <a:schemeClr val="tx1"/>
                   </a:solidFill>
@@ -16634,7 +18118,7 @@
                 </a:rPr>
                 <a:t>M_prev</a:t>
               </a:r>
-              <a:endParaRPr lang="zh-CN" altLang="en-US" sz="2000" dirty="0" smtClean="0">
+              <a:endParaRPr lang="zh-CN" altLang="en-US" sz="2000" dirty="0">
                 <a:solidFill>
                   <a:schemeClr val="tx1"/>
                 </a:solidFill>
@@ -16675,7 +18159,7 @@
                 </a:lnSpc>
               </a:pPr>
               <a:r>
-                <a:rPr lang="en-US" altLang="zh-CN" sz="2000" dirty="0" smtClean="0">
+                <a:rPr lang="en-US" altLang="zh-CN" sz="2000" dirty="0">
                   <a:solidFill>
                     <a:schemeClr val="tx1"/>
                   </a:solidFill>
@@ -16685,7 +18169,7 @@
                 <a:t>_</a:t>
               </a:r>
               <a:r>
-                <a:rPr lang="en-US" altLang="zh-CN" sz="2000" dirty="0" err="1" smtClean="0">
+                <a:rPr lang="en-US" altLang="zh-CN" sz="2000" dirty="0" err="1">
                   <a:solidFill>
                     <a:schemeClr val="tx1"/>
                   </a:solidFill>
@@ -16694,7 +18178,7 @@
                 </a:rPr>
                 <a:t>M_data</a:t>
               </a:r>
-              <a:endParaRPr lang="zh-CN" altLang="en-US" sz="2000" dirty="0" smtClean="0">
+              <a:endParaRPr lang="zh-CN" altLang="en-US" sz="2000" dirty="0">
                 <a:solidFill>
                   <a:schemeClr val="tx1"/>
                 </a:solidFill>
@@ -16735,7 +18219,7 @@
                 </a:lnSpc>
               </a:pPr>
               <a:r>
-                <a:rPr lang="en-US" altLang="zh-CN" sz="2000" dirty="0" smtClean="0">
+                <a:rPr lang="en-US" altLang="zh-CN" sz="2000" dirty="0">
                   <a:solidFill>
                     <a:schemeClr val="tx1"/>
                   </a:solidFill>
@@ -16745,7 +18229,7 @@
                 <a:t>_</a:t>
               </a:r>
               <a:r>
-                <a:rPr lang="en-US" altLang="zh-CN" sz="2000" dirty="0" err="1" smtClean="0">
+                <a:rPr lang="en-US" altLang="zh-CN" sz="2000" dirty="0" err="1">
                   <a:solidFill>
                     <a:schemeClr val="tx1"/>
                   </a:solidFill>
@@ -16754,7 +18238,7 @@
                 </a:rPr>
                 <a:t>M_next</a:t>
               </a:r>
-              <a:endParaRPr lang="zh-CN" altLang="en-US" sz="2000" dirty="0" smtClean="0">
+              <a:endParaRPr lang="zh-CN" altLang="en-US" sz="2000" dirty="0">
                 <a:solidFill>
                   <a:schemeClr val="tx1"/>
                 </a:solidFill>
@@ -16795,7 +18279,7 @@
                 </a:lnSpc>
               </a:pPr>
               <a:r>
-                <a:rPr lang="en-US" altLang="zh-CN" sz="2000" dirty="0" smtClean="0">
+                <a:rPr lang="en-US" altLang="zh-CN" sz="2000" dirty="0">
                   <a:solidFill>
                     <a:schemeClr val="tx1"/>
                   </a:solidFill>
@@ -16805,7 +18289,7 @@
                 <a:t>_</a:t>
               </a:r>
               <a:r>
-                <a:rPr lang="en-US" altLang="zh-CN" sz="2000" dirty="0" err="1" smtClean="0">
+                <a:rPr lang="en-US" altLang="zh-CN" sz="2000" dirty="0" err="1">
                   <a:solidFill>
                     <a:schemeClr val="tx1"/>
                   </a:solidFill>
@@ -16814,7 +18298,7 @@
                 </a:rPr>
                 <a:t>M_prev</a:t>
               </a:r>
-              <a:endParaRPr lang="zh-CN" altLang="en-US" sz="2000" dirty="0" smtClean="0">
+              <a:endParaRPr lang="zh-CN" altLang="en-US" sz="2000" dirty="0">
                 <a:solidFill>
                   <a:schemeClr val="tx1"/>
                 </a:solidFill>
@@ -16852,20 +18336,20 @@
                 </a:lnSpc>
               </a:pPr>
               <a:r>
-                <a:rPr lang="en-US" altLang="zh-CN" dirty="0" smtClean="0">
+                <a:rPr lang="en-US" altLang="zh-CN" dirty="0">
                   <a:latin typeface="微软雅黑" panose="020B0503020204020204" pitchFamily="34" charset="-122"/>
                   <a:ea typeface="微软雅黑" panose="020B0503020204020204" pitchFamily="34" charset="-122"/>
                 </a:rPr>
                 <a:t>_</a:t>
               </a:r>
               <a:r>
-                <a:rPr lang="en-US" altLang="zh-CN" dirty="0" err="1" smtClean="0">
+                <a:rPr lang="en-US" altLang="zh-CN" dirty="0" err="1">
                   <a:latin typeface="微软雅黑" panose="020B0503020204020204" pitchFamily="34" charset="-122"/>
                   <a:ea typeface="微软雅黑" panose="020B0503020204020204" pitchFamily="34" charset="-122"/>
                 </a:rPr>
                 <a:t>M_impl</a:t>
               </a:r>
-              <a:endParaRPr lang="zh-CN" altLang="en-US" dirty="0" smtClean="0">
+              <a:endParaRPr lang="zh-CN" altLang="en-US" dirty="0">
                 <a:latin typeface="微软雅黑" panose="020B0503020204020204" pitchFamily="34" charset="-122"/>
                 <a:ea typeface="微软雅黑" panose="020B0503020204020204" pitchFamily="34" charset="-122"/>
               </a:endParaRPr>
@@ -16900,7 +18384,7 @@
             <a:effectLst/>
             <a:extLst>
               <a:ext uri="{91240B29-F687-4f45-9708-019B960494DF}">
-                <a14:hiddenLine xmlns:a14="http://schemas.microsoft.com/office/drawing/2010/main" xmlns="" w="25400" cap="flat" cmpd="sng" algn="ctr">
+                <a14:hiddenLine xmlns="" xmlns:a14="http://schemas.microsoft.com/office/drawing/2010/main" w="25400" cap="flat" cmpd="sng" algn="ctr">
                   <a:solidFill>
                     <a:srgbClr val="000000"/>
                   </a:solidFill>
@@ -16911,7 +18395,7 @@
                 </a14:hiddenLine>
               </a:ext>
               <a:ext uri="{AF507438-7753-43e0-B8FC-AC1667EBCBE1}">
-                <a14:hiddenEffects xmlns:a14="http://schemas.microsoft.com/office/drawing/2010/main" xmlns="">
+                <a14:hiddenEffects xmlns="" xmlns:a14="http://schemas.microsoft.com/office/drawing/2010/main">
                   <a:effectLst>
                     <a:outerShdw blurRad="63500" dist="38099" dir="2700000" algn="ctr" rotWithShape="0">
                       <a:schemeClr val="bg2">
@@ -16953,7 +18437,7 @@
             <a:effectLst/>
             <a:extLst>
               <a:ext uri="{91240B29-F687-4f45-9708-019B960494DF}">
-                <a14:hiddenLine xmlns:a14="http://schemas.microsoft.com/office/drawing/2010/main" xmlns="" w="25400" cap="flat" cmpd="sng" algn="ctr">
+                <a14:hiddenLine xmlns="" xmlns:a14="http://schemas.microsoft.com/office/drawing/2010/main" w="25400" cap="flat" cmpd="sng" algn="ctr">
                   <a:solidFill>
                     <a:srgbClr val="000000"/>
                   </a:solidFill>
@@ -16964,7 +18448,7 @@
                 </a14:hiddenLine>
               </a:ext>
               <a:ext uri="{AF507438-7753-43e0-B8FC-AC1667EBCBE1}">
-                <a14:hiddenEffects xmlns:a14="http://schemas.microsoft.com/office/drawing/2010/main" xmlns="">
+                <a14:hiddenEffects xmlns="" xmlns:a14="http://schemas.microsoft.com/office/drawing/2010/main">
                   <a:effectLst>
                     <a:outerShdw blurRad="63500" dist="38099" dir="2700000" algn="ctr" rotWithShape="0">
                       <a:schemeClr val="bg2">
@@ -17003,7 +18487,7 @@
             <a:effectLst/>
             <a:extLst>
               <a:ext uri="{91240B29-F687-4f45-9708-019B960494DF}">
-                <a14:hiddenLine xmlns:a14="http://schemas.microsoft.com/office/drawing/2010/main" xmlns="" w="25400" cap="flat" cmpd="sng" algn="ctr">
+                <a14:hiddenLine xmlns="" xmlns:a14="http://schemas.microsoft.com/office/drawing/2010/main" w="25400" cap="flat" cmpd="sng" algn="ctr">
                   <a:solidFill>
                     <a:srgbClr val="000000"/>
                   </a:solidFill>
@@ -17014,7 +18498,7 @@
                 </a14:hiddenLine>
               </a:ext>
               <a:ext uri="{AF507438-7753-43e0-B8FC-AC1667EBCBE1}">
-                <a14:hiddenEffects xmlns:a14="http://schemas.microsoft.com/office/drawing/2010/main" xmlns="">
+                <a14:hiddenEffects xmlns="" xmlns:a14="http://schemas.microsoft.com/office/drawing/2010/main">
                   <a:effectLst>
                     <a:outerShdw blurRad="63500" dist="38099" dir="2700000" algn="ctr" rotWithShape="0">
                       <a:schemeClr val="bg2">
@@ -17056,7 +18540,7 @@
             <a:effectLst/>
             <a:extLst>
               <a:ext uri="{91240B29-F687-4f45-9708-019B960494DF}">
-                <a14:hiddenLine xmlns:a14="http://schemas.microsoft.com/office/drawing/2010/main" xmlns="" w="25400" cap="flat" cmpd="sng" algn="ctr">
+                <a14:hiddenLine xmlns="" xmlns:a14="http://schemas.microsoft.com/office/drawing/2010/main" w="25400" cap="flat" cmpd="sng" algn="ctr">
                   <a:solidFill>
                     <a:srgbClr val="000000"/>
                   </a:solidFill>
@@ -17067,7 +18551,7 @@
                 </a14:hiddenLine>
               </a:ext>
               <a:ext uri="{AF507438-7753-43e0-B8FC-AC1667EBCBE1}">
-                <a14:hiddenEffects xmlns:a14="http://schemas.microsoft.com/office/drawing/2010/main" xmlns="">
+                <a14:hiddenEffects xmlns="" xmlns:a14="http://schemas.microsoft.com/office/drawing/2010/main">
                   <a:effectLst>
                     <a:outerShdw blurRad="63500" dist="38099" dir="2700000" algn="ctr" rotWithShape="0">
                       <a:schemeClr val="bg2">
@@ -17106,7 +18590,7 @@
             <a:effectLst/>
             <a:extLst>
               <a:ext uri="{91240B29-F687-4f45-9708-019B960494DF}">
-                <a14:hiddenLine xmlns:a14="http://schemas.microsoft.com/office/drawing/2010/main" xmlns="" w="25400" cap="flat" cmpd="sng" algn="ctr">
+                <a14:hiddenLine xmlns="" xmlns:a14="http://schemas.microsoft.com/office/drawing/2010/main" w="25400" cap="flat" cmpd="sng" algn="ctr">
                   <a:solidFill>
                     <a:srgbClr val="000000"/>
                   </a:solidFill>
@@ -17117,7 +18601,7 @@
                 </a14:hiddenLine>
               </a:ext>
               <a:ext uri="{AF507438-7753-43e0-B8FC-AC1667EBCBE1}">
-                <a14:hiddenEffects xmlns:a14="http://schemas.microsoft.com/office/drawing/2010/main" xmlns="">
+                <a14:hiddenEffects xmlns="" xmlns:a14="http://schemas.microsoft.com/office/drawing/2010/main">
                   <a:effectLst>
                     <a:outerShdw blurRad="63500" dist="38099" dir="2700000" algn="ctr" rotWithShape="0">
                       <a:schemeClr val="bg2">
@@ -17159,7 +18643,7 @@
             <a:effectLst/>
             <a:extLst>
               <a:ext uri="{91240B29-F687-4f45-9708-019B960494DF}">
-                <a14:hiddenLine xmlns:a14="http://schemas.microsoft.com/office/drawing/2010/main" xmlns="" w="25400" cap="flat" cmpd="sng" algn="ctr">
+                <a14:hiddenLine xmlns="" xmlns:a14="http://schemas.microsoft.com/office/drawing/2010/main" w="25400" cap="flat" cmpd="sng" algn="ctr">
                   <a:solidFill>
                     <a:srgbClr val="000000"/>
                   </a:solidFill>
@@ -17170,7 +18654,7 @@
                 </a14:hiddenLine>
               </a:ext>
               <a:ext uri="{AF507438-7753-43e0-B8FC-AC1667EBCBE1}">
-                <a14:hiddenEffects xmlns:a14="http://schemas.microsoft.com/office/drawing/2010/main" xmlns="">
+                <a14:hiddenEffects xmlns="" xmlns:a14="http://schemas.microsoft.com/office/drawing/2010/main">
                   <a:effectLst>
                     <a:outerShdw blurRad="63500" dist="38099" dir="2700000" algn="ctr" rotWithShape="0">
                       <a:schemeClr val="bg2">
@@ -17215,7 +18699,7 @@
             <a:effectLst/>
             <a:extLst>
               <a:ext uri="{91240B29-F687-4f45-9708-019B960494DF}">
-                <a14:hiddenLine xmlns:a14="http://schemas.microsoft.com/office/drawing/2010/main" xmlns="" w="25400" cap="flat" cmpd="sng" algn="ctr">
+                <a14:hiddenLine xmlns="" xmlns:a14="http://schemas.microsoft.com/office/drawing/2010/main" w="25400" cap="flat" cmpd="sng" algn="ctr">
                   <a:solidFill>
                     <a:srgbClr val="000000"/>
                   </a:solidFill>
@@ -17226,7 +18710,7 @@
                 </a14:hiddenLine>
               </a:ext>
               <a:ext uri="{AF507438-7753-43e0-B8FC-AC1667EBCBE1}">
-                <a14:hiddenEffects xmlns:a14="http://schemas.microsoft.com/office/drawing/2010/main" xmlns="">
+                <a14:hiddenEffects xmlns="" xmlns:a14="http://schemas.microsoft.com/office/drawing/2010/main">
                   <a:effectLst>
                     <a:outerShdw blurRad="63500" dist="38099" dir="2700000" algn="ctr" rotWithShape="0">
                       <a:schemeClr val="bg2">
@@ -17268,7 +18752,7 @@
             <a:effectLst/>
             <a:extLst>
               <a:ext uri="{91240B29-F687-4f45-9708-019B960494DF}">
-                <a14:hiddenLine xmlns:a14="http://schemas.microsoft.com/office/drawing/2010/main" xmlns="" w="25400" cap="flat" cmpd="sng" algn="ctr">
+                <a14:hiddenLine xmlns="" xmlns:a14="http://schemas.microsoft.com/office/drawing/2010/main" w="25400" cap="flat" cmpd="sng" algn="ctr">
                   <a:solidFill>
                     <a:srgbClr val="000000"/>
                   </a:solidFill>
@@ -17279,7 +18763,7 @@
                 </a14:hiddenLine>
               </a:ext>
               <a:ext uri="{AF507438-7753-43e0-B8FC-AC1667EBCBE1}">
-                <a14:hiddenEffects xmlns:a14="http://schemas.microsoft.com/office/drawing/2010/main" xmlns="">
+                <a14:hiddenEffects xmlns="" xmlns:a14="http://schemas.microsoft.com/office/drawing/2010/main">
                   <a:effectLst>
                     <a:outerShdw blurRad="63500" dist="38099" dir="2700000" algn="ctr" rotWithShape="0">
                       <a:schemeClr val="bg2">
@@ -17324,7 +18808,7 @@
             <a:effectLst/>
             <a:extLst>
               <a:ext uri="{91240B29-F687-4f45-9708-019B960494DF}">
-                <a14:hiddenLine xmlns:a14="http://schemas.microsoft.com/office/drawing/2010/main" xmlns="" w="25400" cap="flat" cmpd="sng" algn="ctr">
+                <a14:hiddenLine xmlns="" xmlns:a14="http://schemas.microsoft.com/office/drawing/2010/main" w="25400" cap="flat" cmpd="sng" algn="ctr">
                   <a:solidFill>
                     <a:srgbClr val="000000"/>
                   </a:solidFill>
@@ -17335,7 +18819,7 @@
                 </a14:hiddenLine>
               </a:ext>
               <a:ext uri="{AF507438-7753-43e0-B8FC-AC1667EBCBE1}">
-                <a14:hiddenEffects xmlns:a14="http://schemas.microsoft.com/office/drawing/2010/main" xmlns="">
+                <a14:hiddenEffects xmlns="" xmlns:a14="http://schemas.microsoft.com/office/drawing/2010/main">
                   <a:effectLst>
                     <a:outerShdw blurRad="63500" dist="38099" dir="2700000" algn="ctr" rotWithShape="0">
                       <a:schemeClr val="bg2">
@@ -17360,13 +18844,6 @@
     <a:masterClrMapping/>
   </p:clrMapOvr>
   <p:transition/>
-  <p:timing>
-    <p:tnLst>
-      <p:par>
-        <p:cTn id="1" dur="indefinite" restart="never" nodeType="tmRoot"/>
-      </p:par>
-    </p:tnLst>
-  </p:timing>
 </p:sld>
 </file>
 
@@ -17403,32 +18880,18 @@
           <a:lstStyle/>
           <a:p>
             <a:r>
-              <a:rPr lang="en-US" altLang="zh-CN" b="1" dirty="0" err="1" smtClean="0">
+              <a:rPr lang="en-US" altLang="zh-CN" b="1" dirty="0" err="1">
                 <a:latin typeface="微软雅黑" panose="020B0503020204020204" pitchFamily="34" charset="-122"/>
                 <a:ea typeface="微软雅黑" panose="020B0503020204020204" pitchFamily="34" charset="-122"/>
               </a:rPr>
               <a:t>gcc</a:t>
             </a:r>
             <a:r>
-              <a:rPr lang="en-US" altLang="zh-CN" b="1" dirty="0" smtClean="0">
+              <a:rPr lang="en-US" altLang="zh-CN" b="1" dirty="0">
                 <a:latin typeface="微软雅黑" panose="020B0503020204020204" pitchFamily="34" charset="-122"/>
                 <a:ea typeface="微软雅黑" panose="020B0503020204020204" pitchFamily="34" charset="-122"/>
               </a:rPr>
-              <a:t> 4.1.2 </a:t>
-            </a:r>
-            <a:r>
-              <a:rPr lang="en-US" altLang="zh-CN" b="1" dirty="0">
-                <a:latin typeface="微软雅黑" panose="020B0503020204020204" pitchFamily="34" charset="-122"/>
-                <a:ea typeface="微软雅黑" panose="020B0503020204020204" pitchFamily="34" charset="-122"/>
-              </a:rPr>
-              <a:t>STL </a:t>
-            </a:r>
-            <a:r>
-              <a:rPr lang="en-US" altLang="zh-CN" b="1" dirty="0" smtClean="0">
-                <a:latin typeface="微软雅黑" panose="020B0503020204020204" pitchFamily="34" charset="-122"/>
-                <a:ea typeface="微软雅黑" panose="020B0503020204020204" pitchFamily="34" charset="-122"/>
-              </a:rPr>
-              <a:t>Internals —— LIST</a:t>
+              <a:t> 4.1.2 STL Internals —— LIST</a:t>
             </a:r>
             <a:endParaRPr lang="zh-CN" altLang="en-US" b="1" dirty="0">
               <a:latin typeface="微软雅黑" panose="020B0503020204020204" pitchFamily="34" charset="-122"/>
@@ -17482,7 +18945,7 @@
                 </a:lnSpc>
               </a:pPr>
               <a:r>
-                <a:rPr lang="en-US" altLang="zh-CN" sz="2000" dirty="0" smtClean="0">
+                <a:rPr lang="en-US" altLang="zh-CN" sz="2000" dirty="0">
                   <a:solidFill>
                     <a:schemeClr val="tx1"/>
                   </a:solidFill>
@@ -17492,7 +18955,7 @@
                 <a:t>_</a:t>
               </a:r>
               <a:r>
-                <a:rPr lang="en-US" altLang="zh-CN" sz="2000" dirty="0" err="1" smtClean="0">
+                <a:rPr lang="en-US" altLang="zh-CN" sz="2000" dirty="0" err="1">
                   <a:solidFill>
                     <a:schemeClr val="tx1"/>
                   </a:solidFill>
@@ -17501,7 +18964,7 @@
                 </a:rPr>
                 <a:t>M_next</a:t>
               </a:r>
-              <a:endParaRPr lang="zh-CN" altLang="en-US" sz="2000" dirty="0" smtClean="0">
+              <a:endParaRPr lang="zh-CN" altLang="en-US" sz="2000" dirty="0">
                 <a:solidFill>
                   <a:schemeClr val="tx1"/>
                 </a:solidFill>
@@ -17542,7 +19005,7 @@
                 </a:lnSpc>
               </a:pPr>
               <a:r>
-                <a:rPr lang="en-US" altLang="zh-CN" sz="2000" dirty="0" smtClean="0">
+                <a:rPr lang="en-US" altLang="zh-CN" sz="2000" dirty="0">
                   <a:solidFill>
                     <a:schemeClr val="tx1"/>
                   </a:solidFill>
@@ -17552,7 +19015,7 @@
                 <a:t>_</a:t>
               </a:r>
               <a:r>
-                <a:rPr lang="en-US" altLang="zh-CN" sz="2000" dirty="0" err="1" smtClean="0">
+                <a:rPr lang="en-US" altLang="zh-CN" sz="2000" dirty="0" err="1">
                   <a:solidFill>
                     <a:schemeClr val="tx1"/>
                   </a:solidFill>
@@ -17561,7 +19024,7 @@
                 </a:rPr>
                 <a:t>M_prev</a:t>
               </a:r>
-              <a:endParaRPr lang="zh-CN" altLang="en-US" sz="2000" dirty="0" smtClean="0">
+              <a:endParaRPr lang="zh-CN" altLang="en-US" sz="2000" dirty="0">
                 <a:solidFill>
                   <a:schemeClr val="tx1"/>
                 </a:solidFill>
@@ -17602,7 +19065,7 @@
                 </a:lnSpc>
               </a:pPr>
               <a:r>
-                <a:rPr lang="en-US" altLang="zh-CN" sz="2000" dirty="0" smtClean="0">
+                <a:rPr lang="en-US" altLang="zh-CN" sz="2000" dirty="0">
                   <a:solidFill>
                     <a:schemeClr val="tx1"/>
                   </a:solidFill>
@@ -17612,7 +19075,7 @@
                 <a:t>_</a:t>
               </a:r>
               <a:r>
-                <a:rPr lang="en-US" altLang="zh-CN" sz="2000" dirty="0" err="1" smtClean="0">
+                <a:rPr lang="en-US" altLang="zh-CN" sz="2000" dirty="0" err="1">
                   <a:solidFill>
                     <a:schemeClr val="tx1"/>
                   </a:solidFill>
@@ -17621,7 +19084,7 @@
                 </a:rPr>
                 <a:t>M_data</a:t>
               </a:r>
-              <a:endParaRPr lang="zh-CN" altLang="en-US" sz="2000" dirty="0" smtClean="0">
+              <a:endParaRPr lang="zh-CN" altLang="en-US" sz="2000" dirty="0">
                 <a:solidFill>
                   <a:schemeClr val="tx1"/>
                 </a:solidFill>
@@ -17662,7 +19125,7 @@
                 </a:lnSpc>
               </a:pPr>
               <a:r>
-                <a:rPr lang="en-US" altLang="zh-CN" sz="2000" dirty="0" smtClean="0">
+                <a:rPr lang="en-US" altLang="zh-CN" sz="2000" dirty="0">
                   <a:solidFill>
                     <a:schemeClr val="tx1"/>
                   </a:solidFill>
@@ -17672,7 +19135,7 @@
                 <a:t>_</a:t>
               </a:r>
               <a:r>
-                <a:rPr lang="en-US" altLang="zh-CN" sz="2000" dirty="0" err="1" smtClean="0">
+                <a:rPr lang="en-US" altLang="zh-CN" sz="2000" dirty="0" err="1">
                   <a:solidFill>
                     <a:schemeClr val="tx1"/>
                   </a:solidFill>
@@ -17681,7 +19144,7 @@
                 </a:rPr>
                 <a:t>M_next</a:t>
               </a:r>
-              <a:endParaRPr lang="zh-CN" altLang="en-US" sz="2000" dirty="0" smtClean="0">
+              <a:endParaRPr lang="zh-CN" altLang="en-US" sz="2000" dirty="0">
                 <a:solidFill>
                   <a:schemeClr val="tx1"/>
                 </a:solidFill>
@@ -17722,7 +19185,7 @@
                 </a:lnSpc>
               </a:pPr>
               <a:r>
-                <a:rPr lang="en-US" altLang="zh-CN" sz="2000" dirty="0" smtClean="0">
+                <a:rPr lang="en-US" altLang="zh-CN" sz="2000" dirty="0">
                   <a:solidFill>
                     <a:schemeClr val="tx1"/>
                   </a:solidFill>
@@ -17732,7 +19195,7 @@
                 <a:t>_</a:t>
               </a:r>
               <a:r>
-                <a:rPr lang="en-US" altLang="zh-CN" sz="2000" dirty="0" err="1" smtClean="0">
+                <a:rPr lang="en-US" altLang="zh-CN" sz="2000" dirty="0" err="1">
                   <a:solidFill>
                     <a:schemeClr val="tx1"/>
                   </a:solidFill>
@@ -17741,7 +19204,7 @@
                 </a:rPr>
                 <a:t>M_prev</a:t>
               </a:r>
-              <a:endParaRPr lang="zh-CN" altLang="en-US" sz="2000" dirty="0" smtClean="0">
+              <a:endParaRPr lang="zh-CN" altLang="en-US" sz="2000" dirty="0">
                 <a:solidFill>
                   <a:schemeClr val="tx1"/>
                 </a:solidFill>
@@ -17782,7 +19245,7 @@
                 </a:lnSpc>
               </a:pPr>
               <a:r>
-                <a:rPr lang="en-US" altLang="zh-CN" sz="2000" dirty="0" smtClean="0">
+                <a:rPr lang="en-US" altLang="zh-CN" sz="2000" dirty="0">
                   <a:solidFill>
                     <a:schemeClr val="tx1"/>
                   </a:solidFill>
@@ -17792,7 +19255,7 @@
                 <a:t>_</a:t>
               </a:r>
               <a:r>
-                <a:rPr lang="en-US" altLang="zh-CN" sz="2000" dirty="0" err="1" smtClean="0">
+                <a:rPr lang="en-US" altLang="zh-CN" sz="2000" dirty="0" err="1">
                   <a:solidFill>
                     <a:schemeClr val="tx1"/>
                   </a:solidFill>
@@ -17801,7 +19264,7 @@
                 </a:rPr>
                 <a:t>M_data</a:t>
               </a:r>
-              <a:endParaRPr lang="zh-CN" altLang="en-US" sz="2000" dirty="0" smtClean="0">
+              <a:endParaRPr lang="zh-CN" altLang="en-US" sz="2000" dirty="0">
                 <a:solidFill>
                   <a:schemeClr val="tx1"/>
                 </a:solidFill>
@@ -17842,7 +19305,7 @@
                 </a:lnSpc>
               </a:pPr>
               <a:r>
-                <a:rPr lang="en-US" altLang="zh-CN" sz="2000" dirty="0" smtClean="0">
+                <a:rPr lang="en-US" altLang="zh-CN" sz="2000" dirty="0">
                   <a:solidFill>
                     <a:schemeClr val="tx1"/>
                   </a:solidFill>
@@ -17852,7 +19315,7 @@
                 <a:t>_</a:t>
               </a:r>
               <a:r>
-                <a:rPr lang="en-US" altLang="zh-CN" sz="2000" dirty="0" err="1" smtClean="0">
+                <a:rPr lang="en-US" altLang="zh-CN" sz="2000" dirty="0" err="1">
                   <a:solidFill>
                     <a:schemeClr val="tx1"/>
                   </a:solidFill>
@@ -17861,7 +19324,7 @@
                 </a:rPr>
                 <a:t>M_next</a:t>
               </a:r>
-              <a:endParaRPr lang="zh-CN" altLang="en-US" sz="2000" dirty="0" smtClean="0">
+              <a:endParaRPr lang="zh-CN" altLang="en-US" sz="2000" dirty="0">
                 <a:solidFill>
                   <a:schemeClr val="tx1"/>
                 </a:solidFill>
@@ -17902,7 +19365,7 @@
                 </a:lnSpc>
               </a:pPr>
               <a:r>
-                <a:rPr lang="en-US" altLang="zh-CN" sz="2000" dirty="0" smtClean="0">
+                <a:rPr lang="en-US" altLang="zh-CN" sz="2000" dirty="0">
                   <a:solidFill>
                     <a:schemeClr val="tx1"/>
                   </a:solidFill>
@@ -17912,7 +19375,7 @@
                 <a:t>_</a:t>
               </a:r>
               <a:r>
-                <a:rPr lang="en-US" altLang="zh-CN" sz="2000" dirty="0" err="1" smtClean="0">
+                <a:rPr lang="en-US" altLang="zh-CN" sz="2000" dirty="0" err="1">
                   <a:solidFill>
                     <a:schemeClr val="tx1"/>
                   </a:solidFill>
@@ -17921,7 +19384,7 @@
                 </a:rPr>
                 <a:t>M_prev</a:t>
               </a:r>
-              <a:endParaRPr lang="zh-CN" altLang="en-US" sz="2000" dirty="0" smtClean="0">
+              <a:endParaRPr lang="zh-CN" altLang="en-US" sz="2000" dirty="0">
                 <a:solidFill>
                   <a:schemeClr val="tx1"/>
                 </a:solidFill>
@@ -17962,7 +19425,7 @@
                 </a:lnSpc>
               </a:pPr>
               <a:r>
-                <a:rPr lang="en-US" altLang="zh-CN" sz="2000" dirty="0" smtClean="0">
+                <a:rPr lang="en-US" altLang="zh-CN" sz="2000" dirty="0">
                   <a:solidFill>
                     <a:schemeClr val="tx1"/>
                   </a:solidFill>
@@ -17972,7 +19435,7 @@
                 <a:t>_</a:t>
               </a:r>
               <a:r>
-                <a:rPr lang="en-US" altLang="zh-CN" sz="2000" dirty="0" err="1" smtClean="0">
+                <a:rPr lang="en-US" altLang="zh-CN" sz="2000" dirty="0" err="1">
                   <a:solidFill>
                     <a:schemeClr val="tx1"/>
                   </a:solidFill>
@@ -17981,7 +19444,7 @@
                 </a:rPr>
                 <a:t>M_data</a:t>
               </a:r>
-              <a:endParaRPr lang="zh-CN" altLang="en-US" sz="2000" dirty="0" smtClean="0">
+              <a:endParaRPr lang="zh-CN" altLang="en-US" sz="2000" dirty="0">
                 <a:solidFill>
                   <a:schemeClr val="tx1"/>
                 </a:solidFill>
@@ -18022,7 +19485,7 @@
                 </a:lnSpc>
               </a:pPr>
               <a:r>
-                <a:rPr lang="en-US" altLang="zh-CN" sz="2000" dirty="0" smtClean="0">
+                <a:rPr lang="en-US" altLang="zh-CN" sz="2000" dirty="0">
                   <a:solidFill>
                     <a:schemeClr val="tx1"/>
                   </a:solidFill>
@@ -18032,7 +19495,7 @@
                 <a:t>_</a:t>
               </a:r>
               <a:r>
-                <a:rPr lang="en-US" altLang="zh-CN" sz="2000" dirty="0" err="1" smtClean="0">
+                <a:rPr lang="en-US" altLang="zh-CN" sz="2000" dirty="0" err="1">
                   <a:solidFill>
                     <a:schemeClr val="tx1"/>
                   </a:solidFill>
@@ -18041,7 +19504,7 @@
                 </a:rPr>
                 <a:t>M_next</a:t>
               </a:r>
-              <a:endParaRPr lang="zh-CN" altLang="en-US" sz="2000" dirty="0" smtClean="0">
+              <a:endParaRPr lang="zh-CN" altLang="en-US" sz="2000" dirty="0">
                 <a:solidFill>
                   <a:schemeClr val="tx1"/>
                 </a:solidFill>
@@ -18082,7 +19545,7 @@
                 </a:lnSpc>
               </a:pPr>
               <a:r>
-                <a:rPr lang="en-US" altLang="zh-CN" sz="2000" dirty="0" smtClean="0">
+                <a:rPr lang="en-US" altLang="zh-CN" sz="2000" dirty="0">
                   <a:solidFill>
                     <a:schemeClr val="tx1"/>
                   </a:solidFill>
@@ -18092,7 +19555,7 @@
                 <a:t>_</a:t>
               </a:r>
               <a:r>
-                <a:rPr lang="en-US" altLang="zh-CN" sz="2000" dirty="0" err="1" smtClean="0">
+                <a:rPr lang="en-US" altLang="zh-CN" sz="2000" dirty="0" err="1">
                   <a:solidFill>
                     <a:schemeClr val="tx1"/>
                   </a:solidFill>
@@ -18101,7 +19564,7 @@
                 </a:rPr>
                 <a:t>M_prev</a:t>
               </a:r>
-              <a:endParaRPr lang="zh-CN" altLang="en-US" sz="2000" dirty="0" smtClean="0">
+              <a:endParaRPr lang="zh-CN" altLang="en-US" sz="2000" dirty="0">
                 <a:solidFill>
                   <a:schemeClr val="tx1"/>
                 </a:solidFill>
@@ -18139,20 +19602,20 @@
                 </a:lnSpc>
               </a:pPr>
               <a:r>
-                <a:rPr lang="en-US" altLang="zh-CN" sz="2000" dirty="0" smtClean="0">
+                <a:rPr lang="en-US" altLang="zh-CN" sz="2000" dirty="0">
                   <a:latin typeface="微软雅黑" panose="020B0503020204020204" pitchFamily="34" charset="-122"/>
                   <a:ea typeface="微软雅黑" panose="020B0503020204020204" pitchFamily="34" charset="-122"/>
                 </a:rPr>
                 <a:t>_</a:t>
               </a:r>
               <a:r>
-                <a:rPr lang="en-US" altLang="zh-CN" sz="2000" dirty="0" err="1" smtClean="0">
+                <a:rPr lang="en-US" altLang="zh-CN" sz="2000" dirty="0" err="1">
                   <a:latin typeface="微软雅黑" panose="020B0503020204020204" pitchFamily="34" charset="-122"/>
                   <a:ea typeface="微软雅黑" panose="020B0503020204020204" pitchFamily="34" charset="-122"/>
                 </a:rPr>
                 <a:t>M_impl</a:t>
               </a:r>
-              <a:endParaRPr lang="zh-CN" altLang="en-US" sz="2000" dirty="0" smtClean="0">
+              <a:endParaRPr lang="zh-CN" altLang="en-US" sz="2000" dirty="0">
                 <a:latin typeface="微软雅黑" panose="020B0503020204020204" pitchFamily="34" charset="-122"/>
                 <a:ea typeface="微软雅黑" panose="020B0503020204020204" pitchFamily="34" charset="-122"/>
               </a:endParaRPr>
@@ -18187,7 +19650,7 @@
             <a:effectLst/>
             <a:extLst>
               <a:ext uri="{91240B29-F687-4f45-9708-019B960494DF}">
-                <a14:hiddenLine xmlns:a14="http://schemas.microsoft.com/office/drawing/2010/main" xmlns="" w="25400" cap="flat" cmpd="sng" algn="ctr">
+                <a14:hiddenLine xmlns="" xmlns:a14="http://schemas.microsoft.com/office/drawing/2010/main" w="25400" cap="flat" cmpd="sng" algn="ctr">
                   <a:solidFill>
                     <a:srgbClr val="000000"/>
                   </a:solidFill>
@@ -18198,7 +19661,7 @@
                 </a14:hiddenLine>
               </a:ext>
               <a:ext uri="{AF507438-7753-43e0-B8FC-AC1667EBCBE1}">
-                <a14:hiddenEffects xmlns:a14="http://schemas.microsoft.com/office/drawing/2010/main" xmlns="">
+                <a14:hiddenEffects xmlns="" xmlns:a14="http://schemas.microsoft.com/office/drawing/2010/main">
                   <a:effectLst>
                     <a:outerShdw blurRad="63500" dist="38099" dir="2700000" algn="ctr" rotWithShape="0">
                       <a:schemeClr val="bg2">
@@ -18240,7 +19703,7 @@
             <a:effectLst/>
             <a:extLst>
               <a:ext uri="{91240B29-F687-4f45-9708-019B960494DF}">
-                <a14:hiddenLine xmlns:a14="http://schemas.microsoft.com/office/drawing/2010/main" xmlns="" w="25400" cap="flat" cmpd="sng" algn="ctr">
+                <a14:hiddenLine xmlns="" xmlns:a14="http://schemas.microsoft.com/office/drawing/2010/main" w="25400" cap="flat" cmpd="sng" algn="ctr">
                   <a:solidFill>
                     <a:srgbClr val="000000"/>
                   </a:solidFill>
@@ -18251,7 +19714,7 @@
                 </a14:hiddenLine>
               </a:ext>
               <a:ext uri="{AF507438-7753-43e0-B8FC-AC1667EBCBE1}">
-                <a14:hiddenEffects xmlns:a14="http://schemas.microsoft.com/office/drawing/2010/main" xmlns="">
+                <a14:hiddenEffects xmlns="" xmlns:a14="http://schemas.microsoft.com/office/drawing/2010/main">
                   <a:effectLst>
                     <a:outerShdw blurRad="63500" dist="38099" dir="2700000" algn="ctr" rotWithShape="0">
                       <a:schemeClr val="bg2">
@@ -18290,7 +19753,7 @@
             <a:effectLst/>
             <a:extLst>
               <a:ext uri="{91240B29-F687-4f45-9708-019B960494DF}">
-                <a14:hiddenLine xmlns:a14="http://schemas.microsoft.com/office/drawing/2010/main" xmlns="" w="25400" cap="flat" cmpd="sng" algn="ctr">
+                <a14:hiddenLine xmlns="" xmlns:a14="http://schemas.microsoft.com/office/drawing/2010/main" w="25400" cap="flat" cmpd="sng" algn="ctr">
                   <a:solidFill>
                     <a:srgbClr val="000000"/>
                   </a:solidFill>
@@ -18301,7 +19764,7 @@
                 </a14:hiddenLine>
               </a:ext>
               <a:ext uri="{AF507438-7753-43e0-B8FC-AC1667EBCBE1}">
-                <a14:hiddenEffects xmlns:a14="http://schemas.microsoft.com/office/drawing/2010/main" xmlns="">
+                <a14:hiddenEffects xmlns="" xmlns:a14="http://schemas.microsoft.com/office/drawing/2010/main">
                   <a:effectLst>
                     <a:outerShdw blurRad="63500" dist="38099" dir="2700000" algn="ctr" rotWithShape="0">
                       <a:schemeClr val="bg2">
@@ -18343,7 +19806,7 @@
             <a:effectLst/>
             <a:extLst>
               <a:ext uri="{91240B29-F687-4f45-9708-019B960494DF}">
-                <a14:hiddenLine xmlns:a14="http://schemas.microsoft.com/office/drawing/2010/main" xmlns="" w="25400" cap="flat" cmpd="sng" algn="ctr">
+                <a14:hiddenLine xmlns="" xmlns:a14="http://schemas.microsoft.com/office/drawing/2010/main" w="25400" cap="flat" cmpd="sng" algn="ctr">
                   <a:solidFill>
                     <a:srgbClr val="000000"/>
                   </a:solidFill>
@@ -18354,7 +19817,7 @@
                 </a14:hiddenLine>
               </a:ext>
               <a:ext uri="{AF507438-7753-43e0-B8FC-AC1667EBCBE1}">
-                <a14:hiddenEffects xmlns:a14="http://schemas.microsoft.com/office/drawing/2010/main" xmlns="">
+                <a14:hiddenEffects xmlns="" xmlns:a14="http://schemas.microsoft.com/office/drawing/2010/main">
                   <a:effectLst>
                     <a:outerShdw blurRad="63500" dist="38099" dir="2700000" algn="ctr" rotWithShape="0">
                       <a:schemeClr val="bg2">
@@ -18393,7 +19856,7 @@
             <a:effectLst/>
             <a:extLst>
               <a:ext uri="{91240B29-F687-4f45-9708-019B960494DF}">
-                <a14:hiddenLine xmlns:a14="http://schemas.microsoft.com/office/drawing/2010/main" xmlns="" w="25400" cap="flat" cmpd="sng" algn="ctr">
+                <a14:hiddenLine xmlns="" xmlns:a14="http://schemas.microsoft.com/office/drawing/2010/main" w="25400" cap="flat" cmpd="sng" algn="ctr">
                   <a:solidFill>
                     <a:srgbClr val="000000"/>
                   </a:solidFill>
@@ -18404,7 +19867,7 @@
                 </a14:hiddenLine>
               </a:ext>
               <a:ext uri="{AF507438-7753-43e0-B8FC-AC1667EBCBE1}">
-                <a14:hiddenEffects xmlns:a14="http://schemas.microsoft.com/office/drawing/2010/main" xmlns="">
+                <a14:hiddenEffects xmlns="" xmlns:a14="http://schemas.microsoft.com/office/drawing/2010/main">
                   <a:effectLst>
                     <a:outerShdw blurRad="63500" dist="38099" dir="2700000" algn="ctr" rotWithShape="0">
                       <a:schemeClr val="bg2">
@@ -18446,7 +19909,7 @@
             <a:effectLst/>
             <a:extLst>
               <a:ext uri="{91240B29-F687-4f45-9708-019B960494DF}">
-                <a14:hiddenLine xmlns:a14="http://schemas.microsoft.com/office/drawing/2010/main" xmlns="" w="25400" cap="flat" cmpd="sng" algn="ctr">
+                <a14:hiddenLine xmlns="" xmlns:a14="http://schemas.microsoft.com/office/drawing/2010/main" w="25400" cap="flat" cmpd="sng" algn="ctr">
                   <a:solidFill>
                     <a:srgbClr val="000000"/>
                   </a:solidFill>
@@ -18457,7 +19920,7 @@
                 </a14:hiddenLine>
               </a:ext>
               <a:ext uri="{AF507438-7753-43e0-B8FC-AC1667EBCBE1}">
-                <a14:hiddenEffects xmlns:a14="http://schemas.microsoft.com/office/drawing/2010/main" xmlns="">
+                <a14:hiddenEffects xmlns="" xmlns:a14="http://schemas.microsoft.com/office/drawing/2010/main">
                   <a:effectLst>
                     <a:outerShdw blurRad="63500" dist="38099" dir="2700000" algn="ctr" rotWithShape="0">
                       <a:schemeClr val="bg2">
@@ -18502,7 +19965,7 @@
             <a:effectLst/>
             <a:extLst>
               <a:ext uri="{91240B29-F687-4f45-9708-019B960494DF}">
-                <a14:hiddenLine xmlns:a14="http://schemas.microsoft.com/office/drawing/2010/main" xmlns="" w="25400" cap="flat" cmpd="sng" algn="ctr">
+                <a14:hiddenLine xmlns="" xmlns:a14="http://schemas.microsoft.com/office/drawing/2010/main" w="25400" cap="flat" cmpd="sng" algn="ctr">
                   <a:solidFill>
                     <a:srgbClr val="000000"/>
                   </a:solidFill>
@@ -18513,7 +19976,7 @@
                 </a14:hiddenLine>
               </a:ext>
               <a:ext uri="{AF507438-7753-43e0-B8FC-AC1667EBCBE1}">
-                <a14:hiddenEffects xmlns:a14="http://schemas.microsoft.com/office/drawing/2010/main" xmlns="">
+                <a14:hiddenEffects xmlns="" xmlns:a14="http://schemas.microsoft.com/office/drawing/2010/main">
                   <a:effectLst>
                     <a:outerShdw blurRad="63500" dist="38099" dir="2700000" algn="ctr" rotWithShape="0">
                       <a:schemeClr val="bg2">
@@ -18555,7 +20018,7 @@
             <a:effectLst/>
             <a:extLst>
               <a:ext uri="{91240B29-F687-4f45-9708-019B960494DF}">
-                <a14:hiddenLine xmlns:a14="http://schemas.microsoft.com/office/drawing/2010/main" xmlns="" w="25400" cap="flat" cmpd="sng" algn="ctr">
+                <a14:hiddenLine xmlns="" xmlns:a14="http://schemas.microsoft.com/office/drawing/2010/main" w="25400" cap="flat" cmpd="sng" algn="ctr">
                   <a:solidFill>
                     <a:srgbClr val="000000"/>
                   </a:solidFill>
@@ -18566,7 +20029,7 @@
                 </a14:hiddenLine>
               </a:ext>
               <a:ext uri="{AF507438-7753-43e0-B8FC-AC1667EBCBE1}">
-                <a14:hiddenEffects xmlns:a14="http://schemas.microsoft.com/office/drawing/2010/main" xmlns="">
+                <a14:hiddenEffects xmlns="" xmlns:a14="http://schemas.microsoft.com/office/drawing/2010/main">
                   <a:effectLst>
                     <a:outerShdw blurRad="63500" dist="38099" dir="2700000" algn="ctr" rotWithShape="0">
                       <a:schemeClr val="bg2">
@@ -18611,7 +20074,7 @@
             <a:effectLst/>
             <a:extLst>
               <a:ext uri="{91240B29-F687-4f45-9708-019B960494DF}">
-                <a14:hiddenLine xmlns:a14="http://schemas.microsoft.com/office/drawing/2010/main" xmlns="" w="25400" cap="flat" cmpd="sng" algn="ctr">
+                <a14:hiddenLine xmlns="" xmlns:a14="http://schemas.microsoft.com/office/drawing/2010/main" w="25400" cap="flat" cmpd="sng" algn="ctr">
                   <a:solidFill>
                     <a:srgbClr val="000000"/>
                   </a:solidFill>
@@ -18622,7 +20085,7 @@
                 </a14:hiddenLine>
               </a:ext>
               <a:ext uri="{AF507438-7753-43e0-B8FC-AC1667EBCBE1}">
-                <a14:hiddenEffects xmlns:a14="http://schemas.microsoft.com/office/drawing/2010/main" xmlns="">
+                <a14:hiddenEffects xmlns="" xmlns:a14="http://schemas.microsoft.com/office/drawing/2010/main">
                   <a:effectLst>
                     <a:outerShdw blurRad="63500" dist="38099" dir="2700000" algn="ctr" rotWithShape="0">
                       <a:schemeClr val="bg2">
@@ -18782,7 +20245,7 @@
             </a:ln>
             <a:extLst>
               <a:ext uri="{91240B29-F687-4f45-9708-019B960494DF}">
-                <a14:hiddenLine xmlns:a14="http://schemas.microsoft.com/office/drawing/2010/main" xmlns="" w="25400" cap="flat" cmpd="sng" algn="ctr">
+                <a14:hiddenLine xmlns="" xmlns:a14="http://schemas.microsoft.com/office/drawing/2010/main" w="25400" cap="flat" cmpd="sng" algn="ctr">
                   <a:solidFill>
                     <a:srgbClr val="000000"/>
                   </a:solidFill>
@@ -18793,7 +20256,7 @@
                 </a14:hiddenLine>
               </a:ext>
               <a:ext uri="{AF507438-7753-43e0-B8FC-AC1667EBCBE1}">
-                <a14:hiddenEffects xmlns:a14="http://schemas.microsoft.com/office/drawing/2010/main" xmlns="">
+                <a14:hiddenEffects xmlns="" xmlns:a14="http://schemas.microsoft.com/office/drawing/2010/main">
                   <a:effectLst>
                     <a:outerShdw blurRad="63500" dist="38099" dir="2700000" algn="ctr" rotWithShape="0">
                       <a:schemeClr val="bg2">
@@ -18842,7 +20305,7 @@
             </a:ln>
             <a:extLst>
               <a:ext uri="{91240B29-F687-4f45-9708-019B960494DF}">
-                <a14:hiddenLine xmlns:a14="http://schemas.microsoft.com/office/drawing/2010/main" xmlns="" w="25400" cap="flat" cmpd="sng" algn="ctr">
+                <a14:hiddenLine xmlns="" xmlns:a14="http://schemas.microsoft.com/office/drawing/2010/main" w="25400" cap="flat" cmpd="sng" algn="ctr">
                   <a:solidFill>
                     <a:srgbClr val="000000"/>
                   </a:solidFill>
@@ -18853,7 +20316,7 @@
                 </a14:hiddenLine>
               </a:ext>
               <a:ext uri="{AF507438-7753-43e0-B8FC-AC1667EBCBE1}">
-                <a14:hiddenEffects xmlns:a14="http://schemas.microsoft.com/office/drawing/2010/main" xmlns="">
+                <a14:hiddenEffects xmlns="" xmlns:a14="http://schemas.microsoft.com/office/drawing/2010/main">
                   <a:effectLst>
                     <a:outerShdw blurRad="63500" dist="38099" dir="2700000" algn="ctr" rotWithShape="0">
                       <a:schemeClr val="bg2">
@@ -18931,7 +20394,7 @@
               </a:ln>
               <a:extLst>
                 <a:ext uri="{91240B29-F687-4f45-9708-019B960494DF}">
-                  <a14:hiddenLine xmlns:a14="http://schemas.microsoft.com/office/drawing/2010/main" xmlns="" w="25400" cap="flat" cmpd="sng" algn="ctr">
+                  <a14:hiddenLine xmlns="" xmlns:a14="http://schemas.microsoft.com/office/drawing/2010/main" w="25400" cap="flat" cmpd="sng" algn="ctr">
                     <a:solidFill>
                       <a:srgbClr val="000000"/>
                     </a:solidFill>
@@ -18942,7 +20405,7 @@
                   </a14:hiddenLine>
                 </a:ext>
                 <a:ext uri="{AF507438-7753-43e0-B8FC-AC1667EBCBE1}">
-                  <a14:hiddenEffects xmlns:a14="http://schemas.microsoft.com/office/drawing/2010/main" xmlns="">
+                  <a14:hiddenEffects xmlns="" xmlns:a14="http://schemas.microsoft.com/office/drawing/2010/main">
                     <a:effectLst>
                       <a:outerShdw blurRad="63500" dist="38099" dir="2700000" algn="ctr" rotWithShape="0">
                         <a:schemeClr val="bg2">
@@ -18990,7 +20453,7 @@
               </a:ln>
               <a:extLst>
                 <a:ext uri="{91240B29-F687-4f45-9708-019B960494DF}">
-                  <a14:hiddenLine xmlns:a14="http://schemas.microsoft.com/office/drawing/2010/main" xmlns="" w="25400" cap="flat" cmpd="sng" algn="ctr">
+                  <a14:hiddenLine xmlns="" xmlns:a14="http://schemas.microsoft.com/office/drawing/2010/main" w="25400" cap="flat" cmpd="sng" algn="ctr">
                     <a:solidFill>
                       <a:srgbClr val="000000"/>
                     </a:solidFill>
@@ -19001,7 +20464,7 @@
                   </a14:hiddenLine>
                 </a:ext>
                 <a:ext uri="{AF507438-7753-43e0-B8FC-AC1667EBCBE1}">
-                  <a14:hiddenEffects xmlns:a14="http://schemas.microsoft.com/office/drawing/2010/main" xmlns="">
+                  <a14:hiddenEffects xmlns="" xmlns:a14="http://schemas.microsoft.com/office/drawing/2010/main">
                     <a:effectLst>
                       <a:outerShdw blurRad="63500" dist="38099" dir="2700000" algn="ctr" rotWithShape="0">
                         <a:schemeClr val="bg2">
@@ -19065,7 +20528,7 @@
               </a:ln>
               <a:extLst>
                 <a:ext uri="{91240B29-F687-4f45-9708-019B960494DF}">
-                  <a14:hiddenLine xmlns:a14="http://schemas.microsoft.com/office/drawing/2010/main" xmlns="" w="25400" cap="flat" cmpd="sng" algn="ctr">
+                  <a14:hiddenLine xmlns="" xmlns:a14="http://schemas.microsoft.com/office/drawing/2010/main" w="25400" cap="flat" cmpd="sng" algn="ctr">
                     <a:solidFill>
                       <a:srgbClr val="000000"/>
                     </a:solidFill>
@@ -19076,7 +20539,7 @@
                   </a14:hiddenLine>
                 </a:ext>
                 <a:ext uri="{AF507438-7753-43e0-B8FC-AC1667EBCBE1}">
-                  <a14:hiddenEffects xmlns:a14="http://schemas.microsoft.com/office/drawing/2010/main" xmlns="">
+                  <a14:hiddenEffects xmlns="" xmlns:a14="http://schemas.microsoft.com/office/drawing/2010/main">
                     <a:effectLst>
                       <a:outerShdw blurRad="63500" dist="38099" dir="2700000" algn="ctr" rotWithShape="0">
                         <a:schemeClr val="bg2">
@@ -19124,7 +20587,7 @@
               </a:ln>
               <a:extLst>
                 <a:ext uri="{91240B29-F687-4f45-9708-019B960494DF}">
-                  <a14:hiddenLine xmlns:a14="http://schemas.microsoft.com/office/drawing/2010/main" xmlns="" w="25400" cap="flat" cmpd="sng" algn="ctr">
+                  <a14:hiddenLine xmlns="" xmlns:a14="http://schemas.microsoft.com/office/drawing/2010/main" w="25400" cap="flat" cmpd="sng" algn="ctr">
                     <a:solidFill>
                       <a:srgbClr val="000000"/>
                     </a:solidFill>
@@ -19135,7 +20598,7 @@
                   </a14:hiddenLine>
                 </a:ext>
                 <a:ext uri="{AF507438-7753-43e0-B8FC-AC1667EBCBE1}">
-                  <a14:hiddenEffects xmlns:a14="http://schemas.microsoft.com/office/drawing/2010/main" xmlns="">
+                  <a14:hiddenEffects xmlns="" xmlns:a14="http://schemas.microsoft.com/office/drawing/2010/main">
                     <a:effectLst>
                       <a:outerShdw blurRad="63500" dist="38099" dir="2700000" algn="ctr" rotWithShape="0">
                         <a:schemeClr val="bg2">
@@ -19199,7 +20662,7 @@
               </a:ln>
               <a:extLst>
                 <a:ext uri="{91240B29-F687-4f45-9708-019B960494DF}">
-                  <a14:hiddenLine xmlns:a14="http://schemas.microsoft.com/office/drawing/2010/main" xmlns="" w="25400" cap="flat" cmpd="sng" algn="ctr">
+                  <a14:hiddenLine xmlns="" xmlns:a14="http://schemas.microsoft.com/office/drawing/2010/main" w="25400" cap="flat" cmpd="sng" algn="ctr">
                     <a:solidFill>
                       <a:srgbClr val="000000"/>
                     </a:solidFill>
@@ -19210,7 +20673,7 @@
                   </a14:hiddenLine>
                 </a:ext>
                 <a:ext uri="{AF507438-7753-43e0-B8FC-AC1667EBCBE1}">
-                  <a14:hiddenEffects xmlns:a14="http://schemas.microsoft.com/office/drawing/2010/main" xmlns="">
+                  <a14:hiddenEffects xmlns="" xmlns:a14="http://schemas.microsoft.com/office/drawing/2010/main">
                     <a:effectLst>
                       <a:outerShdw blurRad="63500" dist="38099" dir="2700000" algn="ctr" rotWithShape="0">
                         <a:schemeClr val="bg2">
@@ -19258,7 +20721,7 @@
               </a:ln>
               <a:extLst>
                 <a:ext uri="{91240B29-F687-4f45-9708-019B960494DF}">
-                  <a14:hiddenLine xmlns:a14="http://schemas.microsoft.com/office/drawing/2010/main" xmlns="" w="25400" cap="flat" cmpd="sng" algn="ctr">
+                  <a14:hiddenLine xmlns="" xmlns:a14="http://schemas.microsoft.com/office/drawing/2010/main" w="25400" cap="flat" cmpd="sng" algn="ctr">
                     <a:solidFill>
                       <a:srgbClr val="000000"/>
                     </a:solidFill>
@@ -19269,7 +20732,7 @@
                   </a14:hiddenLine>
                 </a:ext>
                 <a:ext uri="{AF507438-7753-43e0-B8FC-AC1667EBCBE1}">
-                  <a14:hiddenEffects xmlns:a14="http://schemas.microsoft.com/office/drawing/2010/main" xmlns="">
+                  <a14:hiddenEffects xmlns="" xmlns:a14="http://schemas.microsoft.com/office/drawing/2010/main">
                     <a:effectLst>
                       <a:outerShdw blurRad="63500" dist="38099" dir="2700000" algn="ctr" rotWithShape="0">
                         <a:schemeClr val="bg2">
@@ -19347,7 +20810,7 @@
               </a:ln>
               <a:extLst>
                 <a:ext uri="{91240B29-F687-4f45-9708-019B960494DF}">
-                  <a14:hiddenLine xmlns:a14="http://schemas.microsoft.com/office/drawing/2010/main" xmlns="" w="25400" cap="flat" cmpd="sng" algn="ctr">
+                  <a14:hiddenLine xmlns="" xmlns:a14="http://schemas.microsoft.com/office/drawing/2010/main" w="25400" cap="flat" cmpd="sng" algn="ctr">
                     <a:solidFill>
                       <a:srgbClr val="000000"/>
                     </a:solidFill>
@@ -19358,7 +20821,7 @@
                   </a14:hiddenLine>
                 </a:ext>
                 <a:ext uri="{AF507438-7753-43e0-B8FC-AC1667EBCBE1}">
-                  <a14:hiddenEffects xmlns:a14="http://schemas.microsoft.com/office/drawing/2010/main" xmlns="">
+                  <a14:hiddenEffects xmlns="" xmlns:a14="http://schemas.microsoft.com/office/drawing/2010/main">
                     <a:effectLst>
                       <a:outerShdw blurRad="63500" dist="38099" dir="2700000" algn="ctr" rotWithShape="0">
                         <a:schemeClr val="bg2">
@@ -19407,7 +20870,7 @@
               </a:ln>
               <a:extLst>
                 <a:ext uri="{91240B29-F687-4f45-9708-019B960494DF}">
-                  <a14:hiddenLine xmlns:a14="http://schemas.microsoft.com/office/drawing/2010/main" xmlns="" w="25400" cap="flat" cmpd="sng" algn="ctr">
+                  <a14:hiddenLine xmlns="" xmlns:a14="http://schemas.microsoft.com/office/drawing/2010/main" w="25400" cap="flat" cmpd="sng" algn="ctr">
                     <a:solidFill>
                       <a:srgbClr val="000000"/>
                     </a:solidFill>
@@ -19418,7 +20881,7 @@
                   </a14:hiddenLine>
                 </a:ext>
                 <a:ext uri="{AF507438-7753-43e0-B8FC-AC1667EBCBE1}">
-                  <a14:hiddenEffects xmlns:a14="http://schemas.microsoft.com/office/drawing/2010/main" xmlns="">
+                  <a14:hiddenEffects xmlns="" xmlns:a14="http://schemas.microsoft.com/office/drawing/2010/main">
                     <a:effectLst>
                       <a:outerShdw blurRad="63500" dist="38099" dir="2700000" algn="ctr" rotWithShape="0">
                         <a:schemeClr val="bg2">
@@ -19467,7 +20930,7 @@
             </a:ln>
             <a:extLst>
               <a:ext uri="{91240B29-F687-4f45-9708-019B960494DF}">
-                <a14:hiddenLine xmlns:a14="http://schemas.microsoft.com/office/drawing/2010/main" xmlns="" w="25400" cap="flat" cmpd="sng" algn="ctr">
+                <a14:hiddenLine xmlns="" xmlns:a14="http://schemas.microsoft.com/office/drawing/2010/main" w="25400" cap="flat" cmpd="sng" algn="ctr">
                   <a:solidFill>
                     <a:srgbClr val="000000"/>
                   </a:solidFill>
@@ -19478,7 +20941,7 @@
                 </a14:hiddenLine>
               </a:ext>
               <a:ext uri="{AF507438-7753-43e0-B8FC-AC1667EBCBE1}">
-                <a14:hiddenEffects xmlns:a14="http://schemas.microsoft.com/office/drawing/2010/main" xmlns="">
+                <a14:hiddenEffects xmlns="" xmlns:a14="http://schemas.microsoft.com/office/drawing/2010/main">
                   <a:effectLst>
                     <a:outerShdw blurRad="63500" dist="38099" dir="2700000" algn="ctr" rotWithShape="0">
                       <a:schemeClr val="bg2">
@@ -19556,7 +21019,7 @@
               </a:ln>
               <a:extLst>
                 <a:ext uri="{91240B29-F687-4f45-9708-019B960494DF}">
-                  <a14:hiddenLine xmlns:a14="http://schemas.microsoft.com/office/drawing/2010/main" xmlns="" w="25400" cap="flat" cmpd="sng" algn="ctr">
+                  <a14:hiddenLine xmlns="" xmlns:a14="http://schemas.microsoft.com/office/drawing/2010/main" w="25400" cap="flat" cmpd="sng" algn="ctr">
                     <a:solidFill>
                       <a:srgbClr val="000000"/>
                     </a:solidFill>
@@ -19567,7 +21030,7 @@
                   </a14:hiddenLine>
                 </a:ext>
                 <a:ext uri="{AF507438-7753-43e0-B8FC-AC1667EBCBE1}">
-                  <a14:hiddenEffects xmlns:a14="http://schemas.microsoft.com/office/drawing/2010/main" xmlns="">
+                  <a14:hiddenEffects xmlns="" xmlns:a14="http://schemas.microsoft.com/office/drawing/2010/main">
                     <a:effectLst>
                       <a:outerShdw blurRad="63500" dist="38099" dir="2700000" algn="ctr" rotWithShape="0">
                         <a:schemeClr val="bg2">
@@ -19615,7 +21078,7 @@
               </a:ln>
               <a:extLst>
                 <a:ext uri="{91240B29-F687-4f45-9708-019B960494DF}">
-                  <a14:hiddenLine xmlns:a14="http://schemas.microsoft.com/office/drawing/2010/main" xmlns="" w="25400" cap="flat" cmpd="sng" algn="ctr">
+                  <a14:hiddenLine xmlns="" xmlns:a14="http://schemas.microsoft.com/office/drawing/2010/main" w="25400" cap="flat" cmpd="sng" algn="ctr">
                     <a:solidFill>
                       <a:srgbClr val="000000"/>
                     </a:solidFill>
@@ -19626,7 +21089,7 @@
                   </a14:hiddenLine>
                 </a:ext>
                 <a:ext uri="{AF507438-7753-43e0-B8FC-AC1667EBCBE1}">
-                  <a14:hiddenEffects xmlns:a14="http://schemas.microsoft.com/office/drawing/2010/main" xmlns="">
+                  <a14:hiddenEffects xmlns="" xmlns:a14="http://schemas.microsoft.com/office/drawing/2010/main">
                     <a:effectLst>
                       <a:outerShdw blurRad="63500" dist="38099" dir="2700000" algn="ctr" rotWithShape="0">
                         <a:schemeClr val="bg2">
@@ -19690,7 +21153,7 @@
               </a:ln>
               <a:extLst>
                 <a:ext uri="{91240B29-F687-4f45-9708-019B960494DF}">
-                  <a14:hiddenLine xmlns:a14="http://schemas.microsoft.com/office/drawing/2010/main" xmlns="" w="25400" cap="flat" cmpd="sng" algn="ctr">
+                  <a14:hiddenLine xmlns="" xmlns:a14="http://schemas.microsoft.com/office/drawing/2010/main" w="25400" cap="flat" cmpd="sng" algn="ctr">
                     <a:solidFill>
                       <a:srgbClr val="000000"/>
                     </a:solidFill>
@@ -19701,7 +21164,7 @@
                   </a14:hiddenLine>
                 </a:ext>
                 <a:ext uri="{AF507438-7753-43e0-B8FC-AC1667EBCBE1}">
-                  <a14:hiddenEffects xmlns:a14="http://schemas.microsoft.com/office/drawing/2010/main" xmlns="">
+                  <a14:hiddenEffects xmlns="" xmlns:a14="http://schemas.microsoft.com/office/drawing/2010/main">
                     <a:effectLst>
                       <a:outerShdw blurRad="63500" dist="38099" dir="2700000" algn="ctr" rotWithShape="0">
                         <a:schemeClr val="bg2">
@@ -19749,7 +21212,7 @@
               </a:ln>
               <a:extLst>
                 <a:ext uri="{91240B29-F687-4f45-9708-019B960494DF}">
-                  <a14:hiddenLine xmlns:a14="http://schemas.microsoft.com/office/drawing/2010/main" xmlns="" w="25400" cap="flat" cmpd="sng" algn="ctr">
+                  <a14:hiddenLine xmlns="" xmlns:a14="http://schemas.microsoft.com/office/drawing/2010/main" w="25400" cap="flat" cmpd="sng" algn="ctr">
                     <a:solidFill>
                       <a:srgbClr val="000000"/>
                     </a:solidFill>
@@ -19760,7 +21223,7 @@
                   </a14:hiddenLine>
                 </a:ext>
                 <a:ext uri="{AF507438-7753-43e0-B8FC-AC1667EBCBE1}">
-                  <a14:hiddenEffects xmlns:a14="http://schemas.microsoft.com/office/drawing/2010/main" xmlns="">
+                  <a14:hiddenEffects xmlns="" xmlns:a14="http://schemas.microsoft.com/office/drawing/2010/main">
                     <a:effectLst>
                       <a:outerShdw blurRad="63500" dist="38099" dir="2700000" algn="ctr" rotWithShape="0">
                         <a:schemeClr val="bg2">
@@ -19824,7 +21287,7 @@
               </a:ln>
               <a:extLst>
                 <a:ext uri="{91240B29-F687-4f45-9708-019B960494DF}">
-                  <a14:hiddenLine xmlns:a14="http://schemas.microsoft.com/office/drawing/2010/main" xmlns="" w="25400" cap="flat" cmpd="sng" algn="ctr">
+                  <a14:hiddenLine xmlns="" xmlns:a14="http://schemas.microsoft.com/office/drawing/2010/main" w="25400" cap="flat" cmpd="sng" algn="ctr">
                     <a:solidFill>
                       <a:srgbClr val="000000"/>
                     </a:solidFill>
@@ -19835,7 +21298,7 @@
                   </a14:hiddenLine>
                 </a:ext>
                 <a:ext uri="{AF507438-7753-43e0-B8FC-AC1667EBCBE1}">
-                  <a14:hiddenEffects xmlns:a14="http://schemas.microsoft.com/office/drawing/2010/main" xmlns="">
+                  <a14:hiddenEffects xmlns="" xmlns:a14="http://schemas.microsoft.com/office/drawing/2010/main">
                     <a:effectLst>
                       <a:outerShdw blurRad="63500" dist="38099" dir="2700000" algn="ctr" rotWithShape="0">
                         <a:schemeClr val="bg2">
@@ -19883,7 +21346,7 @@
               </a:ln>
               <a:extLst>
                 <a:ext uri="{91240B29-F687-4f45-9708-019B960494DF}">
-                  <a14:hiddenLine xmlns:a14="http://schemas.microsoft.com/office/drawing/2010/main" xmlns="" w="25400" cap="flat" cmpd="sng" algn="ctr">
+                  <a14:hiddenLine xmlns="" xmlns:a14="http://schemas.microsoft.com/office/drawing/2010/main" w="25400" cap="flat" cmpd="sng" algn="ctr">
                     <a:solidFill>
                       <a:srgbClr val="000000"/>
                     </a:solidFill>
@@ -19894,7 +21357,7 @@
                   </a14:hiddenLine>
                 </a:ext>
                 <a:ext uri="{AF507438-7753-43e0-B8FC-AC1667EBCBE1}">
-                  <a14:hiddenEffects xmlns:a14="http://schemas.microsoft.com/office/drawing/2010/main" xmlns="">
+                  <a14:hiddenEffects xmlns="" xmlns:a14="http://schemas.microsoft.com/office/drawing/2010/main">
                     <a:effectLst>
                       <a:outerShdw blurRad="63500" dist="38099" dir="2700000" algn="ctr" rotWithShape="0">
                         <a:schemeClr val="bg2">
@@ -19954,7 +21417,7 @@
             <a:ln/>
             <a:extLst>
               <a:ext uri="{91240B29-F687-4f45-9708-019B960494DF}">
-                <a14:hiddenLine xmlns:a14="http://schemas.microsoft.com/office/drawing/2010/main" xmlns="" w="25400" cap="flat" cmpd="sng" algn="ctr">
+                <a14:hiddenLine xmlns="" xmlns:a14="http://schemas.microsoft.com/office/drawing/2010/main" w="25400" cap="flat" cmpd="sng" algn="ctr">
                   <a:solidFill>
                     <a:srgbClr val="000000"/>
                   </a:solidFill>
@@ -19965,7 +21428,7 @@
                 </a14:hiddenLine>
               </a:ext>
               <a:ext uri="{AF507438-7753-43e0-B8FC-AC1667EBCBE1}">
-                <a14:hiddenEffects xmlns:a14="http://schemas.microsoft.com/office/drawing/2010/main" xmlns="">
+                <a14:hiddenEffects xmlns="" xmlns:a14="http://schemas.microsoft.com/office/drawing/2010/main">
                   <a:effectLst>
                     <a:outerShdw blurRad="63500" dist="38099" dir="2700000" algn="ctr" rotWithShape="0">
                       <a:schemeClr val="bg2">
@@ -20009,7 +21472,7 @@
             <a:ln/>
             <a:extLst>
               <a:ext uri="{91240B29-F687-4f45-9708-019B960494DF}">
-                <a14:hiddenLine xmlns:a14="http://schemas.microsoft.com/office/drawing/2010/main" xmlns="" w="25400" cap="flat" cmpd="sng" algn="ctr">
+                <a14:hiddenLine xmlns="" xmlns:a14="http://schemas.microsoft.com/office/drawing/2010/main" w="25400" cap="flat" cmpd="sng" algn="ctr">
                   <a:solidFill>
                     <a:srgbClr val="000000"/>
                   </a:solidFill>
@@ -20020,7 +21483,7 @@
                 </a14:hiddenLine>
               </a:ext>
               <a:ext uri="{AF507438-7753-43e0-B8FC-AC1667EBCBE1}">
-                <a14:hiddenEffects xmlns:a14="http://schemas.microsoft.com/office/drawing/2010/main" xmlns="">
+                <a14:hiddenEffects xmlns="" xmlns:a14="http://schemas.microsoft.com/office/drawing/2010/main">
                   <a:effectLst>
                     <a:outerShdw blurRad="63500" dist="38099" dir="2700000" algn="ctr" rotWithShape="0">
                       <a:schemeClr val="bg2">
@@ -20064,7 +21527,7 @@
             <a:ln/>
             <a:extLst>
               <a:ext uri="{91240B29-F687-4f45-9708-019B960494DF}">
-                <a14:hiddenLine xmlns:a14="http://schemas.microsoft.com/office/drawing/2010/main" xmlns="" w="25400" cap="flat" cmpd="sng" algn="ctr">
+                <a14:hiddenLine xmlns="" xmlns:a14="http://schemas.microsoft.com/office/drawing/2010/main" w="25400" cap="flat" cmpd="sng" algn="ctr">
                   <a:solidFill>
                     <a:srgbClr val="000000"/>
                   </a:solidFill>
@@ -20075,7 +21538,7 @@
                 </a14:hiddenLine>
               </a:ext>
               <a:ext uri="{AF507438-7753-43e0-B8FC-AC1667EBCBE1}">
-                <a14:hiddenEffects xmlns:a14="http://schemas.microsoft.com/office/drawing/2010/main" xmlns="">
+                <a14:hiddenEffects xmlns="" xmlns:a14="http://schemas.microsoft.com/office/drawing/2010/main">
                   <a:effectLst>
                     <a:outerShdw blurRad="63500" dist="38099" dir="2700000" algn="ctr" rotWithShape="0">
                       <a:schemeClr val="bg2">
@@ -20603,16 +22066,12 @@
           <a:lstStyle/>
           <a:p>
             <a:r>
-              <a:rPr lang="zh-CN" altLang="en-US" b="1" dirty="0" smtClean="0">
+              <a:rPr lang="zh-CN" altLang="en-US" b="1" dirty="0">
                 <a:latin typeface="微软雅黑" panose="020B0503020204020204" pitchFamily="34" charset="-122"/>
                 <a:ea typeface="微软雅黑" panose="020B0503020204020204" pitchFamily="34" charset="-122"/>
               </a:rPr>
               <a:t>练习</a:t>
             </a:r>
-            <a:endParaRPr lang="zh-CN" altLang="en-US" b="1" dirty="0">
-              <a:latin typeface="微软雅黑" panose="020B0503020204020204" pitchFamily="34" charset="-122"/>
-              <a:ea typeface="微软雅黑" panose="020B0503020204020204" pitchFamily="34" charset="-122"/>
-            </a:endParaRPr>
           </a:p>
         </p:txBody>
       </p:sp>
@@ -20637,30 +22096,26 @@
           <a:lstStyle/>
           <a:p>
             <a:r>
-              <a:rPr lang="zh-CN" altLang="en-US" dirty="0" smtClean="0">
+              <a:rPr lang="zh-CN" altLang="en-US" dirty="0">
                 <a:latin typeface="微软雅黑" panose="020B0503020204020204" pitchFamily="34" charset="-122"/>
                 <a:ea typeface="微软雅黑" panose="020B0503020204020204" pitchFamily="34" charset="-122"/>
               </a:rPr>
               <a:t>给出</a:t>
             </a:r>
             <a:r>
-              <a:rPr lang="en-US" altLang="zh-CN" dirty="0" smtClean="0">
+              <a:rPr lang="en-US" altLang="zh-CN" dirty="0">
                 <a:latin typeface="微软雅黑" panose="020B0503020204020204" pitchFamily="34" charset="-122"/>
                 <a:ea typeface="微软雅黑" panose="020B0503020204020204" pitchFamily="34" charset="-122"/>
               </a:rPr>
               <a:t>samples</a:t>
             </a:r>
             <a:r>
-              <a:rPr lang="zh-CN" altLang="en-US" dirty="0" smtClean="0">
+              <a:rPr lang="zh-CN" altLang="en-US" dirty="0">
                 <a:latin typeface="微软雅黑" panose="020B0503020204020204" pitchFamily="34" charset="-122"/>
                 <a:ea typeface="微软雅黑" panose="020B0503020204020204" pitchFamily="34" charset="-122"/>
               </a:rPr>
               <a:t>中的全部信息</a:t>
             </a:r>
-            <a:endParaRPr lang="zh-CN" altLang="en-US" dirty="0">
-              <a:latin typeface="微软雅黑" panose="020B0503020204020204" pitchFamily="34" charset="-122"/>
-              <a:ea typeface="微软雅黑" panose="020B0503020204020204" pitchFamily="34" charset="-122"/>
-            </a:endParaRPr>
           </a:p>
         </p:txBody>
       </p:sp>
@@ -20734,13 +22189,6 @@
     <a:masterClrMapping/>
   </p:clrMapOvr>
   <p:transition/>
-  <p:timing>
-    <p:tnLst>
-      <p:par>
-        <p:cTn id="1" dur="indefinite" restart="never" nodeType="tmRoot"/>
-      </p:par>
-    </p:tnLst>
-  </p:timing>
 </p:sld>
 </file>
 
@@ -20777,32 +22225,18 @@
           <a:lstStyle/>
           <a:p>
             <a:r>
-              <a:rPr lang="en-US" altLang="zh-CN" b="1" dirty="0" err="1" smtClean="0">
+              <a:rPr lang="en-US" altLang="zh-CN" b="1" dirty="0" err="1">
                 <a:latin typeface="微软雅黑" panose="020B0503020204020204" pitchFamily="34" charset="-122"/>
                 <a:ea typeface="微软雅黑" panose="020B0503020204020204" pitchFamily="34" charset="-122"/>
               </a:rPr>
               <a:t>gcc</a:t>
             </a:r>
             <a:r>
-              <a:rPr lang="en-US" altLang="zh-CN" b="1" dirty="0" smtClean="0">
+              <a:rPr lang="en-US" altLang="zh-CN" b="1" dirty="0">
                 <a:latin typeface="微软雅黑" panose="020B0503020204020204" pitchFamily="34" charset="-122"/>
                 <a:ea typeface="微软雅黑" panose="020B0503020204020204" pitchFamily="34" charset="-122"/>
               </a:rPr>
-              <a:t> 4.1.2 </a:t>
-            </a:r>
-            <a:r>
-              <a:rPr lang="en-US" altLang="zh-CN" b="1" dirty="0">
-                <a:latin typeface="微软雅黑" panose="020B0503020204020204" pitchFamily="34" charset="-122"/>
-                <a:ea typeface="微软雅黑" panose="020B0503020204020204" pitchFamily="34" charset="-122"/>
-              </a:rPr>
-              <a:t>STL </a:t>
-            </a:r>
-            <a:r>
-              <a:rPr lang="en-US" altLang="zh-CN" b="1" dirty="0" smtClean="0">
-                <a:latin typeface="微软雅黑" panose="020B0503020204020204" pitchFamily="34" charset="-122"/>
-                <a:ea typeface="微软雅黑" panose="020B0503020204020204" pitchFamily="34" charset="-122"/>
-              </a:rPr>
-              <a:t>Internals —— MAP</a:t>
+              <a:t> 4.1.2 STL Internals —— MAP</a:t>
             </a:r>
             <a:endParaRPr lang="zh-CN" altLang="en-US" b="1" dirty="0">
               <a:latin typeface="微软雅黑" panose="020B0503020204020204" pitchFamily="34" charset="-122"/>
@@ -20929,13 +22363,6 @@
     <a:masterClrMapping/>
   </p:clrMapOvr>
   <p:transition/>
-  <p:timing>
-    <p:tnLst>
-      <p:par>
-        <p:cTn id="1" dur="indefinite" restart="never" nodeType="tmRoot"/>
-      </p:par>
-    </p:tnLst>
-  </p:timing>
 </p:sld>
 </file>
 
@@ -21203,7 +22630,7 @@
         <a:effectLst/>
         <a:extLst>
           <a:ext uri="{91240B29-F687-4f45-9708-019B960494DF}">
-            <a14:hiddenLine xmlns:a14="http://schemas.microsoft.com/office/drawing/2010/main" xmlns="" w="25400" cap="flat" cmpd="sng" algn="ctr">
+            <a14:hiddenLine xmlns="" xmlns:a14="http://schemas.microsoft.com/office/drawing/2010/main" w="25400" cap="flat" cmpd="sng" algn="ctr">
               <a:solidFill>
                 <a:srgbClr val="000000"/>
               </a:solidFill>
@@ -21214,7 +22641,7 @@
             </a14:hiddenLine>
           </a:ext>
           <a:ext uri="{AF507438-7753-43e0-B8FC-AC1667EBCBE1}">
-            <a14:hiddenEffects xmlns:a14="http://schemas.microsoft.com/office/drawing/2010/main" xmlns="">
+            <a14:hiddenEffects xmlns="" xmlns:a14="http://schemas.microsoft.com/office/drawing/2010/main">
               <a:effectLst>
                 <a:outerShdw blurRad="63500" dist="38099" dir="2700000" algn="ctr" rotWithShape="0">
                   <a:schemeClr val="bg2">
@@ -21590,7 +23017,7 @@
         <a:effectLst/>
         <a:extLst>
           <a:ext uri="{91240B29-F687-4f45-9708-019B960494DF}">
-            <a14:hiddenLine xmlns:a14="http://schemas.microsoft.com/office/drawing/2010/main" xmlns="" w="25400" cap="flat" cmpd="sng" algn="ctr">
+            <a14:hiddenLine xmlns="" xmlns:a14="http://schemas.microsoft.com/office/drawing/2010/main" w="25400" cap="flat" cmpd="sng" algn="ctr">
               <a:solidFill>
                 <a:srgbClr val="000000"/>
               </a:solidFill>
@@ -21601,7 +23028,7 @@
             </a14:hiddenLine>
           </a:ext>
           <a:ext uri="{AF507438-7753-43e0-B8FC-AC1667EBCBE1}">
-            <a14:hiddenEffects xmlns:a14="http://schemas.microsoft.com/office/drawing/2010/main" xmlns="">
+            <a14:hiddenEffects xmlns="" xmlns:a14="http://schemas.microsoft.com/office/drawing/2010/main">
               <a:effectLst>
                 <a:outerShdw blurRad="63500" dist="38099" dir="2700000" algn="ctr" rotWithShape="0">
                   <a:schemeClr val="bg2">
